--- a/SQL.pptx
+++ b/SQL.pptx
@@ -6,16 +6,25 @@
   </p:sldMasterIdLst>
   <p:sldIdLst>
     <p:sldId id="260" r:id="rId2"/>
-    <p:sldId id="261" r:id="rId3"/>
-    <p:sldId id="263" r:id="rId4"/>
-    <p:sldId id="262" r:id="rId5"/>
-    <p:sldId id="264" r:id="rId6"/>
-    <p:sldId id="258" r:id="rId7"/>
-    <p:sldId id="265" r:id="rId8"/>
-    <p:sldId id="259" r:id="rId9"/>
-    <p:sldId id="266" r:id="rId10"/>
-    <p:sldId id="256" r:id="rId11"/>
-    <p:sldId id="257" r:id="rId12"/>
+    <p:sldId id="275" r:id="rId3"/>
+    <p:sldId id="261" r:id="rId4"/>
+    <p:sldId id="263" r:id="rId5"/>
+    <p:sldId id="262" r:id="rId6"/>
+    <p:sldId id="264" r:id="rId7"/>
+    <p:sldId id="258" r:id="rId8"/>
+    <p:sldId id="265" r:id="rId9"/>
+    <p:sldId id="259" r:id="rId10"/>
+    <p:sldId id="266" r:id="rId11"/>
+    <p:sldId id="267" r:id="rId12"/>
+    <p:sldId id="268" r:id="rId13"/>
+    <p:sldId id="269" r:id="rId14"/>
+    <p:sldId id="270" r:id="rId15"/>
+    <p:sldId id="271" r:id="rId16"/>
+    <p:sldId id="273" r:id="rId17"/>
+    <p:sldId id="272" r:id="rId18"/>
+    <p:sldId id="274" r:id="rId19"/>
+    <p:sldId id="256" r:id="rId20"/>
+    <p:sldId id="257" r:id="rId21"/>
   </p:sldIdLst>
   <p:sldSz cx="12192000" cy="6858000"/>
   <p:notesSz cx="6858000" cy="9144000"/>
@@ -271,7 +280,7 @@
           <a:p>
             <a:fld id="{FE86B67A-C5D1-42A7-8813-A8E29C5F9829}" type="datetimeFigureOut">
               <a:rPr lang="en-IN" smtClean="0"/>
-              <a:t>21-05-2024</a:t>
+              <a:t>22-05-2024</a:t>
             </a:fld>
             <a:endParaRPr lang="en-IN"/>
           </a:p>
@@ -471,7 +480,7 @@
           <a:p>
             <a:fld id="{FE86B67A-C5D1-42A7-8813-A8E29C5F9829}" type="datetimeFigureOut">
               <a:rPr lang="en-IN" smtClean="0"/>
-              <a:t>21-05-2024</a:t>
+              <a:t>22-05-2024</a:t>
             </a:fld>
             <a:endParaRPr lang="en-IN"/>
           </a:p>
@@ -681,7 +690,7 @@
           <a:p>
             <a:fld id="{FE86B67A-C5D1-42A7-8813-A8E29C5F9829}" type="datetimeFigureOut">
               <a:rPr lang="en-IN" smtClean="0"/>
-              <a:t>21-05-2024</a:t>
+              <a:t>22-05-2024</a:t>
             </a:fld>
             <a:endParaRPr lang="en-IN"/>
           </a:p>
@@ -881,7 +890,7 @@
           <a:p>
             <a:fld id="{FE86B67A-C5D1-42A7-8813-A8E29C5F9829}" type="datetimeFigureOut">
               <a:rPr lang="en-IN" smtClean="0"/>
-              <a:t>21-05-2024</a:t>
+              <a:t>22-05-2024</a:t>
             </a:fld>
             <a:endParaRPr lang="en-IN"/>
           </a:p>
@@ -1157,7 +1166,7 @@
           <a:p>
             <a:fld id="{FE86B67A-C5D1-42A7-8813-A8E29C5F9829}" type="datetimeFigureOut">
               <a:rPr lang="en-IN" smtClean="0"/>
-              <a:t>21-05-2024</a:t>
+              <a:t>22-05-2024</a:t>
             </a:fld>
             <a:endParaRPr lang="en-IN"/>
           </a:p>
@@ -1425,7 +1434,7 @@
           <a:p>
             <a:fld id="{FE86B67A-C5D1-42A7-8813-A8E29C5F9829}" type="datetimeFigureOut">
               <a:rPr lang="en-IN" smtClean="0"/>
-              <a:t>21-05-2024</a:t>
+              <a:t>22-05-2024</a:t>
             </a:fld>
             <a:endParaRPr lang="en-IN"/>
           </a:p>
@@ -1840,7 +1849,7 @@
           <a:p>
             <a:fld id="{FE86B67A-C5D1-42A7-8813-A8E29C5F9829}" type="datetimeFigureOut">
               <a:rPr lang="en-IN" smtClean="0"/>
-              <a:t>21-05-2024</a:t>
+              <a:t>22-05-2024</a:t>
             </a:fld>
             <a:endParaRPr lang="en-IN"/>
           </a:p>
@@ -1982,7 +1991,7 @@
           <a:p>
             <a:fld id="{FE86B67A-C5D1-42A7-8813-A8E29C5F9829}" type="datetimeFigureOut">
               <a:rPr lang="en-IN" smtClean="0"/>
-              <a:t>21-05-2024</a:t>
+              <a:t>22-05-2024</a:t>
             </a:fld>
             <a:endParaRPr lang="en-IN"/>
           </a:p>
@@ -2095,7 +2104,7 @@
           <a:p>
             <a:fld id="{FE86B67A-C5D1-42A7-8813-A8E29C5F9829}" type="datetimeFigureOut">
               <a:rPr lang="en-IN" smtClean="0"/>
-              <a:t>21-05-2024</a:t>
+              <a:t>22-05-2024</a:t>
             </a:fld>
             <a:endParaRPr lang="en-IN"/>
           </a:p>
@@ -2408,7 +2417,7 @@
           <a:p>
             <a:fld id="{FE86B67A-C5D1-42A7-8813-A8E29C5F9829}" type="datetimeFigureOut">
               <a:rPr lang="en-IN" smtClean="0"/>
-              <a:t>21-05-2024</a:t>
+              <a:t>22-05-2024</a:t>
             </a:fld>
             <a:endParaRPr lang="en-IN"/>
           </a:p>
@@ -2697,7 +2706,7 @@
           <a:p>
             <a:fld id="{FE86B67A-C5D1-42A7-8813-A8E29C5F9829}" type="datetimeFigureOut">
               <a:rPr lang="en-IN" smtClean="0"/>
-              <a:t>21-05-2024</a:t>
+              <a:t>22-05-2024</a:t>
             </a:fld>
             <a:endParaRPr lang="en-IN"/>
           </a:p>
@@ -2940,7 +2949,7 @@
           <a:p>
             <a:fld id="{FE86B67A-C5D1-42A7-8813-A8E29C5F9829}" type="datetimeFigureOut">
               <a:rPr lang="en-IN" smtClean="0"/>
-              <a:t>21-05-2024</a:t>
+              <a:t>22-05-2024</a:t>
             </a:fld>
             <a:endParaRPr lang="en-IN"/>
           </a:p>
@@ -3372,14 +3381,14 @@
           <p:nvPr>
             <p:extLst>
               <p:ext uri="{D42A27DB-BD31-4B8C-83A1-F6EECF244321}">
-                <p14:modId xmlns:p14="http://schemas.microsoft.com/office/powerpoint/2010/main" val="1538499821"/>
+                <p14:modId xmlns:p14="http://schemas.microsoft.com/office/powerpoint/2010/main" val="1595857832"/>
               </p:ext>
             </p:extLst>
           </p:nvPr>
         </p:nvGraphicFramePr>
         <p:xfrm>
           <a:off x="203200" y="234474"/>
-          <a:ext cx="8128000" cy="1752600"/>
+          <a:ext cx="8128000" cy="2865120"/>
         </p:xfrm>
         <a:graphic>
           <a:graphicData uri="http://schemas.openxmlformats.org/drawingml/2006/table">
@@ -3543,6 +3552,111 @@
                   </a:ext>
                 </a:extLst>
               </a:tr>
+              <a:tr h="370840">
+                <a:tc>
+                  <a:txBody>
+                    <a:bodyPr/>
+                    <a:lstStyle/>
+                    <a:p>
+                      <a:r>
+                        <a:rPr lang="en-US" dirty="0"/>
+                        <a:t>Delete</a:t>
+                      </a:r>
+                      <a:endParaRPr lang="en-IN" dirty="0"/>
+                    </a:p>
+                  </a:txBody>
+                  <a:tcPr/>
+                </a:tc>
+                <a:tc>
+                  <a:txBody>
+                    <a:bodyPr/>
+                    <a:lstStyle/>
+                    <a:p>
+                      <a:r>
+                        <a:rPr lang="en-US" dirty="0"/>
+                        <a:t>Used to delete existing records from a table</a:t>
+                      </a:r>
+                      <a:endParaRPr lang="en-IN" dirty="0"/>
+                    </a:p>
+                  </a:txBody>
+                  <a:tcPr/>
+                </a:tc>
+                <a:extLst>
+                  <a:ext uri="{0D108BD9-81ED-4DB2-BD59-A6C34878D82A}">
+                    <a16:rowId xmlns:a16="http://schemas.microsoft.com/office/drawing/2014/main" val="928075070"/>
+                  </a:ext>
+                </a:extLst>
+              </a:tr>
+              <a:tr h="370840">
+                <a:tc>
+                  <a:txBody>
+                    <a:bodyPr/>
+                    <a:lstStyle/>
+                    <a:p>
+                      <a:r>
+                        <a:rPr lang="en-US" dirty="0"/>
+                        <a:t>Drop</a:t>
+                      </a:r>
+                      <a:endParaRPr lang="en-IN" dirty="0"/>
+                    </a:p>
+                  </a:txBody>
+                  <a:tcPr/>
+                </a:tc>
+                <a:tc>
+                  <a:txBody>
+                    <a:bodyPr/>
+                    <a:lstStyle/>
+                    <a:p>
+                      <a:r>
+                        <a:rPr lang="en-US" dirty="0"/>
+                        <a:t>Delete a table from database.</a:t>
+                      </a:r>
+                      <a:endParaRPr lang="en-IN" dirty="0"/>
+                    </a:p>
+                  </a:txBody>
+                  <a:tcPr/>
+                </a:tc>
+                <a:extLst>
+                  <a:ext uri="{0D108BD9-81ED-4DB2-BD59-A6C34878D82A}">
+                    <a16:rowId xmlns:a16="http://schemas.microsoft.com/office/drawing/2014/main" val="1926049057"/>
+                  </a:ext>
+                </a:extLst>
+              </a:tr>
+              <a:tr h="370840">
+                <a:tc>
+                  <a:txBody>
+                    <a:bodyPr/>
+                    <a:lstStyle/>
+                    <a:p>
+                      <a:r>
+                        <a:rPr lang="en-US" dirty="0"/>
+                        <a:t>Alter</a:t>
+                      </a:r>
+                      <a:endParaRPr lang="en-IN" dirty="0"/>
+                    </a:p>
+                  </a:txBody>
+                  <a:tcPr/>
+                </a:tc>
+                <a:tc>
+                  <a:txBody>
+                    <a:bodyPr/>
+                    <a:lstStyle/>
+                    <a:p>
+                      <a:r>
+                        <a:rPr lang="en-US" dirty="0"/>
+                        <a:t>Used to add, delete or modify columns in an existing table</a:t>
+                      </a:r>
+                      <a:endParaRPr lang="en-IN" dirty="0"/>
+                    </a:p>
+                  </a:txBody>
+                  <a:tcPr/>
+                </a:tc>
+                <a:extLst>
+                  <a:ext uri="{0D108BD9-81ED-4DB2-BD59-A6C34878D82A}">
+                    <a16:rowId xmlns:a16="http://schemas.microsoft.com/office/drawing/2014/main" val="3280519831"/>
+                  </a:ext>
+                </a:extLst>
+              </a:tr>
             </a:tbl>
           </a:graphicData>
         </a:graphic>
@@ -3561,6 +3675,1567 @@
 </file>
 
 <file path=ppt/slides/slide10.xml><?xml version="1.0" encoding="utf-8"?>
+<p:sld xmlns:a="http://schemas.openxmlformats.org/drawingml/2006/main" xmlns:r="http://schemas.openxmlformats.org/officeDocument/2006/relationships" xmlns:p="http://schemas.openxmlformats.org/presentationml/2006/main">
+  <p:cSld>
+    <p:spTree>
+      <p:nvGrpSpPr>
+        <p:cNvPr id="1" name=""/>
+        <p:cNvGrpSpPr/>
+        <p:nvPr/>
+      </p:nvGrpSpPr>
+      <p:grpSpPr>
+        <a:xfrm>
+          <a:off x="0" y="0"/>
+          <a:ext cx="0" cy="0"/>
+          <a:chOff x="0" y="0"/>
+          <a:chExt cx="0" cy="0"/>
+        </a:xfrm>
+      </p:grpSpPr>
+      <p:pic>
+        <p:nvPicPr>
+          <p:cNvPr id="2" name="Picture 1">
+            <a:extLst>
+              <a:ext uri="{FF2B5EF4-FFF2-40B4-BE49-F238E27FC236}">
+                <a16:creationId xmlns:a16="http://schemas.microsoft.com/office/drawing/2014/main" id="{6EBB2198-A52D-7CFB-4C07-E6BFE9CFABBA}"/>
+              </a:ext>
+            </a:extLst>
+          </p:cNvPr>
+          <p:cNvPicPr>
+            <a:picLocks noChangeAspect="1"/>
+          </p:cNvPicPr>
+          <p:nvPr/>
+        </p:nvPicPr>
+        <p:blipFill>
+          <a:blip r:embed="rId2"/>
+          <a:stretch>
+            <a:fillRect/>
+          </a:stretch>
+        </p:blipFill>
+        <p:spPr>
+          <a:xfrm>
+            <a:off x="1032520" y="164174"/>
+            <a:ext cx="2662401" cy="1757184"/>
+          </a:xfrm>
+          <a:prstGeom prst="rect">
+            <a:avLst/>
+          </a:prstGeom>
+        </p:spPr>
+      </p:pic>
+      <p:sp>
+        <p:nvSpPr>
+          <p:cNvPr id="4" name="Arrow: Right 3">
+            <a:extLst>
+              <a:ext uri="{FF2B5EF4-FFF2-40B4-BE49-F238E27FC236}">
+                <a16:creationId xmlns:a16="http://schemas.microsoft.com/office/drawing/2014/main" id="{D438B38F-1820-F21A-236D-BC4A31CBDAAF}"/>
+              </a:ext>
+            </a:extLst>
+          </p:cNvPr>
+          <p:cNvSpPr/>
+          <p:nvPr/>
+        </p:nvSpPr>
+        <p:spPr>
+          <a:xfrm>
+            <a:off x="4337179" y="534248"/>
+            <a:ext cx="3517641" cy="1017037"/>
+          </a:xfrm>
+          <a:prstGeom prst="rightArrow">
+            <a:avLst/>
+          </a:prstGeom>
+        </p:spPr>
+        <p:style>
+          <a:lnRef idx="2">
+            <a:schemeClr val="accent1">
+              <a:shade val="15000"/>
+            </a:schemeClr>
+          </a:lnRef>
+          <a:fillRef idx="1">
+            <a:schemeClr val="accent1"/>
+          </a:fillRef>
+          <a:effectRef idx="0">
+            <a:schemeClr val="accent1"/>
+          </a:effectRef>
+          <a:fontRef idx="minor">
+            <a:schemeClr val="lt1"/>
+          </a:fontRef>
+        </p:style>
+        <p:txBody>
+          <a:bodyPr rtlCol="0" anchor="ctr"/>
+          <a:lstStyle/>
+          <a:p>
+            <a:pPr algn="ctr"/>
+            <a:r>
+              <a:rPr lang="en-US" dirty="0"/>
+              <a:t>Update score of Ram to 100</a:t>
+            </a:r>
+            <a:endParaRPr lang="en-IN" dirty="0"/>
+          </a:p>
+        </p:txBody>
+      </p:sp>
+      <p:sp>
+        <p:nvSpPr>
+          <p:cNvPr id="6" name="TextBox 5">
+            <a:extLst>
+              <a:ext uri="{FF2B5EF4-FFF2-40B4-BE49-F238E27FC236}">
+                <a16:creationId xmlns:a16="http://schemas.microsoft.com/office/drawing/2014/main" id="{4350547D-2C8E-20C6-B656-83B19E84F9CC}"/>
+              </a:ext>
+            </a:extLst>
+          </p:cNvPr>
+          <p:cNvSpPr txBox="1"/>
+          <p:nvPr/>
+        </p:nvSpPr>
+        <p:spPr>
+          <a:xfrm>
+            <a:off x="8385889" y="2266080"/>
+            <a:ext cx="2586912" cy="1754326"/>
+          </a:xfrm>
+          <a:prstGeom prst="rect">
+            <a:avLst/>
+          </a:prstGeom>
+          <a:noFill/>
+        </p:spPr>
+        <p:txBody>
+          <a:bodyPr wrap="square">
+            <a:spAutoFit/>
+          </a:bodyPr>
+          <a:lstStyle/>
+          <a:p>
+            <a:r>
+              <a:rPr lang="en-IN" dirty="0"/>
+              <a:t>update 	</a:t>
+            </a:r>
+          </a:p>
+          <a:p>
+            <a:r>
+              <a:rPr lang="en-IN" dirty="0"/>
+              <a:t>	player </a:t>
+            </a:r>
+          </a:p>
+          <a:p>
+            <a:r>
+              <a:rPr lang="en-IN" dirty="0"/>
+              <a:t>set 	</a:t>
+            </a:r>
+          </a:p>
+          <a:p>
+            <a:r>
+              <a:rPr lang="en-IN" dirty="0"/>
+              <a:t>	score = 100</a:t>
+            </a:r>
+          </a:p>
+          <a:p>
+            <a:r>
+              <a:rPr lang="en-IN" dirty="0"/>
+              <a:t>WHERE 	</a:t>
+            </a:r>
+          </a:p>
+          <a:p>
+            <a:r>
+              <a:rPr lang="en-IN" dirty="0"/>
+              <a:t>	name = "Ram"; </a:t>
+            </a:r>
+          </a:p>
+        </p:txBody>
+      </p:sp>
+      <p:pic>
+        <p:nvPicPr>
+          <p:cNvPr id="8" name="Picture 7">
+            <a:extLst>
+              <a:ext uri="{FF2B5EF4-FFF2-40B4-BE49-F238E27FC236}">
+                <a16:creationId xmlns:a16="http://schemas.microsoft.com/office/drawing/2014/main" id="{549308D5-5C91-D663-BC48-7BA4043E580C}"/>
+              </a:ext>
+            </a:extLst>
+          </p:cNvPr>
+          <p:cNvPicPr>
+            <a:picLocks noChangeAspect="1"/>
+          </p:cNvPicPr>
+          <p:nvPr/>
+        </p:nvPicPr>
+        <p:blipFill>
+          <a:blip r:embed="rId3"/>
+          <a:stretch>
+            <a:fillRect/>
+          </a:stretch>
+        </p:blipFill>
+        <p:spPr>
+          <a:xfrm>
+            <a:off x="8385889" y="164174"/>
+            <a:ext cx="2426196" cy="1754326"/>
+          </a:xfrm>
+          <a:prstGeom prst="rect">
+            <a:avLst/>
+          </a:prstGeom>
+        </p:spPr>
+      </p:pic>
+    </p:spTree>
+    <p:extLst>
+      <p:ext uri="{BB962C8B-B14F-4D97-AF65-F5344CB8AC3E}">
+        <p14:creationId xmlns:p14="http://schemas.microsoft.com/office/powerpoint/2010/main" val="25921766"/>
+      </p:ext>
+    </p:extLst>
+  </p:cSld>
+  <p:clrMapOvr>
+    <a:masterClrMapping/>
+  </p:clrMapOvr>
+</p:sld>
+</file>
+
+<file path=ppt/slides/slide11.xml><?xml version="1.0" encoding="utf-8"?>
+<p:sld xmlns:a="http://schemas.openxmlformats.org/drawingml/2006/main" xmlns:r="http://schemas.openxmlformats.org/officeDocument/2006/relationships" xmlns:p="http://schemas.openxmlformats.org/presentationml/2006/main">
+  <p:cSld>
+    <p:spTree>
+      <p:nvGrpSpPr>
+        <p:cNvPr id="1" name=""/>
+        <p:cNvGrpSpPr/>
+        <p:nvPr/>
+      </p:nvGrpSpPr>
+      <p:grpSpPr>
+        <a:xfrm>
+          <a:off x="0" y="0"/>
+          <a:ext cx="0" cy="0"/>
+          <a:chOff x="0" y="0"/>
+          <a:chExt cx="0" cy="0"/>
+        </a:xfrm>
+      </p:grpSpPr>
+      <p:pic>
+        <p:nvPicPr>
+          <p:cNvPr id="5" name="Picture 4">
+            <a:extLst>
+              <a:ext uri="{FF2B5EF4-FFF2-40B4-BE49-F238E27FC236}">
+                <a16:creationId xmlns:a16="http://schemas.microsoft.com/office/drawing/2014/main" id="{B20BBC12-C8BD-4856-9F5F-6FADDDAB4223}"/>
+              </a:ext>
+            </a:extLst>
+          </p:cNvPr>
+          <p:cNvPicPr>
+            <a:picLocks noChangeAspect="1"/>
+          </p:cNvPicPr>
+          <p:nvPr/>
+        </p:nvPicPr>
+        <p:blipFill>
+          <a:blip r:embed="rId2"/>
+          <a:stretch>
+            <a:fillRect/>
+          </a:stretch>
+        </p:blipFill>
+        <p:spPr>
+          <a:xfrm>
+            <a:off x="263600" y="211481"/>
+            <a:ext cx="3517641" cy="1662567"/>
+          </a:xfrm>
+          <a:prstGeom prst="rect">
+            <a:avLst/>
+          </a:prstGeom>
+        </p:spPr>
+      </p:pic>
+      <p:sp>
+        <p:nvSpPr>
+          <p:cNvPr id="6" name="Arrow: Right 5">
+            <a:extLst>
+              <a:ext uri="{FF2B5EF4-FFF2-40B4-BE49-F238E27FC236}">
+                <a16:creationId xmlns:a16="http://schemas.microsoft.com/office/drawing/2014/main" id="{C33A0414-FE8A-68C4-4AFA-F6E829E369D9}"/>
+              </a:ext>
+            </a:extLst>
+          </p:cNvPr>
+          <p:cNvSpPr/>
+          <p:nvPr/>
+        </p:nvSpPr>
+        <p:spPr>
+          <a:xfrm>
+            <a:off x="4337179" y="534248"/>
+            <a:ext cx="3517641" cy="1017037"/>
+          </a:xfrm>
+          <a:prstGeom prst="rightArrow">
+            <a:avLst/>
+          </a:prstGeom>
+        </p:spPr>
+        <p:style>
+          <a:lnRef idx="2">
+            <a:schemeClr val="accent1">
+              <a:shade val="15000"/>
+            </a:schemeClr>
+          </a:lnRef>
+          <a:fillRef idx="1">
+            <a:schemeClr val="accent1"/>
+          </a:fillRef>
+          <a:effectRef idx="0">
+            <a:schemeClr val="accent1"/>
+          </a:effectRef>
+          <a:fontRef idx="minor">
+            <a:schemeClr val="lt1"/>
+          </a:fontRef>
+        </p:style>
+        <p:txBody>
+          <a:bodyPr rtlCol="0" anchor="ctr"/>
+          <a:lstStyle/>
+          <a:p>
+            <a:pPr algn="ctr"/>
+            <a:r>
+              <a:rPr lang="en-US" dirty="0"/>
+              <a:t>Delete Sai From Table</a:t>
+            </a:r>
+            <a:endParaRPr lang="en-IN" dirty="0"/>
+          </a:p>
+        </p:txBody>
+      </p:sp>
+      <p:pic>
+        <p:nvPicPr>
+          <p:cNvPr id="8" name="Picture 7">
+            <a:extLst>
+              <a:ext uri="{FF2B5EF4-FFF2-40B4-BE49-F238E27FC236}">
+                <a16:creationId xmlns:a16="http://schemas.microsoft.com/office/drawing/2014/main" id="{CB932141-21E4-A6F3-D2AC-9C51ED555237}"/>
+              </a:ext>
+            </a:extLst>
+          </p:cNvPr>
+          <p:cNvPicPr>
+            <a:picLocks noChangeAspect="1"/>
+          </p:cNvPicPr>
+          <p:nvPr/>
+        </p:nvPicPr>
+        <p:blipFill>
+          <a:blip r:embed="rId3"/>
+          <a:stretch>
+            <a:fillRect/>
+          </a:stretch>
+        </p:blipFill>
+        <p:spPr>
+          <a:xfrm>
+            <a:off x="8301913" y="480347"/>
+            <a:ext cx="3112563" cy="1124837"/>
+          </a:xfrm>
+          <a:prstGeom prst="rect">
+            <a:avLst/>
+          </a:prstGeom>
+        </p:spPr>
+      </p:pic>
+    </p:spTree>
+    <p:extLst>
+      <p:ext uri="{BB962C8B-B14F-4D97-AF65-F5344CB8AC3E}">
+        <p14:creationId xmlns:p14="http://schemas.microsoft.com/office/powerpoint/2010/main" val="3044512429"/>
+      </p:ext>
+    </p:extLst>
+  </p:cSld>
+  <p:clrMapOvr>
+    <a:masterClrMapping/>
+  </p:clrMapOvr>
+</p:sld>
+</file>
+
+<file path=ppt/slides/slide12.xml><?xml version="1.0" encoding="utf-8"?>
+<p:sld xmlns:a="http://schemas.openxmlformats.org/drawingml/2006/main" xmlns:r="http://schemas.openxmlformats.org/officeDocument/2006/relationships" xmlns:p="http://schemas.openxmlformats.org/presentationml/2006/main">
+  <p:cSld>
+    <p:spTree>
+      <p:nvGrpSpPr>
+        <p:cNvPr id="1" name=""/>
+        <p:cNvGrpSpPr/>
+        <p:nvPr/>
+      </p:nvGrpSpPr>
+      <p:grpSpPr>
+        <a:xfrm>
+          <a:off x="0" y="0"/>
+          <a:ext cx="0" cy="0"/>
+          <a:chOff x="0" y="0"/>
+          <a:chExt cx="0" cy="0"/>
+        </a:xfrm>
+      </p:grpSpPr>
+      <p:sp>
+        <p:nvSpPr>
+          <p:cNvPr id="3" name="TextBox 2">
+            <a:extLst>
+              <a:ext uri="{FF2B5EF4-FFF2-40B4-BE49-F238E27FC236}">
+                <a16:creationId xmlns:a16="http://schemas.microsoft.com/office/drawing/2014/main" id="{D4EDBE6D-D96B-738A-B053-8C7CF127FFD4}"/>
+              </a:ext>
+            </a:extLst>
+          </p:cNvPr>
+          <p:cNvSpPr txBox="1"/>
+          <p:nvPr/>
+        </p:nvSpPr>
+        <p:spPr>
+          <a:xfrm>
+            <a:off x="8616056" y="1984701"/>
+            <a:ext cx="2484275" cy="1200329"/>
+          </a:xfrm>
+          <a:prstGeom prst="rect">
+            <a:avLst/>
+          </a:prstGeom>
+          <a:noFill/>
+        </p:spPr>
+        <p:txBody>
+          <a:bodyPr wrap="square">
+            <a:spAutoFit/>
+          </a:bodyPr>
+          <a:lstStyle/>
+          <a:p>
+            <a:r>
+              <a:rPr lang="en-IN" dirty="0"/>
+              <a:t>DELETE FROM</a:t>
+            </a:r>
+          </a:p>
+          <a:p>
+            <a:r>
+              <a:rPr lang="en-IN" dirty="0"/>
+              <a:t> 	student </a:t>
+            </a:r>
+          </a:p>
+          <a:p>
+            <a:r>
+              <a:rPr lang="en-IN" dirty="0"/>
+              <a:t>WHERE 	</a:t>
+            </a:r>
+          </a:p>
+          <a:p>
+            <a:r>
+              <a:rPr lang="en-IN" dirty="0"/>
+              <a:t>	name = "Sai";</a:t>
+            </a:r>
+          </a:p>
+        </p:txBody>
+      </p:sp>
+      <p:pic>
+        <p:nvPicPr>
+          <p:cNvPr id="5" name="Picture 4">
+            <a:extLst>
+              <a:ext uri="{FF2B5EF4-FFF2-40B4-BE49-F238E27FC236}">
+                <a16:creationId xmlns:a16="http://schemas.microsoft.com/office/drawing/2014/main" id="{B20BBC12-C8BD-4856-9F5F-6FADDDAB4223}"/>
+              </a:ext>
+            </a:extLst>
+          </p:cNvPr>
+          <p:cNvPicPr>
+            <a:picLocks noChangeAspect="1"/>
+          </p:cNvPicPr>
+          <p:nvPr/>
+        </p:nvPicPr>
+        <p:blipFill>
+          <a:blip r:embed="rId2"/>
+          <a:stretch>
+            <a:fillRect/>
+          </a:stretch>
+        </p:blipFill>
+        <p:spPr>
+          <a:xfrm>
+            <a:off x="263600" y="211481"/>
+            <a:ext cx="3517641" cy="1662567"/>
+          </a:xfrm>
+          <a:prstGeom prst="rect">
+            <a:avLst/>
+          </a:prstGeom>
+        </p:spPr>
+      </p:pic>
+      <p:sp>
+        <p:nvSpPr>
+          <p:cNvPr id="6" name="Arrow: Right 5">
+            <a:extLst>
+              <a:ext uri="{FF2B5EF4-FFF2-40B4-BE49-F238E27FC236}">
+                <a16:creationId xmlns:a16="http://schemas.microsoft.com/office/drawing/2014/main" id="{C33A0414-FE8A-68C4-4AFA-F6E829E369D9}"/>
+              </a:ext>
+            </a:extLst>
+          </p:cNvPr>
+          <p:cNvSpPr/>
+          <p:nvPr/>
+        </p:nvSpPr>
+        <p:spPr>
+          <a:xfrm>
+            <a:off x="4337179" y="534248"/>
+            <a:ext cx="3517641" cy="1017037"/>
+          </a:xfrm>
+          <a:prstGeom prst="rightArrow">
+            <a:avLst/>
+          </a:prstGeom>
+        </p:spPr>
+        <p:style>
+          <a:lnRef idx="2">
+            <a:schemeClr val="accent1">
+              <a:shade val="15000"/>
+            </a:schemeClr>
+          </a:lnRef>
+          <a:fillRef idx="1">
+            <a:schemeClr val="accent1"/>
+          </a:fillRef>
+          <a:effectRef idx="0">
+            <a:schemeClr val="accent1"/>
+          </a:effectRef>
+          <a:fontRef idx="minor">
+            <a:schemeClr val="lt1"/>
+          </a:fontRef>
+        </p:style>
+        <p:txBody>
+          <a:bodyPr rtlCol="0" anchor="ctr"/>
+          <a:lstStyle/>
+          <a:p>
+            <a:pPr algn="ctr"/>
+            <a:r>
+              <a:rPr lang="en-US" dirty="0"/>
+              <a:t>Delete Sai From Table</a:t>
+            </a:r>
+            <a:endParaRPr lang="en-IN" dirty="0"/>
+          </a:p>
+        </p:txBody>
+      </p:sp>
+      <p:pic>
+        <p:nvPicPr>
+          <p:cNvPr id="8" name="Picture 7">
+            <a:extLst>
+              <a:ext uri="{FF2B5EF4-FFF2-40B4-BE49-F238E27FC236}">
+                <a16:creationId xmlns:a16="http://schemas.microsoft.com/office/drawing/2014/main" id="{CB932141-21E4-A6F3-D2AC-9C51ED555237}"/>
+              </a:ext>
+            </a:extLst>
+          </p:cNvPr>
+          <p:cNvPicPr>
+            <a:picLocks noChangeAspect="1"/>
+          </p:cNvPicPr>
+          <p:nvPr/>
+        </p:nvPicPr>
+        <p:blipFill>
+          <a:blip r:embed="rId3"/>
+          <a:stretch>
+            <a:fillRect/>
+          </a:stretch>
+        </p:blipFill>
+        <p:spPr>
+          <a:xfrm>
+            <a:off x="8301913" y="480347"/>
+            <a:ext cx="3112563" cy="1124837"/>
+          </a:xfrm>
+          <a:prstGeom prst="rect">
+            <a:avLst/>
+          </a:prstGeom>
+        </p:spPr>
+      </p:pic>
+    </p:spTree>
+    <p:extLst>
+      <p:ext uri="{BB962C8B-B14F-4D97-AF65-F5344CB8AC3E}">
+        <p14:creationId xmlns:p14="http://schemas.microsoft.com/office/powerpoint/2010/main" val="698427570"/>
+      </p:ext>
+    </p:extLst>
+  </p:cSld>
+  <p:clrMapOvr>
+    <a:masterClrMapping/>
+  </p:clrMapOvr>
+</p:sld>
+</file>
+
+<file path=ppt/slides/slide13.xml><?xml version="1.0" encoding="utf-8"?>
+<p:sld xmlns:a="http://schemas.openxmlformats.org/drawingml/2006/main" xmlns:r="http://schemas.openxmlformats.org/officeDocument/2006/relationships" xmlns:p="http://schemas.openxmlformats.org/presentationml/2006/main">
+  <p:cSld>
+    <p:spTree>
+      <p:nvGrpSpPr>
+        <p:cNvPr id="1" name=""/>
+        <p:cNvGrpSpPr/>
+        <p:nvPr/>
+      </p:nvGrpSpPr>
+      <p:grpSpPr>
+        <a:xfrm>
+          <a:off x="0" y="0"/>
+          <a:ext cx="0" cy="0"/>
+          <a:chOff x="0" y="0"/>
+          <a:chExt cx="0" cy="0"/>
+        </a:xfrm>
+      </p:grpSpPr>
+      <p:pic>
+        <p:nvPicPr>
+          <p:cNvPr id="3" name="Picture 2">
+            <a:extLst>
+              <a:ext uri="{FF2B5EF4-FFF2-40B4-BE49-F238E27FC236}">
+                <a16:creationId xmlns:a16="http://schemas.microsoft.com/office/drawing/2014/main" id="{84ABF4E8-8A3B-F79D-2A53-A574D7C7A3B7}"/>
+              </a:ext>
+            </a:extLst>
+          </p:cNvPr>
+          <p:cNvPicPr>
+            <a:picLocks noChangeAspect="1"/>
+          </p:cNvPicPr>
+          <p:nvPr/>
+        </p:nvPicPr>
+        <p:blipFill>
+          <a:blip r:embed="rId2"/>
+          <a:stretch>
+            <a:fillRect/>
+          </a:stretch>
+        </p:blipFill>
+        <p:spPr>
+          <a:xfrm>
+            <a:off x="350458" y="351662"/>
+            <a:ext cx="3563842" cy="1383832"/>
+          </a:xfrm>
+          <a:prstGeom prst="rect">
+            <a:avLst/>
+          </a:prstGeom>
+        </p:spPr>
+      </p:pic>
+      <p:sp>
+        <p:nvSpPr>
+          <p:cNvPr id="4" name="Arrow: Right 3">
+            <a:extLst>
+              <a:ext uri="{FF2B5EF4-FFF2-40B4-BE49-F238E27FC236}">
+                <a16:creationId xmlns:a16="http://schemas.microsoft.com/office/drawing/2014/main" id="{1EDD3182-462A-6EB0-0B7D-11C3A7A68443}"/>
+              </a:ext>
+            </a:extLst>
+          </p:cNvPr>
+          <p:cNvSpPr/>
+          <p:nvPr/>
+        </p:nvSpPr>
+        <p:spPr>
+          <a:xfrm>
+            <a:off x="4337179" y="534248"/>
+            <a:ext cx="3517641" cy="1017037"/>
+          </a:xfrm>
+          <a:prstGeom prst="rightArrow">
+            <a:avLst/>
+          </a:prstGeom>
+        </p:spPr>
+        <p:style>
+          <a:lnRef idx="2">
+            <a:schemeClr val="accent1">
+              <a:shade val="15000"/>
+            </a:schemeClr>
+          </a:lnRef>
+          <a:fillRef idx="1">
+            <a:schemeClr val="accent1"/>
+          </a:fillRef>
+          <a:effectRef idx="0">
+            <a:schemeClr val="accent1"/>
+          </a:effectRef>
+          <a:fontRef idx="minor">
+            <a:schemeClr val="lt1"/>
+          </a:fontRef>
+        </p:style>
+        <p:txBody>
+          <a:bodyPr rtlCol="0" anchor="ctr"/>
+          <a:lstStyle/>
+          <a:p>
+            <a:pPr algn="ctr"/>
+            <a:r>
+              <a:rPr lang="en-US" dirty="0"/>
+              <a:t>Add College Column </a:t>
+            </a:r>
+            <a:endParaRPr lang="en-IN" dirty="0"/>
+          </a:p>
+        </p:txBody>
+      </p:sp>
+      <p:pic>
+        <p:nvPicPr>
+          <p:cNvPr id="8" name="Picture 7">
+            <a:extLst>
+              <a:ext uri="{FF2B5EF4-FFF2-40B4-BE49-F238E27FC236}">
+                <a16:creationId xmlns:a16="http://schemas.microsoft.com/office/drawing/2014/main" id="{32A71DC8-8D14-52CD-C64F-43F6B1111957}"/>
+              </a:ext>
+            </a:extLst>
+          </p:cNvPr>
+          <p:cNvPicPr>
+            <a:picLocks noChangeAspect="1"/>
+          </p:cNvPicPr>
+          <p:nvPr/>
+        </p:nvPicPr>
+        <p:blipFill>
+          <a:blip r:embed="rId3"/>
+          <a:stretch>
+            <a:fillRect/>
+          </a:stretch>
+        </p:blipFill>
+        <p:spPr>
+          <a:xfrm>
+            <a:off x="7985304" y="470700"/>
+            <a:ext cx="3744271" cy="1057207"/>
+          </a:xfrm>
+          <a:prstGeom prst="rect">
+            <a:avLst/>
+          </a:prstGeom>
+        </p:spPr>
+      </p:pic>
+    </p:spTree>
+    <p:extLst>
+      <p:ext uri="{BB962C8B-B14F-4D97-AF65-F5344CB8AC3E}">
+        <p14:creationId xmlns:p14="http://schemas.microsoft.com/office/powerpoint/2010/main" val="3612819519"/>
+      </p:ext>
+    </p:extLst>
+  </p:cSld>
+  <p:clrMapOvr>
+    <a:masterClrMapping/>
+  </p:clrMapOvr>
+</p:sld>
+</file>
+
+<file path=ppt/slides/slide14.xml><?xml version="1.0" encoding="utf-8"?>
+<p:sld xmlns:a="http://schemas.openxmlformats.org/drawingml/2006/main" xmlns:r="http://schemas.openxmlformats.org/officeDocument/2006/relationships" xmlns:p="http://schemas.openxmlformats.org/presentationml/2006/main">
+  <p:cSld>
+    <p:spTree>
+      <p:nvGrpSpPr>
+        <p:cNvPr id="1" name=""/>
+        <p:cNvGrpSpPr/>
+        <p:nvPr/>
+      </p:nvGrpSpPr>
+      <p:grpSpPr>
+        <a:xfrm>
+          <a:off x="0" y="0"/>
+          <a:ext cx="0" cy="0"/>
+          <a:chOff x="0" y="0"/>
+          <a:chExt cx="0" cy="0"/>
+        </a:xfrm>
+      </p:grpSpPr>
+      <p:pic>
+        <p:nvPicPr>
+          <p:cNvPr id="3" name="Picture 2">
+            <a:extLst>
+              <a:ext uri="{FF2B5EF4-FFF2-40B4-BE49-F238E27FC236}">
+                <a16:creationId xmlns:a16="http://schemas.microsoft.com/office/drawing/2014/main" id="{84ABF4E8-8A3B-F79D-2A53-A574D7C7A3B7}"/>
+              </a:ext>
+            </a:extLst>
+          </p:cNvPr>
+          <p:cNvPicPr>
+            <a:picLocks noChangeAspect="1"/>
+          </p:cNvPicPr>
+          <p:nvPr/>
+        </p:nvPicPr>
+        <p:blipFill>
+          <a:blip r:embed="rId2"/>
+          <a:stretch>
+            <a:fillRect/>
+          </a:stretch>
+        </p:blipFill>
+        <p:spPr>
+          <a:xfrm>
+            <a:off x="350458" y="351662"/>
+            <a:ext cx="3563842" cy="1383832"/>
+          </a:xfrm>
+          <a:prstGeom prst="rect">
+            <a:avLst/>
+          </a:prstGeom>
+        </p:spPr>
+      </p:pic>
+      <p:sp>
+        <p:nvSpPr>
+          <p:cNvPr id="4" name="Arrow: Right 3">
+            <a:extLst>
+              <a:ext uri="{FF2B5EF4-FFF2-40B4-BE49-F238E27FC236}">
+                <a16:creationId xmlns:a16="http://schemas.microsoft.com/office/drawing/2014/main" id="{1EDD3182-462A-6EB0-0B7D-11C3A7A68443}"/>
+              </a:ext>
+            </a:extLst>
+          </p:cNvPr>
+          <p:cNvSpPr/>
+          <p:nvPr/>
+        </p:nvSpPr>
+        <p:spPr>
+          <a:xfrm>
+            <a:off x="4337179" y="534248"/>
+            <a:ext cx="3517641" cy="1017037"/>
+          </a:xfrm>
+          <a:prstGeom prst="rightArrow">
+            <a:avLst/>
+          </a:prstGeom>
+        </p:spPr>
+        <p:style>
+          <a:lnRef idx="2">
+            <a:schemeClr val="accent1">
+              <a:shade val="15000"/>
+            </a:schemeClr>
+          </a:lnRef>
+          <a:fillRef idx="1">
+            <a:schemeClr val="accent1"/>
+          </a:fillRef>
+          <a:effectRef idx="0">
+            <a:schemeClr val="accent1"/>
+          </a:effectRef>
+          <a:fontRef idx="minor">
+            <a:schemeClr val="lt1"/>
+          </a:fontRef>
+        </p:style>
+        <p:txBody>
+          <a:bodyPr rtlCol="0" anchor="ctr"/>
+          <a:lstStyle/>
+          <a:p>
+            <a:pPr algn="ctr"/>
+            <a:r>
+              <a:rPr lang="en-US" dirty="0"/>
+              <a:t>Add College Column </a:t>
+            </a:r>
+            <a:endParaRPr lang="en-IN" dirty="0"/>
+          </a:p>
+        </p:txBody>
+      </p:sp>
+      <p:sp>
+        <p:nvSpPr>
+          <p:cNvPr id="6" name="TextBox 5">
+            <a:extLst>
+              <a:ext uri="{FF2B5EF4-FFF2-40B4-BE49-F238E27FC236}">
+                <a16:creationId xmlns:a16="http://schemas.microsoft.com/office/drawing/2014/main" id="{B64E280B-431A-A968-A120-C9C9F2D9DB9B}"/>
+              </a:ext>
+            </a:extLst>
+          </p:cNvPr>
+          <p:cNvSpPr txBox="1"/>
+          <p:nvPr/>
+        </p:nvSpPr>
+        <p:spPr>
+          <a:xfrm>
+            <a:off x="8209420" y="1984701"/>
+            <a:ext cx="3296038" cy="1200329"/>
+          </a:xfrm>
+          <a:prstGeom prst="rect">
+            <a:avLst/>
+          </a:prstGeom>
+          <a:noFill/>
+        </p:spPr>
+        <p:txBody>
+          <a:bodyPr wrap="square">
+            <a:spAutoFit/>
+          </a:bodyPr>
+          <a:lstStyle/>
+          <a:p>
+            <a:r>
+              <a:rPr lang="en-IN" dirty="0"/>
+              <a:t>ALTER TABLE 	</a:t>
+            </a:r>
+          </a:p>
+          <a:p>
+            <a:r>
+              <a:rPr lang="en-IN" dirty="0"/>
+              <a:t>	student</a:t>
+            </a:r>
+          </a:p>
+          <a:p>
+            <a:r>
+              <a:rPr lang="en-IN" dirty="0"/>
+              <a:t>ADD	</a:t>
+            </a:r>
+          </a:p>
+          <a:p>
+            <a:r>
+              <a:rPr lang="en-IN" dirty="0"/>
+              <a:t>	college VARCHAR(200);</a:t>
+            </a:r>
+          </a:p>
+        </p:txBody>
+      </p:sp>
+      <p:pic>
+        <p:nvPicPr>
+          <p:cNvPr id="8" name="Picture 7">
+            <a:extLst>
+              <a:ext uri="{FF2B5EF4-FFF2-40B4-BE49-F238E27FC236}">
+                <a16:creationId xmlns:a16="http://schemas.microsoft.com/office/drawing/2014/main" id="{32A71DC8-8D14-52CD-C64F-43F6B1111957}"/>
+              </a:ext>
+            </a:extLst>
+          </p:cNvPr>
+          <p:cNvPicPr>
+            <a:picLocks noChangeAspect="1"/>
+          </p:cNvPicPr>
+          <p:nvPr/>
+        </p:nvPicPr>
+        <p:blipFill>
+          <a:blip r:embed="rId3"/>
+          <a:stretch>
+            <a:fillRect/>
+          </a:stretch>
+        </p:blipFill>
+        <p:spPr>
+          <a:xfrm>
+            <a:off x="7985304" y="470700"/>
+            <a:ext cx="3744271" cy="1057207"/>
+          </a:xfrm>
+          <a:prstGeom prst="rect">
+            <a:avLst/>
+          </a:prstGeom>
+        </p:spPr>
+      </p:pic>
+    </p:spTree>
+    <p:extLst>
+      <p:ext uri="{BB962C8B-B14F-4D97-AF65-F5344CB8AC3E}">
+        <p14:creationId xmlns:p14="http://schemas.microsoft.com/office/powerpoint/2010/main" val="3770787771"/>
+      </p:ext>
+    </p:extLst>
+  </p:cSld>
+  <p:clrMapOvr>
+    <a:masterClrMapping/>
+  </p:clrMapOvr>
+</p:sld>
+</file>
+
+<file path=ppt/slides/slide15.xml><?xml version="1.0" encoding="utf-8"?>
+<p:sld xmlns:a="http://schemas.openxmlformats.org/drawingml/2006/main" xmlns:r="http://schemas.openxmlformats.org/officeDocument/2006/relationships" xmlns:p="http://schemas.openxmlformats.org/presentationml/2006/main">
+  <p:cSld>
+    <p:spTree>
+      <p:nvGrpSpPr>
+        <p:cNvPr id="1" name=""/>
+        <p:cNvGrpSpPr/>
+        <p:nvPr/>
+      </p:nvGrpSpPr>
+      <p:grpSpPr>
+        <a:xfrm>
+          <a:off x="0" y="0"/>
+          <a:ext cx="0" cy="0"/>
+          <a:chOff x="0" y="0"/>
+          <a:chExt cx="0" cy="0"/>
+        </a:xfrm>
+      </p:grpSpPr>
+      <p:sp>
+        <p:nvSpPr>
+          <p:cNvPr id="4" name="Arrow: Right 3">
+            <a:extLst>
+              <a:ext uri="{FF2B5EF4-FFF2-40B4-BE49-F238E27FC236}">
+                <a16:creationId xmlns:a16="http://schemas.microsoft.com/office/drawing/2014/main" id="{1EDD3182-462A-6EB0-0B7D-11C3A7A68443}"/>
+              </a:ext>
+            </a:extLst>
+          </p:cNvPr>
+          <p:cNvSpPr/>
+          <p:nvPr/>
+        </p:nvSpPr>
+        <p:spPr>
+          <a:xfrm>
+            <a:off x="4337179" y="376865"/>
+            <a:ext cx="3517641" cy="1017037"/>
+          </a:xfrm>
+          <a:prstGeom prst="rightArrow">
+            <a:avLst/>
+          </a:prstGeom>
+        </p:spPr>
+        <p:style>
+          <a:lnRef idx="2">
+            <a:schemeClr val="accent1">
+              <a:shade val="15000"/>
+            </a:schemeClr>
+          </a:lnRef>
+          <a:fillRef idx="1">
+            <a:schemeClr val="accent1"/>
+          </a:fillRef>
+          <a:effectRef idx="0">
+            <a:schemeClr val="accent1"/>
+          </a:effectRef>
+          <a:fontRef idx="minor">
+            <a:schemeClr val="lt1"/>
+          </a:fontRef>
+        </p:style>
+        <p:txBody>
+          <a:bodyPr rtlCol="0" anchor="ctr"/>
+          <a:lstStyle/>
+          <a:p>
+            <a:pPr algn="ctr"/>
+            <a:r>
+              <a:rPr lang="en-US" dirty="0"/>
+              <a:t>Change score to </a:t>
+            </a:r>
+            <a:r>
+              <a:rPr lang="en-US" dirty="0" err="1"/>
+              <a:t>pscore</a:t>
+            </a:r>
+            <a:r>
+              <a:rPr lang="en-US" dirty="0"/>
+              <a:t> </a:t>
+            </a:r>
+            <a:endParaRPr lang="en-IN" dirty="0"/>
+          </a:p>
+        </p:txBody>
+      </p:sp>
+      <p:pic>
+        <p:nvPicPr>
+          <p:cNvPr id="8" name="Picture 7">
+            <a:extLst>
+              <a:ext uri="{FF2B5EF4-FFF2-40B4-BE49-F238E27FC236}">
+                <a16:creationId xmlns:a16="http://schemas.microsoft.com/office/drawing/2014/main" id="{32A71DC8-8D14-52CD-C64F-43F6B1111957}"/>
+              </a:ext>
+            </a:extLst>
+          </p:cNvPr>
+          <p:cNvPicPr>
+            <a:picLocks noChangeAspect="1"/>
+          </p:cNvPicPr>
+          <p:nvPr/>
+        </p:nvPicPr>
+        <p:blipFill>
+          <a:blip r:embed="rId2"/>
+          <a:stretch>
+            <a:fillRect/>
+          </a:stretch>
+        </p:blipFill>
+        <p:spPr>
+          <a:xfrm>
+            <a:off x="436839" y="405386"/>
+            <a:ext cx="3744271" cy="1057207"/>
+          </a:xfrm>
+          <a:prstGeom prst="rect">
+            <a:avLst/>
+          </a:prstGeom>
+        </p:spPr>
+      </p:pic>
+      <p:pic>
+        <p:nvPicPr>
+          <p:cNvPr id="7" name="Picture 6">
+            <a:extLst>
+              <a:ext uri="{FF2B5EF4-FFF2-40B4-BE49-F238E27FC236}">
+                <a16:creationId xmlns:a16="http://schemas.microsoft.com/office/drawing/2014/main" id="{A71C69F8-2B45-27D6-176A-4BDA62392E8A}"/>
+              </a:ext>
+            </a:extLst>
+          </p:cNvPr>
+          <p:cNvPicPr>
+            <a:picLocks noChangeAspect="1"/>
+          </p:cNvPicPr>
+          <p:nvPr/>
+        </p:nvPicPr>
+        <p:blipFill>
+          <a:blip r:embed="rId3"/>
+          <a:stretch>
+            <a:fillRect/>
+          </a:stretch>
+        </p:blipFill>
+        <p:spPr>
+          <a:xfrm>
+            <a:off x="8099017" y="376865"/>
+            <a:ext cx="3656144" cy="1040700"/>
+          </a:xfrm>
+          <a:prstGeom prst="rect">
+            <a:avLst/>
+          </a:prstGeom>
+        </p:spPr>
+      </p:pic>
+    </p:spTree>
+    <p:extLst>
+      <p:ext uri="{BB962C8B-B14F-4D97-AF65-F5344CB8AC3E}">
+        <p14:creationId xmlns:p14="http://schemas.microsoft.com/office/powerpoint/2010/main" val="3312532111"/>
+      </p:ext>
+    </p:extLst>
+  </p:cSld>
+  <p:clrMapOvr>
+    <a:masterClrMapping/>
+  </p:clrMapOvr>
+</p:sld>
+</file>
+
+<file path=ppt/slides/slide16.xml><?xml version="1.0" encoding="utf-8"?>
+<p:sld xmlns:a="http://schemas.openxmlformats.org/drawingml/2006/main" xmlns:r="http://schemas.openxmlformats.org/officeDocument/2006/relationships" xmlns:p="http://schemas.openxmlformats.org/presentationml/2006/main">
+  <p:cSld>
+    <p:spTree>
+      <p:nvGrpSpPr>
+        <p:cNvPr id="1" name=""/>
+        <p:cNvGrpSpPr/>
+        <p:nvPr/>
+      </p:nvGrpSpPr>
+      <p:grpSpPr>
+        <a:xfrm>
+          <a:off x="0" y="0"/>
+          <a:ext cx="0" cy="0"/>
+          <a:chOff x="0" y="0"/>
+          <a:chExt cx="0" cy="0"/>
+        </a:xfrm>
+      </p:grpSpPr>
+      <p:sp>
+        <p:nvSpPr>
+          <p:cNvPr id="4" name="Arrow: Right 3">
+            <a:extLst>
+              <a:ext uri="{FF2B5EF4-FFF2-40B4-BE49-F238E27FC236}">
+                <a16:creationId xmlns:a16="http://schemas.microsoft.com/office/drawing/2014/main" id="{1EDD3182-462A-6EB0-0B7D-11C3A7A68443}"/>
+              </a:ext>
+            </a:extLst>
+          </p:cNvPr>
+          <p:cNvSpPr/>
+          <p:nvPr/>
+        </p:nvSpPr>
+        <p:spPr>
+          <a:xfrm>
+            <a:off x="4337179" y="376865"/>
+            <a:ext cx="3517641" cy="1017037"/>
+          </a:xfrm>
+          <a:prstGeom prst="rightArrow">
+            <a:avLst/>
+          </a:prstGeom>
+        </p:spPr>
+        <p:style>
+          <a:lnRef idx="2">
+            <a:schemeClr val="accent1">
+              <a:shade val="15000"/>
+            </a:schemeClr>
+          </a:lnRef>
+          <a:fillRef idx="1">
+            <a:schemeClr val="accent1"/>
+          </a:fillRef>
+          <a:effectRef idx="0">
+            <a:schemeClr val="accent1"/>
+          </a:effectRef>
+          <a:fontRef idx="minor">
+            <a:schemeClr val="lt1"/>
+          </a:fontRef>
+        </p:style>
+        <p:txBody>
+          <a:bodyPr rtlCol="0" anchor="ctr"/>
+          <a:lstStyle/>
+          <a:p>
+            <a:pPr algn="ctr"/>
+            <a:r>
+              <a:rPr lang="en-US" dirty="0"/>
+              <a:t>Change score to </a:t>
+            </a:r>
+            <a:r>
+              <a:rPr lang="en-US" dirty="0" err="1"/>
+              <a:t>pscore</a:t>
+            </a:r>
+            <a:r>
+              <a:rPr lang="en-US" dirty="0"/>
+              <a:t> </a:t>
+            </a:r>
+            <a:endParaRPr lang="en-IN" dirty="0"/>
+          </a:p>
+        </p:txBody>
+      </p:sp>
+      <p:pic>
+        <p:nvPicPr>
+          <p:cNvPr id="8" name="Picture 7">
+            <a:extLst>
+              <a:ext uri="{FF2B5EF4-FFF2-40B4-BE49-F238E27FC236}">
+                <a16:creationId xmlns:a16="http://schemas.microsoft.com/office/drawing/2014/main" id="{32A71DC8-8D14-52CD-C64F-43F6B1111957}"/>
+              </a:ext>
+            </a:extLst>
+          </p:cNvPr>
+          <p:cNvPicPr>
+            <a:picLocks noChangeAspect="1"/>
+          </p:cNvPicPr>
+          <p:nvPr/>
+        </p:nvPicPr>
+        <p:blipFill>
+          <a:blip r:embed="rId2"/>
+          <a:stretch>
+            <a:fillRect/>
+          </a:stretch>
+        </p:blipFill>
+        <p:spPr>
+          <a:xfrm>
+            <a:off x="436839" y="405386"/>
+            <a:ext cx="3744271" cy="1057207"/>
+          </a:xfrm>
+          <a:prstGeom prst="rect">
+            <a:avLst/>
+          </a:prstGeom>
+        </p:spPr>
+      </p:pic>
+      <p:sp>
+        <p:nvSpPr>
+          <p:cNvPr id="5" name="TextBox 4">
+            <a:extLst>
+              <a:ext uri="{FF2B5EF4-FFF2-40B4-BE49-F238E27FC236}">
+                <a16:creationId xmlns:a16="http://schemas.microsoft.com/office/drawing/2014/main" id="{F9D5646F-826E-5EF5-D997-A282D13C43A3}"/>
+              </a:ext>
+            </a:extLst>
+          </p:cNvPr>
+          <p:cNvSpPr txBox="1"/>
+          <p:nvPr/>
+        </p:nvSpPr>
+        <p:spPr>
+          <a:xfrm>
+            <a:off x="8528322" y="1706243"/>
+            <a:ext cx="2797533" cy="1200329"/>
+          </a:xfrm>
+          <a:prstGeom prst="rect">
+            <a:avLst/>
+          </a:prstGeom>
+          <a:noFill/>
+        </p:spPr>
+        <p:txBody>
+          <a:bodyPr wrap="square">
+            <a:spAutoFit/>
+          </a:bodyPr>
+          <a:lstStyle/>
+          <a:p>
+            <a:r>
+              <a:rPr lang="en-IN" dirty="0"/>
+              <a:t>ALTER TABLE 	</a:t>
+            </a:r>
+          </a:p>
+          <a:p>
+            <a:r>
+              <a:rPr lang="en-IN" dirty="0"/>
+              <a:t>	student </a:t>
+            </a:r>
+          </a:p>
+          <a:p>
+            <a:r>
+              <a:rPr lang="en-IN" dirty="0"/>
+              <a:t>CHANGE COLUMN 	</a:t>
+            </a:r>
+          </a:p>
+          <a:p>
+            <a:r>
+              <a:rPr lang="en-IN" dirty="0"/>
+              <a:t>	score  </a:t>
+            </a:r>
+            <a:r>
+              <a:rPr lang="en-IN" dirty="0" err="1"/>
+              <a:t>pscore</a:t>
+            </a:r>
+            <a:r>
+              <a:rPr lang="en-IN" dirty="0"/>
+              <a:t> int;</a:t>
+            </a:r>
+          </a:p>
+        </p:txBody>
+      </p:sp>
+      <p:pic>
+        <p:nvPicPr>
+          <p:cNvPr id="7" name="Picture 6">
+            <a:extLst>
+              <a:ext uri="{FF2B5EF4-FFF2-40B4-BE49-F238E27FC236}">
+                <a16:creationId xmlns:a16="http://schemas.microsoft.com/office/drawing/2014/main" id="{A71C69F8-2B45-27D6-176A-4BDA62392E8A}"/>
+              </a:ext>
+            </a:extLst>
+          </p:cNvPr>
+          <p:cNvPicPr>
+            <a:picLocks noChangeAspect="1"/>
+          </p:cNvPicPr>
+          <p:nvPr/>
+        </p:nvPicPr>
+        <p:blipFill>
+          <a:blip r:embed="rId3"/>
+          <a:stretch>
+            <a:fillRect/>
+          </a:stretch>
+        </p:blipFill>
+        <p:spPr>
+          <a:xfrm>
+            <a:off x="8099017" y="376865"/>
+            <a:ext cx="3656144" cy="1040700"/>
+          </a:xfrm>
+          <a:prstGeom prst="rect">
+            <a:avLst/>
+          </a:prstGeom>
+        </p:spPr>
+      </p:pic>
+    </p:spTree>
+    <p:extLst>
+      <p:ext uri="{BB962C8B-B14F-4D97-AF65-F5344CB8AC3E}">
+        <p14:creationId xmlns:p14="http://schemas.microsoft.com/office/powerpoint/2010/main" val="461122329"/>
+      </p:ext>
+    </p:extLst>
+  </p:cSld>
+  <p:clrMapOvr>
+    <a:masterClrMapping/>
+  </p:clrMapOvr>
+</p:sld>
+</file>
+
+<file path=ppt/slides/slide17.xml><?xml version="1.0" encoding="utf-8"?>
+<p:sld xmlns:a="http://schemas.openxmlformats.org/drawingml/2006/main" xmlns:r="http://schemas.openxmlformats.org/officeDocument/2006/relationships" xmlns:p="http://schemas.openxmlformats.org/presentationml/2006/main">
+  <p:cSld>
+    <p:spTree>
+      <p:nvGrpSpPr>
+        <p:cNvPr id="1" name=""/>
+        <p:cNvGrpSpPr/>
+        <p:nvPr/>
+      </p:nvGrpSpPr>
+      <p:grpSpPr>
+        <a:xfrm>
+          <a:off x="0" y="0"/>
+          <a:ext cx="0" cy="0"/>
+          <a:chOff x="0" y="0"/>
+          <a:chExt cx="0" cy="0"/>
+        </a:xfrm>
+      </p:grpSpPr>
+      <p:pic>
+        <p:nvPicPr>
+          <p:cNvPr id="4" name="Picture 3">
+            <a:extLst>
+              <a:ext uri="{FF2B5EF4-FFF2-40B4-BE49-F238E27FC236}">
+                <a16:creationId xmlns:a16="http://schemas.microsoft.com/office/drawing/2014/main" id="{CF87FC7A-9586-3578-FAD0-5C9D4792FD2C}"/>
+              </a:ext>
+            </a:extLst>
+          </p:cNvPr>
+          <p:cNvPicPr>
+            <a:picLocks noChangeAspect="1"/>
+          </p:cNvPicPr>
+          <p:nvPr/>
+        </p:nvPicPr>
+        <p:blipFill>
+          <a:blip r:embed="rId2"/>
+          <a:stretch>
+            <a:fillRect/>
+          </a:stretch>
+        </p:blipFill>
+        <p:spPr>
+          <a:xfrm>
+            <a:off x="436839" y="405386"/>
+            <a:ext cx="3744271" cy="1057207"/>
+          </a:xfrm>
+          <a:prstGeom prst="rect">
+            <a:avLst/>
+          </a:prstGeom>
+        </p:spPr>
+      </p:pic>
+      <p:sp>
+        <p:nvSpPr>
+          <p:cNvPr id="5" name="Arrow: Right 4">
+            <a:extLst>
+              <a:ext uri="{FF2B5EF4-FFF2-40B4-BE49-F238E27FC236}">
+                <a16:creationId xmlns:a16="http://schemas.microsoft.com/office/drawing/2014/main" id="{7F8763B8-F224-DCC1-03E2-CB7B0790BF64}"/>
+              </a:ext>
+            </a:extLst>
+          </p:cNvPr>
+          <p:cNvSpPr/>
+          <p:nvPr/>
+        </p:nvSpPr>
+        <p:spPr>
+          <a:xfrm>
+            <a:off x="4337179" y="376865"/>
+            <a:ext cx="3517641" cy="1017037"/>
+          </a:xfrm>
+          <a:prstGeom prst="rightArrow">
+            <a:avLst/>
+          </a:prstGeom>
+        </p:spPr>
+        <p:style>
+          <a:lnRef idx="2">
+            <a:schemeClr val="accent1">
+              <a:shade val="15000"/>
+            </a:schemeClr>
+          </a:lnRef>
+          <a:fillRef idx="1">
+            <a:schemeClr val="accent1"/>
+          </a:fillRef>
+          <a:effectRef idx="0">
+            <a:schemeClr val="accent1"/>
+          </a:effectRef>
+          <a:fontRef idx="minor">
+            <a:schemeClr val="lt1"/>
+          </a:fontRef>
+        </p:style>
+        <p:txBody>
+          <a:bodyPr rtlCol="0" anchor="ctr"/>
+          <a:lstStyle/>
+          <a:p>
+            <a:pPr algn="ctr"/>
+            <a:r>
+              <a:rPr lang="en-US" dirty="0"/>
+              <a:t>Remove college column</a:t>
+            </a:r>
+            <a:endParaRPr lang="en-IN" dirty="0"/>
+          </a:p>
+        </p:txBody>
+      </p:sp>
+      <p:pic>
+        <p:nvPicPr>
+          <p:cNvPr id="9" name="Picture 8">
+            <a:extLst>
+              <a:ext uri="{FF2B5EF4-FFF2-40B4-BE49-F238E27FC236}">
+                <a16:creationId xmlns:a16="http://schemas.microsoft.com/office/drawing/2014/main" id="{42824B8D-9A0E-AC89-B68E-22EF5A61D0D2}"/>
+              </a:ext>
+            </a:extLst>
+          </p:cNvPr>
+          <p:cNvPicPr>
+            <a:picLocks noChangeAspect="1"/>
+          </p:cNvPicPr>
+          <p:nvPr/>
+        </p:nvPicPr>
+        <p:blipFill>
+          <a:blip r:embed="rId3"/>
+          <a:stretch>
+            <a:fillRect/>
+          </a:stretch>
+        </p:blipFill>
+        <p:spPr>
+          <a:xfrm>
+            <a:off x="8178840" y="273398"/>
+            <a:ext cx="3055550" cy="1085728"/>
+          </a:xfrm>
+          <a:prstGeom prst="rect">
+            <a:avLst/>
+          </a:prstGeom>
+        </p:spPr>
+      </p:pic>
+    </p:spTree>
+    <p:extLst>
+      <p:ext uri="{BB962C8B-B14F-4D97-AF65-F5344CB8AC3E}">
+        <p14:creationId xmlns:p14="http://schemas.microsoft.com/office/powerpoint/2010/main" val="3892702315"/>
+      </p:ext>
+    </p:extLst>
+  </p:cSld>
+  <p:clrMapOvr>
+    <a:masterClrMapping/>
+  </p:clrMapOvr>
+</p:sld>
+</file>
+
+<file path=ppt/slides/slide18.xml><?xml version="1.0" encoding="utf-8"?>
+<p:sld xmlns:a="http://schemas.openxmlformats.org/drawingml/2006/main" xmlns:r="http://schemas.openxmlformats.org/officeDocument/2006/relationships" xmlns:p="http://schemas.openxmlformats.org/presentationml/2006/main">
+  <p:cSld>
+    <p:spTree>
+      <p:nvGrpSpPr>
+        <p:cNvPr id="1" name=""/>
+        <p:cNvGrpSpPr/>
+        <p:nvPr/>
+      </p:nvGrpSpPr>
+      <p:grpSpPr>
+        <a:xfrm>
+          <a:off x="0" y="0"/>
+          <a:ext cx="0" cy="0"/>
+          <a:chOff x="0" y="0"/>
+          <a:chExt cx="0" cy="0"/>
+        </a:xfrm>
+      </p:grpSpPr>
+      <p:pic>
+        <p:nvPicPr>
+          <p:cNvPr id="4" name="Picture 3">
+            <a:extLst>
+              <a:ext uri="{FF2B5EF4-FFF2-40B4-BE49-F238E27FC236}">
+                <a16:creationId xmlns:a16="http://schemas.microsoft.com/office/drawing/2014/main" id="{CF87FC7A-9586-3578-FAD0-5C9D4792FD2C}"/>
+              </a:ext>
+            </a:extLst>
+          </p:cNvPr>
+          <p:cNvPicPr>
+            <a:picLocks noChangeAspect="1"/>
+          </p:cNvPicPr>
+          <p:nvPr/>
+        </p:nvPicPr>
+        <p:blipFill>
+          <a:blip r:embed="rId2"/>
+          <a:stretch>
+            <a:fillRect/>
+          </a:stretch>
+        </p:blipFill>
+        <p:spPr>
+          <a:xfrm>
+            <a:off x="436839" y="405386"/>
+            <a:ext cx="3744271" cy="1057207"/>
+          </a:xfrm>
+          <a:prstGeom prst="rect">
+            <a:avLst/>
+          </a:prstGeom>
+        </p:spPr>
+      </p:pic>
+      <p:sp>
+        <p:nvSpPr>
+          <p:cNvPr id="5" name="Arrow: Right 4">
+            <a:extLst>
+              <a:ext uri="{FF2B5EF4-FFF2-40B4-BE49-F238E27FC236}">
+                <a16:creationId xmlns:a16="http://schemas.microsoft.com/office/drawing/2014/main" id="{7F8763B8-F224-DCC1-03E2-CB7B0790BF64}"/>
+              </a:ext>
+            </a:extLst>
+          </p:cNvPr>
+          <p:cNvSpPr/>
+          <p:nvPr/>
+        </p:nvSpPr>
+        <p:spPr>
+          <a:xfrm>
+            <a:off x="4337179" y="376865"/>
+            <a:ext cx="3517641" cy="1017037"/>
+          </a:xfrm>
+          <a:prstGeom prst="rightArrow">
+            <a:avLst/>
+          </a:prstGeom>
+        </p:spPr>
+        <p:style>
+          <a:lnRef idx="2">
+            <a:schemeClr val="accent1">
+              <a:shade val="15000"/>
+            </a:schemeClr>
+          </a:lnRef>
+          <a:fillRef idx="1">
+            <a:schemeClr val="accent1"/>
+          </a:fillRef>
+          <a:effectRef idx="0">
+            <a:schemeClr val="accent1"/>
+          </a:effectRef>
+          <a:fontRef idx="minor">
+            <a:schemeClr val="lt1"/>
+          </a:fontRef>
+        </p:style>
+        <p:txBody>
+          <a:bodyPr rtlCol="0" anchor="ctr"/>
+          <a:lstStyle/>
+          <a:p>
+            <a:pPr algn="ctr"/>
+            <a:r>
+              <a:rPr lang="en-US" dirty="0"/>
+              <a:t>Remove college column</a:t>
+            </a:r>
+            <a:endParaRPr lang="en-IN" dirty="0"/>
+          </a:p>
+        </p:txBody>
+      </p:sp>
+      <p:sp>
+        <p:nvSpPr>
+          <p:cNvPr id="7" name="TextBox 6">
+            <a:extLst>
+              <a:ext uri="{FF2B5EF4-FFF2-40B4-BE49-F238E27FC236}">
+                <a16:creationId xmlns:a16="http://schemas.microsoft.com/office/drawing/2014/main" id="{9D391225-285E-BBC1-B8CB-192A10387B2C}"/>
+              </a:ext>
+            </a:extLst>
+          </p:cNvPr>
+          <p:cNvSpPr txBox="1"/>
+          <p:nvPr/>
+        </p:nvSpPr>
+        <p:spPr>
+          <a:xfrm>
+            <a:off x="8864083" y="1902186"/>
+            <a:ext cx="2202023" cy="1200329"/>
+          </a:xfrm>
+          <a:prstGeom prst="rect">
+            <a:avLst/>
+          </a:prstGeom>
+          <a:noFill/>
+        </p:spPr>
+        <p:txBody>
+          <a:bodyPr wrap="square">
+            <a:spAutoFit/>
+          </a:bodyPr>
+          <a:lstStyle/>
+          <a:p>
+            <a:r>
+              <a:rPr lang="en-IN" dirty="0"/>
+              <a:t>ALTER TABLE 	</a:t>
+            </a:r>
+          </a:p>
+          <a:p>
+            <a:r>
+              <a:rPr lang="en-IN" dirty="0"/>
+              <a:t>	student</a:t>
+            </a:r>
+          </a:p>
+          <a:p>
+            <a:r>
+              <a:rPr lang="en-IN" dirty="0"/>
+              <a:t>DROP COLUMN</a:t>
+            </a:r>
+          </a:p>
+          <a:p>
+            <a:r>
+              <a:rPr lang="en-IN" dirty="0"/>
+              <a:t>	college;</a:t>
+            </a:r>
+          </a:p>
+        </p:txBody>
+      </p:sp>
+      <p:pic>
+        <p:nvPicPr>
+          <p:cNvPr id="9" name="Picture 8">
+            <a:extLst>
+              <a:ext uri="{FF2B5EF4-FFF2-40B4-BE49-F238E27FC236}">
+                <a16:creationId xmlns:a16="http://schemas.microsoft.com/office/drawing/2014/main" id="{42824B8D-9A0E-AC89-B68E-22EF5A61D0D2}"/>
+              </a:ext>
+            </a:extLst>
+          </p:cNvPr>
+          <p:cNvPicPr>
+            <a:picLocks noChangeAspect="1"/>
+          </p:cNvPicPr>
+          <p:nvPr/>
+        </p:nvPicPr>
+        <p:blipFill>
+          <a:blip r:embed="rId3"/>
+          <a:stretch>
+            <a:fillRect/>
+          </a:stretch>
+        </p:blipFill>
+        <p:spPr>
+          <a:xfrm>
+            <a:off x="8178840" y="273398"/>
+            <a:ext cx="3055550" cy="1085728"/>
+          </a:xfrm>
+          <a:prstGeom prst="rect">
+            <a:avLst/>
+          </a:prstGeom>
+        </p:spPr>
+      </p:pic>
+    </p:spTree>
+    <p:extLst>
+      <p:ext uri="{BB962C8B-B14F-4D97-AF65-F5344CB8AC3E}">
+        <p14:creationId xmlns:p14="http://schemas.microsoft.com/office/powerpoint/2010/main" val="2818565069"/>
+      </p:ext>
+    </p:extLst>
+  </p:cSld>
+  <p:clrMapOvr>
+    <a:masterClrMapping/>
+  </p:clrMapOvr>
+</p:sld>
+</file>
+
+<file path=ppt/slides/slide19.xml><?xml version="1.0" encoding="utf-8"?>
 <p:sld xmlns:a="http://schemas.openxmlformats.org/drawingml/2006/main" xmlns:r="http://schemas.openxmlformats.org/officeDocument/2006/relationships" xmlns:p="http://schemas.openxmlformats.org/presentationml/2006/main">
   <p:cSld>
     <p:spTree>
@@ -3824,7 +5499,218 @@
 </p:sld>
 </file>
 
-<file path=ppt/slides/slide11.xml><?xml version="1.0" encoding="utf-8"?>
+<file path=ppt/slides/slide2.xml><?xml version="1.0" encoding="utf-8"?>
+<p:sld xmlns:a="http://schemas.openxmlformats.org/drawingml/2006/main" xmlns:r="http://schemas.openxmlformats.org/officeDocument/2006/relationships" xmlns:p="http://schemas.openxmlformats.org/presentationml/2006/main">
+  <p:cSld>
+    <p:spTree>
+      <p:nvGrpSpPr>
+        <p:cNvPr id="1" name=""/>
+        <p:cNvGrpSpPr/>
+        <p:nvPr/>
+      </p:nvGrpSpPr>
+      <p:grpSpPr>
+        <a:xfrm>
+          <a:off x="0" y="0"/>
+          <a:ext cx="0" cy="0"/>
+          <a:chOff x="0" y="0"/>
+          <a:chExt cx="0" cy="0"/>
+        </a:xfrm>
+      </p:grpSpPr>
+      <p:graphicFrame>
+        <p:nvGraphicFramePr>
+          <p:cNvPr id="2" name="Table 1">
+            <a:extLst>
+              <a:ext uri="{FF2B5EF4-FFF2-40B4-BE49-F238E27FC236}">
+                <a16:creationId xmlns:a16="http://schemas.microsoft.com/office/drawing/2014/main" id="{B8EC25E5-61CE-E45C-2EE8-18D0097CA2E9}"/>
+              </a:ext>
+            </a:extLst>
+          </p:cNvPr>
+          <p:cNvGraphicFramePr>
+            <a:graphicFrameLocks noGrp="1"/>
+          </p:cNvGraphicFramePr>
+          <p:nvPr>
+            <p:extLst>
+              <p:ext uri="{D42A27DB-BD31-4B8C-83A1-F6EECF244321}">
+                <p14:modId xmlns:p14="http://schemas.microsoft.com/office/powerpoint/2010/main" val="553851483"/>
+              </p:ext>
+            </p:extLst>
+          </p:nvPr>
+        </p:nvGraphicFramePr>
+        <p:xfrm>
+          <a:off x="2032000" y="719666"/>
+          <a:ext cx="8128000" cy="2204720"/>
+        </p:xfrm>
+        <a:graphic>
+          <a:graphicData uri="http://schemas.openxmlformats.org/drawingml/2006/table">
+            <a:tbl>
+              <a:tblPr firstRow="1" bandRow="1">
+                <a:tableStyleId>{5940675A-B579-460E-94D1-54222C63F5DA}</a:tableStyleId>
+              </a:tblPr>
+              <a:tblGrid>
+                <a:gridCol w="4064000">
+                  <a:extLst>
+                    <a:ext uri="{9D8B030D-6E8A-4147-A177-3AD203B41FA5}">
+                      <a16:colId xmlns:a16="http://schemas.microsoft.com/office/drawing/2014/main" val="277825555"/>
+                    </a:ext>
+                  </a:extLst>
+                </a:gridCol>
+                <a:gridCol w="4064000">
+                  <a:extLst>
+                    <a:ext uri="{9D8B030D-6E8A-4147-A177-3AD203B41FA5}">
+                      <a16:colId xmlns:a16="http://schemas.microsoft.com/office/drawing/2014/main" val="902756196"/>
+                    </a:ext>
+                  </a:extLst>
+                </a:gridCol>
+              </a:tblGrid>
+              <a:tr h="370840">
+                <a:tc gridSpan="2">
+                  <a:txBody>
+                    <a:bodyPr/>
+                    <a:lstStyle/>
+                    <a:p>
+                      <a:r>
+                        <a:rPr lang="en-US" dirty="0"/>
+                        <a:t>Difference between ALTER and UPDATE</a:t>
+                      </a:r>
+                      <a:endParaRPr lang="en-IN" dirty="0"/>
+                    </a:p>
+                  </a:txBody>
+                  <a:tcPr/>
+                </a:tc>
+                <a:tc hMerge="1">
+                  <a:txBody>
+                    <a:bodyPr/>
+                    <a:lstStyle/>
+                    <a:p>
+                      <a:endParaRPr lang="en-IN" dirty="0"/>
+                    </a:p>
+                  </a:txBody>
+                  <a:tcPr/>
+                </a:tc>
+                <a:extLst>
+                  <a:ext uri="{0D108BD9-81ED-4DB2-BD59-A6C34878D82A}">
+                    <a16:rowId xmlns:a16="http://schemas.microsoft.com/office/drawing/2014/main" val="962807588"/>
+                  </a:ext>
+                </a:extLst>
+              </a:tr>
+              <a:tr h="370840">
+                <a:tc>
+                  <a:txBody>
+                    <a:bodyPr/>
+                    <a:lstStyle/>
+                    <a:p>
+                      <a:pPr algn="ctr"/>
+                      <a:r>
+                        <a:rPr lang="en-US" dirty="0"/>
+                        <a:t>ALTER</a:t>
+                      </a:r>
+                      <a:endParaRPr lang="en-IN" dirty="0"/>
+                    </a:p>
+                  </a:txBody>
+                  <a:tcPr/>
+                </a:tc>
+                <a:tc>
+                  <a:txBody>
+                    <a:bodyPr/>
+                    <a:lstStyle/>
+                    <a:p>
+                      <a:pPr algn="ctr"/>
+                      <a:r>
+                        <a:rPr lang="en-US" dirty="0"/>
+                        <a:t>UPDATE</a:t>
+                      </a:r>
+                      <a:endParaRPr lang="en-IN" dirty="0"/>
+                    </a:p>
+                  </a:txBody>
+                  <a:tcPr/>
+                </a:tc>
+                <a:extLst>
+                  <a:ext uri="{0D108BD9-81ED-4DB2-BD59-A6C34878D82A}">
+                    <a16:rowId xmlns:a16="http://schemas.microsoft.com/office/drawing/2014/main" val="1570738592"/>
+                  </a:ext>
+                </a:extLst>
+              </a:tr>
+              <a:tr h="370840">
+                <a:tc>
+                  <a:txBody>
+                    <a:bodyPr/>
+                    <a:lstStyle/>
+                    <a:p>
+                      <a:pPr marL="285750" indent="-285750">
+                        <a:buFontTx/>
+                        <a:buChar char="-"/>
+                      </a:pPr>
+                      <a:r>
+                        <a:rPr lang="en-US" dirty="0"/>
+                        <a:t>Modify the structure of database such as adding, modifying or dropping columns, constraints or indexes. </a:t>
+                      </a:r>
+                    </a:p>
+                    <a:p>
+                      <a:pPr marL="285750" indent="-285750">
+                        <a:buFontTx/>
+                        <a:buChar char="-"/>
+                      </a:pPr>
+                      <a:r>
+                        <a:rPr lang="en-US" dirty="0"/>
+                        <a:t>Primarily used for making structural changes to database schema</a:t>
+                      </a:r>
+                      <a:endParaRPr lang="en-IN" dirty="0"/>
+                    </a:p>
+                  </a:txBody>
+                  <a:tcPr/>
+                </a:tc>
+                <a:tc>
+                  <a:txBody>
+                    <a:bodyPr/>
+                    <a:lstStyle/>
+                    <a:p>
+                      <a:pPr marL="285750" indent="-285750">
+                        <a:buFontTx/>
+                        <a:buChar char="-"/>
+                      </a:pPr>
+                      <a:r>
+                        <a:rPr lang="en-US" dirty="0"/>
+                        <a:t>Modifying existing records with in a table. </a:t>
+                      </a:r>
+                    </a:p>
+                    <a:p>
+                      <a:pPr marL="285750" indent="-285750">
+                        <a:buFontTx/>
+                        <a:buChar char="-"/>
+                      </a:pPr>
+                      <a:r>
+                        <a:rPr lang="en-US" dirty="0"/>
+                        <a:t>It is used to change the values of specific columns in one or more rows of a table. </a:t>
+                      </a:r>
+                      <a:endParaRPr lang="en-IN" dirty="0"/>
+                    </a:p>
+                  </a:txBody>
+                  <a:tcPr/>
+                </a:tc>
+                <a:extLst>
+                  <a:ext uri="{0D108BD9-81ED-4DB2-BD59-A6C34878D82A}">
+                    <a16:rowId xmlns:a16="http://schemas.microsoft.com/office/drawing/2014/main" val="9571425"/>
+                  </a:ext>
+                </a:extLst>
+              </a:tr>
+            </a:tbl>
+          </a:graphicData>
+        </a:graphic>
+      </p:graphicFrame>
+    </p:spTree>
+    <p:extLst>
+      <p:ext uri="{BB962C8B-B14F-4D97-AF65-F5344CB8AC3E}">
+        <p14:creationId xmlns:p14="http://schemas.microsoft.com/office/powerpoint/2010/main" val="1054027579"/>
+      </p:ext>
+    </p:extLst>
+  </p:cSld>
+  <p:clrMapOvr>
+    <a:masterClrMapping/>
+  </p:clrMapOvr>
+</p:sld>
+</file>
+
+<file path=ppt/slides/slide20.xml><?xml version="1.0" encoding="utf-8"?>
 <p:sld xmlns:a="http://schemas.openxmlformats.org/drawingml/2006/main" xmlns:r="http://schemas.openxmlformats.org/officeDocument/2006/relationships" xmlns:p="http://schemas.openxmlformats.org/presentationml/2006/main">
   <p:cSld>
     <p:spTree>
@@ -3989,178 +5875,6 @@
 </p:sld>
 </file>
 
-<file path=ppt/slides/slide2.xml><?xml version="1.0" encoding="utf-8"?>
-<p:sld xmlns:a="http://schemas.openxmlformats.org/drawingml/2006/main" xmlns:r="http://schemas.openxmlformats.org/officeDocument/2006/relationships" xmlns:p="http://schemas.openxmlformats.org/presentationml/2006/main">
-  <p:cSld>
-    <p:spTree>
-      <p:nvGrpSpPr>
-        <p:cNvPr id="1" name=""/>
-        <p:cNvGrpSpPr/>
-        <p:nvPr/>
-      </p:nvGrpSpPr>
-      <p:grpSpPr>
-        <a:xfrm>
-          <a:off x="0" y="0"/>
-          <a:ext cx="0" cy="0"/>
-          <a:chOff x="0" y="0"/>
-          <a:chExt cx="0" cy="0"/>
-        </a:xfrm>
-      </p:grpSpPr>
-      <p:sp>
-        <p:nvSpPr>
-          <p:cNvPr id="2" name="TextBox 1">
-            <a:extLst>
-              <a:ext uri="{FF2B5EF4-FFF2-40B4-BE49-F238E27FC236}">
-                <a16:creationId xmlns:a16="http://schemas.microsoft.com/office/drawing/2014/main" id="{41DC1E70-BFDE-2386-597C-91BEF0FD0F98}"/>
-              </a:ext>
-            </a:extLst>
-          </p:cNvPr>
-          <p:cNvSpPr txBox="1"/>
-          <p:nvPr/>
-        </p:nvSpPr>
-        <p:spPr>
-          <a:xfrm>
-            <a:off x="167951" y="242596"/>
-            <a:ext cx="5563190" cy="369332"/>
-          </a:xfrm>
-          <a:prstGeom prst="rect">
-            <a:avLst/>
-          </a:prstGeom>
-          <a:noFill/>
-        </p:spPr>
-        <p:txBody>
-          <a:bodyPr wrap="none" rtlCol="0">
-            <a:spAutoFit/>
-          </a:bodyPr>
-          <a:lstStyle/>
-          <a:p>
-            <a:r>
-              <a:rPr lang="en-US" dirty="0"/>
-              <a:t>Task: Create a student table to store the following details</a:t>
-            </a:r>
-            <a:endParaRPr lang="en-IN" dirty="0"/>
-          </a:p>
-        </p:txBody>
-      </p:sp>
-      <p:pic>
-        <p:nvPicPr>
-          <p:cNvPr id="6" name="Picture 5">
-            <a:extLst>
-              <a:ext uri="{FF2B5EF4-FFF2-40B4-BE49-F238E27FC236}">
-                <a16:creationId xmlns:a16="http://schemas.microsoft.com/office/drawing/2014/main" id="{E396FA7E-248F-3D24-3439-748C82DD74F8}"/>
-              </a:ext>
-            </a:extLst>
-          </p:cNvPr>
-          <p:cNvPicPr>
-            <a:picLocks noChangeAspect="1"/>
-          </p:cNvPicPr>
-          <p:nvPr/>
-        </p:nvPicPr>
-        <p:blipFill>
-          <a:blip r:embed="rId2"/>
-          <a:stretch>
-            <a:fillRect/>
-          </a:stretch>
-        </p:blipFill>
-        <p:spPr>
-          <a:xfrm>
-            <a:off x="7445533" y="1538843"/>
-            <a:ext cx="3288810" cy="369332"/>
-          </a:xfrm>
-          <a:prstGeom prst="rect">
-            <a:avLst/>
-          </a:prstGeom>
-        </p:spPr>
-      </p:pic>
-      <p:pic>
-        <p:nvPicPr>
-          <p:cNvPr id="8" name="Picture 7">
-            <a:extLst>
-              <a:ext uri="{FF2B5EF4-FFF2-40B4-BE49-F238E27FC236}">
-                <a16:creationId xmlns:a16="http://schemas.microsoft.com/office/drawing/2014/main" id="{C8637D5B-0012-CC97-1C50-7922A1C3C779}"/>
-              </a:ext>
-            </a:extLst>
-          </p:cNvPr>
-          <p:cNvPicPr>
-            <a:picLocks noChangeAspect="1"/>
-          </p:cNvPicPr>
-          <p:nvPr/>
-        </p:nvPicPr>
-        <p:blipFill>
-          <a:blip r:embed="rId3"/>
-          <a:stretch>
-            <a:fillRect/>
-          </a:stretch>
-        </p:blipFill>
-        <p:spPr>
-          <a:xfrm>
-            <a:off x="211679" y="1101946"/>
-            <a:ext cx="3557888" cy="2089035"/>
-          </a:xfrm>
-          <a:prstGeom prst="rect">
-            <a:avLst/>
-          </a:prstGeom>
-        </p:spPr>
-      </p:pic>
-      <p:sp>
-        <p:nvSpPr>
-          <p:cNvPr id="11" name="Arrow: Right 10">
-            <a:extLst>
-              <a:ext uri="{FF2B5EF4-FFF2-40B4-BE49-F238E27FC236}">
-                <a16:creationId xmlns:a16="http://schemas.microsoft.com/office/drawing/2014/main" id="{E3B635EE-ED2D-3BBE-635B-7A79732550C7}"/>
-              </a:ext>
-            </a:extLst>
-          </p:cNvPr>
-          <p:cNvSpPr/>
-          <p:nvPr/>
-        </p:nvSpPr>
-        <p:spPr>
-          <a:xfrm>
-            <a:off x="4085642" y="1363843"/>
-            <a:ext cx="3517641" cy="1017037"/>
-          </a:xfrm>
-          <a:prstGeom prst="rightArrow">
-            <a:avLst/>
-          </a:prstGeom>
-        </p:spPr>
-        <p:style>
-          <a:lnRef idx="2">
-            <a:schemeClr val="accent1">
-              <a:shade val="15000"/>
-            </a:schemeClr>
-          </a:lnRef>
-          <a:fillRef idx="1">
-            <a:schemeClr val="accent1"/>
-          </a:fillRef>
-          <a:effectRef idx="0">
-            <a:schemeClr val="accent1"/>
-          </a:effectRef>
-          <a:fontRef idx="minor">
-            <a:schemeClr val="lt1"/>
-          </a:fontRef>
-        </p:style>
-        <p:txBody>
-          <a:bodyPr rtlCol="0" anchor="ctr"/>
-          <a:lstStyle/>
-          <a:p>
-            <a:pPr algn="ctr"/>
-            <a:endParaRPr lang="en-IN" dirty="0"/>
-          </a:p>
-        </p:txBody>
-      </p:sp>
-    </p:spTree>
-    <p:extLst>
-      <p:ext uri="{BB962C8B-B14F-4D97-AF65-F5344CB8AC3E}">
-        <p14:creationId xmlns:p14="http://schemas.microsoft.com/office/powerpoint/2010/main" val="3585563696"/>
-      </p:ext>
-    </p:extLst>
-  </p:cSld>
-  <p:clrMapOvr>
-    <a:masterClrMapping/>
-  </p:clrMapOvr>
-</p:sld>
-</file>
-
 <file path=ppt/slides/slide3.xml><?xml version="1.0" encoding="utf-8"?>
 <p:sld xmlns:a="http://schemas.openxmlformats.org/drawingml/2006/main" xmlns:r="http://schemas.openxmlformats.org/officeDocument/2006/relationships" xmlns:p="http://schemas.openxmlformats.org/presentationml/2006/main">
   <p:cSld>
@@ -4193,7 +5907,7 @@
         <p:spPr>
           <a:xfrm>
             <a:off x="167951" y="242596"/>
-            <a:ext cx="4993931" cy="369332"/>
+            <a:ext cx="5563190" cy="369332"/>
           </a:xfrm>
           <a:prstGeom prst="rect">
             <a:avLst/>
@@ -4208,74 +5922,9 @@
           <a:p>
             <a:r>
               <a:rPr lang="en-US" dirty="0"/>
-              <a:t>Create a student table to store the following details</a:t>
+              <a:t>Task: Create a student table to store the following details</a:t>
             </a:r>
             <a:endParaRPr lang="en-IN" dirty="0"/>
-          </a:p>
-        </p:txBody>
-      </p:sp>
-      <p:sp>
-        <p:nvSpPr>
-          <p:cNvPr id="4" name="TextBox 3">
-            <a:extLst>
-              <a:ext uri="{FF2B5EF4-FFF2-40B4-BE49-F238E27FC236}">
-                <a16:creationId xmlns:a16="http://schemas.microsoft.com/office/drawing/2014/main" id="{25945B5F-24F5-1846-5AC3-DF58F03B94B3}"/>
-              </a:ext>
-            </a:extLst>
-          </p:cNvPr>
-          <p:cNvSpPr txBox="1"/>
-          <p:nvPr/>
-        </p:nvSpPr>
-        <p:spPr>
-          <a:xfrm>
-            <a:off x="7919358" y="2380880"/>
-            <a:ext cx="3949181" cy="1754326"/>
-          </a:xfrm>
-          <a:prstGeom prst="rect">
-            <a:avLst/>
-          </a:prstGeom>
-          <a:noFill/>
-        </p:spPr>
-        <p:txBody>
-          <a:bodyPr wrap="square">
-            <a:spAutoFit/>
-          </a:bodyPr>
-          <a:lstStyle/>
-          <a:p>
-            <a:r>
-              <a:rPr lang="en-IN" dirty="0"/>
-              <a:t>create table student</a:t>
-            </a:r>
-          </a:p>
-          <a:p>
-            <a:r>
-              <a:rPr lang="en-IN" dirty="0"/>
-              <a:t>(</a:t>
-            </a:r>
-          </a:p>
-          <a:p>
-            <a:r>
-              <a:rPr lang="en-IN" dirty="0"/>
-              <a:t>	name VARCHAR(200),	</a:t>
-            </a:r>
-          </a:p>
-          <a:p>
-            <a:r>
-              <a:rPr lang="en-IN" dirty="0"/>
-              <a:t>	age INT,	</a:t>
-            </a:r>
-          </a:p>
-          <a:p>
-            <a:r>
-              <a:rPr lang="en-IN" dirty="0"/>
-              <a:t>	score INT</a:t>
-            </a:r>
-          </a:p>
-          <a:p>
-            <a:r>
-              <a:rPr lang="en-IN" dirty="0"/>
-              <a:t>);</a:t>
-            </a:r>
           </a:p>
         </p:txBody>
       </p:sp>
@@ -4388,7 +6037,7 @@
     </p:spTree>
     <p:extLst>
       <p:ext uri="{BB962C8B-B14F-4D97-AF65-F5344CB8AC3E}">
-        <p14:creationId xmlns:p14="http://schemas.microsoft.com/office/powerpoint/2010/main" val="523028960"/>
+        <p14:creationId xmlns:p14="http://schemas.microsoft.com/office/powerpoint/2010/main" val="3585563696"/>
       </p:ext>
     </p:extLst>
   </p:cSld>
@@ -4415,12 +6064,113 @@
           <a:chExt cx="0" cy="0"/>
         </a:xfrm>
       </p:grpSpPr>
+      <p:sp>
+        <p:nvSpPr>
+          <p:cNvPr id="2" name="TextBox 1">
+            <a:extLst>
+              <a:ext uri="{FF2B5EF4-FFF2-40B4-BE49-F238E27FC236}">
+                <a16:creationId xmlns:a16="http://schemas.microsoft.com/office/drawing/2014/main" id="{41DC1E70-BFDE-2386-597C-91BEF0FD0F98}"/>
+              </a:ext>
+            </a:extLst>
+          </p:cNvPr>
+          <p:cNvSpPr txBox="1"/>
+          <p:nvPr/>
+        </p:nvSpPr>
+        <p:spPr>
+          <a:xfrm>
+            <a:off x="167951" y="242596"/>
+            <a:ext cx="4993931" cy="369332"/>
+          </a:xfrm>
+          <a:prstGeom prst="rect">
+            <a:avLst/>
+          </a:prstGeom>
+          <a:noFill/>
+        </p:spPr>
+        <p:txBody>
+          <a:bodyPr wrap="none" rtlCol="0">
+            <a:spAutoFit/>
+          </a:bodyPr>
+          <a:lstStyle/>
+          <a:p>
+            <a:r>
+              <a:rPr lang="en-US" dirty="0"/>
+              <a:t>Create a student table to store the following details</a:t>
+            </a:r>
+            <a:endParaRPr lang="en-IN" dirty="0"/>
+          </a:p>
+        </p:txBody>
+      </p:sp>
+      <p:sp>
+        <p:nvSpPr>
+          <p:cNvPr id="4" name="TextBox 3">
+            <a:extLst>
+              <a:ext uri="{FF2B5EF4-FFF2-40B4-BE49-F238E27FC236}">
+                <a16:creationId xmlns:a16="http://schemas.microsoft.com/office/drawing/2014/main" id="{25945B5F-24F5-1846-5AC3-DF58F03B94B3}"/>
+              </a:ext>
+            </a:extLst>
+          </p:cNvPr>
+          <p:cNvSpPr txBox="1"/>
+          <p:nvPr/>
+        </p:nvSpPr>
+        <p:spPr>
+          <a:xfrm>
+            <a:off x="7919358" y="2380880"/>
+            <a:ext cx="3949181" cy="1754326"/>
+          </a:xfrm>
+          <a:prstGeom prst="rect">
+            <a:avLst/>
+          </a:prstGeom>
+          <a:noFill/>
+        </p:spPr>
+        <p:txBody>
+          <a:bodyPr wrap="square">
+            <a:spAutoFit/>
+          </a:bodyPr>
+          <a:lstStyle/>
+          <a:p>
+            <a:r>
+              <a:rPr lang="en-IN" dirty="0"/>
+              <a:t>create table student</a:t>
+            </a:r>
+          </a:p>
+          <a:p>
+            <a:r>
+              <a:rPr lang="en-IN" dirty="0"/>
+              <a:t>(</a:t>
+            </a:r>
+          </a:p>
+          <a:p>
+            <a:r>
+              <a:rPr lang="en-IN" dirty="0"/>
+              <a:t>	name VARCHAR(200),	</a:t>
+            </a:r>
+          </a:p>
+          <a:p>
+            <a:r>
+              <a:rPr lang="en-IN" dirty="0"/>
+              <a:t>	age INT,	</a:t>
+            </a:r>
+          </a:p>
+          <a:p>
+            <a:r>
+              <a:rPr lang="en-IN" dirty="0"/>
+              <a:t>	score INT</a:t>
+            </a:r>
+          </a:p>
+          <a:p>
+            <a:r>
+              <a:rPr lang="en-IN" dirty="0"/>
+              <a:t>);</a:t>
+            </a:r>
+          </a:p>
+        </p:txBody>
+      </p:sp>
       <p:pic>
         <p:nvPicPr>
-          <p:cNvPr id="5" name="Picture 4">
-            <a:extLst>
-              <a:ext uri="{FF2B5EF4-FFF2-40B4-BE49-F238E27FC236}">
-                <a16:creationId xmlns:a16="http://schemas.microsoft.com/office/drawing/2014/main" id="{9C8AD411-1B79-DCF7-4DE3-6605C3CA9FA1}"/>
+          <p:cNvPr id="6" name="Picture 5">
+            <a:extLst>
+              <a:ext uri="{FF2B5EF4-FFF2-40B4-BE49-F238E27FC236}">
+                <a16:creationId xmlns:a16="http://schemas.microsoft.com/office/drawing/2014/main" id="{E396FA7E-248F-3D24-3439-748C82DD74F8}"/>
               </a:ext>
             </a:extLst>
           </p:cNvPr>
@@ -4437,20 +6187,50 @@
         </p:blipFill>
         <p:spPr>
           <a:xfrm>
-            <a:off x="380159" y="1121997"/>
-            <a:ext cx="2978861" cy="470347"/>
+            <a:off x="7445533" y="1538843"/>
+            <a:ext cx="3288810" cy="369332"/>
           </a:xfrm>
           <a:prstGeom prst="rect">
             <a:avLst/>
           </a:prstGeom>
         </p:spPr>
       </p:pic>
-      <p:sp>
-        <p:nvSpPr>
-          <p:cNvPr id="8" name="Arrow: Right 7">
-            <a:extLst>
-              <a:ext uri="{FF2B5EF4-FFF2-40B4-BE49-F238E27FC236}">
-                <a16:creationId xmlns:a16="http://schemas.microsoft.com/office/drawing/2014/main" id="{00E08D3F-64A2-C086-A9EB-035A93012232}"/>
+      <p:pic>
+        <p:nvPicPr>
+          <p:cNvPr id="8" name="Picture 7">
+            <a:extLst>
+              <a:ext uri="{FF2B5EF4-FFF2-40B4-BE49-F238E27FC236}">
+                <a16:creationId xmlns:a16="http://schemas.microsoft.com/office/drawing/2014/main" id="{C8637D5B-0012-CC97-1C50-7922A1C3C779}"/>
+              </a:ext>
+            </a:extLst>
+          </p:cNvPr>
+          <p:cNvPicPr>
+            <a:picLocks noChangeAspect="1"/>
+          </p:cNvPicPr>
+          <p:nvPr/>
+        </p:nvPicPr>
+        <p:blipFill>
+          <a:blip r:embed="rId3"/>
+          <a:stretch>
+            <a:fillRect/>
+          </a:stretch>
+        </p:blipFill>
+        <p:spPr>
+          <a:xfrm>
+            <a:off x="211679" y="1101946"/>
+            <a:ext cx="3557888" cy="2089035"/>
+          </a:xfrm>
+          <a:prstGeom prst="rect">
+            <a:avLst/>
+          </a:prstGeom>
+        </p:spPr>
+      </p:pic>
+      <p:sp>
+        <p:nvSpPr>
+          <p:cNvPr id="11" name="Arrow: Right 10">
+            <a:extLst>
+              <a:ext uri="{FF2B5EF4-FFF2-40B4-BE49-F238E27FC236}">
+                <a16:creationId xmlns:a16="http://schemas.microsoft.com/office/drawing/2014/main" id="{E3B635EE-ED2D-3BBE-635B-7A79732550C7}"/>
               </a:ext>
             </a:extLst>
           </p:cNvPr>
@@ -4459,7 +6239,7 @@
         </p:nvSpPr>
         <p:spPr>
           <a:xfrm>
-            <a:off x="3805724" y="848651"/>
+            <a:off x="4085642" y="1363843"/>
             <a:ext cx="3517641" cy="1017037"/>
           </a:xfrm>
           <a:prstGeom prst="rightArrow">
@@ -4487,48 +6267,14 @@
           <a:lstStyle/>
           <a:p>
             <a:pPr algn="ctr"/>
-            <a:r>
-              <a:rPr lang="en-US" dirty="0"/>
-              <a:t>Insert data into the table</a:t>
-            </a:r>
             <a:endParaRPr lang="en-IN" dirty="0"/>
           </a:p>
         </p:txBody>
       </p:sp>
-      <p:pic>
-        <p:nvPicPr>
-          <p:cNvPr id="12" name="Picture 11">
-            <a:extLst>
-              <a:ext uri="{FF2B5EF4-FFF2-40B4-BE49-F238E27FC236}">
-                <a16:creationId xmlns:a16="http://schemas.microsoft.com/office/drawing/2014/main" id="{3197FF63-09F8-D403-0D69-8166D15B90E3}"/>
-              </a:ext>
-            </a:extLst>
-          </p:cNvPr>
-          <p:cNvPicPr>
-            <a:picLocks noChangeAspect="1"/>
-          </p:cNvPicPr>
-          <p:nvPr/>
-        </p:nvPicPr>
-        <p:blipFill>
-          <a:blip r:embed="rId3"/>
-          <a:stretch>
-            <a:fillRect/>
-          </a:stretch>
-        </p:blipFill>
-        <p:spPr>
-          <a:xfrm>
-            <a:off x="7921896" y="790010"/>
-            <a:ext cx="3253845" cy="1122015"/>
-          </a:xfrm>
-          <a:prstGeom prst="rect">
-            <a:avLst/>
-          </a:prstGeom>
-        </p:spPr>
-      </p:pic>
     </p:spTree>
     <p:extLst>
       <p:ext uri="{BB962C8B-B14F-4D97-AF65-F5344CB8AC3E}">
-        <p14:creationId xmlns:p14="http://schemas.microsoft.com/office/powerpoint/2010/main" val="484108989"/>
+        <p14:creationId xmlns:p14="http://schemas.microsoft.com/office/powerpoint/2010/main" val="523028960"/>
       </p:ext>
     </p:extLst>
   </p:cSld>
@@ -4635,65 +6381,6 @@
           </a:p>
         </p:txBody>
       </p:sp>
-      <p:sp>
-        <p:nvSpPr>
-          <p:cNvPr id="10" name="TextBox 9">
-            <a:extLst>
-              <a:ext uri="{FF2B5EF4-FFF2-40B4-BE49-F238E27FC236}">
-                <a16:creationId xmlns:a16="http://schemas.microsoft.com/office/drawing/2014/main" id="{4BD658DA-CDCE-D726-B64D-8C3F7E0479D2}"/>
-              </a:ext>
-            </a:extLst>
-          </p:cNvPr>
-          <p:cNvSpPr txBox="1"/>
-          <p:nvPr/>
-        </p:nvSpPr>
-        <p:spPr>
-          <a:xfrm>
-            <a:off x="7921896" y="2368717"/>
-            <a:ext cx="3631940" cy="1477328"/>
-          </a:xfrm>
-          <a:prstGeom prst="rect">
-            <a:avLst/>
-          </a:prstGeom>
-          <a:noFill/>
-        </p:spPr>
-        <p:txBody>
-          <a:bodyPr wrap="square">
-            <a:spAutoFit/>
-          </a:bodyPr>
-          <a:lstStyle/>
-          <a:p>
-            <a:r>
-              <a:rPr lang="en-IN" dirty="0"/>
-              <a:t>INSERT INTO	</a:t>
-            </a:r>
-          </a:p>
-          <a:p>
-            <a:r>
-              <a:rPr lang="en-IN" dirty="0"/>
-              <a:t>	player (name, age, score)</a:t>
-            </a:r>
-          </a:p>
-          <a:p>
-            <a:r>
-              <a:rPr lang="en-IN" dirty="0"/>
-              <a:t>VALUES	</a:t>
-            </a:r>
-          </a:p>
-          <a:p>
-            <a:r>
-              <a:rPr lang="en-IN" dirty="0"/>
-              <a:t>	("Rakesh", 39, 35),	</a:t>
-            </a:r>
-          </a:p>
-          <a:p>
-            <a:r>
-              <a:rPr lang="en-IN" dirty="0"/>
-              <a:t>	("Sai", 47, 30);	</a:t>
-            </a:r>
-          </a:p>
-        </p:txBody>
-      </p:sp>
       <p:pic>
         <p:nvPicPr>
           <p:cNvPr id="12" name="Picture 11">
@@ -4727,7 +6414,7 @@
     </p:spTree>
     <p:extLst>
       <p:ext uri="{BB962C8B-B14F-4D97-AF65-F5344CB8AC3E}">
-        <p14:creationId xmlns:p14="http://schemas.microsoft.com/office/powerpoint/2010/main" val="495228036"/>
+        <p14:creationId xmlns:p14="http://schemas.microsoft.com/office/powerpoint/2010/main" val="484108989"/>
       </p:ext>
     </p:extLst>
   </p:cSld>
@@ -4756,10 +6443,10 @@
       </p:grpSpPr>
       <p:pic>
         <p:nvPicPr>
-          <p:cNvPr id="3" name="Picture 2">
-            <a:extLst>
-              <a:ext uri="{FF2B5EF4-FFF2-40B4-BE49-F238E27FC236}">
-                <a16:creationId xmlns:a16="http://schemas.microsoft.com/office/drawing/2014/main" id="{23A9669B-9214-05C6-9AF7-E8BEE65E77D7}"/>
+          <p:cNvPr id="5" name="Picture 4">
+            <a:extLst>
+              <a:ext uri="{FF2B5EF4-FFF2-40B4-BE49-F238E27FC236}">
+                <a16:creationId xmlns:a16="http://schemas.microsoft.com/office/drawing/2014/main" id="{9C8AD411-1B79-DCF7-4DE3-6605C3CA9FA1}"/>
               </a:ext>
             </a:extLst>
           </p:cNvPr>
@@ -4776,8 +6463,8 @@
         </p:blipFill>
         <p:spPr>
           <a:xfrm>
-            <a:off x="1032520" y="164174"/>
-            <a:ext cx="2662401" cy="1757184"/>
+            <a:off x="380159" y="1121997"/>
+            <a:ext cx="2978861" cy="470347"/>
           </a:xfrm>
           <a:prstGeom prst="rect">
             <a:avLst/>
@@ -4786,10 +6473,10 @@
       </p:pic>
       <p:sp>
         <p:nvSpPr>
-          <p:cNvPr id="4" name="Arrow: Right 3">
-            <a:extLst>
-              <a:ext uri="{FF2B5EF4-FFF2-40B4-BE49-F238E27FC236}">
-                <a16:creationId xmlns:a16="http://schemas.microsoft.com/office/drawing/2014/main" id="{41A4789A-F467-3DFC-57D0-80B1751AEC4E}"/>
+          <p:cNvPr id="8" name="Arrow: Right 7">
+            <a:extLst>
+              <a:ext uri="{FF2B5EF4-FFF2-40B4-BE49-F238E27FC236}">
+                <a16:creationId xmlns:a16="http://schemas.microsoft.com/office/drawing/2014/main" id="{00E08D3F-64A2-C086-A9EB-035A93012232}"/>
               </a:ext>
             </a:extLst>
           </p:cNvPr>
@@ -4798,7 +6485,7 @@
         </p:nvSpPr>
         <p:spPr>
           <a:xfrm>
-            <a:off x="4337179" y="534248"/>
+            <a:off x="3805724" y="848651"/>
             <a:ext cx="3517641" cy="1017037"/>
           </a:xfrm>
           <a:prstGeom prst="rightArrow">
@@ -4828,18 +6515,77 @@
             <a:pPr algn="ctr"/>
             <a:r>
               <a:rPr lang="en-US" dirty="0"/>
-              <a:t>Select only name and age</a:t>
+              <a:t>Insert data into the table</a:t>
             </a:r>
             <a:endParaRPr lang="en-IN" dirty="0"/>
+          </a:p>
+        </p:txBody>
+      </p:sp>
+      <p:sp>
+        <p:nvSpPr>
+          <p:cNvPr id="10" name="TextBox 9">
+            <a:extLst>
+              <a:ext uri="{FF2B5EF4-FFF2-40B4-BE49-F238E27FC236}">
+                <a16:creationId xmlns:a16="http://schemas.microsoft.com/office/drawing/2014/main" id="{4BD658DA-CDCE-D726-B64D-8C3F7E0479D2}"/>
+              </a:ext>
+            </a:extLst>
+          </p:cNvPr>
+          <p:cNvSpPr txBox="1"/>
+          <p:nvPr/>
+        </p:nvSpPr>
+        <p:spPr>
+          <a:xfrm>
+            <a:off x="7921896" y="2368717"/>
+            <a:ext cx="3631940" cy="1477328"/>
+          </a:xfrm>
+          <a:prstGeom prst="rect">
+            <a:avLst/>
+          </a:prstGeom>
+          <a:noFill/>
+        </p:spPr>
+        <p:txBody>
+          <a:bodyPr wrap="square">
+            <a:spAutoFit/>
+          </a:bodyPr>
+          <a:lstStyle/>
+          <a:p>
+            <a:r>
+              <a:rPr lang="en-IN" dirty="0"/>
+              <a:t>INSERT INTO	</a:t>
+            </a:r>
+          </a:p>
+          <a:p>
+            <a:r>
+              <a:rPr lang="en-IN" dirty="0"/>
+              <a:t>	player (name, age, score)</a:t>
+            </a:r>
+          </a:p>
+          <a:p>
+            <a:r>
+              <a:rPr lang="en-IN" dirty="0"/>
+              <a:t>VALUES	</a:t>
+            </a:r>
+          </a:p>
+          <a:p>
+            <a:r>
+              <a:rPr lang="en-IN" dirty="0"/>
+              <a:t>	("Rakesh", 39, 35),	</a:t>
+            </a:r>
+          </a:p>
+          <a:p>
+            <a:r>
+              <a:rPr lang="en-IN" dirty="0"/>
+              <a:t>	("Sai", 47, 30);	</a:t>
+            </a:r>
           </a:p>
         </p:txBody>
       </p:sp>
       <p:pic>
         <p:nvPicPr>
-          <p:cNvPr id="8" name="Picture 7">
-            <a:extLst>
-              <a:ext uri="{FF2B5EF4-FFF2-40B4-BE49-F238E27FC236}">
-                <a16:creationId xmlns:a16="http://schemas.microsoft.com/office/drawing/2014/main" id="{CF62EBB2-1A45-79BB-986E-0D48DF00A112}"/>
+          <p:cNvPr id="12" name="Picture 11">
+            <a:extLst>
+              <a:ext uri="{FF2B5EF4-FFF2-40B4-BE49-F238E27FC236}">
+                <a16:creationId xmlns:a16="http://schemas.microsoft.com/office/drawing/2014/main" id="{3197FF63-09F8-D403-0D69-8166D15B90E3}"/>
               </a:ext>
             </a:extLst>
           </p:cNvPr>
@@ -4856,136 +6602,18 @@
         </p:blipFill>
         <p:spPr>
           <a:xfrm>
-            <a:off x="8282501" y="164174"/>
-            <a:ext cx="1943850" cy="1699259"/>
+            <a:off x="7921896" y="790010"/>
+            <a:ext cx="3253845" cy="1122015"/>
           </a:xfrm>
           <a:prstGeom prst="rect">
             <a:avLst/>
           </a:prstGeom>
         </p:spPr>
       </p:pic>
-      <p:pic>
-        <p:nvPicPr>
-          <p:cNvPr id="12" name="Picture 11">
-            <a:extLst>
-              <a:ext uri="{FF2B5EF4-FFF2-40B4-BE49-F238E27FC236}">
-                <a16:creationId xmlns:a16="http://schemas.microsoft.com/office/drawing/2014/main" id="{02E53C69-840B-FD4A-241F-50BC561D0334}"/>
-              </a:ext>
-            </a:extLst>
-          </p:cNvPr>
-          <p:cNvPicPr>
-            <a:picLocks noChangeAspect="1"/>
-          </p:cNvPicPr>
-          <p:nvPr/>
-        </p:nvPicPr>
-        <p:blipFill>
-          <a:blip r:embed="rId4"/>
-          <a:stretch>
-            <a:fillRect/>
-          </a:stretch>
-        </p:blipFill>
-        <p:spPr>
-          <a:xfrm>
-            <a:off x="1331195" y="5131430"/>
-            <a:ext cx="1794560" cy="606983"/>
-          </a:xfrm>
-          <a:prstGeom prst="rect">
-            <a:avLst/>
-          </a:prstGeom>
-        </p:spPr>
-      </p:pic>
-      <p:sp>
-        <p:nvSpPr>
-          <p:cNvPr id="13" name="Arrow: Down 12">
-            <a:extLst>
-              <a:ext uri="{FF2B5EF4-FFF2-40B4-BE49-F238E27FC236}">
-                <a16:creationId xmlns:a16="http://schemas.microsoft.com/office/drawing/2014/main" id="{1870D57E-59B7-C772-8380-522415114DB3}"/>
-              </a:ext>
-            </a:extLst>
-          </p:cNvPr>
-          <p:cNvSpPr/>
-          <p:nvPr/>
-        </p:nvSpPr>
-        <p:spPr>
-          <a:xfrm>
-            <a:off x="1761944" y="2798010"/>
-            <a:ext cx="933062" cy="1922106"/>
-          </a:xfrm>
-          <a:prstGeom prst="downArrow">
-            <a:avLst/>
-          </a:prstGeom>
-        </p:spPr>
-        <p:style>
-          <a:lnRef idx="2">
-            <a:schemeClr val="accent1">
-              <a:shade val="15000"/>
-            </a:schemeClr>
-          </a:lnRef>
-          <a:fillRef idx="1">
-            <a:schemeClr val="accent1"/>
-          </a:fillRef>
-          <a:effectRef idx="0">
-            <a:schemeClr val="accent1"/>
-          </a:effectRef>
-          <a:fontRef idx="minor">
-            <a:schemeClr val="lt1"/>
-          </a:fontRef>
-        </p:style>
-        <p:txBody>
-          <a:bodyPr rtlCol="0" anchor="ctr"/>
-          <a:lstStyle/>
-          <a:p>
-            <a:pPr algn="ctr"/>
-            <a:endParaRPr lang="en-IN" dirty="0"/>
-          </a:p>
-        </p:txBody>
-      </p:sp>
-      <p:sp>
-        <p:nvSpPr>
-          <p:cNvPr id="15" name="TextBox 14">
-            <a:extLst>
-              <a:ext uri="{FF2B5EF4-FFF2-40B4-BE49-F238E27FC236}">
-                <a16:creationId xmlns:a16="http://schemas.microsoft.com/office/drawing/2014/main" id="{E3812E9A-B41D-7449-60DF-FD3FB8EAEC6F}"/>
-              </a:ext>
-            </a:extLst>
-          </p:cNvPr>
-          <p:cNvSpPr txBox="1"/>
-          <p:nvPr/>
-        </p:nvSpPr>
-        <p:spPr>
-          <a:xfrm>
-            <a:off x="2538991" y="2781221"/>
-            <a:ext cx="2132113" cy="1200329"/>
-          </a:xfrm>
-          <a:prstGeom prst="rect">
-            <a:avLst/>
-          </a:prstGeom>
-          <a:noFill/>
-        </p:spPr>
-        <p:txBody>
-          <a:bodyPr wrap="square" rtlCol="0">
-            <a:spAutoFit/>
-          </a:bodyPr>
-          <a:lstStyle/>
-          <a:p>
-            <a:r>
-              <a:rPr lang="en-US" dirty="0"/>
-              <a:t>Select name, age from </a:t>
-            </a:r>
-          </a:p>
-          <a:p>
-            <a:r>
-              <a:rPr lang="en-US" dirty="0"/>
-              <a:t>Player table whose name is “Sai”</a:t>
-            </a:r>
-            <a:endParaRPr lang="en-IN" dirty="0"/>
-          </a:p>
-        </p:txBody>
-      </p:sp>
     </p:spTree>
     <p:extLst>
       <p:ext uri="{BB962C8B-B14F-4D97-AF65-F5344CB8AC3E}">
-        <p14:creationId xmlns:p14="http://schemas.microsoft.com/office/powerpoint/2010/main" val="2807531647"/>
+        <p14:creationId xmlns:p14="http://schemas.microsoft.com/office/powerpoint/2010/main" val="495228036"/>
       </p:ext>
     </p:extLst>
   </p:cSld>
@@ -5092,41 +6720,6 @@
           </a:p>
         </p:txBody>
       </p:sp>
-      <p:sp>
-        <p:nvSpPr>
-          <p:cNvPr id="6" name="TextBox 5">
-            <a:extLst>
-              <a:ext uri="{FF2B5EF4-FFF2-40B4-BE49-F238E27FC236}">
-                <a16:creationId xmlns:a16="http://schemas.microsoft.com/office/drawing/2014/main" id="{A4F2C872-E381-9453-48D8-ED0AF7476960}"/>
-              </a:ext>
-            </a:extLst>
-          </p:cNvPr>
-          <p:cNvSpPr txBox="1"/>
-          <p:nvPr/>
-        </p:nvSpPr>
-        <p:spPr>
-          <a:xfrm>
-            <a:off x="993642" y="2059346"/>
-            <a:ext cx="2132113" cy="369332"/>
-          </a:xfrm>
-          <a:prstGeom prst="rect">
-            <a:avLst/>
-          </a:prstGeom>
-          <a:noFill/>
-        </p:spPr>
-        <p:txBody>
-          <a:bodyPr wrap="square">
-            <a:spAutoFit/>
-          </a:bodyPr>
-          <a:lstStyle/>
-          <a:p>
-            <a:r>
-              <a:rPr lang="en-IN" dirty="0"/>
-              <a:t>select * from player;</a:t>
-            </a:r>
-          </a:p>
-        </p:txBody>
-      </p:sp>
       <p:pic>
         <p:nvPicPr>
           <p:cNvPr id="8" name="Picture 7">
@@ -5157,65 +6750,6 @@
           </a:prstGeom>
         </p:spPr>
       </p:pic>
-      <p:sp>
-        <p:nvSpPr>
-          <p:cNvPr id="10" name="TextBox 9">
-            <a:extLst>
-              <a:ext uri="{FF2B5EF4-FFF2-40B4-BE49-F238E27FC236}">
-                <a16:creationId xmlns:a16="http://schemas.microsoft.com/office/drawing/2014/main" id="{89CBEDC9-1699-9925-4578-A072DE09B9B4}"/>
-              </a:ext>
-            </a:extLst>
-          </p:cNvPr>
-          <p:cNvSpPr txBox="1"/>
-          <p:nvPr/>
-        </p:nvSpPr>
-        <p:spPr>
-          <a:xfrm>
-            <a:off x="8348566" y="2059346"/>
-            <a:ext cx="1971091" cy="1477328"/>
-          </a:xfrm>
-          <a:prstGeom prst="rect">
-            <a:avLst/>
-          </a:prstGeom>
-          <a:noFill/>
-        </p:spPr>
-        <p:txBody>
-          <a:bodyPr wrap="square">
-            <a:spAutoFit/>
-          </a:bodyPr>
-          <a:lstStyle/>
-          <a:p>
-            <a:r>
-              <a:rPr lang="en-IN" dirty="0"/>
-              <a:t>select 	</a:t>
-            </a:r>
-          </a:p>
-          <a:p>
-            <a:r>
-              <a:rPr lang="en-IN" dirty="0"/>
-              <a:t>	name,    </a:t>
-            </a:r>
-          </a:p>
-          <a:p>
-            <a:r>
-              <a:rPr lang="en-IN" dirty="0"/>
-              <a:t>	age</a:t>
-            </a:r>
-          </a:p>
-          <a:p>
-            <a:r>
-              <a:rPr lang="en-IN" dirty="0"/>
-              <a:t>from 	</a:t>
-            </a:r>
-          </a:p>
-          <a:p>
-            <a:r>
-              <a:rPr lang="en-IN" dirty="0"/>
-              <a:t>	player;</a:t>
-            </a:r>
-          </a:p>
-        </p:txBody>
-      </p:sp>
       <p:pic>
         <p:nvPicPr>
           <p:cNvPr id="12" name="Picture 11">
@@ -5334,75 +6868,10 @@
           </a:p>
         </p:txBody>
       </p:sp>
-      <p:sp>
-        <p:nvSpPr>
-          <p:cNvPr id="17" name="TextBox 16">
-            <a:extLst>
-              <a:ext uri="{FF2B5EF4-FFF2-40B4-BE49-F238E27FC236}">
-                <a16:creationId xmlns:a16="http://schemas.microsoft.com/office/drawing/2014/main" id="{DE94B763-A763-F743-1C8C-5E604222FE1D}"/>
-              </a:ext>
-            </a:extLst>
-          </p:cNvPr>
-          <p:cNvSpPr txBox="1"/>
-          <p:nvPr/>
-        </p:nvSpPr>
-        <p:spPr>
-          <a:xfrm>
-            <a:off x="3236557" y="4841413"/>
-            <a:ext cx="6097554" cy="1754326"/>
-          </a:xfrm>
-          <a:prstGeom prst="rect">
-            <a:avLst/>
-          </a:prstGeom>
-          <a:noFill/>
-        </p:spPr>
-        <p:txBody>
-          <a:bodyPr wrap="square">
-            <a:spAutoFit/>
-          </a:bodyPr>
-          <a:lstStyle/>
-          <a:p>
-            <a:r>
-              <a:rPr lang="en-IN" dirty="0"/>
-              <a:t>select 	</a:t>
-            </a:r>
-          </a:p>
-          <a:p>
-            <a:r>
-              <a:rPr lang="en-IN" dirty="0"/>
-              <a:t>	name, age</a:t>
-            </a:r>
-          </a:p>
-          <a:p>
-            <a:r>
-              <a:rPr lang="en-IN" dirty="0"/>
-              <a:t>from 	</a:t>
-            </a:r>
-          </a:p>
-          <a:p>
-            <a:r>
-              <a:rPr lang="en-IN" dirty="0"/>
-              <a:t>	player</a:t>
-            </a:r>
-          </a:p>
-          <a:p>
-            <a:r>
-              <a:rPr lang="en-IN" dirty="0"/>
-              <a:t>where 	</a:t>
-            </a:r>
-          </a:p>
-          <a:p>
-            <a:r>
-              <a:rPr lang="en-IN" dirty="0"/>
-              <a:t>	name = “Sai"</a:t>
-            </a:r>
-          </a:p>
-        </p:txBody>
-      </p:sp>
     </p:spTree>
     <p:extLst>
       <p:ext uri="{BB962C8B-B14F-4D97-AF65-F5344CB8AC3E}">
-        <p14:creationId xmlns:p14="http://schemas.microsoft.com/office/powerpoint/2010/main" val="2171306974"/>
+        <p14:creationId xmlns:p14="http://schemas.microsoft.com/office/powerpoint/2010/main" val="2807531647"/>
       </p:ext>
     </p:extLst>
   </p:cSld>
@@ -5431,10 +6900,10 @@
       </p:grpSpPr>
       <p:pic>
         <p:nvPicPr>
-          <p:cNvPr id="2" name="Picture 1">
-            <a:extLst>
-              <a:ext uri="{FF2B5EF4-FFF2-40B4-BE49-F238E27FC236}">
-                <a16:creationId xmlns:a16="http://schemas.microsoft.com/office/drawing/2014/main" id="{6EBB2198-A52D-7CFB-4C07-E6BFE9CFABBA}"/>
+          <p:cNvPr id="3" name="Picture 2">
+            <a:extLst>
+              <a:ext uri="{FF2B5EF4-FFF2-40B4-BE49-F238E27FC236}">
+                <a16:creationId xmlns:a16="http://schemas.microsoft.com/office/drawing/2014/main" id="{23A9669B-9214-05C6-9AF7-E8BEE65E77D7}"/>
               </a:ext>
             </a:extLst>
           </p:cNvPr>
@@ -5464,7 +6933,7 @@
           <p:cNvPr id="4" name="Arrow: Right 3">
             <a:extLst>
               <a:ext uri="{FF2B5EF4-FFF2-40B4-BE49-F238E27FC236}">
-                <a16:creationId xmlns:a16="http://schemas.microsoft.com/office/drawing/2014/main" id="{D438B38F-1820-F21A-236D-BC4A31CBDAAF}"/>
+                <a16:creationId xmlns:a16="http://schemas.microsoft.com/office/drawing/2014/main" id="{41A4789A-F467-3DFC-57D0-80B1751AEC4E}"/>
               </a:ext>
             </a:extLst>
           </p:cNvPr>
@@ -5503,9 +6972,44 @@
             <a:pPr algn="ctr"/>
             <a:r>
               <a:rPr lang="en-US" dirty="0"/>
-              <a:t>Update score of Ram to 100</a:t>
+              <a:t>Select only name and age</a:t>
             </a:r>
             <a:endParaRPr lang="en-IN" dirty="0"/>
+          </a:p>
+        </p:txBody>
+      </p:sp>
+      <p:sp>
+        <p:nvSpPr>
+          <p:cNvPr id="6" name="TextBox 5">
+            <a:extLst>
+              <a:ext uri="{FF2B5EF4-FFF2-40B4-BE49-F238E27FC236}">
+                <a16:creationId xmlns:a16="http://schemas.microsoft.com/office/drawing/2014/main" id="{A4F2C872-E381-9453-48D8-ED0AF7476960}"/>
+              </a:ext>
+            </a:extLst>
+          </p:cNvPr>
+          <p:cNvSpPr txBox="1"/>
+          <p:nvPr/>
+        </p:nvSpPr>
+        <p:spPr>
+          <a:xfrm>
+            <a:off x="993642" y="2059346"/>
+            <a:ext cx="2132113" cy="369332"/>
+          </a:xfrm>
+          <a:prstGeom prst="rect">
+            <a:avLst/>
+          </a:prstGeom>
+          <a:noFill/>
+        </p:spPr>
+        <p:txBody>
+          <a:bodyPr wrap="square">
+            <a:spAutoFit/>
+          </a:bodyPr>
+          <a:lstStyle/>
+          <a:p>
+            <a:r>
+              <a:rPr lang="en-IN" dirty="0"/>
+              <a:t>select * from player;</a:t>
+            </a:r>
           </a:p>
         </p:txBody>
       </p:sp>
@@ -5514,7 +7018,7 @@
           <p:cNvPr id="8" name="Picture 7">
             <a:extLst>
               <a:ext uri="{FF2B5EF4-FFF2-40B4-BE49-F238E27FC236}">
-                <a16:creationId xmlns:a16="http://schemas.microsoft.com/office/drawing/2014/main" id="{549308D5-5C91-D663-BC48-7BA4043E580C}"/>
+                <a16:creationId xmlns:a16="http://schemas.microsoft.com/office/drawing/2014/main" id="{CF62EBB2-1A45-79BB-986E-0D48DF00A112}"/>
               </a:ext>
             </a:extLst>
           </p:cNvPr>
@@ -5531,18 +7035,260 @@
         </p:blipFill>
         <p:spPr>
           <a:xfrm>
-            <a:off x="8385889" y="164174"/>
-            <a:ext cx="2426196" cy="1754326"/>
+            <a:off x="8282501" y="164174"/>
+            <a:ext cx="1943850" cy="1699259"/>
           </a:xfrm>
           <a:prstGeom prst="rect">
             <a:avLst/>
           </a:prstGeom>
         </p:spPr>
       </p:pic>
+      <p:sp>
+        <p:nvSpPr>
+          <p:cNvPr id="10" name="TextBox 9">
+            <a:extLst>
+              <a:ext uri="{FF2B5EF4-FFF2-40B4-BE49-F238E27FC236}">
+                <a16:creationId xmlns:a16="http://schemas.microsoft.com/office/drawing/2014/main" id="{89CBEDC9-1699-9925-4578-A072DE09B9B4}"/>
+              </a:ext>
+            </a:extLst>
+          </p:cNvPr>
+          <p:cNvSpPr txBox="1"/>
+          <p:nvPr/>
+        </p:nvSpPr>
+        <p:spPr>
+          <a:xfrm>
+            <a:off x="8348566" y="2059346"/>
+            <a:ext cx="1971091" cy="1477328"/>
+          </a:xfrm>
+          <a:prstGeom prst="rect">
+            <a:avLst/>
+          </a:prstGeom>
+          <a:noFill/>
+        </p:spPr>
+        <p:txBody>
+          <a:bodyPr wrap="square">
+            <a:spAutoFit/>
+          </a:bodyPr>
+          <a:lstStyle/>
+          <a:p>
+            <a:r>
+              <a:rPr lang="en-IN" dirty="0"/>
+              <a:t>select 	</a:t>
+            </a:r>
+          </a:p>
+          <a:p>
+            <a:r>
+              <a:rPr lang="en-IN" dirty="0"/>
+              <a:t>	name,    </a:t>
+            </a:r>
+          </a:p>
+          <a:p>
+            <a:r>
+              <a:rPr lang="en-IN" dirty="0"/>
+              <a:t>	age</a:t>
+            </a:r>
+          </a:p>
+          <a:p>
+            <a:r>
+              <a:rPr lang="en-IN" dirty="0"/>
+              <a:t>from 	</a:t>
+            </a:r>
+          </a:p>
+          <a:p>
+            <a:r>
+              <a:rPr lang="en-IN" dirty="0"/>
+              <a:t>	player;</a:t>
+            </a:r>
+          </a:p>
+        </p:txBody>
+      </p:sp>
+      <p:pic>
+        <p:nvPicPr>
+          <p:cNvPr id="12" name="Picture 11">
+            <a:extLst>
+              <a:ext uri="{FF2B5EF4-FFF2-40B4-BE49-F238E27FC236}">
+                <a16:creationId xmlns:a16="http://schemas.microsoft.com/office/drawing/2014/main" id="{02E53C69-840B-FD4A-241F-50BC561D0334}"/>
+              </a:ext>
+            </a:extLst>
+          </p:cNvPr>
+          <p:cNvPicPr>
+            <a:picLocks noChangeAspect="1"/>
+          </p:cNvPicPr>
+          <p:nvPr/>
+        </p:nvPicPr>
+        <p:blipFill>
+          <a:blip r:embed="rId4"/>
+          <a:stretch>
+            <a:fillRect/>
+          </a:stretch>
+        </p:blipFill>
+        <p:spPr>
+          <a:xfrm>
+            <a:off x="1331195" y="5131430"/>
+            <a:ext cx="1794560" cy="606983"/>
+          </a:xfrm>
+          <a:prstGeom prst="rect">
+            <a:avLst/>
+          </a:prstGeom>
+        </p:spPr>
+      </p:pic>
+      <p:sp>
+        <p:nvSpPr>
+          <p:cNvPr id="13" name="Arrow: Down 12">
+            <a:extLst>
+              <a:ext uri="{FF2B5EF4-FFF2-40B4-BE49-F238E27FC236}">
+                <a16:creationId xmlns:a16="http://schemas.microsoft.com/office/drawing/2014/main" id="{1870D57E-59B7-C772-8380-522415114DB3}"/>
+              </a:ext>
+            </a:extLst>
+          </p:cNvPr>
+          <p:cNvSpPr/>
+          <p:nvPr/>
+        </p:nvSpPr>
+        <p:spPr>
+          <a:xfrm>
+            <a:off x="1761944" y="2798010"/>
+            <a:ext cx="933062" cy="1922106"/>
+          </a:xfrm>
+          <a:prstGeom prst="downArrow">
+            <a:avLst/>
+          </a:prstGeom>
+        </p:spPr>
+        <p:style>
+          <a:lnRef idx="2">
+            <a:schemeClr val="accent1">
+              <a:shade val="15000"/>
+            </a:schemeClr>
+          </a:lnRef>
+          <a:fillRef idx="1">
+            <a:schemeClr val="accent1"/>
+          </a:fillRef>
+          <a:effectRef idx="0">
+            <a:schemeClr val="accent1"/>
+          </a:effectRef>
+          <a:fontRef idx="minor">
+            <a:schemeClr val="lt1"/>
+          </a:fontRef>
+        </p:style>
+        <p:txBody>
+          <a:bodyPr rtlCol="0" anchor="ctr"/>
+          <a:lstStyle/>
+          <a:p>
+            <a:pPr algn="ctr"/>
+            <a:endParaRPr lang="en-IN" dirty="0"/>
+          </a:p>
+        </p:txBody>
+      </p:sp>
+      <p:sp>
+        <p:nvSpPr>
+          <p:cNvPr id="15" name="TextBox 14">
+            <a:extLst>
+              <a:ext uri="{FF2B5EF4-FFF2-40B4-BE49-F238E27FC236}">
+                <a16:creationId xmlns:a16="http://schemas.microsoft.com/office/drawing/2014/main" id="{E3812E9A-B41D-7449-60DF-FD3FB8EAEC6F}"/>
+              </a:ext>
+            </a:extLst>
+          </p:cNvPr>
+          <p:cNvSpPr txBox="1"/>
+          <p:nvPr/>
+        </p:nvSpPr>
+        <p:spPr>
+          <a:xfrm>
+            <a:off x="2538991" y="2781221"/>
+            <a:ext cx="2132113" cy="1200329"/>
+          </a:xfrm>
+          <a:prstGeom prst="rect">
+            <a:avLst/>
+          </a:prstGeom>
+          <a:noFill/>
+        </p:spPr>
+        <p:txBody>
+          <a:bodyPr wrap="square" rtlCol="0">
+            <a:spAutoFit/>
+          </a:bodyPr>
+          <a:lstStyle/>
+          <a:p>
+            <a:r>
+              <a:rPr lang="en-US" dirty="0"/>
+              <a:t>Select name, age from </a:t>
+            </a:r>
+          </a:p>
+          <a:p>
+            <a:r>
+              <a:rPr lang="en-US" dirty="0"/>
+              <a:t>Player table whose name is “Sai”</a:t>
+            </a:r>
+            <a:endParaRPr lang="en-IN" dirty="0"/>
+          </a:p>
+        </p:txBody>
+      </p:sp>
+      <p:sp>
+        <p:nvSpPr>
+          <p:cNvPr id="17" name="TextBox 16">
+            <a:extLst>
+              <a:ext uri="{FF2B5EF4-FFF2-40B4-BE49-F238E27FC236}">
+                <a16:creationId xmlns:a16="http://schemas.microsoft.com/office/drawing/2014/main" id="{DE94B763-A763-F743-1C8C-5E604222FE1D}"/>
+              </a:ext>
+            </a:extLst>
+          </p:cNvPr>
+          <p:cNvSpPr txBox="1"/>
+          <p:nvPr/>
+        </p:nvSpPr>
+        <p:spPr>
+          <a:xfrm>
+            <a:off x="3236557" y="4841413"/>
+            <a:ext cx="6097554" cy="1754326"/>
+          </a:xfrm>
+          <a:prstGeom prst="rect">
+            <a:avLst/>
+          </a:prstGeom>
+          <a:noFill/>
+        </p:spPr>
+        <p:txBody>
+          <a:bodyPr wrap="square">
+            <a:spAutoFit/>
+          </a:bodyPr>
+          <a:lstStyle/>
+          <a:p>
+            <a:r>
+              <a:rPr lang="en-IN" dirty="0"/>
+              <a:t>select 	</a:t>
+            </a:r>
+          </a:p>
+          <a:p>
+            <a:r>
+              <a:rPr lang="en-IN" dirty="0"/>
+              <a:t>	name, age</a:t>
+            </a:r>
+          </a:p>
+          <a:p>
+            <a:r>
+              <a:rPr lang="en-IN" dirty="0"/>
+              <a:t>from 	</a:t>
+            </a:r>
+          </a:p>
+          <a:p>
+            <a:r>
+              <a:rPr lang="en-IN" dirty="0"/>
+              <a:t>	player</a:t>
+            </a:r>
+          </a:p>
+          <a:p>
+            <a:r>
+              <a:rPr lang="en-IN" dirty="0"/>
+              <a:t>where 	</a:t>
+            </a:r>
+          </a:p>
+          <a:p>
+            <a:r>
+              <a:rPr lang="en-IN" dirty="0"/>
+              <a:t>	name = “Sai"</a:t>
+            </a:r>
+          </a:p>
+        </p:txBody>
+      </p:sp>
     </p:spTree>
     <p:extLst>
       <p:ext uri="{BB962C8B-B14F-4D97-AF65-F5344CB8AC3E}">
-        <p14:creationId xmlns:p14="http://schemas.microsoft.com/office/powerpoint/2010/main" val="1555591143"/>
+        <p14:creationId xmlns:p14="http://schemas.microsoft.com/office/powerpoint/2010/main" val="2171306974"/>
       </p:ext>
     </p:extLst>
   </p:cSld>
@@ -5649,71 +7395,6 @@
           </a:p>
         </p:txBody>
       </p:sp>
-      <p:sp>
-        <p:nvSpPr>
-          <p:cNvPr id="6" name="TextBox 5">
-            <a:extLst>
-              <a:ext uri="{FF2B5EF4-FFF2-40B4-BE49-F238E27FC236}">
-                <a16:creationId xmlns:a16="http://schemas.microsoft.com/office/drawing/2014/main" id="{4350547D-2C8E-20C6-B656-83B19E84F9CC}"/>
-              </a:ext>
-            </a:extLst>
-          </p:cNvPr>
-          <p:cNvSpPr txBox="1"/>
-          <p:nvPr/>
-        </p:nvSpPr>
-        <p:spPr>
-          <a:xfrm>
-            <a:off x="8385889" y="2266080"/>
-            <a:ext cx="2586912" cy="1754326"/>
-          </a:xfrm>
-          <a:prstGeom prst="rect">
-            <a:avLst/>
-          </a:prstGeom>
-          <a:noFill/>
-        </p:spPr>
-        <p:txBody>
-          <a:bodyPr wrap="square">
-            <a:spAutoFit/>
-          </a:bodyPr>
-          <a:lstStyle/>
-          <a:p>
-            <a:r>
-              <a:rPr lang="en-IN" dirty="0"/>
-              <a:t>update 	</a:t>
-            </a:r>
-          </a:p>
-          <a:p>
-            <a:r>
-              <a:rPr lang="en-IN" dirty="0"/>
-              <a:t>	player </a:t>
-            </a:r>
-          </a:p>
-          <a:p>
-            <a:r>
-              <a:rPr lang="en-IN" dirty="0"/>
-              <a:t>set 	</a:t>
-            </a:r>
-          </a:p>
-          <a:p>
-            <a:r>
-              <a:rPr lang="en-IN" dirty="0"/>
-              <a:t>	score = 100</a:t>
-            </a:r>
-          </a:p>
-          <a:p>
-            <a:r>
-              <a:rPr lang="en-IN" dirty="0"/>
-              <a:t>WHERE 	</a:t>
-            </a:r>
-          </a:p>
-          <a:p>
-            <a:r>
-              <a:rPr lang="en-IN" dirty="0"/>
-              <a:t>	name = "Ram"; </a:t>
-            </a:r>
-          </a:p>
-        </p:txBody>
-      </p:sp>
       <p:pic>
         <p:nvPicPr>
           <p:cNvPr id="8" name="Picture 7">
@@ -5747,7 +7428,7 @@
     </p:spTree>
     <p:extLst>
       <p:ext uri="{BB962C8B-B14F-4D97-AF65-F5344CB8AC3E}">
-        <p14:creationId xmlns:p14="http://schemas.microsoft.com/office/powerpoint/2010/main" val="25921766"/>
+        <p14:creationId xmlns:p14="http://schemas.microsoft.com/office/powerpoint/2010/main" val="1555591143"/>
       </p:ext>
     </p:extLst>
   </p:cSld>

--- a/SQL.pptx
+++ b/SQL.pptx
@@ -6,25 +6,27 @@
   </p:sldMasterIdLst>
   <p:sldIdLst>
     <p:sldId id="260" r:id="rId2"/>
-    <p:sldId id="275" r:id="rId3"/>
-    <p:sldId id="261" r:id="rId4"/>
-    <p:sldId id="263" r:id="rId5"/>
-    <p:sldId id="262" r:id="rId6"/>
-    <p:sldId id="264" r:id="rId7"/>
-    <p:sldId id="258" r:id="rId8"/>
-    <p:sldId id="265" r:id="rId9"/>
-    <p:sldId id="259" r:id="rId10"/>
-    <p:sldId id="266" r:id="rId11"/>
-    <p:sldId id="267" r:id="rId12"/>
-    <p:sldId id="268" r:id="rId13"/>
-    <p:sldId id="269" r:id="rId14"/>
-    <p:sldId id="270" r:id="rId15"/>
-    <p:sldId id="271" r:id="rId16"/>
-    <p:sldId id="273" r:id="rId17"/>
-    <p:sldId id="272" r:id="rId18"/>
-    <p:sldId id="274" r:id="rId19"/>
-    <p:sldId id="256" r:id="rId20"/>
-    <p:sldId id="257" r:id="rId21"/>
+    <p:sldId id="278" r:id="rId3"/>
+    <p:sldId id="277" r:id="rId4"/>
+    <p:sldId id="275" r:id="rId5"/>
+    <p:sldId id="276" r:id="rId6"/>
+    <p:sldId id="261" r:id="rId7"/>
+    <p:sldId id="263" r:id="rId8"/>
+    <p:sldId id="262" r:id="rId9"/>
+    <p:sldId id="264" r:id="rId10"/>
+    <p:sldId id="258" r:id="rId11"/>
+    <p:sldId id="265" r:id="rId12"/>
+    <p:sldId id="259" r:id="rId13"/>
+    <p:sldId id="266" r:id="rId14"/>
+    <p:sldId id="267" r:id="rId15"/>
+    <p:sldId id="268" r:id="rId16"/>
+    <p:sldId id="269" r:id="rId17"/>
+    <p:sldId id="270" r:id="rId18"/>
+    <p:sldId id="271" r:id="rId19"/>
+    <p:sldId id="273" r:id="rId20"/>
+    <p:sldId id="272" r:id="rId21"/>
+    <p:sldId id="274" r:id="rId22"/>
+    <p:sldId id="279" r:id="rId23"/>
   </p:sldIdLst>
   <p:sldSz cx="12192000" cy="6858000"/>
   <p:notesSz cx="6858000" cy="9144000"/>
@@ -131,6 +133,3812 @@
 </p:presentation>
 </file>
 
+<file path=ppt/diagrams/colors1.xml><?xml version="1.0" encoding="utf-8"?>
+<dgm:colorsDef xmlns:dgm="http://schemas.openxmlformats.org/drawingml/2006/diagram" xmlns:a="http://schemas.openxmlformats.org/drawingml/2006/main" uniqueId="urn:microsoft.com/office/officeart/2005/8/colors/accent1_2">
+  <dgm:title val=""/>
+  <dgm:desc val=""/>
+  <dgm:catLst>
+    <dgm:cat type="accent1" pri="11200"/>
+  </dgm:catLst>
+  <dgm:styleLbl name="node0">
+    <dgm:fillClrLst meth="repeat">
+      <a:schemeClr val="accent1"/>
+    </dgm:fillClrLst>
+    <dgm:linClrLst meth="repeat">
+      <a:schemeClr val="lt1"/>
+    </dgm:linClrLst>
+    <dgm:effectClrLst/>
+    <dgm:txLinClrLst/>
+    <dgm:txFillClrLst/>
+    <dgm:txEffectClrLst/>
+  </dgm:styleLbl>
+  <dgm:styleLbl name="alignNode1">
+    <dgm:fillClrLst meth="repeat">
+      <a:schemeClr val="accent1"/>
+    </dgm:fillClrLst>
+    <dgm:linClrLst meth="repeat">
+      <a:schemeClr val="accent1"/>
+    </dgm:linClrLst>
+    <dgm:effectClrLst/>
+    <dgm:txLinClrLst/>
+    <dgm:txFillClrLst/>
+    <dgm:txEffectClrLst/>
+  </dgm:styleLbl>
+  <dgm:styleLbl name="node1">
+    <dgm:fillClrLst meth="repeat">
+      <a:schemeClr val="accent1"/>
+    </dgm:fillClrLst>
+    <dgm:linClrLst meth="repeat">
+      <a:schemeClr val="lt1"/>
+    </dgm:linClrLst>
+    <dgm:effectClrLst/>
+    <dgm:txLinClrLst/>
+    <dgm:txFillClrLst/>
+    <dgm:txEffectClrLst/>
+  </dgm:styleLbl>
+  <dgm:styleLbl name="lnNode1">
+    <dgm:fillClrLst meth="repeat">
+      <a:schemeClr val="accent1"/>
+    </dgm:fillClrLst>
+    <dgm:linClrLst meth="repeat">
+      <a:schemeClr val="lt1"/>
+    </dgm:linClrLst>
+    <dgm:effectClrLst/>
+    <dgm:txLinClrLst/>
+    <dgm:txFillClrLst/>
+    <dgm:txEffectClrLst/>
+  </dgm:styleLbl>
+  <dgm:styleLbl name="vennNode1">
+    <dgm:fillClrLst meth="repeat">
+      <a:schemeClr val="accent1">
+        <a:alpha val="50000"/>
+      </a:schemeClr>
+    </dgm:fillClrLst>
+    <dgm:linClrLst meth="repeat">
+      <a:schemeClr val="lt1"/>
+    </dgm:linClrLst>
+    <dgm:effectClrLst/>
+    <dgm:txLinClrLst/>
+    <dgm:txFillClrLst/>
+    <dgm:txEffectClrLst/>
+  </dgm:styleLbl>
+  <dgm:styleLbl name="node2">
+    <dgm:fillClrLst meth="repeat">
+      <a:schemeClr val="accent1"/>
+    </dgm:fillClrLst>
+    <dgm:linClrLst meth="repeat">
+      <a:schemeClr val="lt1"/>
+    </dgm:linClrLst>
+    <dgm:effectClrLst/>
+    <dgm:txLinClrLst/>
+    <dgm:txFillClrLst/>
+    <dgm:txEffectClrLst/>
+  </dgm:styleLbl>
+  <dgm:styleLbl name="node3">
+    <dgm:fillClrLst meth="repeat">
+      <a:schemeClr val="accent1"/>
+    </dgm:fillClrLst>
+    <dgm:linClrLst meth="repeat">
+      <a:schemeClr val="lt1"/>
+    </dgm:linClrLst>
+    <dgm:effectClrLst/>
+    <dgm:txLinClrLst/>
+    <dgm:txFillClrLst/>
+    <dgm:txEffectClrLst/>
+  </dgm:styleLbl>
+  <dgm:styleLbl name="node4">
+    <dgm:fillClrLst meth="repeat">
+      <a:schemeClr val="accent1"/>
+    </dgm:fillClrLst>
+    <dgm:linClrLst meth="repeat">
+      <a:schemeClr val="lt1"/>
+    </dgm:linClrLst>
+    <dgm:effectClrLst/>
+    <dgm:txLinClrLst/>
+    <dgm:txFillClrLst/>
+    <dgm:txEffectClrLst/>
+  </dgm:styleLbl>
+  <dgm:styleLbl name="fgImgPlace1">
+    <dgm:fillClrLst meth="repeat">
+      <a:schemeClr val="accent1">
+        <a:tint val="50000"/>
+      </a:schemeClr>
+    </dgm:fillClrLst>
+    <dgm:linClrLst meth="repeat">
+      <a:schemeClr val="lt1"/>
+    </dgm:linClrLst>
+    <dgm:effectClrLst/>
+    <dgm:txLinClrLst/>
+    <dgm:txFillClrLst meth="repeat">
+      <a:schemeClr val="lt1"/>
+    </dgm:txFillClrLst>
+    <dgm:txEffectClrLst/>
+  </dgm:styleLbl>
+  <dgm:styleLbl name="alignImgPlace1">
+    <dgm:fillClrLst meth="repeat">
+      <a:schemeClr val="accent1">
+        <a:tint val="50000"/>
+      </a:schemeClr>
+    </dgm:fillClrLst>
+    <dgm:linClrLst meth="repeat">
+      <a:schemeClr val="lt1"/>
+    </dgm:linClrLst>
+    <dgm:effectClrLst/>
+    <dgm:txLinClrLst/>
+    <dgm:txFillClrLst meth="repeat">
+      <a:schemeClr val="lt1"/>
+    </dgm:txFillClrLst>
+    <dgm:txEffectClrLst/>
+  </dgm:styleLbl>
+  <dgm:styleLbl name="bgImgPlace1">
+    <dgm:fillClrLst meth="repeat">
+      <a:schemeClr val="accent1">
+        <a:tint val="50000"/>
+      </a:schemeClr>
+    </dgm:fillClrLst>
+    <dgm:linClrLst meth="repeat">
+      <a:schemeClr val="lt1"/>
+    </dgm:linClrLst>
+    <dgm:effectClrLst/>
+    <dgm:txLinClrLst/>
+    <dgm:txFillClrLst meth="repeat">
+      <a:schemeClr val="lt1"/>
+    </dgm:txFillClrLst>
+    <dgm:txEffectClrLst/>
+  </dgm:styleLbl>
+  <dgm:styleLbl name="sibTrans2D1">
+    <dgm:fillClrLst meth="repeat">
+      <a:schemeClr val="accent1">
+        <a:tint val="60000"/>
+      </a:schemeClr>
+    </dgm:fillClrLst>
+    <dgm:linClrLst meth="repeat">
+      <a:schemeClr val="accent1">
+        <a:tint val="60000"/>
+      </a:schemeClr>
+    </dgm:linClrLst>
+    <dgm:effectClrLst/>
+    <dgm:txLinClrLst/>
+    <dgm:txFillClrLst/>
+    <dgm:txEffectClrLst/>
+  </dgm:styleLbl>
+  <dgm:styleLbl name="fgSibTrans2D1">
+    <dgm:fillClrLst meth="repeat">
+      <a:schemeClr val="accent1">
+        <a:tint val="60000"/>
+      </a:schemeClr>
+    </dgm:fillClrLst>
+    <dgm:linClrLst meth="repeat">
+      <a:schemeClr val="accent1">
+        <a:tint val="60000"/>
+      </a:schemeClr>
+    </dgm:linClrLst>
+    <dgm:effectClrLst/>
+    <dgm:txLinClrLst/>
+    <dgm:txFillClrLst/>
+    <dgm:txEffectClrLst/>
+  </dgm:styleLbl>
+  <dgm:styleLbl name="bgSibTrans2D1">
+    <dgm:fillClrLst meth="repeat">
+      <a:schemeClr val="accent1">
+        <a:tint val="60000"/>
+      </a:schemeClr>
+    </dgm:fillClrLst>
+    <dgm:linClrLst meth="repeat">
+      <a:schemeClr val="accent1">
+        <a:tint val="60000"/>
+      </a:schemeClr>
+    </dgm:linClrLst>
+    <dgm:effectClrLst/>
+    <dgm:txLinClrLst/>
+    <dgm:txFillClrLst/>
+    <dgm:txEffectClrLst/>
+  </dgm:styleLbl>
+  <dgm:styleLbl name="sibTrans1D1">
+    <dgm:fillClrLst meth="repeat">
+      <a:schemeClr val="accent1"/>
+    </dgm:fillClrLst>
+    <dgm:linClrLst meth="repeat">
+      <a:schemeClr val="accent1"/>
+    </dgm:linClrLst>
+    <dgm:effectClrLst/>
+    <dgm:txLinClrLst/>
+    <dgm:txFillClrLst meth="repeat">
+      <a:schemeClr val="tx1"/>
+    </dgm:txFillClrLst>
+    <dgm:txEffectClrLst/>
+  </dgm:styleLbl>
+  <dgm:styleLbl name="callout">
+    <dgm:fillClrLst meth="repeat">
+      <a:schemeClr val="accent1"/>
+    </dgm:fillClrLst>
+    <dgm:linClrLst meth="repeat">
+      <a:schemeClr val="accent1">
+        <a:tint val="50000"/>
+      </a:schemeClr>
+    </dgm:linClrLst>
+    <dgm:effectClrLst/>
+    <dgm:txLinClrLst/>
+    <dgm:txFillClrLst meth="repeat">
+      <a:schemeClr val="tx1"/>
+    </dgm:txFillClrLst>
+    <dgm:txEffectClrLst/>
+  </dgm:styleLbl>
+  <dgm:styleLbl name="asst0">
+    <dgm:fillClrLst meth="repeat">
+      <a:schemeClr val="accent1"/>
+    </dgm:fillClrLst>
+    <dgm:linClrLst meth="repeat">
+      <a:schemeClr val="lt1"/>
+    </dgm:linClrLst>
+    <dgm:effectClrLst/>
+    <dgm:txLinClrLst/>
+    <dgm:txFillClrLst/>
+    <dgm:txEffectClrLst/>
+  </dgm:styleLbl>
+  <dgm:styleLbl name="asst1">
+    <dgm:fillClrLst meth="repeat">
+      <a:schemeClr val="accent1"/>
+    </dgm:fillClrLst>
+    <dgm:linClrLst meth="repeat">
+      <a:schemeClr val="lt1"/>
+    </dgm:linClrLst>
+    <dgm:effectClrLst/>
+    <dgm:txLinClrLst/>
+    <dgm:txFillClrLst/>
+    <dgm:txEffectClrLst/>
+  </dgm:styleLbl>
+  <dgm:styleLbl name="asst2">
+    <dgm:fillClrLst meth="repeat">
+      <a:schemeClr val="accent1"/>
+    </dgm:fillClrLst>
+    <dgm:linClrLst meth="repeat">
+      <a:schemeClr val="lt1"/>
+    </dgm:linClrLst>
+    <dgm:effectClrLst/>
+    <dgm:txLinClrLst/>
+    <dgm:txFillClrLst/>
+    <dgm:txEffectClrLst/>
+  </dgm:styleLbl>
+  <dgm:styleLbl name="asst3">
+    <dgm:fillClrLst meth="repeat">
+      <a:schemeClr val="accent1"/>
+    </dgm:fillClrLst>
+    <dgm:linClrLst meth="repeat">
+      <a:schemeClr val="lt1"/>
+    </dgm:linClrLst>
+    <dgm:effectClrLst/>
+    <dgm:txLinClrLst/>
+    <dgm:txFillClrLst/>
+    <dgm:txEffectClrLst/>
+  </dgm:styleLbl>
+  <dgm:styleLbl name="asst4">
+    <dgm:fillClrLst meth="repeat">
+      <a:schemeClr val="accent1"/>
+    </dgm:fillClrLst>
+    <dgm:linClrLst meth="repeat">
+      <a:schemeClr val="lt1"/>
+    </dgm:linClrLst>
+    <dgm:effectClrLst/>
+    <dgm:txLinClrLst/>
+    <dgm:txFillClrLst/>
+    <dgm:txEffectClrLst/>
+  </dgm:styleLbl>
+  <dgm:styleLbl name="parChTrans2D1">
+    <dgm:fillClrLst meth="repeat">
+      <a:schemeClr val="accent1">
+        <a:tint val="60000"/>
+      </a:schemeClr>
+    </dgm:fillClrLst>
+    <dgm:linClrLst meth="repeat">
+      <a:schemeClr val="accent1">
+        <a:tint val="60000"/>
+      </a:schemeClr>
+    </dgm:linClrLst>
+    <dgm:effectClrLst/>
+    <dgm:txLinClrLst/>
+    <dgm:txFillClrLst meth="repeat">
+      <a:schemeClr val="lt1"/>
+    </dgm:txFillClrLst>
+    <dgm:txEffectClrLst/>
+  </dgm:styleLbl>
+  <dgm:styleLbl name="parChTrans2D2">
+    <dgm:fillClrLst meth="repeat">
+      <a:schemeClr val="accent1"/>
+    </dgm:fillClrLst>
+    <dgm:linClrLst meth="repeat">
+      <a:schemeClr val="accent1"/>
+    </dgm:linClrLst>
+    <dgm:effectClrLst/>
+    <dgm:txLinClrLst/>
+    <dgm:txFillClrLst meth="repeat">
+      <a:schemeClr val="lt1"/>
+    </dgm:txFillClrLst>
+    <dgm:txEffectClrLst/>
+  </dgm:styleLbl>
+  <dgm:styleLbl name="parChTrans2D3">
+    <dgm:fillClrLst meth="repeat">
+      <a:schemeClr val="accent1"/>
+    </dgm:fillClrLst>
+    <dgm:linClrLst meth="repeat">
+      <a:schemeClr val="accent1"/>
+    </dgm:linClrLst>
+    <dgm:effectClrLst/>
+    <dgm:txLinClrLst/>
+    <dgm:txFillClrLst meth="repeat">
+      <a:schemeClr val="lt1"/>
+    </dgm:txFillClrLst>
+    <dgm:txEffectClrLst/>
+  </dgm:styleLbl>
+  <dgm:styleLbl name="parChTrans2D4">
+    <dgm:fillClrLst meth="repeat">
+      <a:schemeClr val="accent1"/>
+    </dgm:fillClrLst>
+    <dgm:linClrLst meth="repeat">
+      <a:schemeClr val="accent1"/>
+    </dgm:linClrLst>
+    <dgm:effectClrLst/>
+    <dgm:txLinClrLst/>
+    <dgm:txFillClrLst meth="repeat">
+      <a:schemeClr val="lt1"/>
+    </dgm:txFillClrLst>
+    <dgm:txEffectClrLst/>
+  </dgm:styleLbl>
+  <dgm:styleLbl name="parChTrans1D1">
+    <dgm:fillClrLst meth="repeat">
+      <a:schemeClr val="accent1"/>
+    </dgm:fillClrLst>
+    <dgm:linClrLst meth="repeat">
+      <a:schemeClr val="accent1">
+        <a:shade val="60000"/>
+      </a:schemeClr>
+    </dgm:linClrLst>
+    <dgm:effectClrLst/>
+    <dgm:txLinClrLst/>
+    <dgm:txFillClrLst meth="repeat">
+      <a:schemeClr val="tx1"/>
+    </dgm:txFillClrLst>
+    <dgm:txEffectClrLst/>
+  </dgm:styleLbl>
+  <dgm:styleLbl name="parChTrans1D2">
+    <dgm:fillClrLst meth="repeat">
+      <a:schemeClr val="accent1"/>
+    </dgm:fillClrLst>
+    <dgm:linClrLst meth="repeat">
+      <a:schemeClr val="accent1">
+        <a:shade val="60000"/>
+      </a:schemeClr>
+    </dgm:linClrLst>
+    <dgm:effectClrLst/>
+    <dgm:txLinClrLst/>
+    <dgm:txFillClrLst meth="repeat">
+      <a:schemeClr val="tx1"/>
+    </dgm:txFillClrLst>
+    <dgm:txEffectClrLst/>
+  </dgm:styleLbl>
+  <dgm:styleLbl name="parChTrans1D3">
+    <dgm:fillClrLst meth="repeat">
+      <a:schemeClr val="accent1"/>
+    </dgm:fillClrLst>
+    <dgm:linClrLst meth="repeat">
+      <a:schemeClr val="accent1">
+        <a:shade val="80000"/>
+      </a:schemeClr>
+    </dgm:linClrLst>
+    <dgm:effectClrLst/>
+    <dgm:txLinClrLst/>
+    <dgm:txFillClrLst meth="repeat">
+      <a:schemeClr val="tx1"/>
+    </dgm:txFillClrLst>
+    <dgm:txEffectClrLst/>
+  </dgm:styleLbl>
+  <dgm:styleLbl name="parChTrans1D4">
+    <dgm:fillClrLst meth="repeat">
+      <a:schemeClr val="accent1"/>
+    </dgm:fillClrLst>
+    <dgm:linClrLst meth="repeat">
+      <a:schemeClr val="accent1">
+        <a:shade val="80000"/>
+      </a:schemeClr>
+    </dgm:linClrLst>
+    <dgm:effectClrLst/>
+    <dgm:txLinClrLst/>
+    <dgm:txFillClrLst meth="repeat">
+      <a:schemeClr val="tx1"/>
+    </dgm:txFillClrLst>
+    <dgm:txEffectClrLst/>
+  </dgm:styleLbl>
+  <dgm:styleLbl name="fgAcc1">
+    <dgm:fillClrLst meth="repeat">
+      <a:schemeClr val="lt1">
+        <a:alpha val="90000"/>
+      </a:schemeClr>
+    </dgm:fillClrLst>
+    <dgm:linClrLst meth="repeat">
+      <a:schemeClr val="accent1"/>
+    </dgm:linClrLst>
+    <dgm:effectClrLst/>
+    <dgm:txLinClrLst/>
+    <dgm:txFillClrLst meth="repeat">
+      <a:schemeClr val="dk1"/>
+    </dgm:txFillClrLst>
+    <dgm:txEffectClrLst/>
+  </dgm:styleLbl>
+  <dgm:styleLbl name="conFgAcc1">
+    <dgm:fillClrLst meth="repeat">
+      <a:schemeClr val="lt1">
+        <a:alpha val="90000"/>
+      </a:schemeClr>
+    </dgm:fillClrLst>
+    <dgm:linClrLst meth="repeat">
+      <a:schemeClr val="accent1"/>
+    </dgm:linClrLst>
+    <dgm:effectClrLst/>
+    <dgm:txLinClrLst/>
+    <dgm:txFillClrLst meth="repeat">
+      <a:schemeClr val="dk1"/>
+    </dgm:txFillClrLst>
+    <dgm:txEffectClrLst/>
+  </dgm:styleLbl>
+  <dgm:styleLbl name="alignAcc1">
+    <dgm:fillClrLst meth="repeat">
+      <a:schemeClr val="lt1">
+        <a:alpha val="90000"/>
+      </a:schemeClr>
+    </dgm:fillClrLst>
+    <dgm:linClrLst meth="repeat">
+      <a:schemeClr val="accent1"/>
+    </dgm:linClrLst>
+    <dgm:effectClrLst/>
+    <dgm:txLinClrLst/>
+    <dgm:txFillClrLst meth="repeat">
+      <a:schemeClr val="dk1"/>
+    </dgm:txFillClrLst>
+    <dgm:txEffectClrLst/>
+  </dgm:styleLbl>
+  <dgm:styleLbl name="trAlignAcc1">
+    <dgm:fillClrLst meth="repeat">
+      <a:schemeClr val="lt1">
+        <a:alpha val="40000"/>
+      </a:schemeClr>
+    </dgm:fillClrLst>
+    <dgm:linClrLst meth="repeat">
+      <a:schemeClr val="accent1"/>
+    </dgm:linClrLst>
+    <dgm:effectClrLst/>
+    <dgm:txLinClrLst/>
+    <dgm:txFillClrLst meth="repeat">
+      <a:schemeClr val="dk1"/>
+    </dgm:txFillClrLst>
+    <dgm:txEffectClrLst/>
+  </dgm:styleLbl>
+  <dgm:styleLbl name="bgAcc1">
+    <dgm:fillClrLst meth="repeat">
+      <a:schemeClr val="lt1">
+        <a:alpha val="90000"/>
+      </a:schemeClr>
+    </dgm:fillClrLst>
+    <dgm:linClrLst meth="repeat">
+      <a:schemeClr val="accent1"/>
+    </dgm:linClrLst>
+    <dgm:effectClrLst/>
+    <dgm:txLinClrLst/>
+    <dgm:txFillClrLst meth="repeat">
+      <a:schemeClr val="dk1"/>
+    </dgm:txFillClrLst>
+    <dgm:txEffectClrLst/>
+  </dgm:styleLbl>
+  <dgm:styleLbl name="solidFgAcc1">
+    <dgm:fillClrLst meth="repeat">
+      <a:schemeClr val="lt1"/>
+    </dgm:fillClrLst>
+    <dgm:linClrLst meth="repeat">
+      <a:schemeClr val="accent1"/>
+    </dgm:linClrLst>
+    <dgm:effectClrLst/>
+    <dgm:txLinClrLst/>
+    <dgm:txFillClrLst meth="repeat">
+      <a:schemeClr val="dk1"/>
+    </dgm:txFillClrLst>
+    <dgm:txEffectClrLst/>
+  </dgm:styleLbl>
+  <dgm:styleLbl name="solidAlignAcc1">
+    <dgm:fillClrLst meth="repeat">
+      <a:schemeClr val="lt1"/>
+    </dgm:fillClrLst>
+    <dgm:linClrLst meth="repeat">
+      <a:schemeClr val="accent1"/>
+    </dgm:linClrLst>
+    <dgm:effectClrLst/>
+    <dgm:txLinClrLst/>
+    <dgm:txFillClrLst meth="repeat">
+      <a:schemeClr val="dk1"/>
+    </dgm:txFillClrLst>
+    <dgm:txEffectClrLst/>
+  </dgm:styleLbl>
+  <dgm:styleLbl name="solidBgAcc1">
+    <dgm:fillClrLst meth="repeat">
+      <a:schemeClr val="lt1"/>
+    </dgm:fillClrLst>
+    <dgm:linClrLst meth="repeat">
+      <a:schemeClr val="accent1"/>
+    </dgm:linClrLst>
+    <dgm:effectClrLst/>
+    <dgm:txLinClrLst/>
+    <dgm:txFillClrLst meth="repeat">
+      <a:schemeClr val="dk1"/>
+    </dgm:txFillClrLst>
+    <dgm:txEffectClrLst/>
+  </dgm:styleLbl>
+  <dgm:styleLbl name="fgAccFollowNode1">
+    <dgm:fillClrLst meth="repeat">
+      <a:schemeClr val="accent1">
+        <a:alpha val="90000"/>
+        <a:tint val="40000"/>
+      </a:schemeClr>
+    </dgm:fillClrLst>
+    <dgm:linClrLst meth="repeat">
+      <a:schemeClr val="accent1">
+        <a:alpha val="90000"/>
+        <a:tint val="40000"/>
+      </a:schemeClr>
+    </dgm:linClrLst>
+    <dgm:effectClrLst/>
+    <dgm:txLinClrLst/>
+    <dgm:txFillClrLst meth="repeat">
+      <a:schemeClr val="dk1"/>
+    </dgm:txFillClrLst>
+    <dgm:txEffectClrLst/>
+  </dgm:styleLbl>
+  <dgm:styleLbl name="alignAccFollowNode1">
+    <dgm:fillClrLst meth="repeat">
+      <a:schemeClr val="accent1">
+        <a:alpha val="90000"/>
+        <a:tint val="40000"/>
+      </a:schemeClr>
+    </dgm:fillClrLst>
+    <dgm:linClrLst meth="repeat">
+      <a:schemeClr val="accent1">
+        <a:alpha val="90000"/>
+        <a:tint val="40000"/>
+      </a:schemeClr>
+    </dgm:linClrLst>
+    <dgm:effectClrLst/>
+    <dgm:txLinClrLst/>
+    <dgm:txFillClrLst meth="repeat">
+      <a:schemeClr val="dk1"/>
+    </dgm:txFillClrLst>
+    <dgm:txEffectClrLst/>
+  </dgm:styleLbl>
+  <dgm:styleLbl name="bgAccFollowNode1">
+    <dgm:fillClrLst meth="repeat">
+      <a:schemeClr val="accent1">
+        <a:alpha val="90000"/>
+        <a:tint val="40000"/>
+      </a:schemeClr>
+    </dgm:fillClrLst>
+    <dgm:linClrLst meth="repeat">
+      <a:schemeClr val="accent1">
+        <a:alpha val="90000"/>
+        <a:tint val="40000"/>
+      </a:schemeClr>
+    </dgm:linClrLst>
+    <dgm:effectClrLst/>
+    <dgm:txLinClrLst/>
+    <dgm:txFillClrLst meth="repeat">
+      <a:schemeClr val="dk1"/>
+    </dgm:txFillClrLst>
+    <dgm:txEffectClrLst/>
+  </dgm:styleLbl>
+  <dgm:styleLbl name="fgAcc0">
+    <dgm:fillClrLst meth="repeat">
+      <a:schemeClr val="lt1">
+        <a:alpha val="90000"/>
+      </a:schemeClr>
+    </dgm:fillClrLst>
+    <dgm:linClrLst meth="repeat">
+      <a:schemeClr val="accent1"/>
+    </dgm:linClrLst>
+    <dgm:effectClrLst/>
+    <dgm:txLinClrLst/>
+    <dgm:txFillClrLst meth="repeat">
+      <a:schemeClr val="dk1"/>
+    </dgm:txFillClrLst>
+    <dgm:txEffectClrLst/>
+  </dgm:styleLbl>
+  <dgm:styleLbl name="fgAcc2">
+    <dgm:fillClrLst meth="repeat">
+      <a:schemeClr val="lt1">
+        <a:alpha val="90000"/>
+      </a:schemeClr>
+    </dgm:fillClrLst>
+    <dgm:linClrLst meth="repeat">
+      <a:schemeClr val="accent1"/>
+    </dgm:linClrLst>
+    <dgm:effectClrLst/>
+    <dgm:txLinClrLst/>
+    <dgm:txFillClrLst meth="repeat">
+      <a:schemeClr val="dk1"/>
+    </dgm:txFillClrLst>
+    <dgm:txEffectClrLst/>
+  </dgm:styleLbl>
+  <dgm:styleLbl name="fgAcc3">
+    <dgm:fillClrLst meth="repeat">
+      <a:schemeClr val="lt1">
+        <a:alpha val="90000"/>
+      </a:schemeClr>
+    </dgm:fillClrLst>
+    <dgm:linClrLst meth="repeat">
+      <a:schemeClr val="accent1"/>
+    </dgm:linClrLst>
+    <dgm:effectClrLst/>
+    <dgm:txLinClrLst/>
+    <dgm:txFillClrLst meth="repeat">
+      <a:schemeClr val="dk1"/>
+    </dgm:txFillClrLst>
+    <dgm:txEffectClrLst/>
+  </dgm:styleLbl>
+  <dgm:styleLbl name="fgAcc4">
+    <dgm:fillClrLst meth="repeat">
+      <a:schemeClr val="lt1">
+        <a:alpha val="90000"/>
+      </a:schemeClr>
+    </dgm:fillClrLst>
+    <dgm:linClrLst meth="repeat">
+      <a:schemeClr val="accent1"/>
+    </dgm:linClrLst>
+    <dgm:effectClrLst/>
+    <dgm:txLinClrLst/>
+    <dgm:txFillClrLst meth="repeat">
+      <a:schemeClr val="dk1"/>
+    </dgm:txFillClrLst>
+    <dgm:txEffectClrLst/>
+  </dgm:styleLbl>
+  <dgm:styleLbl name="bgShp">
+    <dgm:fillClrLst meth="repeat">
+      <a:schemeClr val="accent1">
+        <a:tint val="40000"/>
+      </a:schemeClr>
+    </dgm:fillClrLst>
+    <dgm:linClrLst meth="repeat">
+      <a:schemeClr val="accent1"/>
+    </dgm:linClrLst>
+    <dgm:effectClrLst/>
+    <dgm:txLinClrLst/>
+    <dgm:txFillClrLst meth="repeat">
+      <a:schemeClr val="dk1"/>
+    </dgm:txFillClrLst>
+    <dgm:txEffectClrLst/>
+  </dgm:styleLbl>
+  <dgm:styleLbl name="dkBgShp">
+    <dgm:fillClrLst meth="repeat">
+      <a:schemeClr val="accent1">
+        <a:shade val="80000"/>
+      </a:schemeClr>
+    </dgm:fillClrLst>
+    <dgm:linClrLst meth="repeat">
+      <a:schemeClr val="accent1"/>
+    </dgm:linClrLst>
+    <dgm:effectClrLst/>
+    <dgm:txLinClrLst/>
+    <dgm:txFillClrLst meth="repeat">
+      <a:schemeClr val="lt1"/>
+    </dgm:txFillClrLst>
+    <dgm:txEffectClrLst/>
+  </dgm:styleLbl>
+  <dgm:styleLbl name="trBgShp">
+    <dgm:fillClrLst meth="repeat">
+      <a:schemeClr val="accent1">
+        <a:tint val="50000"/>
+        <a:alpha val="40000"/>
+      </a:schemeClr>
+    </dgm:fillClrLst>
+    <dgm:linClrLst meth="repeat">
+      <a:schemeClr val="accent1"/>
+    </dgm:linClrLst>
+    <dgm:effectClrLst/>
+    <dgm:txLinClrLst/>
+    <dgm:txFillClrLst meth="repeat">
+      <a:schemeClr val="lt1"/>
+    </dgm:txFillClrLst>
+    <dgm:txEffectClrLst/>
+  </dgm:styleLbl>
+  <dgm:styleLbl name="fgShp">
+    <dgm:fillClrLst meth="repeat">
+      <a:schemeClr val="accent1">
+        <a:tint val="60000"/>
+      </a:schemeClr>
+    </dgm:fillClrLst>
+    <dgm:linClrLst meth="repeat">
+      <a:schemeClr val="lt1"/>
+    </dgm:linClrLst>
+    <dgm:effectClrLst/>
+    <dgm:txLinClrLst/>
+    <dgm:txFillClrLst meth="repeat">
+      <a:schemeClr val="dk1"/>
+    </dgm:txFillClrLst>
+    <dgm:txEffectClrLst/>
+  </dgm:styleLbl>
+  <dgm:styleLbl name="revTx">
+    <dgm:fillClrLst meth="repeat">
+      <a:schemeClr val="lt1">
+        <a:alpha val="0"/>
+      </a:schemeClr>
+    </dgm:fillClrLst>
+    <dgm:linClrLst meth="repeat">
+      <a:schemeClr val="dk1">
+        <a:alpha val="0"/>
+      </a:schemeClr>
+    </dgm:linClrLst>
+    <dgm:effectClrLst/>
+    <dgm:txLinClrLst/>
+    <dgm:txFillClrLst meth="repeat">
+      <a:schemeClr val="tx1"/>
+    </dgm:txFillClrLst>
+    <dgm:txEffectClrLst/>
+  </dgm:styleLbl>
+</dgm:colorsDef>
+</file>
+
+<file path=ppt/diagrams/data1.xml><?xml version="1.0" encoding="utf-8"?>
+<dgm:dataModel xmlns:dgm="http://schemas.openxmlformats.org/drawingml/2006/diagram" xmlns:a="http://schemas.openxmlformats.org/drawingml/2006/main">
+  <dgm:ptLst>
+    <dgm:pt modelId="{73861B73-1B54-48BF-9551-A9B64C634FA2}" type="doc">
+      <dgm:prSet loTypeId="urn:microsoft.com/office/officeart/2005/8/layout/orgChart1" loCatId="hierarchy" qsTypeId="urn:microsoft.com/office/officeart/2005/8/quickstyle/simple1" qsCatId="simple" csTypeId="urn:microsoft.com/office/officeart/2005/8/colors/accent1_2" csCatId="accent1" phldr="1"/>
+      <dgm:spPr/>
+      <dgm:t>
+        <a:bodyPr/>
+        <a:lstStyle/>
+        <a:p>
+          <a:endParaRPr lang="en-IN"/>
+        </a:p>
+      </dgm:t>
+    </dgm:pt>
+    <dgm:pt modelId="{F18E6D66-0EFE-4861-B911-ECC996F31845}">
+      <dgm:prSet phldrT="[Text]"/>
+      <dgm:spPr/>
+      <dgm:t>
+        <a:bodyPr/>
+        <a:lstStyle/>
+        <a:p>
+          <a:r>
+            <a:rPr lang="en-US" dirty="0"/>
+            <a:t>Operators</a:t>
+          </a:r>
+          <a:endParaRPr lang="en-IN" dirty="0"/>
+        </a:p>
+      </dgm:t>
+    </dgm:pt>
+    <dgm:pt modelId="{F294727B-3FB8-4493-BCF0-3A4BFE2B2151}" type="parTrans" cxnId="{37224D56-A5A3-483B-9C4C-256ED59ADA83}">
+      <dgm:prSet/>
+      <dgm:spPr/>
+      <dgm:t>
+        <a:bodyPr/>
+        <a:lstStyle/>
+        <a:p>
+          <a:endParaRPr lang="en-IN"/>
+        </a:p>
+      </dgm:t>
+    </dgm:pt>
+    <dgm:pt modelId="{3368160C-B2E9-4CBB-A033-B4D533D2550F}" type="sibTrans" cxnId="{37224D56-A5A3-483B-9C4C-256ED59ADA83}">
+      <dgm:prSet/>
+      <dgm:spPr/>
+      <dgm:t>
+        <a:bodyPr/>
+        <a:lstStyle/>
+        <a:p>
+          <a:endParaRPr lang="en-IN"/>
+        </a:p>
+      </dgm:t>
+    </dgm:pt>
+    <dgm:pt modelId="{490CF7C5-8E02-465B-90E0-27CAFAC8B29D}">
+      <dgm:prSet phldrT="[Text]"/>
+      <dgm:spPr/>
+      <dgm:t>
+        <a:bodyPr/>
+        <a:lstStyle/>
+        <a:p>
+          <a:r>
+            <a:rPr lang="en-US" dirty="0"/>
+            <a:t>Comparison</a:t>
+          </a:r>
+          <a:endParaRPr lang="en-IN" dirty="0"/>
+        </a:p>
+      </dgm:t>
+    </dgm:pt>
+    <dgm:pt modelId="{67FA90A8-F25A-400D-89A2-4669AD40F777}" type="parTrans" cxnId="{D7AD4B10-A422-4B18-8194-E427FC1A6D2E}">
+      <dgm:prSet/>
+      <dgm:spPr/>
+      <dgm:t>
+        <a:bodyPr/>
+        <a:lstStyle/>
+        <a:p>
+          <a:endParaRPr lang="en-IN"/>
+        </a:p>
+      </dgm:t>
+    </dgm:pt>
+    <dgm:pt modelId="{781E8EFA-C848-4D0A-B3F1-B88DFFE09CC3}" type="sibTrans" cxnId="{D7AD4B10-A422-4B18-8194-E427FC1A6D2E}">
+      <dgm:prSet/>
+      <dgm:spPr/>
+      <dgm:t>
+        <a:bodyPr/>
+        <a:lstStyle/>
+        <a:p>
+          <a:endParaRPr lang="en-IN"/>
+        </a:p>
+      </dgm:t>
+    </dgm:pt>
+    <dgm:pt modelId="{26D66FF9-DD42-4510-9E9C-091A78D1DC2A}">
+      <dgm:prSet phldrT="[Text]"/>
+      <dgm:spPr/>
+      <dgm:t>
+        <a:bodyPr/>
+        <a:lstStyle/>
+        <a:p>
+          <a:r>
+            <a:rPr lang="en-US" dirty="0"/>
+            <a:t>String</a:t>
+          </a:r>
+          <a:endParaRPr lang="en-IN" dirty="0"/>
+        </a:p>
+      </dgm:t>
+    </dgm:pt>
+    <dgm:pt modelId="{6BB60E18-3266-473C-8427-4E47C24009A4}" type="parTrans" cxnId="{A80F0895-ECD4-4CF7-9B51-38A11DBF50FE}">
+      <dgm:prSet/>
+      <dgm:spPr/>
+      <dgm:t>
+        <a:bodyPr/>
+        <a:lstStyle/>
+        <a:p>
+          <a:endParaRPr lang="en-IN"/>
+        </a:p>
+      </dgm:t>
+    </dgm:pt>
+    <dgm:pt modelId="{A38E2A77-8F5D-4756-81C2-0F219C2BD317}" type="sibTrans" cxnId="{A80F0895-ECD4-4CF7-9B51-38A11DBF50FE}">
+      <dgm:prSet/>
+      <dgm:spPr/>
+      <dgm:t>
+        <a:bodyPr/>
+        <a:lstStyle/>
+        <a:p>
+          <a:endParaRPr lang="en-IN"/>
+        </a:p>
+      </dgm:t>
+    </dgm:pt>
+    <dgm:pt modelId="{479A5C8F-6DA6-43A8-BEE0-332A265C67AD}">
+      <dgm:prSet phldrT="[Text]"/>
+      <dgm:spPr/>
+      <dgm:t>
+        <a:bodyPr/>
+        <a:lstStyle/>
+        <a:p>
+          <a:r>
+            <a:rPr lang="en-US" dirty="0"/>
+            <a:t>Logical</a:t>
+          </a:r>
+          <a:endParaRPr lang="en-IN" dirty="0"/>
+        </a:p>
+      </dgm:t>
+    </dgm:pt>
+    <dgm:pt modelId="{ED22388C-F128-4D6E-BF86-EE483F6AF148}" type="parTrans" cxnId="{C8F541B4-C15F-4992-BD22-07212DBB5DCF}">
+      <dgm:prSet/>
+      <dgm:spPr/>
+      <dgm:t>
+        <a:bodyPr/>
+        <a:lstStyle/>
+        <a:p>
+          <a:endParaRPr lang="en-IN"/>
+        </a:p>
+      </dgm:t>
+    </dgm:pt>
+    <dgm:pt modelId="{5BA8532D-98F3-42EB-AA40-BD8165A33DFB}" type="sibTrans" cxnId="{C8F541B4-C15F-4992-BD22-07212DBB5DCF}">
+      <dgm:prSet/>
+      <dgm:spPr/>
+      <dgm:t>
+        <a:bodyPr/>
+        <a:lstStyle/>
+        <a:p>
+          <a:endParaRPr lang="en-IN"/>
+        </a:p>
+      </dgm:t>
+    </dgm:pt>
+    <dgm:pt modelId="{DE11C4CA-7FE3-4CC9-B8A1-543542798383}" type="pres">
+      <dgm:prSet presAssocID="{73861B73-1B54-48BF-9551-A9B64C634FA2}" presName="hierChild1" presStyleCnt="0">
+        <dgm:presLayoutVars>
+          <dgm:orgChart val="1"/>
+          <dgm:chPref val="1"/>
+          <dgm:dir/>
+          <dgm:animOne val="branch"/>
+          <dgm:animLvl val="lvl"/>
+          <dgm:resizeHandles/>
+        </dgm:presLayoutVars>
+      </dgm:prSet>
+      <dgm:spPr/>
+    </dgm:pt>
+    <dgm:pt modelId="{C2895F76-9A7D-4360-A8C9-7DFB8BA8D2A9}" type="pres">
+      <dgm:prSet presAssocID="{F18E6D66-0EFE-4861-B911-ECC996F31845}" presName="hierRoot1" presStyleCnt="0">
+        <dgm:presLayoutVars>
+          <dgm:hierBranch val="init"/>
+        </dgm:presLayoutVars>
+      </dgm:prSet>
+      <dgm:spPr/>
+    </dgm:pt>
+    <dgm:pt modelId="{18D60801-D77F-45E0-B20C-7DF60D9E1A05}" type="pres">
+      <dgm:prSet presAssocID="{F18E6D66-0EFE-4861-B911-ECC996F31845}" presName="rootComposite1" presStyleCnt="0"/>
+      <dgm:spPr/>
+    </dgm:pt>
+    <dgm:pt modelId="{05F337FC-7892-453B-9BEA-301F296779EA}" type="pres">
+      <dgm:prSet presAssocID="{F18E6D66-0EFE-4861-B911-ECC996F31845}" presName="rootText1" presStyleLbl="node0" presStyleIdx="0" presStyleCnt="1">
+        <dgm:presLayoutVars>
+          <dgm:chPref val="3"/>
+        </dgm:presLayoutVars>
+      </dgm:prSet>
+      <dgm:spPr/>
+    </dgm:pt>
+    <dgm:pt modelId="{C48E4B37-DE57-4BFA-96A6-7A8DD23F5251}" type="pres">
+      <dgm:prSet presAssocID="{F18E6D66-0EFE-4861-B911-ECC996F31845}" presName="rootConnector1" presStyleLbl="node1" presStyleIdx="0" presStyleCnt="0"/>
+      <dgm:spPr/>
+    </dgm:pt>
+    <dgm:pt modelId="{A98DB415-2769-497A-9EE5-4A6A995F709E}" type="pres">
+      <dgm:prSet presAssocID="{F18E6D66-0EFE-4861-B911-ECC996F31845}" presName="hierChild2" presStyleCnt="0"/>
+      <dgm:spPr/>
+    </dgm:pt>
+    <dgm:pt modelId="{BB1BA6DD-6710-4C68-AF30-E1CC6BB002B5}" type="pres">
+      <dgm:prSet presAssocID="{67FA90A8-F25A-400D-89A2-4669AD40F777}" presName="Name37" presStyleLbl="parChTrans1D2" presStyleIdx="0" presStyleCnt="3"/>
+      <dgm:spPr/>
+    </dgm:pt>
+    <dgm:pt modelId="{FCF04D2E-F2CC-4C4B-A285-FD6567CB08FE}" type="pres">
+      <dgm:prSet presAssocID="{490CF7C5-8E02-465B-90E0-27CAFAC8B29D}" presName="hierRoot2" presStyleCnt="0">
+        <dgm:presLayoutVars>
+          <dgm:hierBranch val="init"/>
+        </dgm:presLayoutVars>
+      </dgm:prSet>
+      <dgm:spPr/>
+    </dgm:pt>
+    <dgm:pt modelId="{D64A25CA-9C57-44DD-AA55-D3460DE2CFCA}" type="pres">
+      <dgm:prSet presAssocID="{490CF7C5-8E02-465B-90E0-27CAFAC8B29D}" presName="rootComposite" presStyleCnt="0"/>
+      <dgm:spPr/>
+    </dgm:pt>
+    <dgm:pt modelId="{C9FD5743-ED0B-4AD5-A134-F3299D77B96A}" type="pres">
+      <dgm:prSet presAssocID="{490CF7C5-8E02-465B-90E0-27CAFAC8B29D}" presName="rootText" presStyleLbl="node2" presStyleIdx="0" presStyleCnt="3">
+        <dgm:presLayoutVars>
+          <dgm:chPref val="3"/>
+        </dgm:presLayoutVars>
+      </dgm:prSet>
+      <dgm:spPr/>
+    </dgm:pt>
+    <dgm:pt modelId="{527BD27B-EAC7-4C06-A427-DD6323AF9E5B}" type="pres">
+      <dgm:prSet presAssocID="{490CF7C5-8E02-465B-90E0-27CAFAC8B29D}" presName="rootConnector" presStyleLbl="node2" presStyleIdx="0" presStyleCnt="3"/>
+      <dgm:spPr/>
+    </dgm:pt>
+    <dgm:pt modelId="{474BD073-FAD5-4C8C-AF35-2684ADF3079C}" type="pres">
+      <dgm:prSet presAssocID="{490CF7C5-8E02-465B-90E0-27CAFAC8B29D}" presName="hierChild4" presStyleCnt="0"/>
+      <dgm:spPr/>
+    </dgm:pt>
+    <dgm:pt modelId="{32ED6156-0960-43E9-BB0D-6E387E02ACA1}" type="pres">
+      <dgm:prSet presAssocID="{490CF7C5-8E02-465B-90E0-27CAFAC8B29D}" presName="hierChild5" presStyleCnt="0"/>
+      <dgm:spPr/>
+    </dgm:pt>
+    <dgm:pt modelId="{FFBE934B-3D92-4908-AA83-77C0E8D62383}" type="pres">
+      <dgm:prSet presAssocID="{6BB60E18-3266-473C-8427-4E47C24009A4}" presName="Name37" presStyleLbl="parChTrans1D2" presStyleIdx="1" presStyleCnt="3"/>
+      <dgm:spPr/>
+    </dgm:pt>
+    <dgm:pt modelId="{58D567A9-81FC-464D-9A73-4E6B724A98AA}" type="pres">
+      <dgm:prSet presAssocID="{26D66FF9-DD42-4510-9E9C-091A78D1DC2A}" presName="hierRoot2" presStyleCnt="0">
+        <dgm:presLayoutVars>
+          <dgm:hierBranch val="init"/>
+        </dgm:presLayoutVars>
+      </dgm:prSet>
+      <dgm:spPr/>
+    </dgm:pt>
+    <dgm:pt modelId="{1519DAEE-56CA-41F3-A0EF-F1AF2FA5669B}" type="pres">
+      <dgm:prSet presAssocID="{26D66FF9-DD42-4510-9E9C-091A78D1DC2A}" presName="rootComposite" presStyleCnt="0"/>
+      <dgm:spPr/>
+    </dgm:pt>
+    <dgm:pt modelId="{649AE6C6-636F-45B5-8AB1-04DE1CC69C5A}" type="pres">
+      <dgm:prSet presAssocID="{26D66FF9-DD42-4510-9E9C-091A78D1DC2A}" presName="rootText" presStyleLbl="node2" presStyleIdx="1" presStyleCnt="3">
+        <dgm:presLayoutVars>
+          <dgm:chPref val="3"/>
+        </dgm:presLayoutVars>
+      </dgm:prSet>
+      <dgm:spPr/>
+    </dgm:pt>
+    <dgm:pt modelId="{2C13D237-B7E9-4093-B35B-FBC3B2B5FE34}" type="pres">
+      <dgm:prSet presAssocID="{26D66FF9-DD42-4510-9E9C-091A78D1DC2A}" presName="rootConnector" presStyleLbl="node2" presStyleIdx="1" presStyleCnt="3"/>
+      <dgm:spPr/>
+    </dgm:pt>
+    <dgm:pt modelId="{C5EB4849-C0E2-4319-B706-09D050DC5327}" type="pres">
+      <dgm:prSet presAssocID="{26D66FF9-DD42-4510-9E9C-091A78D1DC2A}" presName="hierChild4" presStyleCnt="0"/>
+      <dgm:spPr/>
+    </dgm:pt>
+    <dgm:pt modelId="{43CDDF60-FAA1-48D6-B7C0-E034F3E76EF7}" type="pres">
+      <dgm:prSet presAssocID="{26D66FF9-DD42-4510-9E9C-091A78D1DC2A}" presName="hierChild5" presStyleCnt="0"/>
+      <dgm:spPr/>
+    </dgm:pt>
+    <dgm:pt modelId="{3EE90765-015E-48EF-B665-A4C6910CC5F4}" type="pres">
+      <dgm:prSet presAssocID="{ED22388C-F128-4D6E-BF86-EE483F6AF148}" presName="Name37" presStyleLbl="parChTrans1D2" presStyleIdx="2" presStyleCnt="3"/>
+      <dgm:spPr/>
+    </dgm:pt>
+    <dgm:pt modelId="{A50F4516-46B5-48FD-BDCF-7C6D41FA20E3}" type="pres">
+      <dgm:prSet presAssocID="{479A5C8F-6DA6-43A8-BEE0-332A265C67AD}" presName="hierRoot2" presStyleCnt="0">
+        <dgm:presLayoutVars>
+          <dgm:hierBranch val="init"/>
+        </dgm:presLayoutVars>
+      </dgm:prSet>
+      <dgm:spPr/>
+    </dgm:pt>
+    <dgm:pt modelId="{7A578CB7-FE90-401C-B223-C5DCD98E19B9}" type="pres">
+      <dgm:prSet presAssocID="{479A5C8F-6DA6-43A8-BEE0-332A265C67AD}" presName="rootComposite" presStyleCnt="0"/>
+      <dgm:spPr/>
+    </dgm:pt>
+    <dgm:pt modelId="{3C3247C8-AA89-47B1-BB08-E543851A9841}" type="pres">
+      <dgm:prSet presAssocID="{479A5C8F-6DA6-43A8-BEE0-332A265C67AD}" presName="rootText" presStyleLbl="node2" presStyleIdx="2" presStyleCnt="3">
+        <dgm:presLayoutVars>
+          <dgm:chPref val="3"/>
+        </dgm:presLayoutVars>
+      </dgm:prSet>
+      <dgm:spPr/>
+    </dgm:pt>
+    <dgm:pt modelId="{42AAEED6-481F-433B-8067-05DEA9390BEB}" type="pres">
+      <dgm:prSet presAssocID="{479A5C8F-6DA6-43A8-BEE0-332A265C67AD}" presName="rootConnector" presStyleLbl="node2" presStyleIdx="2" presStyleCnt="3"/>
+      <dgm:spPr/>
+    </dgm:pt>
+    <dgm:pt modelId="{E844691F-ECFE-486B-8F60-18F2961197C6}" type="pres">
+      <dgm:prSet presAssocID="{479A5C8F-6DA6-43A8-BEE0-332A265C67AD}" presName="hierChild4" presStyleCnt="0"/>
+      <dgm:spPr/>
+    </dgm:pt>
+    <dgm:pt modelId="{1992B24C-E3CB-44FE-B7F1-70D320C3C254}" type="pres">
+      <dgm:prSet presAssocID="{479A5C8F-6DA6-43A8-BEE0-332A265C67AD}" presName="hierChild5" presStyleCnt="0"/>
+      <dgm:spPr/>
+    </dgm:pt>
+    <dgm:pt modelId="{EEB817A9-54F8-481E-BBA9-EB2CCE410EC5}" type="pres">
+      <dgm:prSet presAssocID="{F18E6D66-0EFE-4861-B911-ECC996F31845}" presName="hierChild3" presStyleCnt="0"/>
+      <dgm:spPr/>
+    </dgm:pt>
+  </dgm:ptLst>
+  <dgm:cxnLst>
+    <dgm:cxn modelId="{A87A2B0F-0457-45BF-BA09-9A122074DF07}" type="presOf" srcId="{26D66FF9-DD42-4510-9E9C-091A78D1DC2A}" destId="{2C13D237-B7E9-4093-B35B-FBC3B2B5FE34}" srcOrd="1" destOrd="0" presId="urn:microsoft.com/office/officeart/2005/8/layout/orgChart1"/>
+    <dgm:cxn modelId="{D7AD4B10-A422-4B18-8194-E427FC1A6D2E}" srcId="{F18E6D66-0EFE-4861-B911-ECC996F31845}" destId="{490CF7C5-8E02-465B-90E0-27CAFAC8B29D}" srcOrd="0" destOrd="0" parTransId="{67FA90A8-F25A-400D-89A2-4669AD40F777}" sibTransId="{781E8EFA-C848-4D0A-B3F1-B88DFFE09CC3}"/>
+    <dgm:cxn modelId="{E448F611-35EA-4CDA-86A7-3A2571C19446}" type="presOf" srcId="{F18E6D66-0EFE-4861-B911-ECC996F31845}" destId="{C48E4B37-DE57-4BFA-96A6-7A8DD23F5251}" srcOrd="1" destOrd="0" presId="urn:microsoft.com/office/officeart/2005/8/layout/orgChart1"/>
+    <dgm:cxn modelId="{E9A05C23-31FE-4E22-9BB2-B164C3A3ECCA}" type="presOf" srcId="{67FA90A8-F25A-400D-89A2-4669AD40F777}" destId="{BB1BA6DD-6710-4C68-AF30-E1CC6BB002B5}" srcOrd="0" destOrd="0" presId="urn:microsoft.com/office/officeart/2005/8/layout/orgChart1"/>
+    <dgm:cxn modelId="{62A80D5C-E95F-4537-AA28-61B320E5AAFF}" type="presOf" srcId="{ED22388C-F128-4D6E-BF86-EE483F6AF148}" destId="{3EE90765-015E-48EF-B665-A4C6910CC5F4}" srcOrd="0" destOrd="0" presId="urn:microsoft.com/office/officeart/2005/8/layout/orgChart1"/>
+    <dgm:cxn modelId="{FDC05547-36CF-4006-AF7A-EFC829A3E5E5}" type="presOf" srcId="{F18E6D66-0EFE-4861-B911-ECC996F31845}" destId="{05F337FC-7892-453B-9BEA-301F296779EA}" srcOrd="0" destOrd="0" presId="urn:microsoft.com/office/officeart/2005/8/layout/orgChart1"/>
+    <dgm:cxn modelId="{1877B34B-DBF1-486A-AD3B-4F8FC001E198}" type="presOf" srcId="{73861B73-1B54-48BF-9551-A9B64C634FA2}" destId="{DE11C4CA-7FE3-4CC9-B8A1-543542798383}" srcOrd="0" destOrd="0" presId="urn:microsoft.com/office/officeart/2005/8/layout/orgChart1"/>
+    <dgm:cxn modelId="{37224D56-A5A3-483B-9C4C-256ED59ADA83}" srcId="{73861B73-1B54-48BF-9551-A9B64C634FA2}" destId="{F18E6D66-0EFE-4861-B911-ECC996F31845}" srcOrd="0" destOrd="0" parTransId="{F294727B-3FB8-4493-BCF0-3A4BFE2B2151}" sibTransId="{3368160C-B2E9-4CBB-A033-B4D533D2550F}"/>
+    <dgm:cxn modelId="{3EBACB86-46D6-4ED7-846C-E9D37657FE58}" type="presOf" srcId="{479A5C8F-6DA6-43A8-BEE0-332A265C67AD}" destId="{42AAEED6-481F-433B-8067-05DEA9390BEB}" srcOrd="1" destOrd="0" presId="urn:microsoft.com/office/officeart/2005/8/layout/orgChart1"/>
+    <dgm:cxn modelId="{B6F49889-A156-4BF8-A4D7-BC2C39CA9914}" type="presOf" srcId="{26D66FF9-DD42-4510-9E9C-091A78D1DC2A}" destId="{649AE6C6-636F-45B5-8AB1-04DE1CC69C5A}" srcOrd="0" destOrd="0" presId="urn:microsoft.com/office/officeart/2005/8/layout/orgChart1"/>
+    <dgm:cxn modelId="{A80F0895-ECD4-4CF7-9B51-38A11DBF50FE}" srcId="{F18E6D66-0EFE-4861-B911-ECC996F31845}" destId="{26D66FF9-DD42-4510-9E9C-091A78D1DC2A}" srcOrd="1" destOrd="0" parTransId="{6BB60E18-3266-473C-8427-4E47C24009A4}" sibTransId="{A38E2A77-8F5D-4756-81C2-0F219C2BD317}"/>
+    <dgm:cxn modelId="{C8F541B4-C15F-4992-BD22-07212DBB5DCF}" srcId="{F18E6D66-0EFE-4861-B911-ECC996F31845}" destId="{479A5C8F-6DA6-43A8-BEE0-332A265C67AD}" srcOrd="2" destOrd="0" parTransId="{ED22388C-F128-4D6E-BF86-EE483F6AF148}" sibTransId="{5BA8532D-98F3-42EB-AA40-BD8165A33DFB}"/>
+    <dgm:cxn modelId="{106E74BE-1AE9-4121-B593-586A9A9D574F}" type="presOf" srcId="{479A5C8F-6DA6-43A8-BEE0-332A265C67AD}" destId="{3C3247C8-AA89-47B1-BB08-E543851A9841}" srcOrd="0" destOrd="0" presId="urn:microsoft.com/office/officeart/2005/8/layout/orgChart1"/>
+    <dgm:cxn modelId="{A13D56CB-66C2-4F35-A6DD-A8B19FD2A27D}" type="presOf" srcId="{6BB60E18-3266-473C-8427-4E47C24009A4}" destId="{FFBE934B-3D92-4908-AA83-77C0E8D62383}" srcOrd="0" destOrd="0" presId="urn:microsoft.com/office/officeart/2005/8/layout/orgChart1"/>
+    <dgm:cxn modelId="{81993ECD-06C7-4811-AC5B-DC8D34898E23}" type="presOf" srcId="{490CF7C5-8E02-465B-90E0-27CAFAC8B29D}" destId="{527BD27B-EAC7-4C06-A427-DD6323AF9E5B}" srcOrd="1" destOrd="0" presId="urn:microsoft.com/office/officeart/2005/8/layout/orgChart1"/>
+    <dgm:cxn modelId="{4DD420CF-045B-46B1-89AE-A8F6B2C43397}" type="presOf" srcId="{490CF7C5-8E02-465B-90E0-27CAFAC8B29D}" destId="{C9FD5743-ED0B-4AD5-A134-F3299D77B96A}" srcOrd="0" destOrd="0" presId="urn:microsoft.com/office/officeart/2005/8/layout/orgChart1"/>
+    <dgm:cxn modelId="{08B6F426-8838-409D-9078-24FD2A6492DA}" type="presParOf" srcId="{DE11C4CA-7FE3-4CC9-B8A1-543542798383}" destId="{C2895F76-9A7D-4360-A8C9-7DFB8BA8D2A9}" srcOrd="0" destOrd="0" presId="urn:microsoft.com/office/officeart/2005/8/layout/orgChart1"/>
+    <dgm:cxn modelId="{E80103C4-E4EB-4B77-8D3D-32F79846D3F9}" type="presParOf" srcId="{C2895F76-9A7D-4360-A8C9-7DFB8BA8D2A9}" destId="{18D60801-D77F-45E0-B20C-7DF60D9E1A05}" srcOrd="0" destOrd="0" presId="urn:microsoft.com/office/officeart/2005/8/layout/orgChart1"/>
+    <dgm:cxn modelId="{B024BF83-50EB-497D-9CC2-17E10AFF9656}" type="presParOf" srcId="{18D60801-D77F-45E0-B20C-7DF60D9E1A05}" destId="{05F337FC-7892-453B-9BEA-301F296779EA}" srcOrd="0" destOrd="0" presId="urn:microsoft.com/office/officeart/2005/8/layout/orgChart1"/>
+    <dgm:cxn modelId="{B226C887-0CDC-41BD-81C1-34752E87A431}" type="presParOf" srcId="{18D60801-D77F-45E0-B20C-7DF60D9E1A05}" destId="{C48E4B37-DE57-4BFA-96A6-7A8DD23F5251}" srcOrd="1" destOrd="0" presId="urn:microsoft.com/office/officeart/2005/8/layout/orgChart1"/>
+    <dgm:cxn modelId="{3DD34B27-A2BA-42FA-96D5-4B8CA1CE4E22}" type="presParOf" srcId="{C2895F76-9A7D-4360-A8C9-7DFB8BA8D2A9}" destId="{A98DB415-2769-497A-9EE5-4A6A995F709E}" srcOrd="1" destOrd="0" presId="urn:microsoft.com/office/officeart/2005/8/layout/orgChart1"/>
+    <dgm:cxn modelId="{D8423784-8B8E-475E-B8E6-412B58E42136}" type="presParOf" srcId="{A98DB415-2769-497A-9EE5-4A6A995F709E}" destId="{BB1BA6DD-6710-4C68-AF30-E1CC6BB002B5}" srcOrd="0" destOrd="0" presId="urn:microsoft.com/office/officeart/2005/8/layout/orgChart1"/>
+    <dgm:cxn modelId="{924BAE78-0C2D-40EF-B918-FE84ADC98263}" type="presParOf" srcId="{A98DB415-2769-497A-9EE5-4A6A995F709E}" destId="{FCF04D2E-F2CC-4C4B-A285-FD6567CB08FE}" srcOrd="1" destOrd="0" presId="urn:microsoft.com/office/officeart/2005/8/layout/orgChart1"/>
+    <dgm:cxn modelId="{669FC1B4-ED2C-4D26-BA9D-1DEAA87B192B}" type="presParOf" srcId="{FCF04D2E-F2CC-4C4B-A285-FD6567CB08FE}" destId="{D64A25CA-9C57-44DD-AA55-D3460DE2CFCA}" srcOrd="0" destOrd="0" presId="urn:microsoft.com/office/officeart/2005/8/layout/orgChart1"/>
+    <dgm:cxn modelId="{CBB163B7-BCE6-451A-BC9F-F6DD4DA2F3CB}" type="presParOf" srcId="{D64A25CA-9C57-44DD-AA55-D3460DE2CFCA}" destId="{C9FD5743-ED0B-4AD5-A134-F3299D77B96A}" srcOrd="0" destOrd="0" presId="urn:microsoft.com/office/officeart/2005/8/layout/orgChart1"/>
+    <dgm:cxn modelId="{F66C6F60-B99C-4E2A-A8F1-A4F79B5C9118}" type="presParOf" srcId="{D64A25CA-9C57-44DD-AA55-D3460DE2CFCA}" destId="{527BD27B-EAC7-4C06-A427-DD6323AF9E5B}" srcOrd="1" destOrd="0" presId="urn:microsoft.com/office/officeart/2005/8/layout/orgChart1"/>
+    <dgm:cxn modelId="{FBB2124A-A663-4BE8-8A51-AE2F3A69D15C}" type="presParOf" srcId="{FCF04D2E-F2CC-4C4B-A285-FD6567CB08FE}" destId="{474BD073-FAD5-4C8C-AF35-2684ADF3079C}" srcOrd="1" destOrd="0" presId="urn:microsoft.com/office/officeart/2005/8/layout/orgChart1"/>
+    <dgm:cxn modelId="{69BADDA1-4BC7-435D-818C-DDE1E41EA1EE}" type="presParOf" srcId="{FCF04D2E-F2CC-4C4B-A285-FD6567CB08FE}" destId="{32ED6156-0960-43E9-BB0D-6E387E02ACA1}" srcOrd="2" destOrd="0" presId="urn:microsoft.com/office/officeart/2005/8/layout/orgChart1"/>
+    <dgm:cxn modelId="{40F4EC1E-CA15-4F5B-AC4D-C57FB8180CEC}" type="presParOf" srcId="{A98DB415-2769-497A-9EE5-4A6A995F709E}" destId="{FFBE934B-3D92-4908-AA83-77C0E8D62383}" srcOrd="2" destOrd="0" presId="urn:microsoft.com/office/officeart/2005/8/layout/orgChart1"/>
+    <dgm:cxn modelId="{3B13F0BA-D150-4D30-93CD-5E56640FEF28}" type="presParOf" srcId="{A98DB415-2769-497A-9EE5-4A6A995F709E}" destId="{58D567A9-81FC-464D-9A73-4E6B724A98AA}" srcOrd="3" destOrd="0" presId="urn:microsoft.com/office/officeart/2005/8/layout/orgChart1"/>
+    <dgm:cxn modelId="{F2E10559-CF6F-4BFF-9A42-276D09FF859E}" type="presParOf" srcId="{58D567A9-81FC-464D-9A73-4E6B724A98AA}" destId="{1519DAEE-56CA-41F3-A0EF-F1AF2FA5669B}" srcOrd="0" destOrd="0" presId="urn:microsoft.com/office/officeart/2005/8/layout/orgChart1"/>
+    <dgm:cxn modelId="{E44C63CD-80AC-4E51-A441-C11068239C93}" type="presParOf" srcId="{1519DAEE-56CA-41F3-A0EF-F1AF2FA5669B}" destId="{649AE6C6-636F-45B5-8AB1-04DE1CC69C5A}" srcOrd="0" destOrd="0" presId="urn:microsoft.com/office/officeart/2005/8/layout/orgChart1"/>
+    <dgm:cxn modelId="{BC882993-C602-4988-922E-E9B9EDD0F4A8}" type="presParOf" srcId="{1519DAEE-56CA-41F3-A0EF-F1AF2FA5669B}" destId="{2C13D237-B7E9-4093-B35B-FBC3B2B5FE34}" srcOrd="1" destOrd="0" presId="urn:microsoft.com/office/officeart/2005/8/layout/orgChart1"/>
+    <dgm:cxn modelId="{93CECA2E-C61A-49CB-A5E4-5B3FB7DF9A66}" type="presParOf" srcId="{58D567A9-81FC-464D-9A73-4E6B724A98AA}" destId="{C5EB4849-C0E2-4319-B706-09D050DC5327}" srcOrd="1" destOrd="0" presId="urn:microsoft.com/office/officeart/2005/8/layout/orgChart1"/>
+    <dgm:cxn modelId="{0DF6D7CD-E645-49EA-81B3-8A53EB2A2366}" type="presParOf" srcId="{58D567A9-81FC-464D-9A73-4E6B724A98AA}" destId="{43CDDF60-FAA1-48D6-B7C0-E034F3E76EF7}" srcOrd="2" destOrd="0" presId="urn:microsoft.com/office/officeart/2005/8/layout/orgChart1"/>
+    <dgm:cxn modelId="{777D5BB2-FD49-4BDF-85D1-57D0B11E736D}" type="presParOf" srcId="{A98DB415-2769-497A-9EE5-4A6A995F709E}" destId="{3EE90765-015E-48EF-B665-A4C6910CC5F4}" srcOrd="4" destOrd="0" presId="urn:microsoft.com/office/officeart/2005/8/layout/orgChart1"/>
+    <dgm:cxn modelId="{CBA4A3ED-E3AB-444D-BEE0-651E8ADDD932}" type="presParOf" srcId="{A98DB415-2769-497A-9EE5-4A6A995F709E}" destId="{A50F4516-46B5-48FD-BDCF-7C6D41FA20E3}" srcOrd="5" destOrd="0" presId="urn:microsoft.com/office/officeart/2005/8/layout/orgChart1"/>
+    <dgm:cxn modelId="{294234CE-0E97-4D38-ADB9-CE107EB1EF5D}" type="presParOf" srcId="{A50F4516-46B5-48FD-BDCF-7C6D41FA20E3}" destId="{7A578CB7-FE90-401C-B223-C5DCD98E19B9}" srcOrd="0" destOrd="0" presId="urn:microsoft.com/office/officeart/2005/8/layout/orgChart1"/>
+    <dgm:cxn modelId="{DB6D2024-3DEC-479B-BEA4-1143D2817EBA}" type="presParOf" srcId="{7A578CB7-FE90-401C-B223-C5DCD98E19B9}" destId="{3C3247C8-AA89-47B1-BB08-E543851A9841}" srcOrd="0" destOrd="0" presId="urn:microsoft.com/office/officeart/2005/8/layout/orgChart1"/>
+    <dgm:cxn modelId="{1DA262EC-A617-4D60-A9F1-A85BAB1B7792}" type="presParOf" srcId="{7A578CB7-FE90-401C-B223-C5DCD98E19B9}" destId="{42AAEED6-481F-433B-8067-05DEA9390BEB}" srcOrd="1" destOrd="0" presId="urn:microsoft.com/office/officeart/2005/8/layout/orgChart1"/>
+    <dgm:cxn modelId="{8CF9AFE0-C299-4054-B1DD-49764727ED12}" type="presParOf" srcId="{A50F4516-46B5-48FD-BDCF-7C6D41FA20E3}" destId="{E844691F-ECFE-486B-8F60-18F2961197C6}" srcOrd="1" destOrd="0" presId="urn:microsoft.com/office/officeart/2005/8/layout/orgChart1"/>
+    <dgm:cxn modelId="{E47CFB4D-6149-4E6A-A797-C1E8444236DA}" type="presParOf" srcId="{A50F4516-46B5-48FD-BDCF-7C6D41FA20E3}" destId="{1992B24C-E3CB-44FE-B7F1-70D320C3C254}" srcOrd="2" destOrd="0" presId="urn:microsoft.com/office/officeart/2005/8/layout/orgChart1"/>
+    <dgm:cxn modelId="{6BBF197F-800D-4B14-A7B2-62995C9E46EA}" type="presParOf" srcId="{C2895F76-9A7D-4360-A8C9-7DFB8BA8D2A9}" destId="{EEB817A9-54F8-481E-BBA9-EB2CCE410EC5}" srcOrd="2" destOrd="0" presId="urn:microsoft.com/office/officeart/2005/8/layout/orgChart1"/>
+  </dgm:cxnLst>
+  <dgm:bg/>
+  <dgm:whole/>
+  <dgm:extLst>
+    <a:ext uri="http://schemas.microsoft.com/office/drawing/2008/diagram">
+      <dsp:dataModelExt xmlns:dsp="http://schemas.microsoft.com/office/drawing/2008/diagram" relId="rId6" minVer="http://schemas.openxmlformats.org/drawingml/2006/diagram"/>
+    </a:ext>
+  </dgm:extLst>
+</dgm:dataModel>
+</file>
+
+<file path=ppt/diagrams/drawing1.xml><?xml version="1.0" encoding="utf-8"?>
+<dsp:drawing xmlns:dgm="http://schemas.openxmlformats.org/drawingml/2006/diagram" xmlns:dsp="http://schemas.microsoft.com/office/drawing/2008/diagram" xmlns:a="http://schemas.openxmlformats.org/drawingml/2006/main">
+  <dsp:spTree>
+    <dsp:nvGrpSpPr>
+      <dsp:cNvPr id="0" name=""/>
+      <dsp:cNvGrpSpPr/>
+    </dsp:nvGrpSpPr>
+    <dsp:grpSpPr/>
+    <dsp:sp modelId="{3EE90765-015E-48EF-B665-A4C6910CC5F4}">
+      <dsp:nvSpPr>
+        <dsp:cNvPr id="0" name=""/>
+        <dsp:cNvSpPr/>
+      </dsp:nvSpPr>
+      <dsp:spPr>
+        <a:xfrm>
+          <a:off x="4064000" y="1937913"/>
+          <a:ext cx="2875309" cy="499020"/>
+        </a:xfrm>
+        <a:custGeom>
+          <a:avLst/>
+          <a:gdLst/>
+          <a:ahLst/>
+          <a:cxnLst/>
+          <a:rect l="0" t="0" r="0" b="0"/>
+          <a:pathLst>
+            <a:path>
+              <a:moveTo>
+                <a:pt x="0" y="0"/>
+              </a:moveTo>
+              <a:lnTo>
+                <a:pt x="0" y="249510"/>
+              </a:lnTo>
+              <a:lnTo>
+                <a:pt x="2875309" y="249510"/>
+              </a:lnTo>
+              <a:lnTo>
+                <a:pt x="2875309" y="499020"/>
+              </a:lnTo>
+            </a:path>
+          </a:pathLst>
+        </a:custGeom>
+        <a:noFill/>
+        <a:ln w="12700" cap="flat" cmpd="sng" algn="ctr">
+          <a:solidFill>
+            <a:schemeClr val="accent1">
+              <a:shade val="60000"/>
+              <a:hueOff val="0"/>
+              <a:satOff val="0"/>
+              <a:lumOff val="0"/>
+              <a:alphaOff val="0"/>
+            </a:schemeClr>
+          </a:solidFill>
+          <a:prstDash val="solid"/>
+          <a:miter lim="800000"/>
+        </a:ln>
+        <a:effectLst/>
+      </dsp:spPr>
+      <dsp:style>
+        <a:lnRef idx="2">
+          <a:scrgbClr r="0" g="0" b="0"/>
+        </a:lnRef>
+        <a:fillRef idx="0">
+          <a:scrgbClr r="0" g="0" b="0"/>
+        </a:fillRef>
+        <a:effectRef idx="0">
+          <a:scrgbClr r="0" g="0" b="0"/>
+        </a:effectRef>
+        <a:fontRef idx="minor"/>
+      </dsp:style>
+    </dsp:sp>
+    <dsp:sp modelId="{FFBE934B-3D92-4908-AA83-77C0E8D62383}">
+      <dsp:nvSpPr>
+        <dsp:cNvPr id="0" name=""/>
+        <dsp:cNvSpPr/>
+      </dsp:nvSpPr>
+      <dsp:spPr>
+        <a:xfrm>
+          <a:off x="4018280" y="1937913"/>
+          <a:ext cx="91440" cy="499020"/>
+        </a:xfrm>
+        <a:custGeom>
+          <a:avLst/>
+          <a:gdLst/>
+          <a:ahLst/>
+          <a:cxnLst/>
+          <a:rect l="0" t="0" r="0" b="0"/>
+          <a:pathLst>
+            <a:path>
+              <a:moveTo>
+                <a:pt x="45720" y="0"/>
+              </a:moveTo>
+              <a:lnTo>
+                <a:pt x="45720" y="499020"/>
+              </a:lnTo>
+            </a:path>
+          </a:pathLst>
+        </a:custGeom>
+        <a:noFill/>
+        <a:ln w="12700" cap="flat" cmpd="sng" algn="ctr">
+          <a:solidFill>
+            <a:schemeClr val="accent1">
+              <a:shade val="60000"/>
+              <a:hueOff val="0"/>
+              <a:satOff val="0"/>
+              <a:lumOff val="0"/>
+              <a:alphaOff val="0"/>
+            </a:schemeClr>
+          </a:solidFill>
+          <a:prstDash val="solid"/>
+          <a:miter lim="800000"/>
+        </a:ln>
+        <a:effectLst/>
+      </dsp:spPr>
+      <dsp:style>
+        <a:lnRef idx="2">
+          <a:scrgbClr r="0" g="0" b="0"/>
+        </a:lnRef>
+        <a:fillRef idx="0">
+          <a:scrgbClr r="0" g="0" b="0"/>
+        </a:fillRef>
+        <a:effectRef idx="0">
+          <a:scrgbClr r="0" g="0" b="0"/>
+        </a:effectRef>
+        <a:fontRef idx="minor"/>
+      </dsp:style>
+    </dsp:sp>
+    <dsp:sp modelId="{BB1BA6DD-6710-4C68-AF30-E1CC6BB002B5}">
+      <dsp:nvSpPr>
+        <dsp:cNvPr id="0" name=""/>
+        <dsp:cNvSpPr/>
+      </dsp:nvSpPr>
+      <dsp:spPr>
+        <a:xfrm>
+          <a:off x="1188690" y="1937913"/>
+          <a:ext cx="2875309" cy="499020"/>
+        </a:xfrm>
+        <a:custGeom>
+          <a:avLst/>
+          <a:gdLst/>
+          <a:ahLst/>
+          <a:cxnLst/>
+          <a:rect l="0" t="0" r="0" b="0"/>
+          <a:pathLst>
+            <a:path>
+              <a:moveTo>
+                <a:pt x="2875309" y="0"/>
+              </a:moveTo>
+              <a:lnTo>
+                <a:pt x="2875309" y="249510"/>
+              </a:lnTo>
+              <a:lnTo>
+                <a:pt x="0" y="249510"/>
+              </a:lnTo>
+              <a:lnTo>
+                <a:pt x="0" y="499020"/>
+              </a:lnTo>
+            </a:path>
+          </a:pathLst>
+        </a:custGeom>
+        <a:noFill/>
+        <a:ln w="12700" cap="flat" cmpd="sng" algn="ctr">
+          <a:solidFill>
+            <a:schemeClr val="accent1">
+              <a:shade val="60000"/>
+              <a:hueOff val="0"/>
+              <a:satOff val="0"/>
+              <a:lumOff val="0"/>
+              <a:alphaOff val="0"/>
+            </a:schemeClr>
+          </a:solidFill>
+          <a:prstDash val="solid"/>
+          <a:miter lim="800000"/>
+        </a:ln>
+        <a:effectLst/>
+      </dsp:spPr>
+      <dsp:style>
+        <a:lnRef idx="2">
+          <a:scrgbClr r="0" g="0" b="0"/>
+        </a:lnRef>
+        <a:fillRef idx="0">
+          <a:scrgbClr r="0" g="0" b="0"/>
+        </a:fillRef>
+        <a:effectRef idx="0">
+          <a:scrgbClr r="0" g="0" b="0"/>
+        </a:effectRef>
+        <a:fontRef idx="minor"/>
+      </dsp:style>
+    </dsp:sp>
+    <dsp:sp modelId="{05F337FC-7892-453B-9BEA-301F296779EA}">
+      <dsp:nvSpPr>
+        <dsp:cNvPr id="0" name=""/>
+        <dsp:cNvSpPr/>
+      </dsp:nvSpPr>
+      <dsp:spPr>
+        <a:xfrm>
+          <a:off x="2875855" y="749768"/>
+          <a:ext cx="2376289" cy="1188144"/>
+        </a:xfrm>
+        <a:prstGeom prst="rect">
+          <a:avLst/>
+        </a:prstGeom>
+        <a:solidFill>
+          <a:schemeClr val="accent1">
+            <a:hueOff val="0"/>
+            <a:satOff val="0"/>
+            <a:lumOff val="0"/>
+            <a:alphaOff val="0"/>
+          </a:schemeClr>
+        </a:solidFill>
+        <a:ln w="12700" cap="flat" cmpd="sng" algn="ctr">
+          <a:solidFill>
+            <a:schemeClr val="lt1">
+              <a:hueOff val="0"/>
+              <a:satOff val="0"/>
+              <a:lumOff val="0"/>
+              <a:alphaOff val="0"/>
+            </a:schemeClr>
+          </a:solidFill>
+          <a:prstDash val="solid"/>
+          <a:miter lim="800000"/>
+        </a:ln>
+        <a:effectLst/>
+      </dsp:spPr>
+      <dsp:style>
+        <a:lnRef idx="2">
+          <a:scrgbClr r="0" g="0" b="0"/>
+        </a:lnRef>
+        <a:fillRef idx="1">
+          <a:scrgbClr r="0" g="0" b="0"/>
+        </a:fillRef>
+        <a:effectRef idx="0">
+          <a:scrgbClr r="0" g="0" b="0"/>
+        </a:effectRef>
+        <a:fontRef idx="minor">
+          <a:schemeClr val="lt1"/>
+        </a:fontRef>
+      </dsp:style>
+      <dsp:txBody>
+        <a:bodyPr spcFirstLastPara="0" vert="horz" wrap="square" lIns="23495" tIns="23495" rIns="23495" bIns="23495" numCol="1" spcCol="1270" anchor="ctr" anchorCtr="0">
+          <a:noAutofit/>
+        </a:bodyPr>
+        <a:lstStyle/>
+        <a:p>
+          <a:pPr marL="0" lvl="0" indent="0" algn="ctr" defTabSz="1644650">
+            <a:lnSpc>
+              <a:spcPct val="90000"/>
+            </a:lnSpc>
+            <a:spcBef>
+              <a:spcPct val="0"/>
+            </a:spcBef>
+            <a:spcAft>
+              <a:spcPct val="35000"/>
+            </a:spcAft>
+            <a:buNone/>
+          </a:pPr>
+          <a:r>
+            <a:rPr lang="en-US" sz="3700" kern="1200" dirty="0"/>
+            <a:t>Operators</a:t>
+          </a:r>
+          <a:endParaRPr lang="en-IN" sz="3700" kern="1200" dirty="0"/>
+        </a:p>
+      </dsp:txBody>
+      <dsp:txXfrm>
+        <a:off x="2875855" y="749768"/>
+        <a:ext cx="2376289" cy="1188144"/>
+      </dsp:txXfrm>
+    </dsp:sp>
+    <dsp:sp modelId="{C9FD5743-ED0B-4AD5-A134-F3299D77B96A}">
+      <dsp:nvSpPr>
+        <dsp:cNvPr id="0" name=""/>
+        <dsp:cNvSpPr/>
+      </dsp:nvSpPr>
+      <dsp:spPr>
+        <a:xfrm>
+          <a:off x="545" y="2436933"/>
+          <a:ext cx="2376289" cy="1188144"/>
+        </a:xfrm>
+        <a:prstGeom prst="rect">
+          <a:avLst/>
+        </a:prstGeom>
+        <a:solidFill>
+          <a:schemeClr val="accent1">
+            <a:hueOff val="0"/>
+            <a:satOff val="0"/>
+            <a:lumOff val="0"/>
+            <a:alphaOff val="0"/>
+          </a:schemeClr>
+        </a:solidFill>
+        <a:ln w="12700" cap="flat" cmpd="sng" algn="ctr">
+          <a:solidFill>
+            <a:schemeClr val="lt1">
+              <a:hueOff val="0"/>
+              <a:satOff val="0"/>
+              <a:lumOff val="0"/>
+              <a:alphaOff val="0"/>
+            </a:schemeClr>
+          </a:solidFill>
+          <a:prstDash val="solid"/>
+          <a:miter lim="800000"/>
+        </a:ln>
+        <a:effectLst/>
+      </dsp:spPr>
+      <dsp:style>
+        <a:lnRef idx="2">
+          <a:scrgbClr r="0" g="0" b="0"/>
+        </a:lnRef>
+        <a:fillRef idx="1">
+          <a:scrgbClr r="0" g="0" b="0"/>
+        </a:fillRef>
+        <a:effectRef idx="0">
+          <a:scrgbClr r="0" g="0" b="0"/>
+        </a:effectRef>
+        <a:fontRef idx="minor">
+          <a:schemeClr val="lt1"/>
+        </a:fontRef>
+      </dsp:style>
+      <dsp:txBody>
+        <a:bodyPr spcFirstLastPara="0" vert="horz" wrap="square" lIns="23495" tIns="23495" rIns="23495" bIns="23495" numCol="1" spcCol="1270" anchor="ctr" anchorCtr="0">
+          <a:noAutofit/>
+        </a:bodyPr>
+        <a:lstStyle/>
+        <a:p>
+          <a:pPr marL="0" lvl="0" indent="0" algn="ctr" defTabSz="1644650">
+            <a:lnSpc>
+              <a:spcPct val="90000"/>
+            </a:lnSpc>
+            <a:spcBef>
+              <a:spcPct val="0"/>
+            </a:spcBef>
+            <a:spcAft>
+              <a:spcPct val="35000"/>
+            </a:spcAft>
+            <a:buNone/>
+          </a:pPr>
+          <a:r>
+            <a:rPr lang="en-US" sz="3700" kern="1200" dirty="0"/>
+            <a:t>Comparison</a:t>
+          </a:r>
+          <a:endParaRPr lang="en-IN" sz="3700" kern="1200" dirty="0"/>
+        </a:p>
+      </dsp:txBody>
+      <dsp:txXfrm>
+        <a:off x="545" y="2436933"/>
+        <a:ext cx="2376289" cy="1188144"/>
+      </dsp:txXfrm>
+    </dsp:sp>
+    <dsp:sp modelId="{649AE6C6-636F-45B5-8AB1-04DE1CC69C5A}">
+      <dsp:nvSpPr>
+        <dsp:cNvPr id="0" name=""/>
+        <dsp:cNvSpPr/>
+      </dsp:nvSpPr>
+      <dsp:spPr>
+        <a:xfrm>
+          <a:off x="2875855" y="2436933"/>
+          <a:ext cx="2376289" cy="1188144"/>
+        </a:xfrm>
+        <a:prstGeom prst="rect">
+          <a:avLst/>
+        </a:prstGeom>
+        <a:solidFill>
+          <a:schemeClr val="accent1">
+            <a:hueOff val="0"/>
+            <a:satOff val="0"/>
+            <a:lumOff val="0"/>
+            <a:alphaOff val="0"/>
+          </a:schemeClr>
+        </a:solidFill>
+        <a:ln w="12700" cap="flat" cmpd="sng" algn="ctr">
+          <a:solidFill>
+            <a:schemeClr val="lt1">
+              <a:hueOff val="0"/>
+              <a:satOff val="0"/>
+              <a:lumOff val="0"/>
+              <a:alphaOff val="0"/>
+            </a:schemeClr>
+          </a:solidFill>
+          <a:prstDash val="solid"/>
+          <a:miter lim="800000"/>
+        </a:ln>
+        <a:effectLst/>
+      </dsp:spPr>
+      <dsp:style>
+        <a:lnRef idx="2">
+          <a:scrgbClr r="0" g="0" b="0"/>
+        </a:lnRef>
+        <a:fillRef idx="1">
+          <a:scrgbClr r="0" g="0" b="0"/>
+        </a:fillRef>
+        <a:effectRef idx="0">
+          <a:scrgbClr r="0" g="0" b="0"/>
+        </a:effectRef>
+        <a:fontRef idx="minor">
+          <a:schemeClr val="lt1"/>
+        </a:fontRef>
+      </dsp:style>
+      <dsp:txBody>
+        <a:bodyPr spcFirstLastPara="0" vert="horz" wrap="square" lIns="23495" tIns="23495" rIns="23495" bIns="23495" numCol="1" spcCol="1270" anchor="ctr" anchorCtr="0">
+          <a:noAutofit/>
+        </a:bodyPr>
+        <a:lstStyle/>
+        <a:p>
+          <a:pPr marL="0" lvl="0" indent="0" algn="ctr" defTabSz="1644650">
+            <a:lnSpc>
+              <a:spcPct val="90000"/>
+            </a:lnSpc>
+            <a:spcBef>
+              <a:spcPct val="0"/>
+            </a:spcBef>
+            <a:spcAft>
+              <a:spcPct val="35000"/>
+            </a:spcAft>
+            <a:buNone/>
+          </a:pPr>
+          <a:r>
+            <a:rPr lang="en-US" sz="3700" kern="1200" dirty="0"/>
+            <a:t>String</a:t>
+          </a:r>
+          <a:endParaRPr lang="en-IN" sz="3700" kern="1200" dirty="0"/>
+        </a:p>
+      </dsp:txBody>
+      <dsp:txXfrm>
+        <a:off x="2875855" y="2436933"/>
+        <a:ext cx="2376289" cy="1188144"/>
+      </dsp:txXfrm>
+    </dsp:sp>
+    <dsp:sp modelId="{3C3247C8-AA89-47B1-BB08-E543851A9841}">
+      <dsp:nvSpPr>
+        <dsp:cNvPr id="0" name=""/>
+        <dsp:cNvSpPr/>
+      </dsp:nvSpPr>
+      <dsp:spPr>
+        <a:xfrm>
+          <a:off x="5751165" y="2436933"/>
+          <a:ext cx="2376289" cy="1188144"/>
+        </a:xfrm>
+        <a:prstGeom prst="rect">
+          <a:avLst/>
+        </a:prstGeom>
+        <a:solidFill>
+          <a:schemeClr val="accent1">
+            <a:hueOff val="0"/>
+            <a:satOff val="0"/>
+            <a:lumOff val="0"/>
+            <a:alphaOff val="0"/>
+          </a:schemeClr>
+        </a:solidFill>
+        <a:ln w="12700" cap="flat" cmpd="sng" algn="ctr">
+          <a:solidFill>
+            <a:schemeClr val="lt1">
+              <a:hueOff val="0"/>
+              <a:satOff val="0"/>
+              <a:lumOff val="0"/>
+              <a:alphaOff val="0"/>
+            </a:schemeClr>
+          </a:solidFill>
+          <a:prstDash val="solid"/>
+          <a:miter lim="800000"/>
+        </a:ln>
+        <a:effectLst/>
+      </dsp:spPr>
+      <dsp:style>
+        <a:lnRef idx="2">
+          <a:scrgbClr r="0" g="0" b="0"/>
+        </a:lnRef>
+        <a:fillRef idx="1">
+          <a:scrgbClr r="0" g="0" b="0"/>
+        </a:fillRef>
+        <a:effectRef idx="0">
+          <a:scrgbClr r="0" g="0" b="0"/>
+        </a:effectRef>
+        <a:fontRef idx="minor">
+          <a:schemeClr val="lt1"/>
+        </a:fontRef>
+      </dsp:style>
+      <dsp:txBody>
+        <a:bodyPr spcFirstLastPara="0" vert="horz" wrap="square" lIns="23495" tIns="23495" rIns="23495" bIns="23495" numCol="1" spcCol="1270" anchor="ctr" anchorCtr="0">
+          <a:noAutofit/>
+        </a:bodyPr>
+        <a:lstStyle/>
+        <a:p>
+          <a:pPr marL="0" lvl="0" indent="0" algn="ctr" defTabSz="1644650">
+            <a:lnSpc>
+              <a:spcPct val="90000"/>
+            </a:lnSpc>
+            <a:spcBef>
+              <a:spcPct val="0"/>
+            </a:spcBef>
+            <a:spcAft>
+              <a:spcPct val="35000"/>
+            </a:spcAft>
+            <a:buNone/>
+          </a:pPr>
+          <a:r>
+            <a:rPr lang="en-US" sz="3700" kern="1200" dirty="0"/>
+            <a:t>Logical</a:t>
+          </a:r>
+          <a:endParaRPr lang="en-IN" sz="3700" kern="1200" dirty="0"/>
+        </a:p>
+      </dsp:txBody>
+      <dsp:txXfrm>
+        <a:off x="5751165" y="2436933"/>
+        <a:ext cx="2376289" cy="1188144"/>
+      </dsp:txXfrm>
+    </dsp:sp>
+  </dsp:spTree>
+</dsp:drawing>
+</file>
+
+<file path=ppt/diagrams/layout1.xml><?xml version="1.0" encoding="utf-8"?>
+<dgm:layoutDef xmlns:dgm="http://schemas.openxmlformats.org/drawingml/2006/diagram" xmlns:a="http://schemas.openxmlformats.org/drawingml/2006/main" uniqueId="urn:microsoft.com/office/officeart/2005/8/layout/orgChart1">
+  <dgm:title val=""/>
+  <dgm:desc val=""/>
+  <dgm:catLst>
+    <dgm:cat type="hierarchy" pri="1000"/>
+    <dgm:cat type="convert" pri="6000"/>
+  </dgm:catLst>
+  <dgm:sampData>
+    <dgm:dataModel>
+      <dgm:ptLst>
+        <dgm:pt modelId="0" type="doc"/>
+        <dgm:pt modelId="1">
+          <dgm:prSet phldr="1"/>
+        </dgm:pt>
+        <dgm:pt modelId="2" type="asst">
+          <dgm:prSet phldr="1"/>
+        </dgm:pt>
+        <dgm:pt modelId="3">
+          <dgm:prSet phldr="1"/>
+        </dgm:pt>
+        <dgm:pt modelId="4">
+          <dgm:prSet phldr="1"/>
+        </dgm:pt>
+        <dgm:pt modelId="5">
+          <dgm:prSet phldr="1"/>
+        </dgm:pt>
+      </dgm:ptLst>
+      <dgm:cxnLst>
+        <dgm:cxn modelId="5" srcId="0" destId="1" srcOrd="0" destOrd="0"/>
+        <dgm:cxn modelId="6" srcId="1" destId="2" srcOrd="0" destOrd="0"/>
+        <dgm:cxn modelId="7" srcId="1" destId="3" srcOrd="1" destOrd="0"/>
+        <dgm:cxn modelId="8" srcId="1" destId="4" srcOrd="2" destOrd="0"/>
+        <dgm:cxn modelId="9" srcId="1" destId="5" srcOrd="3" destOrd="0"/>
+      </dgm:cxnLst>
+      <dgm:bg/>
+      <dgm:whole/>
+    </dgm:dataModel>
+  </dgm:sampData>
+  <dgm:styleData>
+    <dgm:dataModel>
+      <dgm:ptLst>
+        <dgm:pt modelId="0" type="doc"/>
+        <dgm:pt modelId="1"/>
+        <dgm:pt modelId="12"/>
+        <dgm:pt modelId="13"/>
+      </dgm:ptLst>
+      <dgm:cxnLst>
+        <dgm:cxn modelId="2" srcId="0" destId="1" srcOrd="0" destOrd="0"/>
+        <dgm:cxn modelId="16" srcId="1" destId="12" srcOrd="1" destOrd="0"/>
+        <dgm:cxn modelId="17" srcId="1" destId="13" srcOrd="2" destOrd="0"/>
+      </dgm:cxnLst>
+      <dgm:bg/>
+      <dgm:whole/>
+    </dgm:dataModel>
+  </dgm:styleData>
+  <dgm:clrData>
+    <dgm:dataModel>
+      <dgm:ptLst>
+        <dgm:pt modelId="0" type="doc"/>
+        <dgm:pt modelId="1"/>
+        <dgm:pt modelId="11" type="asst"/>
+        <dgm:pt modelId="12"/>
+        <dgm:pt modelId="13"/>
+        <dgm:pt modelId="14"/>
+      </dgm:ptLst>
+      <dgm:cxnLst>
+        <dgm:cxn modelId="2" srcId="0" destId="1" srcOrd="0" destOrd="0"/>
+        <dgm:cxn modelId="15" srcId="1" destId="11" srcOrd="0" destOrd="0"/>
+        <dgm:cxn modelId="16" srcId="1" destId="12" srcOrd="1" destOrd="0"/>
+        <dgm:cxn modelId="17" srcId="1" destId="13" srcOrd="2" destOrd="0"/>
+        <dgm:cxn modelId="18" srcId="1" destId="14" srcOrd="2" destOrd="0"/>
+      </dgm:cxnLst>
+      <dgm:bg/>
+      <dgm:whole/>
+    </dgm:dataModel>
+  </dgm:clrData>
+  <dgm:layoutNode name="hierChild1">
+    <dgm:varLst>
+      <dgm:orgChart val="1"/>
+      <dgm:chPref val="1"/>
+      <dgm:dir/>
+      <dgm:animOne val="branch"/>
+      <dgm:animLvl val="lvl"/>
+      <dgm:resizeHandles/>
+    </dgm:varLst>
+    <dgm:choose name="Name0">
+      <dgm:if name="Name1" func="var" arg="dir" op="equ" val="norm">
+        <dgm:alg type="hierChild">
+          <dgm:param type="linDir" val="fromL"/>
+        </dgm:alg>
+      </dgm:if>
+      <dgm:else name="Name2">
+        <dgm:alg type="hierChild">
+          <dgm:param type="linDir" val="fromR"/>
+        </dgm:alg>
+      </dgm:else>
+    </dgm:choose>
+    <dgm:shape xmlns:r="http://schemas.openxmlformats.org/officeDocument/2006/relationships" r:blip="">
+      <dgm:adjLst/>
+    </dgm:shape>
+    <dgm:presOf/>
+    <dgm:constrLst>
+      <dgm:constr type="w" for="des" forName="rootComposite1" refType="w" fact="10"/>
+      <dgm:constr type="h" for="des" forName="rootComposite1" refType="w" refFor="des" refForName="rootComposite1" fact="0.5"/>
+      <dgm:constr type="w" for="des" forName="rootComposite" refType="w" fact="10"/>
+      <dgm:constr type="h" for="des" forName="rootComposite" refType="w" refFor="des" refForName="rootComposite1" fact="0.5"/>
+      <dgm:constr type="w" for="des" forName="rootComposite3" refType="w" fact="10"/>
+      <dgm:constr type="h" for="des" forName="rootComposite3" refType="w" refFor="des" refForName="rootComposite1" fact="0.5"/>
+      <dgm:constr type="primFontSz" for="des" ptType="node" op="equ"/>
+      <dgm:constr type="sp" for="des" op="equ"/>
+      <dgm:constr type="sp" for="des" forName="hierRoot1" refType="w" refFor="des" refForName="rootComposite1" fact="0.21"/>
+      <dgm:constr type="sp" for="des" forName="hierRoot2" refType="sp" refFor="des" refForName="hierRoot1"/>
+      <dgm:constr type="sp" for="des" forName="hierRoot3" refType="sp" refFor="des" refForName="hierRoot1"/>
+      <dgm:constr type="sibSp" refType="w" refFor="des" refForName="rootComposite1" fact="0.21"/>
+      <dgm:constr type="sibSp" for="des" forName="hierChild2" refType="sibSp"/>
+      <dgm:constr type="sibSp" for="des" forName="hierChild3" refType="sibSp"/>
+      <dgm:constr type="sibSp" for="des" forName="hierChild4" refType="sibSp"/>
+      <dgm:constr type="sibSp" for="des" forName="hierChild5" refType="sibSp"/>
+      <dgm:constr type="sibSp" for="des" forName="hierChild6" refType="sibSp"/>
+      <dgm:constr type="sibSp" for="des" forName="hierChild7" refType="sibSp"/>
+      <dgm:constr type="secSibSp" refType="w" refFor="des" refForName="rootComposite1" fact="0.21"/>
+      <dgm:constr type="secSibSp" for="des" forName="hierChild2" refType="secSibSp"/>
+      <dgm:constr type="secSibSp" for="des" forName="hierChild3" refType="secSibSp"/>
+      <dgm:constr type="secSibSp" for="des" forName="hierChild4" refType="secSibSp"/>
+      <dgm:constr type="secSibSp" for="des" forName="hierChild5" refType="secSibSp"/>
+      <dgm:constr type="secSibSp" for="des" forName="hierChild6" refType="secSibSp"/>
+      <dgm:constr type="secSibSp" for="des" forName="hierChild7" refType="secSibSp"/>
+    </dgm:constrLst>
+    <dgm:ruleLst/>
+    <dgm:forEach name="Name3" axis="ch">
+      <dgm:forEach name="Name4" axis="self" ptType="node">
+        <dgm:layoutNode name="hierRoot1">
+          <dgm:varLst>
+            <dgm:hierBranch val="init"/>
+          </dgm:varLst>
+          <dgm:choose name="Name5">
+            <dgm:if name="Name6" func="var" arg="hierBranch" op="equ" val="l">
+              <dgm:choose name="Name7">
+                <dgm:if name="Name8" axis="ch" ptType="asst" func="cnt" op="gte" val="1">
+                  <dgm:alg type="hierRoot">
+                    <dgm:param type="hierAlign" val="tR"/>
+                  </dgm:alg>
+                  <dgm:constrLst>
+                    <dgm:constr type="alignOff" val="0.65"/>
+                  </dgm:constrLst>
+                </dgm:if>
+                <dgm:else name="Name9">
+                  <dgm:alg type="hierRoot">
+                    <dgm:param type="hierAlign" val="tR"/>
+                  </dgm:alg>
+                  <dgm:constrLst>
+                    <dgm:constr type="alignOff" val="0.25"/>
+                  </dgm:constrLst>
+                </dgm:else>
+              </dgm:choose>
+            </dgm:if>
+            <dgm:if name="Name10" func="var" arg="hierBranch" op="equ" val="r">
+              <dgm:choose name="Name11">
+                <dgm:if name="Name12" axis="ch" ptType="asst" func="cnt" op="gte" val="1">
+                  <dgm:alg type="hierRoot">
+                    <dgm:param type="hierAlign" val="tL"/>
+                  </dgm:alg>
+                  <dgm:constrLst>
+                    <dgm:constr type="alignOff" val="0.65"/>
+                  </dgm:constrLst>
+                </dgm:if>
+                <dgm:else name="Name13">
+                  <dgm:alg type="hierRoot">
+                    <dgm:param type="hierAlign" val="tL"/>
+                  </dgm:alg>
+                  <dgm:constrLst>
+                    <dgm:constr type="alignOff" val="0.25"/>
+                  </dgm:constrLst>
+                </dgm:else>
+              </dgm:choose>
+            </dgm:if>
+            <dgm:if name="Name14" func="var" arg="hierBranch" op="equ" val="hang">
+              <dgm:alg type="hierRoot"/>
+              <dgm:constrLst>
+                <dgm:constr type="alignOff" val="0.65"/>
+              </dgm:constrLst>
+            </dgm:if>
+            <dgm:else name="Name15">
+              <dgm:alg type="hierRoot"/>
+              <dgm:constrLst>
+                <dgm:constr type="alignOff"/>
+                <dgm:constr type="bendDist" for="des" ptType="parTrans" refType="sp" fact="0.5"/>
+              </dgm:constrLst>
+            </dgm:else>
+          </dgm:choose>
+          <dgm:shape xmlns:r="http://schemas.openxmlformats.org/officeDocument/2006/relationships" r:blip="">
+            <dgm:adjLst/>
+          </dgm:shape>
+          <dgm:presOf/>
+          <dgm:ruleLst/>
+          <dgm:layoutNode name="rootComposite1">
+            <dgm:alg type="composite"/>
+            <dgm:shape xmlns:r="http://schemas.openxmlformats.org/officeDocument/2006/relationships" r:blip="">
+              <dgm:adjLst/>
+            </dgm:shape>
+            <dgm:presOf axis="self" ptType="node" cnt="1"/>
+            <dgm:choose name="Name16">
+              <dgm:if name="Name17" func="var" arg="hierBranch" op="equ" val="init">
+                <dgm:constrLst>
+                  <dgm:constr type="l" for="ch" forName="rootText1"/>
+                  <dgm:constr type="t" for="ch" forName="rootText1"/>
+                  <dgm:constr type="w" for="ch" forName="rootText1" refType="w"/>
+                  <dgm:constr type="h" for="ch" forName="rootText1" refType="h"/>
+                  <dgm:constr type="l" for="ch" forName="rootConnector1"/>
+                  <dgm:constr type="t" for="ch" forName="rootConnector1"/>
+                  <dgm:constr type="w" for="ch" forName="rootConnector1" refType="w" refFor="ch" refForName="rootText1" fact="0.2"/>
+                  <dgm:constr type="h" for="ch" forName="rootConnector1" refType="h" refFor="ch" refForName="rootText1"/>
+                </dgm:constrLst>
+              </dgm:if>
+              <dgm:if name="Name18" func="var" arg="hierBranch" op="equ" val="l">
+                <dgm:constrLst>
+                  <dgm:constr type="l" for="ch" forName="rootText1"/>
+                  <dgm:constr type="t" for="ch" forName="rootText1"/>
+                  <dgm:constr type="w" for="ch" forName="rootText1" refType="w"/>
+                  <dgm:constr type="h" for="ch" forName="rootText1" refType="h"/>
+                  <dgm:constr type="r" for="ch" forName="rootConnector1" refType="w"/>
+                  <dgm:constr type="t" for="ch" forName="rootConnector1"/>
+                  <dgm:constr type="w" for="ch" forName="rootConnector1" refType="w" refFor="ch" refForName="rootText1" fact="0.2"/>
+                  <dgm:constr type="h" for="ch" forName="rootConnector1" refType="h" refFor="ch" refForName="rootText1"/>
+                </dgm:constrLst>
+              </dgm:if>
+              <dgm:if name="Name19" func="var" arg="hierBranch" op="equ" val="r">
+                <dgm:constrLst>
+                  <dgm:constr type="l" for="ch" forName="rootText1"/>
+                  <dgm:constr type="t" for="ch" forName="rootText1"/>
+                  <dgm:constr type="w" for="ch" forName="rootText1" refType="w"/>
+                  <dgm:constr type="h" for="ch" forName="rootText1" refType="h"/>
+                  <dgm:constr type="l" for="ch" forName="rootConnector1"/>
+                  <dgm:constr type="t" for="ch" forName="rootConnector1"/>
+                  <dgm:constr type="w" for="ch" forName="rootConnector1" refType="w" refFor="ch" refForName="rootText1" fact="0.2"/>
+                  <dgm:constr type="h" for="ch" forName="rootConnector1" refType="h" refFor="ch" refForName="rootText1"/>
+                </dgm:constrLst>
+              </dgm:if>
+              <dgm:else name="Name20">
+                <dgm:constrLst>
+                  <dgm:constr type="l" for="ch" forName="rootText1"/>
+                  <dgm:constr type="t" for="ch" forName="rootText1"/>
+                  <dgm:constr type="w" for="ch" forName="rootText1" refType="w"/>
+                  <dgm:constr type="h" for="ch" forName="rootText1" refType="h"/>
+                  <dgm:constr type="r" for="ch" forName="rootConnector1" refType="w"/>
+                  <dgm:constr type="t" for="ch" forName="rootConnector1"/>
+                  <dgm:constr type="w" for="ch" forName="rootConnector1" refType="w" refFor="ch" refForName="rootText1" fact="0.2"/>
+                  <dgm:constr type="h" for="ch" forName="rootConnector1" refType="h" refFor="ch" refForName="rootText1"/>
+                </dgm:constrLst>
+              </dgm:else>
+            </dgm:choose>
+            <dgm:ruleLst/>
+            <dgm:layoutNode name="rootText1" styleLbl="node0">
+              <dgm:varLst>
+                <dgm:chPref val="3"/>
+              </dgm:varLst>
+              <dgm:alg type="tx"/>
+              <dgm:shape xmlns:r="http://schemas.openxmlformats.org/officeDocument/2006/relationships" type="rect" r:blip="">
+                <dgm:adjLst/>
+              </dgm:shape>
+              <dgm:presOf axis="self" ptType="node" cnt="1"/>
+              <dgm:constrLst>
+                <dgm:constr type="primFontSz" val="65"/>
+                <dgm:constr type="lMarg" refType="primFontSz" fact="0.05"/>
+                <dgm:constr type="rMarg" refType="primFontSz" fact="0.05"/>
+                <dgm:constr type="tMarg" refType="primFontSz" fact="0.05"/>
+                <dgm:constr type="bMarg" refType="primFontSz" fact="0.05"/>
+              </dgm:constrLst>
+              <dgm:ruleLst>
+                <dgm:rule type="primFontSz" val="5" fact="NaN" max="NaN"/>
+              </dgm:ruleLst>
+            </dgm:layoutNode>
+            <dgm:layoutNode name="rootConnector1" moveWith="rootText1">
+              <dgm:alg type="sp"/>
+              <dgm:shape xmlns:r="http://schemas.openxmlformats.org/officeDocument/2006/relationships" type="rect" r:blip="" hideGeom="1">
+                <dgm:adjLst/>
+              </dgm:shape>
+              <dgm:presOf axis="self" ptType="node" cnt="1"/>
+              <dgm:constrLst/>
+              <dgm:ruleLst/>
+            </dgm:layoutNode>
+          </dgm:layoutNode>
+          <dgm:layoutNode name="hierChild2">
+            <dgm:choose name="Name21">
+              <dgm:if name="Name22" func="var" arg="hierBranch" op="equ" val="l">
+                <dgm:alg type="hierChild">
+                  <dgm:param type="chAlign" val="r"/>
+                  <dgm:param type="linDir" val="fromT"/>
+                </dgm:alg>
+              </dgm:if>
+              <dgm:if name="Name23" func="var" arg="hierBranch" op="equ" val="r">
+                <dgm:alg type="hierChild">
+                  <dgm:param type="chAlign" val="l"/>
+                  <dgm:param type="linDir" val="fromT"/>
+                </dgm:alg>
+              </dgm:if>
+              <dgm:if name="Name24" func="var" arg="hierBranch" op="equ" val="hang">
+                <dgm:choose name="Name25">
+                  <dgm:if name="Name26" func="var" arg="dir" op="equ" val="norm">
+                    <dgm:alg type="hierChild">
+                      <dgm:param type="chAlign" val="l"/>
+                      <dgm:param type="linDir" val="fromL"/>
+                      <dgm:param type="secChAlign" val="t"/>
+                      <dgm:param type="secLinDir" val="fromT"/>
+                    </dgm:alg>
+                  </dgm:if>
+                  <dgm:else name="Name27">
+                    <dgm:alg type="hierChild">
+                      <dgm:param type="chAlign" val="l"/>
+                      <dgm:param type="linDir" val="fromR"/>
+                      <dgm:param type="secChAlign" val="t"/>
+                      <dgm:param type="secLinDir" val="fromT"/>
+                    </dgm:alg>
+                  </dgm:else>
+                </dgm:choose>
+              </dgm:if>
+              <dgm:else name="Name28">
+                <dgm:choose name="Name29">
+                  <dgm:if name="Name30" func="var" arg="dir" op="equ" val="norm">
+                    <dgm:alg type="hierChild"/>
+                  </dgm:if>
+                  <dgm:else name="Name31">
+                    <dgm:alg type="hierChild">
+                      <dgm:param type="linDir" val="fromR"/>
+                    </dgm:alg>
+                  </dgm:else>
+                </dgm:choose>
+              </dgm:else>
+            </dgm:choose>
+            <dgm:shape xmlns:r="http://schemas.openxmlformats.org/officeDocument/2006/relationships" r:blip="">
+              <dgm:adjLst/>
+            </dgm:shape>
+            <dgm:presOf/>
+            <dgm:constrLst/>
+            <dgm:ruleLst/>
+            <dgm:forEach name="rep2a" axis="ch" ptType="nonAsst">
+              <dgm:forEach name="Name32" axis="precedSib" ptType="parTrans" st="-1" cnt="1">
+                <dgm:choose name="Name33">
+                  <dgm:if name="Name34" func="var" arg="hierBranch" op="equ" val="std">
+                    <dgm:layoutNode name="Name35">
+                      <dgm:alg type="conn">
+                        <dgm:param type="connRout" val="bend"/>
+                        <dgm:param type="dim" val="1D"/>
+                        <dgm:param type="endSty" val="noArr"/>
+                        <dgm:param type="begPts" val="bCtr"/>
+                        <dgm:param type="endPts" val="tCtr"/>
+                        <dgm:param type="bendPt" val="end"/>
+                      </dgm:alg>
+                      <dgm:shape xmlns:r="http://schemas.openxmlformats.org/officeDocument/2006/relationships" type="conn" r:blip="" zOrderOff="-99999">
+                        <dgm:adjLst/>
+                      </dgm:shape>
+                      <dgm:presOf axis="self"/>
+                      <dgm:constrLst>
+                        <dgm:constr type="begPad"/>
+                        <dgm:constr type="endPad"/>
+                      </dgm:constrLst>
+                      <dgm:ruleLst/>
+                    </dgm:layoutNode>
+                  </dgm:if>
+                  <dgm:if name="Name36" func="var" arg="hierBranch" op="equ" val="init">
+                    <dgm:layoutNode name="Name37">
+                      <dgm:choose name="Name38">
+                        <dgm:if name="Name39" axis="self" func="depth" op="lte" val="2">
+                          <dgm:alg type="conn">
+                            <dgm:param type="connRout" val="bend"/>
+                            <dgm:param type="dim" val="1D"/>
+                            <dgm:param type="endSty" val="noArr"/>
+                            <dgm:param type="begPts" val="bCtr"/>
+                            <dgm:param type="endPts" val="tCtr"/>
+                            <dgm:param type="bendPt" val="end"/>
+                          </dgm:alg>
+                        </dgm:if>
+                        <dgm:else name="Name40">
+                          <dgm:choose name="Name41">
+                            <dgm:if name="Name42" axis="par des" func="maxDepth" op="lte" val="1">
+                              <dgm:choose name="Name43">
+                                <dgm:if name="Name44" axis="par ch" ptType="node asst" func="cnt" op="gte" val="1">
+                                  <dgm:alg type="conn">
+                                    <dgm:param type="connRout" val="bend"/>
+                                    <dgm:param type="dim" val="1D"/>
+                                    <dgm:param type="endSty" val="noArr"/>
+                                    <dgm:param type="begPts" val="bCtr"/>
+                                    <dgm:param type="endPts" val="midL midR"/>
+                                  </dgm:alg>
+                                </dgm:if>
+                                <dgm:else name="Name45">
+                                  <dgm:alg type="conn">
+                                    <dgm:param type="connRout" val="bend"/>
+                                    <dgm:param type="dim" val="1D"/>
+                                    <dgm:param type="endSty" val="noArr"/>
+                                    <dgm:param type="begPts" val="bCtr"/>
+                                    <dgm:param type="endPts" val="midL midR"/>
+                                    <dgm:param type="srcNode" val="rootConnector"/>
+                                  </dgm:alg>
+                                </dgm:else>
+                              </dgm:choose>
+                            </dgm:if>
+                            <dgm:else name="Name46">
+                              <dgm:alg type="conn">
+                                <dgm:param type="connRout" val="bend"/>
+                                <dgm:param type="dim" val="1D"/>
+                                <dgm:param type="endSty" val="noArr"/>
+                                <dgm:param type="begPts" val="bCtr"/>
+                                <dgm:param type="endPts" val="tCtr"/>
+                                <dgm:param type="bendPt" val="end"/>
+                              </dgm:alg>
+                            </dgm:else>
+                          </dgm:choose>
+                        </dgm:else>
+                      </dgm:choose>
+                      <dgm:shape xmlns:r="http://schemas.openxmlformats.org/officeDocument/2006/relationships" type="conn" r:blip="" zOrderOff="-99999">
+                        <dgm:adjLst/>
+                      </dgm:shape>
+                      <dgm:presOf axis="self"/>
+                      <dgm:constrLst>
+                        <dgm:constr type="begPad"/>
+                        <dgm:constr type="endPad"/>
+                      </dgm:constrLst>
+                      <dgm:ruleLst/>
+                    </dgm:layoutNode>
+                  </dgm:if>
+                  <dgm:if name="Name47" func="var" arg="hierBranch" op="equ" val="hang">
+                    <dgm:layoutNode name="Name48">
+                      <dgm:alg type="conn">
+                        <dgm:param type="connRout" val="bend"/>
+                        <dgm:param type="dim" val="1D"/>
+                        <dgm:param type="endSty" val="noArr"/>
+                        <dgm:param type="begPts" val="bCtr"/>
+                        <dgm:param type="endPts" val="midL midR"/>
+                      </dgm:alg>
+                      <dgm:shape xmlns:r="http://schemas.openxmlformats.org/officeDocument/2006/relationships" type="conn" r:blip="" zOrderOff="-99999">
+                        <dgm:adjLst/>
+                      </dgm:shape>
+                      <dgm:presOf axis="self"/>
+                      <dgm:constrLst>
+                        <dgm:constr type="begPad"/>
+                        <dgm:constr type="endPad"/>
+                      </dgm:constrLst>
+                      <dgm:ruleLst/>
+                    </dgm:layoutNode>
+                  </dgm:if>
+                  <dgm:else name="Name49">
+                    <dgm:layoutNode name="Name50">
+                      <dgm:choose name="Name51">
+                        <dgm:if name="Name52" axis="self" func="depth" op="lte" val="2">
+                          <dgm:choose name="Name53">
+                            <dgm:if name="Name54" axis="par ch" ptType="node asst" func="cnt" op="gte" val="1">
+                              <dgm:alg type="conn">
+                                <dgm:param type="connRout" val="bend"/>
+                                <dgm:param type="dim" val="1D"/>
+                                <dgm:param type="endSty" val="noArr"/>
+                                <dgm:param type="begPts" val="bCtr"/>
+                                <dgm:param type="endPts" val="midL midR"/>
+                              </dgm:alg>
+                            </dgm:if>
+                            <dgm:else name="Name55">
+                              <dgm:alg type="conn">
+                                <dgm:param type="connRout" val="bend"/>
+                                <dgm:param type="dim" val="1D"/>
+                                <dgm:param type="endSty" val="noArr"/>
+                                <dgm:param type="begPts" val="bCtr"/>
+                                <dgm:param type="endPts" val="midL midR"/>
+                                <dgm:param type="srcNode" val="rootConnector1"/>
+                              </dgm:alg>
+                            </dgm:else>
+                          </dgm:choose>
+                        </dgm:if>
+                        <dgm:else name="Name56">
+                          <dgm:choose name="Name57">
+                            <dgm:if name="Name58" axis="par ch" ptType="node asst" func="cnt" op="gte" val="1">
+                              <dgm:alg type="conn">
+                                <dgm:param type="connRout" val="bend"/>
+                                <dgm:param type="dim" val="1D"/>
+                                <dgm:param type="endSty" val="noArr"/>
+                                <dgm:param type="begPts" val="bCtr"/>
+                                <dgm:param type="endPts" val="midL midR"/>
+                              </dgm:alg>
+                            </dgm:if>
+                            <dgm:else name="Name59">
+                              <dgm:alg type="conn">
+                                <dgm:param type="connRout" val="bend"/>
+                                <dgm:param type="dim" val="1D"/>
+                                <dgm:param type="endSty" val="noArr"/>
+                                <dgm:param type="begPts" val="bCtr"/>
+                                <dgm:param type="endPts" val="midL midR"/>
+                                <dgm:param type="srcNode" val="rootConnector"/>
+                              </dgm:alg>
+                            </dgm:else>
+                          </dgm:choose>
+                        </dgm:else>
+                      </dgm:choose>
+                      <dgm:shape xmlns:r="http://schemas.openxmlformats.org/officeDocument/2006/relationships" type="conn" r:blip="" zOrderOff="-99999">
+                        <dgm:adjLst/>
+                      </dgm:shape>
+                      <dgm:presOf axis="self"/>
+                      <dgm:constrLst>
+                        <dgm:constr type="begPad"/>
+                        <dgm:constr type="endPad"/>
+                      </dgm:constrLst>
+                      <dgm:ruleLst/>
+                    </dgm:layoutNode>
+                  </dgm:else>
+                </dgm:choose>
+              </dgm:forEach>
+              <dgm:layoutNode name="hierRoot2">
+                <dgm:varLst>
+                  <dgm:hierBranch val="init"/>
+                </dgm:varLst>
+                <dgm:choose name="Name60">
+                  <dgm:if name="Name61" func="var" arg="hierBranch" op="equ" val="l">
+                    <dgm:choose name="Name62">
+                      <dgm:if name="Name63" axis="ch" ptType="asst" func="cnt" op="gte" val="1">
+                        <dgm:alg type="hierRoot">
+                          <dgm:param type="hierAlign" val="tR"/>
+                        </dgm:alg>
+                        <dgm:shape xmlns:r="http://schemas.openxmlformats.org/officeDocument/2006/relationships" r:blip="">
+                          <dgm:adjLst/>
+                        </dgm:shape>
+                        <dgm:presOf/>
+                        <dgm:constrLst>
+                          <dgm:constr type="alignOff" val="0.65"/>
+                        </dgm:constrLst>
+                      </dgm:if>
+                      <dgm:else name="Name64">
+                        <dgm:alg type="hierRoot">
+                          <dgm:param type="hierAlign" val="tR"/>
+                        </dgm:alg>
+                        <dgm:shape xmlns:r="http://schemas.openxmlformats.org/officeDocument/2006/relationships" r:blip="">
+                          <dgm:adjLst/>
+                        </dgm:shape>
+                        <dgm:presOf/>
+                        <dgm:constrLst>
+                          <dgm:constr type="alignOff" val="0.25"/>
+                        </dgm:constrLst>
+                      </dgm:else>
+                    </dgm:choose>
+                  </dgm:if>
+                  <dgm:if name="Name65" func="var" arg="hierBranch" op="equ" val="r">
+                    <dgm:choose name="Name66">
+                      <dgm:if name="Name67" axis="ch" ptType="asst" func="cnt" op="gte" val="1">
+                        <dgm:alg type="hierRoot">
+                          <dgm:param type="hierAlign" val="tL"/>
+                        </dgm:alg>
+                        <dgm:shape xmlns:r="http://schemas.openxmlformats.org/officeDocument/2006/relationships" r:blip="">
+                          <dgm:adjLst/>
+                        </dgm:shape>
+                        <dgm:presOf/>
+                        <dgm:constrLst>
+                          <dgm:constr type="alignOff" val="0.65"/>
+                        </dgm:constrLst>
+                      </dgm:if>
+                      <dgm:else name="Name68">
+                        <dgm:alg type="hierRoot">
+                          <dgm:param type="hierAlign" val="tL"/>
+                        </dgm:alg>
+                        <dgm:shape xmlns:r="http://schemas.openxmlformats.org/officeDocument/2006/relationships" r:blip="">
+                          <dgm:adjLst/>
+                        </dgm:shape>
+                        <dgm:presOf/>
+                        <dgm:constrLst>
+                          <dgm:constr type="alignOff" val="0.25"/>
+                        </dgm:constrLst>
+                      </dgm:else>
+                    </dgm:choose>
+                  </dgm:if>
+                  <dgm:if name="Name69" func="var" arg="hierBranch" op="equ" val="std">
+                    <dgm:alg type="hierRoot"/>
+                    <dgm:shape xmlns:r="http://schemas.openxmlformats.org/officeDocument/2006/relationships" r:blip="">
+                      <dgm:adjLst/>
+                    </dgm:shape>
+                    <dgm:presOf/>
+                    <dgm:constrLst>
+                      <dgm:constr type="alignOff"/>
+                      <dgm:constr type="bendDist" for="des" ptType="parTrans" refType="sp" fact="0.5"/>
+                    </dgm:constrLst>
+                  </dgm:if>
+                  <dgm:if name="Name70" func="var" arg="hierBranch" op="equ" val="init">
+                    <dgm:choose name="Name71">
+                      <dgm:if name="Name72" axis="des" func="maxDepth" op="lte" val="1">
+                        <dgm:choose name="Name73">
+                          <dgm:if name="Name74" axis="ch" ptType="asst" func="cnt" op="gte" val="1">
+                            <dgm:alg type="hierRoot">
+                              <dgm:param type="hierAlign" val="tL"/>
+                            </dgm:alg>
+                            <dgm:shape xmlns:r="http://schemas.openxmlformats.org/officeDocument/2006/relationships" r:blip="">
+                              <dgm:adjLst/>
+                            </dgm:shape>
+                            <dgm:presOf/>
+                            <dgm:constrLst>
+                              <dgm:constr type="alignOff" val="0.65"/>
+                            </dgm:constrLst>
+                          </dgm:if>
+                          <dgm:else name="Name75">
+                            <dgm:alg type="hierRoot">
+                              <dgm:param type="hierAlign" val="tL"/>
+                            </dgm:alg>
+                            <dgm:shape xmlns:r="http://schemas.openxmlformats.org/officeDocument/2006/relationships" r:blip="">
+                              <dgm:adjLst/>
+                            </dgm:shape>
+                            <dgm:presOf/>
+                            <dgm:constrLst>
+                              <dgm:constr type="alignOff" val="0.25"/>
+                            </dgm:constrLst>
+                          </dgm:else>
+                        </dgm:choose>
+                      </dgm:if>
+                      <dgm:else name="Name76">
+                        <dgm:alg type="hierRoot"/>
+                        <dgm:shape xmlns:r="http://schemas.openxmlformats.org/officeDocument/2006/relationships" r:blip="">
+                          <dgm:adjLst/>
+                        </dgm:shape>
+                        <dgm:presOf/>
+                        <dgm:constrLst>
+                          <dgm:constr type="alignOff"/>
+                          <dgm:constr type="bendDist" for="des" ptType="parTrans" refType="sp" fact="0.5"/>
+                        </dgm:constrLst>
+                      </dgm:else>
+                    </dgm:choose>
+                  </dgm:if>
+                  <dgm:else name="Name77">
+                    <dgm:alg type="hierRoot"/>
+                    <dgm:shape xmlns:r="http://schemas.openxmlformats.org/officeDocument/2006/relationships" r:blip="">
+                      <dgm:adjLst/>
+                    </dgm:shape>
+                    <dgm:presOf/>
+                    <dgm:constrLst>
+                      <dgm:constr type="alignOff" val="0.65"/>
+                    </dgm:constrLst>
+                  </dgm:else>
+                </dgm:choose>
+                <dgm:ruleLst/>
+                <dgm:layoutNode name="rootComposite">
+                  <dgm:alg type="composite"/>
+                  <dgm:shape xmlns:r="http://schemas.openxmlformats.org/officeDocument/2006/relationships" r:blip="">
+                    <dgm:adjLst/>
+                  </dgm:shape>
+                  <dgm:presOf axis="self" ptType="node" cnt="1"/>
+                  <dgm:choose name="Name78">
+                    <dgm:if name="Name79" func="var" arg="hierBranch" op="equ" val="init">
+                      <dgm:constrLst>
+                        <dgm:constr type="l" for="ch" forName="rootText"/>
+                        <dgm:constr type="t" for="ch" forName="rootText"/>
+                        <dgm:constr type="w" for="ch" forName="rootText" refType="w"/>
+                        <dgm:constr type="h" for="ch" forName="rootText" refType="h"/>
+                        <dgm:constr type="l" for="ch" forName="rootConnector"/>
+                        <dgm:constr type="t" for="ch" forName="rootConnector"/>
+                        <dgm:constr type="w" for="ch" forName="rootConnector" refType="w" refFor="ch" refForName="rootText" fact="0.2"/>
+                        <dgm:constr type="h" for="ch" forName="rootConnector" refType="h" refFor="ch" refForName="rootText"/>
+                      </dgm:constrLst>
+                    </dgm:if>
+                    <dgm:if name="Name80" func="var" arg="hierBranch" op="equ" val="l">
+                      <dgm:constrLst>
+                        <dgm:constr type="l" for="ch" forName="rootText"/>
+                        <dgm:constr type="t" for="ch" forName="rootText"/>
+                        <dgm:constr type="w" for="ch" forName="rootText" refType="w"/>
+                        <dgm:constr type="h" for="ch" forName="rootText" refType="h"/>
+                        <dgm:constr type="r" for="ch" forName="rootConnector" refType="w"/>
+                        <dgm:constr type="t" for="ch" forName="rootConnector"/>
+                        <dgm:constr type="w" for="ch" forName="rootConnector" refType="w" refFor="ch" refForName="rootText" fact="0.2"/>
+                        <dgm:constr type="h" for="ch" forName="rootConnector" refType="h" refFor="ch" refForName="rootText"/>
+                      </dgm:constrLst>
+                    </dgm:if>
+                    <dgm:if name="Name81" func="var" arg="hierBranch" op="equ" val="r">
+                      <dgm:constrLst>
+                        <dgm:constr type="l" for="ch" forName="rootText"/>
+                        <dgm:constr type="t" for="ch" forName="rootText"/>
+                        <dgm:constr type="w" for="ch" forName="rootText" refType="w"/>
+                        <dgm:constr type="h" for="ch" forName="rootText" refType="h"/>
+                        <dgm:constr type="l" for="ch" forName="rootConnector"/>
+                        <dgm:constr type="t" for="ch" forName="rootConnector"/>
+                        <dgm:constr type="w" for="ch" forName="rootConnector" refType="w" refFor="ch" refForName="rootText" fact="0.2"/>
+                        <dgm:constr type="h" for="ch" forName="rootConnector" refType="h" refFor="ch" refForName="rootText"/>
+                      </dgm:constrLst>
+                    </dgm:if>
+                    <dgm:else name="Name82">
+                      <dgm:constrLst>
+                        <dgm:constr type="l" for="ch" forName="rootText"/>
+                        <dgm:constr type="t" for="ch" forName="rootText"/>
+                        <dgm:constr type="w" for="ch" forName="rootText" refType="w"/>
+                        <dgm:constr type="h" for="ch" forName="rootText" refType="h"/>
+                        <dgm:constr type="r" for="ch" forName="rootConnector" refType="w"/>
+                        <dgm:constr type="t" for="ch" forName="rootConnector"/>
+                        <dgm:constr type="w" for="ch" forName="rootConnector" refType="w" refFor="ch" refForName="rootText" fact="0.2"/>
+                        <dgm:constr type="h" for="ch" forName="rootConnector" refType="h" refFor="ch" refForName="rootText"/>
+                      </dgm:constrLst>
+                    </dgm:else>
+                  </dgm:choose>
+                  <dgm:ruleLst/>
+                  <dgm:layoutNode name="rootText">
+                    <dgm:varLst>
+                      <dgm:chPref val="3"/>
+                    </dgm:varLst>
+                    <dgm:alg type="tx"/>
+                    <dgm:shape xmlns:r="http://schemas.openxmlformats.org/officeDocument/2006/relationships" type="rect" r:blip="">
+                      <dgm:adjLst/>
+                    </dgm:shape>
+                    <dgm:presOf axis="self" ptType="node" cnt="1"/>
+                    <dgm:constrLst>
+                      <dgm:constr type="primFontSz" val="65"/>
+                      <dgm:constr type="lMarg" refType="primFontSz" fact="0.05"/>
+                      <dgm:constr type="rMarg" refType="primFontSz" fact="0.05"/>
+                      <dgm:constr type="tMarg" refType="primFontSz" fact="0.05"/>
+                      <dgm:constr type="bMarg" refType="primFontSz" fact="0.05"/>
+                    </dgm:constrLst>
+                    <dgm:ruleLst>
+                      <dgm:rule type="primFontSz" val="5" fact="NaN" max="NaN"/>
+                    </dgm:ruleLst>
+                  </dgm:layoutNode>
+                  <dgm:layoutNode name="rootConnector" moveWith="rootText">
+                    <dgm:alg type="sp"/>
+                    <dgm:shape xmlns:r="http://schemas.openxmlformats.org/officeDocument/2006/relationships" type="rect" r:blip="" hideGeom="1">
+                      <dgm:adjLst/>
+                    </dgm:shape>
+                    <dgm:presOf axis="self" ptType="node" cnt="1"/>
+                    <dgm:constrLst/>
+                    <dgm:ruleLst/>
+                  </dgm:layoutNode>
+                </dgm:layoutNode>
+                <dgm:layoutNode name="hierChild4">
+                  <dgm:choose name="Name83">
+                    <dgm:if name="Name84" func="var" arg="hierBranch" op="equ" val="l">
+                      <dgm:alg type="hierChild">
+                        <dgm:param type="chAlign" val="r"/>
+                        <dgm:param type="linDir" val="fromT"/>
+                      </dgm:alg>
+                    </dgm:if>
+                    <dgm:if name="Name85" func="var" arg="hierBranch" op="equ" val="r">
+                      <dgm:alg type="hierChild">
+                        <dgm:param type="chAlign" val="l"/>
+                        <dgm:param type="linDir" val="fromT"/>
+                      </dgm:alg>
+                    </dgm:if>
+                    <dgm:if name="Name86" func="var" arg="hierBranch" op="equ" val="hang">
+                      <dgm:choose name="Name87">
+                        <dgm:if name="Name88" func="var" arg="dir" op="equ" val="norm">
+                          <dgm:alg type="hierChild">
+                            <dgm:param type="chAlign" val="l"/>
+                            <dgm:param type="linDir" val="fromL"/>
+                            <dgm:param type="secChAlign" val="t"/>
+                            <dgm:param type="secLinDir" val="fromT"/>
+                          </dgm:alg>
+                        </dgm:if>
+                        <dgm:else name="Name89">
+                          <dgm:alg type="hierChild">
+                            <dgm:param type="chAlign" val="l"/>
+                            <dgm:param type="linDir" val="fromR"/>
+                            <dgm:param type="secChAlign" val="t"/>
+                            <dgm:param type="secLinDir" val="fromT"/>
+                          </dgm:alg>
+                        </dgm:else>
+                      </dgm:choose>
+                    </dgm:if>
+                    <dgm:if name="Name90" func="var" arg="hierBranch" op="equ" val="std">
+                      <dgm:choose name="Name91">
+                        <dgm:if name="Name92" func="var" arg="dir" op="equ" val="norm">
+                          <dgm:alg type="hierChild"/>
+                        </dgm:if>
+                        <dgm:else name="Name93">
+                          <dgm:alg type="hierChild">
+                            <dgm:param type="linDir" val="fromR"/>
+                          </dgm:alg>
+                        </dgm:else>
+                      </dgm:choose>
+                    </dgm:if>
+                    <dgm:if name="Name94" func="var" arg="hierBranch" op="equ" val="init">
+                      <dgm:choose name="Name95">
+                        <dgm:if name="Name96" axis="des" func="maxDepth" op="lte" val="1">
+                          <dgm:alg type="hierChild">
+                            <dgm:param type="chAlign" val="l"/>
+                            <dgm:param type="linDir" val="fromT"/>
+                          </dgm:alg>
+                        </dgm:if>
+                        <dgm:else name="Name97">
+                          <dgm:choose name="Name98">
+                            <dgm:if name="Name99" func="var" arg="dir" op="equ" val="norm">
+                              <dgm:alg type="hierChild"/>
+                            </dgm:if>
+                            <dgm:else name="Name100">
+                              <dgm:alg type="hierChild">
+                                <dgm:param type="linDir" val="fromR"/>
+                              </dgm:alg>
+                            </dgm:else>
+                          </dgm:choose>
+                        </dgm:else>
+                      </dgm:choose>
+                    </dgm:if>
+                    <dgm:else name="Name101"/>
+                  </dgm:choose>
+                  <dgm:shape xmlns:r="http://schemas.openxmlformats.org/officeDocument/2006/relationships" r:blip="">
+                    <dgm:adjLst/>
+                  </dgm:shape>
+                  <dgm:presOf/>
+                  <dgm:constrLst/>
+                  <dgm:ruleLst/>
+                  <dgm:forEach name="Name102" ref="rep2a"/>
+                </dgm:layoutNode>
+                <dgm:layoutNode name="hierChild5">
+                  <dgm:choose name="Name103">
+                    <dgm:if name="Name104" func="var" arg="dir" op="equ" val="norm">
+                      <dgm:alg type="hierChild">
+                        <dgm:param type="chAlign" val="l"/>
+                        <dgm:param type="linDir" val="fromL"/>
+                        <dgm:param type="secChAlign" val="t"/>
+                        <dgm:param type="secLinDir" val="fromT"/>
+                      </dgm:alg>
+                    </dgm:if>
+                    <dgm:else name="Name105">
+                      <dgm:alg type="hierChild">
+                        <dgm:param type="chAlign" val="l"/>
+                        <dgm:param type="linDir" val="fromR"/>
+                        <dgm:param type="secChAlign" val="t"/>
+                        <dgm:param type="secLinDir" val="fromT"/>
+                      </dgm:alg>
+                    </dgm:else>
+                  </dgm:choose>
+                  <dgm:shape xmlns:r="http://schemas.openxmlformats.org/officeDocument/2006/relationships" r:blip="">
+                    <dgm:adjLst/>
+                  </dgm:shape>
+                  <dgm:presOf/>
+                  <dgm:constrLst/>
+                  <dgm:ruleLst/>
+                  <dgm:forEach name="Name106" ref="rep2b"/>
+                </dgm:layoutNode>
+              </dgm:layoutNode>
+            </dgm:forEach>
+          </dgm:layoutNode>
+          <dgm:layoutNode name="hierChild3">
+            <dgm:choose name="Name107">
+              <dgm:if name="Name108" func="var" arg="dir" op="equ" val="norm">
+                <dgm:alg type="hierChild">
+                  <dgm:param type="chAlign" val="l"/>
+                  <dgm:param type="linDir" val="fromL"/>
+                  <dgm:param type="secChAlign" val="t"/>
+                  <dgm:param type="secLinDir" val="fromT"/>
+                </dgm:alg>
+              </dgm:if>
+              <dgm:else name="Name109">
+                <dgm:alg type="hierChild">
+                  <dgm:param type="chAlign" val="l"/>
+                  <dgm:param type="linDir" val="fromR"/>
+                  <dgm:param type="secChAlign" val="t"/>
+                  <dgm:param type="secLinDir" val="fromT"/>
+                </dgm:alg>
+              </dgm:else>
+            </dgm:choose>
+            <dgm:shape xmlns:r="http://schemas.openxmlformats.org/officeDocument/2006/relationships" r:blip="">
+              <dgm:adjLst/>
+            </dgm:shape>
+            <dgm:presOf/>
+            <dgm:constrLst/>
+            <dgm:ruleLst/>
+            <dgm:forEach name="rep2b" axis="ch" ptType="asst">
+              <dgm:forEach name="Name110" axis="precedSib" ptType="parTrans" st="-1" cnt="1">
+                <dgm:layoutNode name="Name111">
+                  <dgm:alg type="conn">
+                    <dgm:param type="connRout" val="bend"/>
+                    <dgm:param type="dim" val="1D"/>
+                    <dgm:param type="endSty" val="noArr"/>
+                    <dgm:param type="begPts" val="bCtr"/>
+                    <dgm:param type="endPts" val="midL midR"/>
+                  </dgm:alg>
+                  <dgm:shape xmlns:r="http://schemas.openxmlformats.org/officeDocument/2006/relationships" type="conn" r:blip="" zOrderOff="-99999">
+                    <dgm:adjLst/>
+                  </dgm:shape>
+                  <dgm:presOf axis="self"/>
+                  <dgm:constrLst>
+                    <dgm:constr type="begPad"/>
+                    <dgm:constr type="endPad"/>
+                  </dgm:constrLst>
+                  <dgm:ruleLst/>
+                </dgm:layoutNode>
+              </dgm:forEach>
+              <dgm:layoutNode name="hierRoot3">
+                <dgm:varLst>
+                  <dgm:hierBranch val="init"/>
+                </dgm:varLst>
+                <dgm:choose name="Name112">
+                  <dgm:if name="Name113" func="var" arg="hierBranch" op="equ" val="l">
+                    <dgm:alg type="hierRoot">
+                      <dgm:param type="hierAlign" val="tR"/>
+                    </dgm:alg>
+                    <dgm:shape xmlns:r="http://schemas.openxmlformats.org/officeDocument/2006/relationships" r:blip="">
+                      <dgm:adjLst/>
+                    </dgm:shape>
+                    <dgm:presOf/>
+                    <dgm:constrLst>
+                      <dgm:constr type="alignOff" val="0.65"/>
+                    </dgm:constrLst>
+                  </dgm:if>
+                  <dgm:if name="Name114" func="var" arg="hierBranch" op="equ" val="r">
+                    <dgm:alg type="hierRoot">
+                      <dgm:param type="hierAlign" val="tL"/>
+                    </dgm:alg>
+                    <dgm:shape xmlns:r="http://schemas.openxmlformats.org/officeDocument/2006/relationships" r:blip="">
+                      <dgm:adjLst/>
+                    </dgm:shape>
+                    <dgm:presOf/>
+                    <dgm:constrLst>
+                      <dgm:constr type="alignOff" val="0.65"/>
+                    </dgm:constrLst>
+                  </dgm:if>
+                  <dgm:if name="Name115" func="var" arg="hierBranch" op="equ" val="hang">
+                    <dgm:alg type="hierRoot"/>
+                    <dgm:shape xmlns:r="http://schemas.openxmlformats.org/officeDocument/2006/relationships" r:blip="">
+                      <dgm:adjLst/>
+                    </dgm:shape>
+                    <dgm:presOf/>
+                    <dgm:constrLst>
+                      <dgm:constr type="alignOff" val="0.65"/>
+                    </dgm:constrLst>
+                  </dgm:if>
+                  <dgm:if name="Name116" func="var" arg="hierBranch" op="equ" val="std">
+                    <dgm:alg type="hierRoot"/>
+                    <dgm:shape xmlns:r="http://schemas.openxmlformats.org/officeDocument/2006/relationships" r:blip="">
+                      <dgm:adjLst/>
+                    </dgm:shape>
+                    <dgm:presOf/>
+                    <dgm:constrLst>
+                      <dgm:constr type="alignOff"/>
+                      <dgm:constr type="bendDist" for="des" ptType="parTrans" refType="sp" fact="0.5"/>
+                    </dgm:constrLst>
+                  </dgm:if>
+                  <dgm:if name="Name117" func="var" arg="hierBranch" op="equ" val="init">
+                    <dgm:choose name="Name118">
+                      <dgm:if name="Name119" axis="des" func="maxDepth" op="lte" val="1">
+                        <dgm:alg type="hierRoot">
+                          <dgm:param type="hierAlign" val="tL"/>
+                        </dgm:alg>
+                        <dgm:shape xmlns:r="http://schemas.openxmlformats.org/officeDocument/2006/relationships" r:blip="">
+                          <dgm:adjLst/>
+                        </dgm:shape>
+                        <dgm:presOf/>
+                        <dgm:constrLst>
+                          <dgm:constr type="alignOff" val="0.65"/>
+                        </dgm:constrLst>
+                      </dgm:if>
+                      <dgm:else name="Name120">
+                        <dgm:alg type="hierRoot"/>
+                        <dgm:shape xmlns:r="http://schemas.openxmlformats.org/officeDocument/2006/relationships" r:blip="">
+                          <dgm:adjLst/>
+                        </dgm:shape>
+                        <dgm:presOf/>
+                        <dgm:constrLst>
+                          <dgm:constr type="alignOff"/>
+                          <dgm:constr type="bendDist" for="des" ptType="parTrans" refType="sp" fact="0.5"/>
+                        </dgm:constrLst>
+                      </dgm:else>
+                    </dgm:choose>
+                  </dgm:if>
+                  <dgm:else name="Name121"/>
+                </dgm:choose>
+                <dgm:ruleLst/>
+                <dgm:layoutNode name="rootComposite3">
+                  <dgm:alg type="composite"/>
+                  <dgm:shape xmlns:r="http://schemas.openxmlformats.org/officeDocument/2006/relationships" r:blip="">
+                    <dgm:adjLst/>
+                  </dgm:shape>
+                  <dgm:presOf axis="self" ptType="node" cnt="1"/>
+                  <dgm:choose name="Name122">
+                    <dgm:if name="Name123" func="var" arg="hierBranch" op="equ" val="init">
+                      <dgm:constrLst>
+                        <dgm:constr type="l" for="ch" forName="rootText3"/>
+                        <dgm:constr type="t" for="ch" forName="rootText3"/>
+                        <dgm:constr type="w" for="ch" forName="rootText3" refType="w"/>
+                        <dgm:constr type="h" for="ch" forName="rootText3" refType="h"/>
+                        <dgm:constr type="l" for="ch" forName="rootConnector3"/>
+                        <dgm:constr type="t" for="ch" forName="rootConnector3"/>
+                        <dgm:constr type="w" for="ch" forName="rootConnector3" refType="w" refFor="ch" refForName="rootText3" fact="0.2"/>
+                        <dgm:constr type="h" for="ch" forName="rootConnector3" refType="h" refFor="ch" refForName="rootText3"/>
+                      </dgm:constrLst>
+                    </dgm:if>
+                    <dgm:if name="Name124" func="var" arg="hierBranch" op="equ" val="l">
+                      <dgm:constrLst>
+                        <dgm:constr type="l" for="ch" forName="rootText3"/>
+                        <dgm:constr type="t" for="ch" forName="rootText3"/>
+                        <dgm:constr type="w" for="ch" forName="rootText3" refType="w"/>
+                        <dgm:constr type="h" for="ch" forName="rootText3" refType="h"/>
+                        <dgm:constr type="r" for="ch" forName="rootConnector3" refType="w"/>
+                        <dgm:constr type="t" for="ch" forName="rootConnector3"/>
+                        <dgm:constr type="w" for="ch" forName="rootConnector3" refType="w" refFor="ch" refForName="rootText3" fact="0.2"/>
+                        <dgm:constr type="h" for="ch" forName="rootConnector3" refType="h" refFor="ch" refForName="rootText3"/>
+                      </dgm:constrLst>
+                    </dgm:if>
+                    <dgm:if name="Name125" func="var" arg="hierBranch" op="equ" val="r">
+                      <dgm:constrLst>
+                        <dgm:constr type="l" for="ch" forName="rootText3"/>
+                        <dgm:constr type="t" for="ch" forName="rootText3"/>
+                        <dgm:constr type="w" for="ch" forName="rootText3" refType="w"/>
+                        <dgm:constr type="h" for="ch" forName="rootText3" refType="h"/>
+                        <dgm:constr type="l" for="ch" forName="rootConnector3"/>
+                        <dgm:constr type="t" for="ch" forName="rootConnector3"/>
+                        <dgm:constr type="w" for="ch" forName="rootConnector3" refType="w" refFor="ch" refForName="rootText3" fact="0.2"/>
+                        <dgm:constr type="h" for="ch" forName="rootConnector3" refType="h" refFor="ch" refForName="rootText3"/>
+                      </dgm:constrLst>
+                    </dgm:if>
+                    <dgm:else name="Name126">
+                      <dgm:constrLst>
+                        <dgm:constr type="l" for="ch" forName="rootText3"/>
+                        <dgm:constr type="t" for="ch" forName="rootText3"/>
+                        <dgm:constr type="w" for="ch" forName="rootText3" refType="w"/>
+                        <dgm:constr type="h" for="ch" forName="rootText3" refType="h"/>
+                        <dgm:constr type="r" for="ch" forName="rootConnector3" refType="w"/>
+                        <dgm:constr type="t" for="ch" forName="rootConnector3"/>
+                        <dgm:constr type="w" for="ch" forName="rootConnector3" refType="w" refFor="ch" refForName="rootText3" fact="0.2"/>
+                        <dgm:constr type="h" for="ch" forName="rootConnector3" refType="h" refFor="ch" refForName="rootText3"/>
+                      </dgm:constrLst>
+                    </dgm:else>
+                  </dgm:choose>
+                  <dgm:ruleLst/>
+                  <dgm:layoutNode name="rootText3">
+                    <dgm:varLst>
+                      <dgm:chPref val="3"/>
+                    </dgm:varLst>
+                    <dgm:alg type="tx"/>
+                    <dgm:shape xmlns:r="http://schemas.openxmlformats.org/officeDocument/2006/relationships" type="rect" r:blip="">
+                      <dgm:adjLst/>
+                    </dgm:shape>
+                    <dgm:presOf axis="self" ptType="node" cnt="1"/>
+                    <dgm:constrLst>
+                      <dgm:constr type="primFontSz" val="65"/>
+                      <dgm:constr type="lMarg" refType="primFontSz" fact="0.05"/>
+                      <dgm:constr type="rMarg" refType="primFontSz" fact="0.05"/>
+                      <dgm:constr type="tMarg" refType="primFontSz" fact="0.05"/>
+                      <dgm:constr type="bMarg" refType="primFontSz" fact="0.05"/>
+                    </dgm:constrLst>
+                    <dgm:ruleLst>
+                      <dgm:rule type="primFontSz" val="5" fact="NaN" max="NaN"/>
+                    </dgm:ruleLst>
+                  </dgm:layoutNode>
+                  <dgm:layoutNode name="rootConnector3" moveWith="rootText1">
+                    <dgm:alg type="sp"/>
+                    <dgm:shape xmlns:r="http://schemas.openxmlformats.org/officeDocument/2006/relationships" type="rect" r:blip="" hideGeom="1">
+                      <dgm:adjLst/>
+                    </dgm:shape>
+                    <dgm:presOf axis="self" ptType="node" cnt="1"/>
+                    <dgm:constrLst/>
+                    <dgm:ruleLst/>
+                  </dgm:layoutNode>
+                </dgm:layoutNode>
+                <dgm:layoutNode name="hierChild6">
+                  <dgm:choose name="Name127">
+                    <dgm:if name="Name128" func="var" arg="hierBranch" op="equ" val="l">
+                      <dgm:alg type="hierChild">
+                        <dgm:param type="chAlign" val="r"/>
+                        <dgm:param type="linDir" val="fromT"/>
+                      </dgm:alg>
+                    </dgm:if>
+                    <dgm:if name="Name129" func="var" arg="hierBranch" op="equ" val="r">
+                      <dgm:alg type="hierChild">
+                        <dgm:param type="chAlign" val="l"/>
+                        <dgm:param type="linDir" val="fromT"/>
+                      </dgm:alg>
+                    </dgm:if>
+                    <dgm:if name="Name130" func="var" arg="hierBranch" op="equ" val="hang">
+                      <dgm:choose name="Name131">
+                        <dgm:if name="Name132" func="var" arg="dir" op="equ" val="norm">
+                          <dgm:alg type="hierChild">
+                            <dgm:param type="chAlign" val="l"/>
+                            <dgm:param type="linDir" val="fromL"/>
+                            <dgm:param type="secChAlign" val="t"/>
+                            <dgm:param type="secLinDir" val="fromT"/>
+                          </dgm:alg>
+                        </dgm:if>
+                        <dgm:else name="Name133">
+                          <dgm:alg type="hierChild">
+                            <dgm:param type="chAlign" val="l"/>
+                            <dgm:param type="linDir" val="fromR"/>
+                            <dgm:param type="secChAlign" val="t"/>
+                            <dgm:param type="secLinDir" val="fromT"/>
+                          </dgm:alg>
+                        </dgm:else>
+                      </dgm:choose>
+                    </dgm:if>
+                    <dgm:if name="Name134" func="var" arg="hierBranch" op="equ" val="std">
+                      <dgm:choose name="Name135">
+                        <dgm:if name="Name136" func="var" arg="dir" op="equ" val="norm">
+                          <dgm:alg type="hierChild"/>
+                        </dgm:if>
+                        <dgm:else name="Name137">
+                          <dgm:alg type="hierChild">
+                            <dgm:param type="linDir" val="fromR"/>
+                          </dgm:alg>
+                        </dgm:else>
+                      </dgm:choose>
+                    </dgm:if>
+                    <dgm:if name="Name138" func="var" arg="hierBranch" op="equ" val="init">
+                      <dgm:choose name="Name139">
+                        <dgm:if name="Name140" axis="des" func="maxDepth" op="lte" val="1">
+                          <dgm:alg type="hierChild">
+                            <dgm:param type="chAlign" val="l"/>
+                            <dgm:param type="linDir" val="fromT"/>
+                          </dgm:alg>
+                        </dgm:if>
+                        <dgm:else name="Name141">
+                          <dgm:alg type="hierChild"/>
+                        </dgm:else>
+                      </dgm:choose>
+                    </dgm:if>
+                    <dgm:else name="Name142"/>
+                  </dgm:choose>
+                  <dgm:shape xmlns:r="http://schemas.openxmlformats.org/officeDocument/2006/relationships" r:blip="">
+                    <dgm:adjLst/>
+                  </dgm:shape>
+                  <dgm:presOf/>
+                  <dgm:constrLst/>
+                  <dgm:ruleLst/>
+                  <dgm:forEach name="Name143" ref="rep2a"/>
+                </dgm:layoutNode>
+                <dgm:layoutNode name="hierChild7">
+                  <dgm:choose name="Name144">
+                    <dgm:if name="Name145" func="var" arg="dir" op="equ" val="norm">
+                      <dgm:alg type="hierChild">
+                        <dgm:param type="chAlign" val="l"/>
+                        <dgm:param type="linDir" val="fromL"/>
+                        <dgm:param type="secChAlign" val="t"/>
+                        <dgm:param type="secLinDir" val="fromT"/>
+                      </dgm:alg>
+                    </dgm:if>
+                    <dgm:else name="Name146">
+                      <dgm:alg type="hierChild">
+                        <dgm:param type="chAlign" val="l"/>
+                        <dgm:param type="linDir" val="fromR"/>
+                        <dgm:param type="secChAlign" val="t"/>
+                        <dgm:param type="secLinDir" val="fromT"/>
+                      </dgm:alg>
+                    </dgm:else>
+                  </dgm:choose>
+                  <dgm:shape xmlns:r="http://schemas.openxmlformats.org/officeDocument/2006/relationships" r:blip="">
+                    <dgm:adjLst/>
+                  </dgm:shape>
+                  <dgm:presOf/>
+                  <dgm:constrLst/>
+                  <dgm:ruleLst/>
+                  <dgm:forEach name="Name147" ref="rep2b"/>
+                </dgm:layoutNode>
+              </dgm:layoutNode>
+            </dgm:forEach>
+          </dgm:layoutNode>
+        </dgm:layoutNode>
+      </dgm:forEach>
+    </dgm:forEach>
+  </dgm:layoutNode>
+</dgm:layoutDef>
+</file>
+
+<file path=ppt/diagrams/quickStyle1.xml><?xml version="1.0" encoding="utf-8"?>
+<dgm:styleDef xmlns:dgm="http://schemas.openxmlformats.org/drawingml/2006/diagram" xmlns:a="http://schemas.openxmlformats.org/drawingml/2006/main" uniqueId="urn:microsoft.com/office/officeart/2005/8/quickstyle/simple1">
+  <dgm:title val=""/>
+  <dgm:desc val=""/>
+  <dgm:catLst>
+    <dgm:cat type="simple" pri="10100"/>
+  </dgm:catLst>
+  <dgm:scene3d>
+    <a:camera prst="orthographicFront"/>
+    <a:lightRig rig="threePt" dir="t"/>
+  </dgm:scene3d>
+  <dgm:styleLbl name="node0">
+    <dgm:scene3d>
+      <a:camera prst="orthographicFront"/>
+      <a:lightRig rig="threePt" dir="t"/>
+    </dgm:scene3d>
+    <dgm:sp3d/>
+    <dgm:txPr/>
+    <dgm:style>
+      <a:lnRef idx="2">
+        <a:scrgbClr r="0" g="0" b="0"/>
+      </a:lnRef>
+      <a:fillRef idx="1">
+        <a:scrgbClr r="0" g="0" b="0"/>
+      </a:fillRef>
+      <a:effectRef idx="0">
+        <a:scrgbClr r="0" g="0" b="0"/>
+      </a:effectRef>
+      <a:fontRef idx="minor">
+        <a:schemeClr val="lt1"/>
+      </a:fontRef>
+    </dgm:style>
+  </dgm:styleLbl>
+  <dgm:styleLbl name="lnNode1">
+    <dgm:scene3d>
+      <a:camera prst="orthographicFront"/>
+      <a:lightRig rig="threePt" dir="t"/>
+    </dgm:scene3d>
+    <dgm:sp3d/>
+    <dgm:txPr/>
+    <dgm:style>
+      <a:lnRef idx="2">
+        <a:scrgbClr r="0" g="0" b="0"/>
+      </a:lnRef>
+      <a:fillRef idx="1">
+        <a:scrgbClr r="0" g="0" b="0"/>
+      </a:fillRef>
+      <a:effectRef idx="0">
+        <a:scrgbClr r="0" g="0" b="0"/>
+      </a:effectRef>
+      <a:fontRef idx="minor">
+        <a:schemeClr val="lt1"/>
+      </a:fontRef>
+    </dgm:style>
+  </dgm:styleLbl>
+  <dgm:styleLbl name="vennNode1">
+    <dgm:scene3d>
+      <a:camera prst="orthographicFront"/>
+      <a:lightRig rig="threePt" dir="t"/>
+    </dgm:scene3d>
+    <dgm:sp3d/>
+    <dgm:txPr/>
+    <dgm:style>
+      <a:lnRef idx="2">
+        <a:scrgbClr r="0" g="0" b="0"/>
+      </a:lnRef>
+      <a:fillRef idx="1">
+        <a:scrgbClr r="0" g="0" b="0"/>
+      </a:fillRef>
+      <a:effectRef idx="0">
+        <a:scrgbClr r="0" g="0" b="0"/>
+      </a:effectRef>
+      <a:fontRef idx="minor">
+        <a:schemeClr val="tx1"/>
+      </a:fontRef>
+    </dgm:style>
+  </dgm:styleLbl>
+  <dgm:styleLbl name="alignNode1">
+    <dgm:scene3d>
+      <a:camera prst="orthographicFront"/>
+      <a:lightRig rig="threePt" dir="t"/>
+    </dgm:scene3d>
+    <dgm:sp3d/>
+    <dgm:txPr/>
+    <dgm:style>
+      <a:lnRef idx="2">
+        <a:scrgbClr r="0" g="0" b="0"/>
+      </a:lnRef>
+      <a:fillRef idx="1">
+        <a:scrgbClr r="0" g="0" b="0"/>
+      </a:fillRef>
+      <a:effectRef idx="0">
+        <a:scrgbClr r="0" g="0" b="0"/>
+      </a:effectRef>
+      <a:fontRef idx="minor">
+        <a:schemeClr val="lt1"/>
+      </a:fontRef>
+    </dgm:style>
+  </dgm:styleLbl>
+  <dgm:styleLbl name="node1">
+    <dgm:scene3d>
+      <a:camera prst="orthographicFront"/>
+      <a:lightRig rig="threePt" dir="t"/>
+    </dgm:scene3d>
+    <dgm:sp3d/>
+    <dgm:txPr/>
+    <dgm:style>
+      <a:lnRef idx="2">
+        <a:scrgbClr r="0" g="0" b="0"/>
+      </a:lnRef>
+      <a:fillRef idx="1">
+        <a:scrgbClr r="0" g="0" b="0"/>
+      </a:fillRef>
+      <a:effectRef idx="0">
+        <a:scrgbClr r="0" g="0" b="0"/>
+      </a:effectRef>
+      <a:fontRef idx="minor">
+        <a:schemeClr val="lt1"/>
+      </a:fontRef>
+    </dgm:style>
+  </dgm:styleLbl>
+  <dgm:styleLbl name="node2">
+    <dgm:scene3d>
+      <a:camera prst="orthographicFront"/>
+      <a:lightRig rig="threePt" dir="t"/>
+    </dgm:scene3d>
+    <dgm:sp3d/>
+    <dgm:txPr/>
+    <dgm:style>
+      <a:lnRef idx="2">
+        <a:scrgbClr r="0" g="0" b="0"/>
+      </a:lnRef>
+      <a:fillRef idx="1">
+        <a:scrgbClr r="0" g="0" b="0"/>
+      </a:fillRef>
+      <a:effectRef idx="0">
+        <a:scrgbClr r="0" g="0" b="0"/>
+      </a:effectRef>
+      <a:fontRef idx="minor">
+        <a:schemeClr val="lt1"/>
+      </a:fontRef>
+    </dgm:style>
+  </dgm:styleLbl>
+  <dgm:styleLbl name="node3">
+    <dgm:scene3d>
+      <a:camera prst="orthographicFront"/>
+      <a:lightRig rig="threePt" dir="t"/>
+    </dgm:scene3d>
+    <dgm:sp3d/>
+    <dgm:txPr/>
+    <dgm:style>
+      <a:lnRef idx="2">
+        <a:scrgbClr r="0" g="0" b="0"/>
+      </a:lnRef>
+      <a:fillRef idx="1">
+        <a:scrgbClr r="0" g="0" b="0"/>
+      </a:fillRef>
+      <a:effectRef idx="0">
+        <a:scrgbClr r="0" g="0" b="0"/>
+      </a:effectRef>
+      <a:fontRef idx="minor">
+        <a:schemeClr val="lt1"/>
+      </a:fontRef>
+    </dgm:style>
+  </dgm:styleLbl>
+  <dgm:styleLbl name="node4">
+    <dgm:scene3d>
+      <a:camera prst="orthographicFront"/>
+      <a:lightRig rig="threePt" dir="t"/>
+    </dgm:scene3d>
+    <dgm:sp3d/>
+    <dgm:txPr/>
+    <dgm:style>
+      <a:lnRef idx="2">
+        <a:scrgbClr r="0" g="0" b="0"/>
+      </a:lnRef>
+      <a:fillRef idx="1">
+        <a:scrgbClr r="0" g="0" b="0"/>
+      </a:fillRef>
+      <a:effectRef idx="0">
+        <a:scrgbClr r="0" g="0" b="0"/>
+      </a:effectRef>
+      <a:fontRef idx="minor">
+        <a:schemeClr val="lt1"/>
+      </a:fontRef>
+    </dgm:style>
+  </dgm:styleLbl>
+  <dgm:styleLbl name="fgImgPlace1">
+    <dgm:scene3d>
+      <a:camera prst="orthographicFront"/>
+      <a:lightRig rig="threePt" dir="t"/>
+    </dgm:scene3d>
+    <dgm:sp3d/>
+    <dgm:txPr/>
+    <dgm:style>
+      <a:lnRef idx="2">
+        <a:scrgbClr r="0" g="0" b="0"/>
+      </a:lnRef>
+      <a:fillRef idx="1">
+        <a:scrgbClr r="0" g="0" b="0"/>
+      </a:fillRef>
+      <a:effectRef idx="0">
+        <a:scrgbClr r="0" g="0" b="0"/>
+      </a:effectRef>
+      <a:fontRef idx="minor"/>
+    </dgm:style>
+  </dgm:styleLbl>
+  <dgm:styleLbl name="alignImgPlace1">
+    <dgm:scene3d>
+      <a:camera prst="orthographicFront"/>
+      <a:lightRig rig="threePt" dir="t"/>
+    </dgm:scene3d>
+    <dgm:sp3d/>
+    <dgm:txPr/>
+    <dgm:style>
+      <a:lnRef idx="2">
+        <a:scrgbClr r="0" g="0" b="0"/>
+      </a:lnRef>
+      <a:fillRef idx="1">
+        <a:scrgbClr r="0" g="0" b="0"/>
+      </a:fillRef>
+      <a:effectRef idx="0">
+        <a:scrgbClr r="0" g="0" b="0"/>
+      </a:effectRef>
+      <a:fontRef idx="minor"/>
+    </dgm:style>
+  </dgm:styleLbl>
+  <dgm:styleLbl name="bgImgPlace1">
+    <dgm:scene3d>
+      <a:camera prst="orthographicFront"/>
+      <a:lightRig rig="threePt" dir="t"/>
+    </dgm:scene3d>
+    <dgm:sp3d/>
+    <dgm:txPr/>
+    <dgm:style>
+      <a:lnRef idx="2">
+        <a:scrgbClr r="0" g="0" b="0"/>
+      </a:lnRef>
+      <a:fillRef idx="1">
+        <a:scrgbClr r="0" g="0" b="0"/>
+      </a:fillRef>
+      <a:effectRef idx="0">
+        <a:scrgbClr r="0" g="0" b="0"/>
+      </a:effectRef>
+      <a:fontRef idx="minor"/>
+    </dgm:style>
+  </dgm:styleLbl>
+  <dgm:styleLbl name="sibTrans2D1">
+    <dgm:scene3d>
+      <a:camera prst="orthographicFront"/>
+      <a:lightRig rig="threePt" dir="t"/>
+    </dgm:scene3d>
+    <dgm:sp3d/>
+    <dgm:txPr/>
+    <dgm:style>
+      <a:lnRef idx="0">
+        <a:scrgbClr r="0" g="0" b="0"/>
+      </a:lnRef>
+      <a:fillRef idx="1">
+        <a:scrgbClr r="0" g="0" b="0"/>
+      </a:fillRef>
+      <a:effectRef idx="0">
+        <a:scrgbClr r="0" g="0" b="0"/>
+      </a:effectRef>
+      <a:fontRef idx="minor">
+        <a:schemeClr val="lt1"/>
+      </a:fontRef>
+    </dgm:style>
+  </dgm:styleLbl>
+  <dgm:styleLbl name="fgSibTrans2D1">
+    <dgm:scene3d>
+      <a:camera prst="orthographicFront"/>
+      <a:lightRig rig="threePt" dir="t"/>
+    </dgm:scene3d>
+    <dgm:sp3d/>
+    <dgm:txPr/>
+    <dgm:style>
+      <a:lnRef idx="0">
+        <a:scrgbClr r="0" g="0" b="0"/>
+      </a:lnRef>
+      <a:fillRef idx="1">
+        <a:scrgbClr r="0" g="0" b="0"/>
+      </a:fillRef>
+      <a:effectRef idx="0">
+        <a:scrgbClr r="0" g="0" b="0"/>
+      </a:effectRef>
+      <a:fontRef idx="minor">
+        <a:schemeClr val="lt1"/>
+      </a:fontRef>
+    </dgm:style>
+  </dgm:styleLbl>
+  <dgm:styleLbl name="bgSibTrans2D1">
+    <dgm:scene3d>
+      <a:camera prst="orthographicFront"/>
+      <a:lightRig rig="threePt" dir="t"/>
+    </dgm:scene3d>
+    <dgm:sp3d/>
+    <dgm:txPr/>
+    <dgm:style>
+      <a:lnRef idx="0">
+        <a:scrgbClr r="0" g="0" b="0"/>
+      </a:lnRef>
+      <a:fillRef idx="1">
+        <a:scrgbClr r="0" g="0" b="0"/>
+      </a:fillRef>
+      <a:effectRef idx="0">
+        <a:scrgbClr r="0" g="0" b="0"/>
+      </a:effectRef>
+      <a:fontRef idx="minor">
+        <a:schemeClr val="lt1"/>
+      </a:fontRef>
+    </dgm:style>
+  </dgm:styleLbl>
+  <dgm:styleLbl name="sibTrans1D1">
+    <dgm:scene3d>
+      <a:camera prst="orthographicFront"/>
+      <a:lightRig rig="threePt" dir="t"/>
+    </dgm:scene3d>
+    <dgm:sp3d/>
+    <dgm:txPr/>
+    <dgm:style>
+      <a:lnRef idx="1">
+        <a:scrgbClr r="0" g="0" b="0"/>
+      </a:lnRef>
+      <a:fillRef idx="0">
+        <a:scrgbClr r="0" g="0" b="0"/>
+      </a:fillRef>
+      <a:effectRef idx="0">
+        <a:scrgbClr r="0" g="0" b="0"/>
+      </a:effectRef>
+      <a:fontRef idx="minor"/>
+    </dgm:style>
+  </dgm:styleLbl>
+  <dgm:styleLbl name="callout">
+    <dgm:scene3d>
+      <a:camera prst="orthographicFront"/>
+      <a:lightRig rig="threePt" dir="t"/>
+    </dgm:scene3d>
+    <dgm:sp3d/>
+    <dgm:txPr/>
+    <dgm:style>
+      <a:lnRef idx="2">
+        <a:scrgbClr r="0" g="0" b="0"/>
+      </a:lnRef>
+      <a:fillRef idx="1">
+        <a:scrgbClr r="0" g="0" b="0"/>
+      </a:fillRef>
+      <a:effectRef idx="0">
+        <a:scrgbClr r="0" g="0" b="0"/>
+      </a:effectRef>
+      <a:fontRef idx="minor"/>
+    </dgm:style>
+  </dgm:styleLbl>
+  <dgm:styleLbl name="asst0">
+    <dgm:scene3d>
+      <a:camera prst="orthographicFront"/>
+      <a:lightRig rig="threePt" dir="t"/>
+    </dgm:scene3d>
+    <dgm:sp3d/>
+    <dgm:txPr/>
+    <dgm:style>
+      <a:lnRef idx="2">
+        <a:scrgbClr r="0" g="0" b="0"/>
+      </a:lnRef>
+      <a:fillRef idx="1">
+        <a:scrgbClr r="0" g="0" b="0"/>
+      </a:fillRef>
+      <a:effectRef idx="0">
+        <a:scrgbClr r="0" g="0" b="0"/>
+      </a:effectRef>
+      <a:fontRef idx="minor">
+        <a:schemeClr val="lt1"/>
+      </a:fontRef>
+    </dgm:style>
+  </dgm:styleLbl>
+  <dgm:styleLbl name="asst1">
+    <dgm:scene3d>
+      <a:camera prst="orthographicFront"/>
+      <a:lightRig rig="threePt" dir="t"/>
+    </dgm:scene3d>
+    <dgm:sp3d/>
+    <dgm:txPr/>
+    <dgm:style>
+      <a:lnRef idx="2">
+        <a:scrgbClr r="0" g="0" b="0"/>
+      </a:lnRef>
+      <a:fillRef idx="1">
+        <a:scrgbClr r="0" g="0" b="0"/>
+      </a:fillRef>
+      <a:effectRef idx="0">
+        <a:scrgbClr r="0" g="0" b="0"/>
+      </a:effectRef>
+      <a:fontRef idx="minor">
+        <a:schemeClr val="lt1"/>
+      </a:fontRef>
+    </dgm:style>
+  </dgm:styleLbl>
+  <dgm:styleLbl name="asst2">
+    <dgm:scene3d>
+      <a:camera prst="orthographicFront"/>
+      <a:lightRig rig="threePt" dir="t"/>
+    </dgm:scene3d>
+    <dgm:sp3d/>
+    <dgm:txPr/>
+    <dgm:style>
+      <a:lnRef idx="2">
+        <a:scrgbClr r="0" g="0" b="0"/>
+      </a:lnRef>
+      <a:fillRef idx="1">
+        <a:scrgbClr r="0" g="0" b="0"/>
+      </a:fillRef>
+      <a:effectRef idx="0">
+        <a:scrgbClr r="0" g="0" b="0"/>
+      </a:effectRef>
+      <a:fontRef idx="minor">
+        <a:schemeClr val="lt1"/>
+      </a:fontRef>
+    </dgm:style>
+  </dgm:styleLbl>
+  <dgm:styleLbl name="asst3">
+    <dgm:scene3d>
+      <a:camera prst="orthographicFront"/>
+      <a:lightRig rig="threePt" dir="t"/>
+    </dgm:scene3d>
+    <dgm:sp3d/>
+    <dgm:txPr/>
+    <dgm:style>
+      <a:lnRef idx="2">
+        <a:scrgbClr r="0" g="0" b="0"/>
+      </a:lnRef>
+      <a:fillRef idx="1">
+        <a:scrgbClr r="0" g="0" b="0"/>
+      </a:fillRef>
+      <a:effectRef idx="0">
+        <a:scrgbClr r="0" g="0" b="0"/>
+      </a:effectRef>
+      <a:fontRef idx="minor">
+        <a:schemeClr val="lt1"/>
+      </a:fontRef>
+    </dgm:style>
+  </dgm:styleLbl>
+  <dgm:styleLbl name="asst4">
+    <dgm:scene3d>
+      <a:camera prst="orthographicFront"/>
+      <a:lightRig rig="threePt" dir="t"/>
+    </dgm:scene3d>
+    <dgm:sp3d/>
+    <dgm:txPr/>
+    <dgm:style>
+      <a:lnRef idx="2">
+        <a:scrgbClr r="0" g="0" b="0"/>
+      </a:lnRef>
+      <a:fillRef idx="1">
+        <a:scrgbClr r="0" g="0" b="0"/>
+      </a:fillRef>
+      <a:effectRef idx="0">
+        <a:scrgbClr r="0" g="0" b="0"/>
+      </a:effectRef>
+      <a:fontRef idx="minor">
+        <a:schemeClr val="lt1"/>
+      </a:fontRef>
+    </dgm:style>
+  </dgm:styleLbl>
+  <dgm:styleLbl name="parChTrans2D1">
+    <dgm:scene3d>
+      <a:camera prst="orthographicFront"/>
+      <a:lightRig rig="threePt" dir="t"/>
+    </dgm:scene3d>
+    <dgm:sp3d/>
+    <dgm:txPr/>
+    <dgm:style>
+      <a:lnRef idx="2">
+        <a:scrgbClr r="0" g="0" b="0"/>
+      </a:lnRef>
+      <a:fillRef idx="1">
+        <a:scrgbClr r="0" g="0" b="0"/>
+      </a:fillRef>
+      <a:effectRef idx="0">
+        <a:scrgbClr r="0" g="0" b="0"/>
+      </a:effectRef>
+      <a:fontRef idx="minor">
+        <a:schemeClr val="lt1"/>
+      </a:fontRef>
+    </dgm:style>
+  </dgm:styleLbl>
+  <dgm:styleLbl name="parChTrans2D2">
+    <dgm:scene3d>
+      <a:camera prst="orthographicFront"/>
+      <a:lightRig rig="threePt" dir="t"/>
+    </dgm:scene3d>
+    <dgm:sp3d/>
+    <dgm:txPr/>
+    <dgm:style>
+      <a:lnRef idx="2">
+        <a:scrgbClr r="0" g="0" b="0"/>
+      </a:lnRef>
+      <a:fillRef idx="1">
+        <a:scrgbClr r="0" g="0" b="0"/>
+      </a:fillRef>
+      <a:effectRef idx="0">
+        <a:scrgbClr r="0" g="0" b="0"/>
+      </a:effectRef>
+      <a:fontRef idx="minor">
+        <a:schemeClr val="lt1"/>
+      </a:fontRef>
+    </dgm:style>
+  </dgm:styleLbl>
+  <dgm:styleLbl name="parChTrans2D3">
+    <dgm:scene3d>
+      <a:camera prst="orthographicFront"/>
+      <a:lightRig rig="threePt" dir="t"/>
+    </dgm:scene3d>
+    <dgm:sp3d/>
+    <dgm:txPr/>
+    <dgm:style>
+      <a:lnRef idx="2">
+        <a:scrgbClr r="0" g="0" b="0"/>
+      </a:lnRef>
+      <a:fillRef idx="1">
+        <a:scrgbClr r="0" g="0" b="0"/>
+      </a:fillRef>
+      <a:effectRef idx="0">
+        <a:scrgbClr r="0" g="0" b="0"/>
+      </a:effectRef>
+      <a:fontRef idx="minor">
+        <a:schemeClr val="lt1"/>
+      </a:fontRef>
+    </dgm:style>
+  </dgm:styleLbl>
+  <dgm:styleLbl name="parChTrans2D4">
+    <dgm:scene3d>
+      <a:camera prst="orthographicFront"/>
+      <a:lightRig rig="threePt" dir="t"/>
+    </dgm:scene3d>
+    <dgm:sp3d/>
+    <dgm:txPr/>
+    <dgm:style>
+      <a:lnRef idx="2">
+        <a:scrgbClr r="0" g="0" b="0"/>
+      </a:lnRef>
+      <a:fillRef idx="1">
+        <a:scrgbClr r="0" g="0" b="0"/>
+      </a:fillRef>
+      <a:effectRef idx="0">
+        <a:scrgbClr r="0" g="0" b="0"/>
+      </a:effectRef>
+      <a:fontRef idx="minor">
+        <a:schemeClr val="lt1"/>
+      </a:fontRef>
+    </dgm:style>
+  </dgm:styleLbl>
+  <dgm:styleLbl name="parChTrans1D1">
+    <dgm:scene3d>
+      <a:camera prst="orthographicFront"/>
+      <a:lightRig rig="threePt" dir="t"/>
+    </dgm:scene3d>
+    <dgm:sp3d/>
+    <dgm:txPr/>
+    <dgm:style>
+      <a:lnRef idx="2">
+        <a:scrgbClr r="0" g="0" b="0"/>
+      </a:lnRef>
+      <a:fillRef idx="0">
+        <a:scrgbClr r="0" g="0" b="0"/>
+      </a:fillRef>
+      <a:effectRef idx="0">
+        <a:scrgbClr r="0" g="0" b="0"/>
+      </a:effectRef>
+      <a:fontRef idx="minor"/>
+    </dgm:style>
+  </dgm:styleLbl>
+  <dgm:styleLbl name="parChTrans1D2">
+    <dgm:scene3d>
+      <a:camera prst="orthographicFront"/>
+      <a:lightRig rig="threePt" dir="t"/>
+    </dgm:scene3d>
+    <dgm:sp3d/>
+    <dgm:txPr/>
+    <dgm:style>
+      <a:lnRef idx="2">
+        <a:scrgbClr r="0" g="0" b="0"/>
+      </a:lnRef>
+      <a:fillRef idx="0">
+        <a:scrgbClr r="0" g="0" b="0"/>
+      </a:fillRef>
+      <a:effectRef idx="0">
+        <a:scrgbClr r="0" g="0" b="0"/>
+      </a:effectRef>
+      <a:fontRef idx="minor"/>
+    </dgm:style>
+  </dgm:styleLbl>
+  <dgm:styleLbl name="parChTrans1D3">
+    <dgm:scene3d>
+      <a:camera prst="orthographicFront"/>
+      <a:lightRig rig="threePt" dir="t"/>
+    </dgm:scene3d>
+    <dgm:sp3d/>
+    <dgm:txPr/>
+    <dgm:style>
+      <a:lnRef idx="2">
+        <a:scrgbClr r="0" g="0" b="0"/>
+      </a:lnRef>
+      <a:fillRef idx="0">
+        <a:scrgbClr r="0" g="0" b="0"/>
+      </a:fillRef>
+      <a:effectRef idx="0">
+        <a:scrgbClr r="0" g="0" b="0"/>
+      </a:effectRef>
+      <a:fontRef idx="minor"/>
+    </dgm:style>
+  </dgm:styleLbl>
+  <dgm:styleLbl name="parChTrans1D4">
+    <dgm:scene3d>
+      <a:camera prst="orthographicFront"/>
+      <a:lightRig rig="threePt" dir="t"/>
+    </dgm:scene3d>
+    <dgm:sp3d/>
+    <dgm:txPr/>
+    <dgm:style>
+      <a:lnRef idx="2">
+        <a:scrgbClr r="0" g="0" b="0"/>
+      </a:lnRef>
+      <a:fillRef idx="0">
+        <a:scrgbClr r="0" g="0" b="0"/>
+      </a:fillRef>
+      <a:effectRef idx="0">
+        <a:scrgbClr r="0" g="0" b="0"/>
+      </a:effectRef>
+      <a:fontRef idx="minor"/>
+    </dgm:style>
+  </dgm:styleLbl>
+  <dgm:styleLbl name="fgAcc1">
+    <dgm:scene3d>
+      <a:camera prst="orthographicFront"/>
+      <a:lightRig rig="threePt" dir="t"/>
+    </dgm:scene3d>
+    <dgm:sp3d/>
+    <dgm:txPr/>
+    <dgm:style>
+      <a:lnRef idx="2">
+        <a:scrgbClr r="0" g="0" b="0"/>
+      </a:lnRef>
+      <a:fillRef idx="1">
+        <a:scrgbClr r="0" g="0" b="0"/>
+      </a:fillRef>
+      <a:effectRef idx="0">
+        <a:scrgbClr r="0" g="0" b="0"/>
+      </a:effectRef>
+      <a:fontRef idx="minor"/>
+    </dgm:style>
+  </dgm:styleLbl>
+  <dgm:styleLbl name="conFgAcc1">
+    <dgm:scene3d>
+      <a:camera prst="orthographicFront"/>
+      <a:lightRig rig="threePt" dir="t"/>
+    </dgm:scene3d>
+    <dgm:sp3d/>
+    <dgm:txPr/>
+    <dgm:style>
+      <a:lnRef idx="2">
+        <a:scrgbClr r="0" g="0" b="0"/>
+      </a:lnRef>
+      <a:fillRef idx="1">
+        <a:scrgbClr r="0" g="0" b="0"/>
+      </a:fillRef>
+      <a:effectRef idx="0">
+        <a:scrgbClr r="0" g="0" b="0"/>
+      </a:effectRef>
+      <a:fontRef idx="minor"/>
+    </dgm:style>
+  </dgm:styleLbl>
+  <dgm:styleLbl name="alignAcc1">
+    <dgm:scene3d>
+      <a:camera prst="orthographicFront"/>
+      <a:lightRig rig="threePt" dir="t"/>
+    </dgm:scene3d>
+    <dgm:sp3d/>
+    <dgm:txPr/>
+    <dgm:style>
+      <a:lnRef idx="2">
+        <a:scrgbClr r="0" g="0" b="0"/>
+      </a:lnRef>
+      <a:fillRef idx="1">
+        <a:scrgbClr r="0" g="0" b="0"/>
+      </a:fillRef>
+      <a:effectRef idx="0">
+        <a:scrgbClr r="0" g="0" b="0"/>
+      </a:effectRef>
+      <a:fontRef idx="minor"/>
+    </dgm:style>
+  </dgm:styleLbl>
+  <dgm:styleLbl name="trAlignAcc1">
+    <dgm:scene3d>
+      <a:camera prst="orthographicFront"/>
+      <a:lightRig rig="threePt" dir="t"/>
+    </dgm:scene3d>
+    <dgm:sp3d/>
+    <dgm:txPr/>
+    <dgm:style>
+      <a:lnRef idx="1">
+        <a:scrgbClr r="0" g="0" b="0"/>
+      </a:lnRef>
+      <a:fillRef idx="1">
+        <a:scrgbClr r="0" g="0" b="0"/>
+      </a:fillRef>
+      <a:effectRef idx="0">
+        <a:scrgbClr r="0" g="0" b="0"/>
+      </a:effectRef>
+      <a:fontRef idx="minor"/>
+    </dgm:style>
+  </dgm:styleLbl>
+  <dgm:styleLbl name="bgAcc1">
+    <dgm:scene3d>
+      <a:camera prst="orthographicFront"/>
+      <a:lightRig rig="threePt" dir="t"/>
+    </dgm:scene3d>
+    <dgm:sp3d/>
+    <dgm:txPr/>
+    <dgm:style>
+      <a:lnRef idx="2">
+        <a:scrgbClr r="0" g="0" b="0"/>
+      </a:lnRef>
+      <a:fillRef idx="1">
+        <a:scrgbClr r="0" g="0" b="0"/>
+      </a:fillRef>
+      <a:effectRef idx="0">
+        <a:scrgbClr r="0" g="0" b="0"/>
+      </a:effectRef>
+      <a:fontRef idx="minor"/>
+    </dgm:style>
+  </dgm:styleLbl>
+  <dgm:styleLbl name="solidFgAcc1">
+    <dgm:scene3d>
+      <a:camera prst="orthographicFront"/>
+      <a:lightRig rig="threePt" dir="t"/>
+    </dgm:scene3d>
+    <dgm:sp3d/>
+    <dgm:txPr/>
+    <dgm:style>
+      <a:lnRef idx="2">
+        <a:scrgbClr r="0" g="0" b="0"/>
+      </a:lnRef>
+      <a:fillRef idx="1">
+        <a:scrgbClr r="0" g="0" b="0"/>
+      </a:fillRef>
+      <a:effectRef idx="0">
+        <a:scrgbClr r="0" g="0" b="0"/>
+      </a:effectRef>
+      <a:fontRef idx="minor"/>
+    </dgm:style>
+  </dgm:styleLbl>
+  <dgm:styleLbl name="solidAlignAcc1">
+    <dgm:scene3d>
+      <a:camera prst="orthographicFront"/>
+      <a:lightRig rig="threePt" dir="t"/>
+    </dgm:scene3d>
+    <dgm:sp3d/>
+    <dgm:txPr/>
+    <dgm:style>
+      <a:lnRef idx="2">
+        <a:scrgbClr r="0" g="0" b="0"/>
+      </a:lnRef>
+      <a:fillRef idx="1">
+        <a:scrgbClr r="0" g="0" b="0"/>
+      </a:fillRef>
+      <a:effectRef idx="0">
+        <a:scrgbClr r="0" g="0" b="0"/>
+      </a:effectRef>
+      <a:fontRef idx="minor"/>
+    </dgm:style>
+  </dgm:styleLbl>
+  <dgm:styleLbl name="solidBgAcc1">
+    <dgm:scene3d>
+      <a:camera prst="orthographicFront"/>
+      <a:lightRig rig="threePt" dir="t"/>
+    </dgm:scene3d>
+    <dgm:sp3d/>
+    <dgm:txPr/>
+    <dgm:style>
+      <a:lnRef idx="2">
+        <a:scrgbClr r="0" g="0" b="0"/>
+      </a:lnRef>
+      <a:fillRef idx="1">
+        <a:scrgbClr r="0" g="0" b="0"/>
+      </a:fillRef>
+      <a:effectRef idx="0">
+        <a:scrgbClr r="0" g="0" b="0"/>
+      </a:effectRef>
+      <a:fontRef idx="minor"/>
+    </dgm:style>
+  </dgm:styleLbl>
+  <dgm:styleLbl name="fgAccFollowNode1">
+    <dgm:scene3d>
+      <a:camera prst="orthographicFront"/>
+      <a:lightRig rig="threePt" dir="t"/>
+    </dgm:scene3d>
+    <dgm:sp3d/>
+    <dgm:txPr/>
+    <dgm:style>
+      <a:lnRef idx="2">
+        <a:scrgbClr r="0" g="0" b="0"/>
+      </a:lnRef>
+      <a:fillRef idx="1">
+        <a:scrgbClr r="0" g="0" b="0"/>
+      </a:fillRef>
+      <a:effectRef idx="0">
+        <a:scrgbClr r="0" g="0" b="0"/>
+      </a:effectRef>
+      <a:fontRef idx="minor"/>
+    </dgm:style>
+  </dgm:styleLbl>
+  <dgm:styleLbl name="alignAccFollowNode1">
+    <dgm:scene3d>
+      <a:camera prst="orthographicFront"/>
+      <a:lightRig rig="threePt" dir="t"/>
+    </dgm:scene3d>
+    <dgm:sp3d/>
+    <dgm:txPr/>
+    <dgm:style>
+      <a:lnRef idx="2">
+        <a:scrgbClr r="0" g="0" b="0"/>
+      </a:lnRef>
+      <a:fillRef idx="1">
+        <a:scrgbClr r="0" g="0" b="0"/>
+      </a:fillRef>
+      <a:effectRef idx="0">
+        <a:scrgbClr r="0" g="0" b="0"/>
+      </a:effectRef>
+      <a:fontRef idx="minor"/>
+    </dgm:style>
+  </dgm:styleLbl>
+  <dgm:styleLbl name="bgAccFollowNode1">
+    <dgm:scene3d>
+      <a:camera prst="orthographicFront"/>
+      <a:lightRig rig="threePt" dir="t"/>
+    </dgm:scene3d>
+    <dgm:sp3d/>
+    <dgm:txPr/>
+    <dgm:style>
+      <a:lnRef idx="2">
+        <a:scrgbClr r="0" g="0" b="0"/>
+      </a:lnRef>
+      <a:fillRef idx="1">
+        <a:scrgbClr r="0" g="0" b="0"/>
+      </a:fillRef>
+      <a:effectRef idx="0">
+        <a:scrgbClr r="0" g="0" b="0"/>
+      </a:effectRef>
+      <a:fontRef idx="minor"/>
+    </dgm:style>
+  </dgm:styleLbl>
+  <dgm:styleLbl name="fgAcc0">
+    <dgm:scene3d>
+      <a:camera prst="orthographicFront"/>
+      <a:lightRig rig="threePt" dir="t"/>
+    </dgm:scene3d>
+    <dgm:sp3d/>
+    <dgm:txPr/>
+    <dgm:style>
+      <a:lnRef idx="2">
+        <a:scrgbClr r="0" g="0" b="0"/>
+      </a:lnRef>
+      <a:fillRef idx="1">
+        <a:scrgbClr r="0" g="0" b="0"/>
+      </a:fillRef>
+      <a:effectRef idx="0">
+        <a:scrgbClr r="0" g="0" b="0"/>
+      </a:effectRef>
+      <a:fontRef idx="minor"/>
+    </dgm:style>
+  </dgm:styleLbl>
+  <dgm:styleLbl name="fgAcc2">
+    <dgm:scene3d>
+      <a:camera prst="orthographicFront"/>
+      <a:lightRig rig="threePt" dir="t"/>
+    </dgm:scene3d>
+    <dgm:sp3d/>
+    <dgm:txPr/>
+    <dgm:style>
+      <a:lnRef idx="2">
+        <a:scrgbClr r="0" g="0" b="0"/>
+      </a:lnRef>
+      <a:fillRef idx="1">
+        <a:scrgbClr r="0" g="0" b="0"/>
+      </a:fillRef>
+      <a:effectRef idx="0">
+        <a:scrgbClr r="0" g="0" b="0"/>
+      </a:effectRef>
+      <a:fontRef idx="minor"/>
+    </dgm:style>
+  </dgm:styleLbl>
+  <dgm:styleLbl name="fgAcc3">
+    <dgm:scene3d>
+      <a:camera prst="orthographicFront"/>
+      <a:lightRig rig="threePt" dir="t"/>
+    </dgm:scene3d>
+    <dgm:sp3d/>
+    <dgm:txPr/>
+    <dgm:style>
+      <a:lnRef idx="2">
+        <a:scrgbClr r="0" g="0" b="0"/>
+      </a:lnRef>
+      <a:fillRef idx="1">
+        <a:scrgbClr r="0" g="0" b="0"/>
+      </a:fillRef>
+      <a:effectRef idx="0">
+        <a:scrgbClr r="0" g="0" b="0"/>
+      </a:effectRef>
+      <a:fontRef idx="minor"/>
+    </dgm:style>
+  </dgm:styleLbl>
+  <dgm:styleLbl name="fgAcc4">
+    <dgm:scene3d>
+      <a:camera prst="orthographicFront"/>
+      <a:lightRig rig="threePt" dir="t"/>
+    </dgm:scene3d>
+    <dgm:sp3d/>
+    <dgm:txPr/>
+    <dgm:style>
+      <a:lnRef idx="2">
+        <a:scrgbClr r="0" g="0" b="0"/>
+      </a:lnRef>
+      <a:fillRef idx="1">
+        <a:scrgbClr r="0" g="0" b="0"/>
+      </a:fillRef>
+      <a:effectRef idx="0">
+        <a:scrgbClr r="0" g="0" b="0"/>
+      </a:effectRef>
+      <a:fontRef idx="minor"/>
+    </dgm:style>
+  </dgm:styleLbl>
+  <dgm:styleLbl name="bgShp">
+    <dgm:scene3d>
+      <a:camera prst="orthographicFront"/>
+      <a:lightRig rig="threePt" dir="t"/>
+    </dgm:scene3d>
+    <dgm:sp3d/>
+    <dgm:txPr/>
+    <dgm:style>
+      <a:lnRef idx="0">
+        <a:scrgbClr r="0" g="0" b="0"/>
+      </a:lnRef>
+      <a:fillRef idx="1">
+        <a:scrgbClr r="0" g="0" b="0"/>
+      </a:fillRef>
+      <a:effectRef idx="0">
+        <a:scrgbClr r="0" g="0" b="0"/>
+      </a:effectRef>
+      <a:fontRef idx="minor"/>
+    </dgm:style>
+  </dgm:styleLbl>
+  <dgm:styleLbl name="dkBgShp">
+    <dgm:scene3d>
+      <a:camera prst="orthographicFront"/>
+      <a:lightRig rig="threePt" dir="t"/>
+    </dgm:scene3d>
+    <dgm:sp3d/>
+    <dgm:txPr/>
+    <dgm:style>
+      <a:lnRef idx="0">
+        <a:scrgbClr r="0" g="0" b="0"/>
+      </a:lnRef>
+      <a:fillRef idx="1">
+        <a:scrgbClr r="0" g="0" b="0"/>
+      </a:fillRef>
+      <a:effectRef idx="0">
+        <a:scrgbClr r="0" g="0" b="0"/>
+      </a:effectRef>
+      <a:fontRef idx="minor"/>
+    </dgm:style>
+  </dgm:styleLbl>
+  <dgm:styleLbl name="trBgShp">
+    <dgm:scene3d>
+      <a:camera prst="orthographicFront"/>
+      <a:lightRig rig="threePt" dir="t"/>
+    </dgm:scene3d>
+    <dgm:sp3d/>
+    <dgm:txPr/>
+    <dgm:style>
+      <a:lnRef idx="0">
+        <a:scrgbClr r="0" g="0" b="0"/>
+      </a:lnRef>
+      <a:fillRef idx="1">
+        <a:scrgbClr r="0" g="0" b="0"/>
+      </a:fillRef>
+      <a:effectRef idx="0">
+        <a:scrgbClr r="0" g="0" b="0"/>
+      </a:effectRef>
+      <a:fontRef idx="minor"/>
+    </dgm:style>
+  </dgm:styleLbl>
+  <dgm:styleLbl name="fgShp">
+    <dgm:scene3d>
+      <a:camera prst="orthographicFront"/>
+      <a:lightRig rig="threePt" dir="t"/>
+    </dgm:scene3d>
+    <dgm:sp3d/>
+    <dgm:txPr/>
+    <dgm:style>
+      <a:lnRef idx="2">
+        <a:scrgbClr r="0" g="0" b="0"/>
+      </a:lnRef>
+      <a:fillRef idx="1">
+        <a:scrgbClr r="0" g="0" b="0"/>
+      </a:fillRef>
+      <a:effectRef idx="0">
+        <a:scrgbClr r="0" g="0" b="0"/>
+      </a:effectRef>
+      <a:fontRef idx="minor"/>
+    </dgm:style>
+  </dgm:styleLbl>
+  <dgm:styleLbl name="revTx">
+    <dgm:scene3d>
+      <a:camera prst="orthographicFront"/>
+      <a:lightRig rig="threePt" dir="t"/>
+    </dgm:scene3d>
+    <dgm:sp3d/>
+    <dgm:txPr/>
+    <dgm:style>
+      <a:lnRef idx="0">
+        <a:scrgbClr r="0" g="0" b="0"/>
+      </a:lnRef>
+      <a:fillRef idx="0">
+        <a:scrgbClr r="0" g="0" b="0"/>
+      </a:fillRef>
+      <a:effectRef idx="0">
+        <a:scrgbClr r="0" g="0" b="0"/>
+      </a:effectRef>
+      <a:fontRef idx="minor"/>
+    </dgm:style>
+  </dgm:styleLbl>
+</dgm:styleDef>
+</file>
+
 <file path=ppt/slideLayouts/slideLayout1.xml><?xml version="1.0" encoding="utf-8"?>
 <p:sldLayout xmlns:a="http://schemas.openxmlformats.org/drawingml/2006/main" xmlns:r="http://schemas.openxmlformats.org/officeDocument/2006/relationships" xmlns:p="http://schemas.openxmlformats.org/presentationml/2006/main" type="title" preserve="1">
   <p:cSld name="Title Slide">
@@ -280,7 +4088,7 @@
           <a:p>
             <a:fld id="{FE86B67A-C5D1-42A7-8813-A8E29C5F9829}" type="datetimeFigureOut">
               <a:rPr lang="en-IN" smtClean="0"/>
-              <a:t>22-05-2024</a:t>
+              <a:t>28-05-2024</a:t>
             </a:fld>
             <a:endParaRPr lang="en-IN"/>
           </a:p>
@@ -480,7 +4288,7 @@
           <a:p>
             <a:fld id="{FE86B67A-C5D1-42A7-8813-A8E29C5F9829}" type="datetimeFigureOut">
               <a:rPr lang="en-IN" smtClean="0"/>
-              <a:t>22-05-2024</a:t>
+              <a:t>28-05-2024</a:t>
             </a:fld>
             <a:endParaRPr lang="en-IN"/>
           </a:p>
@@ -690,7 +4498,7 @@
           <a:p>
             <a:fld id="{FE86B67A-C5D1-42A7-8813-A8E29C5F9829}" type="datetimeFigureOut">
               <a:rPr lang="en-IN" smtClean="0"/>
-              <a:t>22-05-2024</a:t>
+              <a:t>28-05-2024</a:t>
             </a:fld>
             <a:endParaRPr lang="en-IN"/>
           </a:p>
@@ -890,7 +4698,7 @@
           <a:p>
             <a:fld id="{FE86B67A-C5D1-42A7-8813-A8E29C5F9829}" type="datetimeFigureOut">
               <a:rPr lang="en-IN" smtClean="0"/>
-              <a:t>22-05-2024</a:t>
+              <a:t>28-05-2024</a:t>
             </a:fld>
             <a:endParaRPr lang="en-IN"/>
           </a:p>
@@ -1166,7 +4974,7 @@
           <a:p>
             <a:fld id="{FE86B67A-C5D1-42A7-8813-A8E29C5F9829}" type="datetimeFigureOut">
               <a:rPr lang="en-IN" smtClean="0"/>
-              <a:t>22-05-2024</a:t>
+              <a:t>28-05-2024</a:t>
             </a:fld>
             <a:endParaRPr lang="en-IN"/>
           </a:p>
@@ -1434,7 +5242,7 @@
           <a:p>
             <a:fld id="{FE86B67A-C5D1-42A7-8813-A8E29C5F9829}" type="datetimeFigureOut">
               <a:rPr lang="en-IN" smtClean="0"/>
-              <a:t>22-05-2024</a:t>
+              <a:t>28-05-2024</a:t>
             </a:fld>
             <a:endParaRPr lang="en-IN"/>
           </a:p>
@@ -1849,7 +5657,7 @@
           <a:p>
             <a:fld id="{FE86B67A-C5D1-42A7-8813-A8E29C5F9829}" type="datetimeFigureOut">
               <a:rPr lang="en-IN" smtClean="0"/>
-              <a:t>22-05-2024</a:t>
+              <a:t>28-05-2024</a:t>
             </a:fld>
             <a:endParaRPr lang="en-IN"/>
           </a:p>
@@ -1991,7 +5799,7 @@
           <a:p>
             <a:fld id="{FE86B67A-C5D1-42A7-8813-A8E29C5F9829}" type="datetimeFigureOut">
               <a:rPr lang="en-IN" smtClean="0"/>
-              <a:t>22-05-2024</a:t>
+              <a:t>28-05-2024</a:t>
             </a:fld>
             <a:endParaRPr lang="en-IN"/>
           </a:p>
@@ -2104,7 +5912,7 @@
           <a:p>
             <a:fld id="{FE86B67A-C5D1-42A7-8813-A8E29C5F9829}" type="datetimeFigureOut">
               <a:rPr lang="en-IN" smtClean="0"/>
-              <a:t>22-05-2024</a:t>
+              <a:t>28-05-2024</a:t>
             </a:fld>
             <a:endParaRPr lang="en-IN"/>
           </a:p>
@@ -2417,7 +6225,7 @@
           <a:p>
             <a:fld id="{FE86B67A-C5D1-42A7-8813-A8E29C5F9829}" type="datetimeFigureOut">
               <a:rPr lang="en-IN" smtClean="0"/>
-              <a:t>22-05-2024</a:t>
+              <a:t>28-05-2024</a:t>
             </a:fld>
             <a:endParaRPr lang="en-IN"/>
           </a:p>
@@ -2706,7 +6514,7 @@
           <a:p>
             <a:fld id="{FE86B67A-C5D1-42A7-8813-A8E29C5F9829}" type="datetimeFigureOut">
               <a:rPr lang="en-IN" smtClean="0"/>
-              <a:t>22-05-2024</a:t>
+              <a:t>28-05-2024</a:t>
             </a:fld>
             <a:endParaRPr lang="en-IN"/>
           </a:p>
@@ -2949,7 +6757,7 @@
           <a:p>
             <a:fld id="{FE86B67A-C5D1-42A7-8813-A8E29C5F9829}" type="datetimeFigureOut">
               <a:rPr lang="en-IN" smtClean="0"/>
-              <a:t>22-05-2024</a:t>
+              <a:t>28-05-2024</a:t>
             </a:fld>
             <a:endParaRPr lang="en-IN"/>
           </a:p>
@@ -3381,14 +7189,14 @@
           <p:nvPr>
             <p:extLst>
               <p:ext uri="{D42A27DB-BD31-4B8C-83A1-F6EECF244321}">
-                <p14:modId xmlns:p14="http://schemas.microsoft.com/office/powerpoint/2010/main" val="1595857832"/>
+                <p14:modId xmlns:p14="http://schemas.microsoft.com/office/powerpoint/2010/main" val="3437247674"/>
               </p:ext>
             </p:extLst>
           </p:nvPr>
         </p:nvGraphicFramePr>
         <p:xfrm>
           <a:off x="203200" y="234474"/>
-          <a:ext cx="8128000" cy="2865120"/>
+          <a:ext cx="10657633" cy="5257800"/>
         </p:xfrm>
         <a:graphic>
           <a:graphicData uri="http://schemas.openxmlformats.org/drawingml/2006/table">
@@ -3397,14 +7205,14 @@
                 <a:tableStyleId>{5940675A-B579-460E-94D1-54222C63F5DA}</a:tableStyleId>
               </a:tblPr>
               <a:tblGrid>
-                <a:gridCol w="2502678">
+                <a:gridCol w="2764023">
                   <a:extLst>
                     <a:ext uri="{9D8B030D-6E8A-4147-A177-3AD203B41FA5}">
                       <a16:colId xmlns:a16="http://schemas.microsoft.com/office/drawing/2014/main" val="499556405"/>
                     </a:ext>
                   </a:extLst>
                 </a:gridCol>
-                <a:gridCol w="5625322">
+                <a:gridCol w="7893610">
                   <a:extLst>
                     <a:ext uri="{9D8B030D-6E8A-4147-A177-3AD203B41FA5}">
                       <a16:colId xmlns:a16="http://schemas.microsoft.com/office/drawing/2014/main" val="564754365"/>
@@ -3482,7 +7290,7 @@
                   </a:ext>
                 </a:extLst>
               </a:tr>
-              <a:tr h="370840">
+              <a:tr h="0">
                 <a:tc>
                   <a:txBody>
                     <a:bodyPr/>
@@ -3657,6 +7465,181 @@
                   </a:ext>
                 </a:extLst>
               </a:tr>
+              <a:tr h="370840">
+                <a:tc>
+                  <a:txBody>
+                    <a:bodyPr/>
+                    <a:lstStyle/>
+                    <a:p>
+                      <a:r>
+                        <a:rPr lang="en-US" dirty="0"/>
+                        <a:t>Like Operator</a:t>
+                      </a:r>
+                      <a:endParaRPr lang="en-IN" dirty="0"/>
+                    </a:p>
+                  </a:txBody>
+                  <a:tcPr/>
+                </a:tc>
+                <a:tc>
+                  <a:txBody>
+                    <a:bodyPr/>
+                    <a:lstStyle/>
+                    <a:p>
+                      <a:r>
+                        <a:rPr lang="en-US" dirty="0"/>
+                        <a:t>Like Operator is used to perform queries on strings. This Operator is especially used in where clause to retrieve all the rows that match the given pattern.</a:t>
+                      </a:r>
+                      <a:endParaRPr lang="en-IN" dirty="0"/>
+                    </a:p>
+                  </a:txBody>
+                  <a:tcPr/>
+                </a:tc>
+                <a:extLst>
+                  <a:ext uri="{0D108BD9-81ED-4DB2-BD59-A6C34878D82A}">
+                    <a16:rowId xmlns:a16="http://schemas.microsoft.com/office/drawing/2014/main" val="4227009749"/>
+                  </a:ext>
+                </a:extLst>
+              </a:tr>
+              <a:tr h="370840">
+                <a:tc>
+                  <a:txBody>
+                    <a:bodyPr/>
+                    <a:lstStyle/>
+                    <a:p>
+                      <a:r>
+                        <a:rPr lang="en-US" dirty="0"/>
+                        <a:t>Logical Operator</a:t>
+                      </a:r>
+                      <a:endParaRPr lang="en-IN" dirty="0"/>
+                    </a:p>
+                  </a:txBody>
+                  <a:tcPr/>
+                </a:tc>
+                <a:tc>
+                  <a:txBody>
+                    <a:bodyPr/>
+                    <a:lstStyle/>
+                    <a:p>
+                      <a:r>
+                        <a:rPr lang="en-US" dirty="0"/>
+                        <a:t>With Logical Operators, we can perform queries based on multiple conditions.</a:t>
+                      </a:r>
+                      <a:endParaRPr lang="en-IN" dirty="0"/>
+                    </a:p>
+                  </a:txBody>
+                  <a:tcPr/>
+                </a:tc>
+                <a:extLst>
+                  <a:ext uri="{0D108BD9-81ED-4DB2-BD59-A6C34878D82A}">
+                    <a16:rowId xmlns:a16="http://schemas.microsoft.com/office/drawing/2014/main" val="3102912869"/>
+                  </a:ext>
+                </a:extLst>
+              </a:tr>
+              <a:tr h="370840">
+                <a:tc gridSpan="2">
+                  <a:txBody>
+                    <a:bodyPr/>
+                    <a:lstStyle/>
+                    <a:p>
+                      <a:pPr algn="ctr"/>
+                      <a:r>
+                        <a:rPr lang="en-US" dirty="0"/>
+                        <a:t>IN AND BETWEEN</a:t>
+                      </a:r>
+                      <a:endParaRPr lang="en-IN" dirty="0"/>
+                    </a:p>
+                  </a:txBody>
+                  <a:tcPr/>
+                </a:tc>
+                <a:tc hMerge="1">
+                  <a:txBody>
+                    <a:bodyPr/>
+                    <a:lstStyle/>
+                    <a:p>
+                      <a:endParaRPr lang="en-IN" dirty="0"/>
+                    </a:p>
+                  </a:txBody>
+                  <a:tcPr/>
+                </a:tc>
+                <a:extLst>
+                  <a:ext uri="{0D108BD9-81ED-4DB2-BD59-A6C34878D82A}">
+                    <a16:rowId xmlns:a16="http://schemas.microsoft.com/office/drawing/2014/main" val="3983111089"/>
+                  </a:ext>
+                </a:extLst>
+              </a:tr>
+              <a:tr h="370840">
+                <a:tc>
+                  <a:txBody>
+                    <a:bodyPr/>
+                    <a:lstStyle/>
+                    <a:p>
+                      <a:r>
+                        <a:rPr lang="en-IN" dirty="0"/>
+                        <a:t>IN Operator</a:t>
+                      </a:r>
+                    </a:p>
+                  </a:txBody>
+                  <a:tcPr/>
+                </a:tc>
+                <a:tc>
+                  <a:txBody>
+                    <a:bodyPr/>
+                    <a:lstStyle/>
+                    <a:p>
+                      <a:r>
+                        <a:rPr lang="en-US" dirty="0"/>
+                        <a:t>To check if a value is present in the list of values.</a:t>
+                      </a:r>
+                      <a:endParaRPr lang="en-IN" dirty="0"/>
+                    </a:p>
+                  </a:txBody>
+                  <a:tcPr/>
+                </a:tc>
+                <a:extLst>
+                  <a:ext uri="{0D108BD9-81ED-4DB2-BD59-A6C34878D82A}">
+                    <a16:rowId xmlns:a16="http://schemas.microsoft.com/office/drawing/2014/main" val="673384422"/>
+                  </a:ext>
+                </a:extLst>
+              </a:tr>
+              <a:tr h="370840">
+                <a:tc>
+                  <a:txBody>
+                    <a:bodyPr/>
+                    <a:lstStyle/>
+                    <a:p>
+                      <a:r>
+                        <a:rPr lang="en-IN" dirty="0"/>
+                        <a:t>Between Operator</a:t>
+                      </a:r>
+                    </a:p>
+                  </a:txBody>
+                  <a:tcPr/>
+                </a:tc>
+                <a:tc>
+                  <a:txBody>
+                    <a:bodyPr/>
+                    <a:lstStyle/>
+                    <a:p>
+                      <a:r>
+                        <a:rPr lang="en-US" dirty="0"/>
+                        <a:t>To check if a particular value exists in the given range. </a:t>
+                      </a:r>
+                    </a:p>
+                    <a:p>
+                      <a:r>
+                        <a:rPr lang="en-US" dirty="0"/>
+                        <a:t>Between Operator is inclusive, i.e., both the lower and upper limit values of the range are included. </a:t>
+                      </a:r>
+                    </a:p>
+                  </a:txBody>
+                  <a:tcPr/>
+                </a:tc>
+                <a:extLst>
+                  <a:ext uri="{0D108BD9-81ED-4DB2-BD59-A6C34878D82A}">
+                    <a16:rowId xmlns:a16="http://schemas.microsoft.com/office/drawing/2014/main" val="2853830687"/>
+                  </a:ext>
+                </a:extLst>
+              </a:tr>
             </a:tbl>
           </a:graphicData>
         </a:graphic>
@@ -3693,6 +7676,831 @@
       </p:grpSpPr>
       <p:pic>
         <p:nvPicPr>
+          <p:cNvPr id="3" name="Picture 2">
+            <a:extLst>
+              <a:ext uri="{FF2B5EF4-FFF2-40B4-BE49-F238E27FC236}">
+                <a16:creationId xmlns:a16="http://schemas.microsoft.com/office/drawing/2014/main" id="{23A9669B-9214-05C6-9AF7-E8BEE65E77D7}"/>
+              </a:ext>
+            </a:extLst>
+          </p:cNvPr>
+          <p:cNvPicPr>
+            <a:picLocks noChangeAspect="1"/>
+          </p:cNvPicPr>
+          <p:nvPr/>
+        </p:nvPicPr>
+        <p:blipFill>
+          <a:blip r:embed="rId2"/>
+          <a:stretch>
+            <a:fillRect/>
+          </a:stretch>
+        </p:blipFill>
+        <p:spPr>
+          <a:xfrm>
+            <a:off x="1032520" y="164174"/>
+            <a:ext cx="2662401" cy="1757184"/>
+          </a:xfrm>
+          <a:prstGeom prst="rect">
+            <a:avLst/>
+          </a:prstGeom>
+        </p:spPr>
+      </p:pic>
+      <p:sp>
+        <p:nvSpPr>
+          <p:cNvPr id="4" name="Arrow: Right 3">
+            <a:extLst>
+              <a:ext uri="{FF2B5EF4-FFF2-40B4-BE49-F238E27FC236}">
+                <a16:creationId xmlns:a16="http://schemas.microsoft.com/office/drawing/2014/main" id="{41A4789A-F467-3DFC-57D0-80B1751AEC4E}"/>
+              </a:ext>
+            </a:extLst>
+          </p:cNvPr>
+          <p:cNvSpPr/>
+          <p:nvPr/>
+        </p:nvSpPr>
+        <p:spPr>
+          <a:xfrm>
+            <a:off x="4337179" y="534248"/>
+            <a:ext cx="3517641" cy="1017037"/>
+          </a:xfrm>
+          <a:prstGeom prst="rightArrow">
+            <a:avLst/>
+          </a:prstGeom>
+        </p:spPr>
+        <p:style>
+          <a:lnRef idx="2">
+            <a:schemeClr val="accent1">
+              <a:shade val="15000"/>
+            </a:schemeClr>
+          </a:lnRef>
+          <a:fillRef idx="1">
+            <a:schemeClr val="accent1"/>
+          </a:fillRef>
+          <a:effectRef idx="0">
+            <a:schemeClr val="accent1"/>
+          </a:effectRef>
+          <a:fontRef idx="minor">
+            <a:schemeClr val="lt1"/>
+          </a:fontRef>
+        </p:style>
+        <p:txBody>
+          <a:bodyPr rtlCol="0" anchor="ctr"/>
+          <a:lstStyle/>
+          <a:p>
+            <a:pPr algn="ctr"/>
+            <a:r>
+              <a:rPr lang="en-US" dirty="0"/>
+              <a:t>Select only name and age</a:t>
+            </a:r>
+            <a:endParaRPr lang="en-IN" dirty="0"/>
+          </a:p>
+        </p:txBody>
+      </p:sp>
+      <p:pic>
+        <p:nvPicPr>
+          <p:cNvPr id="8" name="Picture 7">
+            <a:extLst>
+              <a:ext uri="{FF2B5EF4-FFF2-40B4-BE49-F238E27FC236}">
+                <a16:creationId xmlns:a16="http://schemas.microsoft.com/office/drawing/2014/main" id="{CF62EBB2-1A45-79BB-986E-0D48DF00A112}"/>
+              </a:ext>
+            </a:extLst>
+          </p:cNvPr>
+          <p:cNvPicPr>
+            <a:picLocks noChangeAspect="1"/>
+          </p:cNvPicPr>
+          <p:nvPr/>
+        </p:nvPicPr>
+        <p:blipFill>
+          <a:blip r:embed="rId3"/>
+          <a:stretch>
+            <a:fillRect/>
+          </a:stretch>
+        </p:blipFill>
+        <p:spPr>
+          <a:xfrm>
+            <a:off x="8282501" y="164174"/>
+            <a:ext cx="1943850" cy="1699259"/>
+          </a:xfrm>
+          <a:prstGeom prst="rect">
+            <a:avLst/>
+          </a:prstGeom>
+        </p:spPr>
+      </p:pic>
+      <p:pic>
+        <p:nvPicPr>
+          <p:cNvPr id="12" name="Picture 11">
+            <a:extLst>
+              <a:ext uri="{FF2B5EF4-FFF2-40B4-BE49-F238E27FC236}">
+                <a16:creationId xmlns:a16="http://schemas.microsoft.com/office/drawing/2014/main" id="{02E53C69-840B-FD4A-241F-50BC561D0334}"/>
+              </a:ext>
+            </a:extLst>
+          </p:cNvPr>
+          <p:cNvPicPr>
+            <a:picLocks noChangeAspect="1"/>
+          </p:cNvPicPr>
+          <p:nvPr/>
+        </p:nvPicPr>
+        <p:blipFill>
+          <a:blip r:embed="rId4"/>
+          <a:stretch>
+            <a:fillRect/>
+          </a:stretch>
+        </p:blipFill>
+        <p:spPr>
+          <a:xfrm>
+            <a:off x="1331195" y="5131430"/>
+            <a:ext cx="1794560" cy="606983"/>
+          </a:xfrm>
+          <a:prstGeom prst="rect">
+            <a:avLst/>
+          </a:prstGeom>
+        </p:spPr>
+      </p:pic>
+      <p:sp>
+        <p:nvSpPr>
+          <p:cNvPr id="13" name="Arrow: Down 12">
+            <a:extLst>
+              <a:ext uri="{FF2B5EF4-FFF2-40B4-BE49-F238E27FC236}">
+                <a16:creationId xmlns:a16="http://schemas.microsoft.com/office/drawing/2014/main" id="{1870D57E-59B7-C772-8380-522415114DB3}"/>
+              </a:ext>
+            </a:extLst>
+          </p:cNvPr>
+          <p:cNvSpPr/>
+          <p:nvPr/>
+        </p:nvSpPr>
+        <p:spPr>
+          <a:xfrm>
+            <a:off x="1761944" y="2798010"/>
+            <a:ext cx="933062" cy="1922106"/>
+          </a:xfrm>
+          <a:prstGeom prst="downArrow">
+            <a:avLst/>
+          </a:prstGeom>
+        </p:spPr>
+        <p:style>
+          <a:lnRef idx="2">
+            <a:schemeClr val="accent1">
+              <a:shade val="15000"/>
+            </a:schemeClr>
+          </a:lnRef>
+          <a:fillRef idx="1">
+            <a:schemeClr val="accent1"/>
+          </a:fillRef>
+          <a:effectRef idx="0">
+            <a:schemeClr val="accent1"/>
+          </a:effectRef>
+          <a:fontRef idx="minor">
+            <a:schemeClr val="lt1"/>
+          </a:fontRef>
+        </p:style>
+        <p:txBody>
+          <a:bodyPr rtlCol="0" anchor="ctr"/>
+          <a:lstStyle/>
+          <a:p>
+            <a:pPr algn="ctr"/>
+            <a:endParaRPr lang="en-IN" dirty="0"/>
+          </a:p>
+        </p:txBody>
+      </p:sp>
+      <p:sp>
+        <p:nvSpPr>
+          <p:cNvPr id="15" name="TextBox 14">
+            <a:extLst>
+              <a:ext uri="{FF2B5EF4-FFF2-40B4-BE49-F238E27FC236}">
+                <a16:creationId xmlns:a16="http://schemas.microsoft.com/office/drawing/2014/main" id="{E3812E9A-B41D-7449-60DF-FD3FB8EAEC6F}"/>
+              </a:ext>
+            </a:extLst>
+          </p:cNvPr>
+          <p:cNvSpPr txBox="1"/>
+          <p:nvPr/>
+        </p:nvSpPr>
+        <p:spPr>
+          <a:xfrm>
+            <a:off x="2538991" y="2781221"/>
+            <a:ext cx="2132113" cy="1200329"/>
+          </a:xfrm>
+          <a:prstGeom prst="rect">
+            <a:avLst/>
+          </a:prstGeom>
+          <a:noFill/>
+        </p:spPr>
+        <p:txBody>
+          <a:bodyPr wrap="square" rtlCol="0">
+            <a:spAutoFit/>
+          </a:bodyPr>
+          <a:lstStyle/>
+          <a:p>
+            <a:r>
+              <a:rPr lang="en-US" dirty="0"/>
+              <a:t>Select name, age from </a:t>
+            </a:r>
+          </a:p>
+          <a:p>
+            <a:r>
+              <a:rPr lang="en-US" dirty="0"/>
+              <a:t>Player table whose name is “Sai”</a:t>
+            </a:r>
+            <a:endParaRPr lang="en-IN" dirty="0"/>
+          </a:p>
+        </p:txBody>
+      </p:sp>
+    </p:spTree>
+    <p:extLst>
+      <p:ext uri="{BB962C8B-B14F-4D97-AF65-F5344CB8AC3E}">
+        <p14:creationId xmlns:p14="http://schemas.microsoft.com/office/powerpoint/2010/main" val="2807531647"/>
+      </p:ext>
+    </p:extLst>
+  </p:cSld>
+  <p:clrMapOvr>
+    <a:masterClrMapping/>
+  </p:clrMapOvr>
+</p:sld>
+</file>
+
+<file path=ppt/slides/slide11.xml><?xml version="1.0" encoding="utf-8"?>
+<p:sld xmlns:a="http://schemas.openxmlformats.org/drawingml/2006/main" xmlns:r="http://schemas.openxmlformats.org/officeDocument/2006/relationships" xmlns:p="http://schemas.openxmlformats.org/presentationml/2006/main">
+  <p:cSld>
+    <p:spTree>
+      <p:nvGrpSpPr>
+        <p:cNvPr id="1" name=""/>
+        <p:cNvGrpSpPr/>
+        <p:nvPr/>
+      </p:nvGrpSpPr>
+      <p:grpSpPr>
+        <a:xfrm>
+          <a:off x="0" y="0"/>
+          <a:ext cx="0" cy="0"/>
+          <a:chOff x="0" y="0"/>
+          <a:chExt cx="0" cy="0"/>
+        </a:xfrm>
+      </p:grpSpPr>
+      <p:pic>
+        <p:nvPicPr>
+          <p:cNvPr id="3" name="Picture 2">
+            <a:extLst>
+              <a:ext uri="{FF2B5EF4-FFF2-40B4-BE49-F238E27FC236}">
+                <a16:creationId xmlns:a16="http://schemas.microsoft.com/office/drawing/2014/main" id="{23A9669B-9214-05C6-9AF7-E8BEE65E77D7}"/>
+              </a:ext>
+            </a:extLst>
+          </p:cNvPr>
+          <p:cNvPicPr>
+            <a:picLocks noChangeAspect="1"/>
+          </p:cNvPicPr>
+          <p:nvPr/>
+        </p:nvPicPr>
+        <p:blipFill>
+          <a:blip r:embed="rId2"/>
+          <a:stretch>
+            <a:fillRect/>
+          </a:stretch>
+        </p:blipFill>
+        <p:spPr>
+          <a:xfrm>
+            <a:off x="1032520" y="164174"/>
+            <a:ext cx="2662401" cy="1757184"/>
+          </a:xfrm>
+          <a:prstGeom prst="rect">
+            <a:avLst/>
+          </a:prstGeom>
+        </p:spPr>
+      </p:pic>
+      <p:sp>
+        <p:nvSpPr>
+          <p:cNvPr id="4" name="Arrow: Right 3">
+            <a:extLst>
+              <a:ext uri="{FF2B5EF4-FFF2-40B4-BE49-F238E27FC236}">
+                <a16:creationId xmlns:a16="http://schemas.microsoft.com/office/drawing/2014/main" id="{41A4789A-F467-3DFC-57D0-80B1751AEC4E}"/>
+              </a:ext>
+            </a:extLst>
+          </p:cNvPr>
+          <p:cNvSpPr/>
+          <p:nvPr/>
+        </p:nvSpPr>
+        <p:spPr>
+          <a:xfrm>
+            <a:off x="4337179" y="534248"/>
+            <a:ext cx="3517641" cy="1017037"/>
+          </a:xfrm>
+          <a:prstGeom prst="rightArrow">
+            <a:avLst/>
+          </a:prstGeom>
+        </p:spPr>
+        <p:style>
+          <a:lnRef idx="2">
+            <a:schemeClr val="accent1">
+              <a:shade val="15000"/>
+            </a:schemeClr>
+          </a:lnRef>
+          <a:fillRef idx="1">
+            <a:schemeClr val="accent1"/>
+          </a:fillRef>
+          <a:effectRef idx="0">
+            <a:schemeClr val="accent1"/>
+          </a:effectRef>
+          <a:fontRef idx="minor">
+            <a:schemeClr val="lt1"/>
+          </a:fontRef>
+        </p:style>
+        <p:txBody>
+          <a:bodyPr rtlCol="0" anchor="ctr"/>
+          <a:lstStyle/>
+          <a:p>
+            <a:pPr algn="ctr"/>
+            <a:r>
+              <a:rPr lang="en-US" dirty="0"/>
+              <a:t>Select only name and age</a:t>
+            </a:r>
+            <a:endParaRPr lang="en-IN" dirty="0"/>
+          </a:p>
+        </p:txBody>
+      </p:sp>
+      <p:sp>
+        <p:nvSpPr>
+          <p:cNvPr id="6" name="TextBox 5">
+            <a:extLst>
+              <a:ext uri="{FF2B5EF4-FFF2-40B4-BE49-F238E27FC236}">
+                <a16:creationId xmlns:a16="http://schemas.microsoft.com/office/drawing/2014/main" id="{A4F2C872-E381-9453-48D8-ED0AF7476960}"/>
+              </a:ext>
+            </a:extLst>
+          </p:cNvPr>
+          <p:cNvSpPr txBox="1"/>
+          <p:nvPr/>
+        </p:nvSpPr>
+        <p:spPr>
+          <a:xfrm>
+            <a:off x="993642" y="2059346"/>
+            <a:ext cx="2132113" cy="369332"/>
+          </a:xfrm>
+          <a:prstGeom prst="rect">
+            <a:avLst/>
+          </a:prstGeom>
+          <a:noFill/>
+        </p:spPr>
+        <p:txBody>
+          <a:bodyPr wrap="square">
+            <a:spAutoFit/>
+          </a:bodyPr>
+          <a:lstStyle/>
+          <a:p>
+            <a:r>
+              <a:rPr lang="en-IN" dirty="0"/>
+              <a:t>select * from player;</a:t>
+            </a:r>
+          </a:p>
+        </p:txBody>
+      </p:sp>
+      <p:pic>
+        <p:nvPicPr>
+          <p:cNvPr id="8" name="Picture 7">
+            <a:extLst>
+              <a:ext uri="{FF2B5EF4-FFF2-40B4-BE49-F238E27FC236}">
+                <a16:creationId xmlns:a16="http://schemas.microsoft.com/office/drawing/2014/main" id="{CF62EBB2-1A45-79BB-986E-0D48DF00A112}"/>
+              </a:ext>
+            </a:extLst>
+          </p:cNvPr>
+          <p:cNvPicPr>
+            <a:picLocks noChangeAspect="1"/>
+          </p:cNvPicPr>
+          <p:nvPr/>
+        </p:nvPicPr>
+        <p:blipFill>
+          <a:blip r:embed="rId3"/>
+          <a:stretch>
+            <a:fillRect/>
+          </a:stretch>
+        </p:blipFill>
+        <p:spPr>
+          <a:xfrm>
+            <a:off x="8282501" y="164174"/>
+            <a:ext cx="1943850" cy="1699259"/>
+          </a:xfrm>
+          <a:prstGeom prst="rect">
+            <a:avLst/>
+          </a:prstGeom>
+        </p:spPr>
+      </p:pic>
+      <p:pic>
+        <p:nvPicPr>
+          <p:cNvPr id="12" name="Picture 11">
+            <a:extLst>
+              <a:ext uri="{FF2B5EF4-FFF2-40B4-BE49-F238E27FC236}">
+                <a16:creationId xmlns:a16="http://schemas.microsoft.com/office/drawing/2014/main" id="{02E53C69-840B-FD4A-241F-50BC561D0334}"/>
+              </a:ext>
+            </a:extLst>
+          </p:cNvPr>
+          <p:cNvPicPr>
+            <a:picLocks noChangeAspect="1"/>
+          </p:cNvPicPr>
+          <p:nvPr/>
+        </p:nvPicPr>
+        <p:blipFill>
+          <a:blip r:embed="rId4"/>
+          <a:stretch>
+            <a:fillRect/>
+          </a:stretch>
+        </p:blipFill>
+        <p:spPr>
+          <a:xfrm>
+            <a:off x="1331195" y="5131430"/>
+            <a:ext cx="1794560" cy="606983"/>
+          </a:xfrm>
+          <a:prstGeom prst="rect">
+            <a:avLst/>
+          </a:prstGeom>
+        </p:spPr>
+      </p:pic>
+      <p:sp>
+        <p:nvSpPr>
+          <p:cNvPr id="13" name="Arrow: Down 12">
+            <a:extLst>
+              <a:ext uri="{FF2B5EF4-FFF2-40B4-BE49-F238E27FC236}">
+                <a16:creationId xmlns:a16="http://schemas.microsoft.com/office/drawing/2014/main" id="{1870D57E-59B7-C772-8380-522415114DB3}"/>
+              </a:ext>
+            </a:extLst>
+          </p:cNvPr>
+          <p:cNvSpPr/>
+          <p:nvPr/>
+        </p:nvSpPr>
+        <p:spPr>
+          <a:xfrm>
+            <a:off x="1761944" y="2798010"/>
+            <a:ext cx="933062" cy="1922106"/>
+          </a:xfrm>
+          <a:prstGeom prst="downArrow">
+            <a:avLst/>
+          </a:prstGeom>
+        </p:spPr>
+        <p:style>
+          <a:lnRef idx="2">
+            <a:schemeClr val="accent1">
+              <a:shade val="15000"/>
+            </a:schemeClr>
+          </a:lnRef>
+          <a:fillRef idx="1">
+            <a:schemeClr val="accent1"/>
+          </a:fillRef>
+          <a:effectRef idx="0">
+            <a:schemeClr val="accent1"/>
+          </a:effectRef>
+          <a:fontRef idx="minor">
+            <a:schemeClr val="lt1"/>
+          </a:fontRef>
+        </p:style>
+        <p:txBody>
+          <a:bodyPr rtlCol="0" anchor="ctr"/>
+          <a:lstStyle/>
+          <a:p>
+            <a:pPr algn="ctr"/>
+            <a:endParaRPr lang="en-IN" dirty="0"/>
+          </a:p>
+        </p:txBody>
+      </p:sp>
+      <p:sp>
+        <p:nvSpPr>
+          <p:cNvPr id="15" name="TextBox 14">
+            <a:extLst>
+              <a:ext uri="{FF2B5EF4-FFF2-40B4-BE49-F238E27FC236}">
+                <a16:creationId xmlns:a16="http://schemas.microsoft.com/office/drawing/2014/main" id="{E3812E9A-B41D-7449-60DF-FD3FB8EAEC6F}"/>
+              </a:ext>
+            </a:extLst>
+          </p:cNvPr>
+          <p:cNvSpPr txBox="1"/>
+          <p:nvPr/>
+        </p:nvSpPr>
+        <p:spPr>
+          <a:xfrm>
+            <a:off x="2538991" y="2781221"/>
+            <a:ext cx="2132113" cy="1200329"/>
+          </a:xfrm>
+          <a:prstGeom prst="rect">
+            <a:avLst/>
+          </a:prstGeom>
+          <a:noFill/>
+        </p:spPr>
+        <p:txBody>
+          <a:bodyPr wrap="square" rtlCol="0">
+            <a:spAutoFit/>
+          </a:bodyPr>
+          <a:lstStyle/>
+          <a:p>
+            <a:r>
+              <a:rPr lang="en-US" dirty="0"/>
+              <a:t>Select name, age from </a:t>
+            </a:r>
+          </a:p>
+          <a:p>
+            <a:r>
+              <a:rPr lang="en-US" dirty="0"/>
+              <a:t>Player table whose name is “Sai”</a:t>
+            </a:r>
+            <a:endParaRPr lang="en-IN" dirty="0"/>
+          </a:p>
+        </p:txBody>
+      </p:sp>
+      <p:sp>
+        <p:nvSpPr>
+          <p:cNvPr id="2" name="TextBox 1">
+            <a:extLst>
+              <a:ext uri="{FF2B5EF4-FFF2-40B4-BE49-F238E27FC236}">
+                <a16:creationId xmlns:a16="http://schemas.microsoft.com/office/drawing/2014/main" id="{3159BFCC-4DA6-0B78-5BAA-3F894993EEAE}"/>
+              </a:ext>
+            </a:extLst>
+          </p:cNvPr>
+          <p:cNvSpPr txBox="1"/>
+          <p:nvPr/>
+        </p:nvSpPr>
+        <p:spPr>
+          <a:xfrm>
+            <a:off x="8363455" y="2138520"/>
+            <a:ext cx="1781941" cy="1169551"/>
+          </a:xfrm>
+          <a:prstGeom prst="rect">
+            <a:avLst/>
+          </a:prstGeom>
+          <a:solidFill>
+            <a:schemeClr val="accent3">
+              <a:lumMod val="20000"/>
+              <a:lumOff val="80000"/>
+            </a:schemeClr>
+          </a:solidFill>
+        </p:spPr>
+        <p:txBody>
+          <a:bodyPr wrap="square">
+            <a:spAutoFit/>
+          </a:bodyPr>
+          <a:lstStyle/>
+          <a:p>
+            <a:r>
+              <a:rPr lang="en-IN" sz="1400" dirty="0"/>
+              <a:t>select 	</a:t>
+            </a:r>
+          </a:p>
+          <a:p>
+            <a:r>
+              <a:rPr lang="en-IN" sz="1400" dirty="0"/>
+              <a:t>	name,    </a:t>
+            </a:r>
+          </a:p>
+          <a:p>
+            <a:r>
+              <a:rPr lang="en-IN" sz="1400" dirty="0"/>
+              <a:t>	age</a:t>
+            </a:r>
+          </a:p>
+          <a:p>
+            <a:r>
+              <a:rPr lang="en-IN" sz="1400" dirty="0"/>
+              <a:t>from 	</a:t>
+            </a:r>
+          </a:p>
+          <a:p>
+            <a:r>
+              <a:rPr lang="en-IN" sz="1400" dirty="0"/>
+              <a:t>	player;</a:t>
+            </a:r>
+          </a:p>
+        </p:txBody>
+      </p:sp>
+      <p:sp>
+        <p:nvSpPr>
+          <p:cNvPr id="5" name="TextBox 4">
+            <a:extLst>
+              <a:ext uri="{FF2B5EF4-FFF2-40B4-BE49-F238E27FC236}">
+                <a16:creationId xmlns:a16="http://schemas.microsoft.com/office/drawing/2014/main" id="{0253A820-C542-52A1-7C65-3A3E098FE3A3}"/>
+              </a:ext>
+            </a:extLst>
+          </p:cNvPr>
+          <p:cNvSpPr txBox="1"/>
+          <p:nvPr/>
+        </p:nvSpPr>
+        <p:spPr>
+          <a:xfrm>
+            <a:off x="3458158" y="4938757"/>
+            <a:ext cx="2942642" cy="1384995"/>
+          </a:xfrm>
+          <a:prstGeom prst="rect">
+            <a:avLst/>
+          </a:prstGeom>
+          <a:solidFill>
+            <a:schemeClr val="accent3">
+              <a:lumMod val="20000"/>
+              <a:lumOff val="80000"/>
+            </a:schemeClr>
+          </a:solidFill>
+        </p:spPr>
+        <p:txBody>
+          <a:bodyPr wrap="square">
+            <a:spAutoFit/>
+          </a:bodyPr>
+          <a:lstStyle/>
+          <a:p>
+            <a:r>
+              <a:rPr lang="en-IN" sz="1400" dirty="0"/>
+              <a:t>select 	</a:t>
+            </a:r>
+          </a:p>
+          <a:p>
+            <a:r>
+              <a:rPr lang="en-IN" sz="1400" dirty="0"/>
+              <a:t>	name, age</a:t>
+            </a:r>
+          </a:p>
+          <a:p>
+            <a:r>
+              <a:rPr lang="en-IN" sz="1400" dirty="0"/>
+              <a:t>from 	</a:t>
+            </a:r>
+          </a:p>
+          <a:p>
+            <a:r>
+              <a:rPr lang="en-IN" sz="1400" dirty="0"/>
+              <a:t>	player</a:t>
+            </a:r>
+          </a:p>
+          <a:p>
+            <a:r>
+              <a:rPr lang="en-IN" sz="1400" dirty="0"/>
+              <a:t>where 	</a:t>
+            </a:r>
+          </a:p>
+          <a:p>
+            <a:r>
+              <a:rPr lang="en-IN" sz="1400" dirty="0"/>
+              <a:t>	name = “Sai"</a:t>
+            </a:r>
+          </a:p>
+        </p:txBody>
+      </p:sp>
+    </p:spTree>
+    <p:extLst>
+      <p:ext uri="{BB962C8B-B14F-4D97-AF65-F5344CB8AC3E}">
+        <p14:creationId xmlns:p14="http://schemas.microsoft.com/office/powerpoint/2010/main" val="2171306974"/>
+      </p:ext>
+    </p:extLst>
+  </p:cSld>
+  <p:clrMapOvr>
+    <a:masterClrMapping/>
+  </p:clrMapOvr>
+</p:sld>
+</file>
+
+<file path=ppt/slides/slide12.xml><?xml version="1.0" encoding="utf-8"?>
+<p:sld xmlns:a="http://schemas.openxmlformats.org/drawingml/2006/main" xmlns:r="http://schemas.openxmlformats.org/officeDocument/2006/relationships" xmlns:p="http://schemas.openxmlformats.org/presentationml/2006/main">
+  <p:cSld>
+    <p:spTree>
+      <p:nvGrpSpPr>
+        <p:cNvPr id="1" name=""/>
+        <p:cNvGrpSpPr/>
+        <p:nvPr/>
+      </p:nvGrpSpPr>
+      <p:grpSpPr>
+        <a:xfrm>
+          <a:off x="0" y="0"/>
+          <a:ext cx="0" cy="0"/>
+          <a:chOff x="0" y="0"/>
+          <a:chExt cx="0" cy="0"/>
+        </a:xfrm>
+      </p:grpSpPr>
+      <p:pic>
+        <p:nvPicPr>
+          <p:cNvPr id="2" name="Picture 1">
+            <a:extLst>
+              <a:ext uri="{FF2B5EF4-FFF2-40B4-BE49-F238E27FC236}">
+                <a16:creationId xmlns:a16="http://schemas.microsoft.com/office/drawing/2014/main" id="{6EBB2198-A52D-7CFB-4C07-E6BFE9CFABBA}"/>
+              </a:ext>
+            </a:extLst>
+          </p:cNvPr>
+          <p:cNvPicPr>
+            <a:picLocks noChangeAspect="1"/>
+          </p:cNvPicPr>
+          <p:nvPr/>
+        </p:nvPicPr>
+        <p:blipFill>
+          <a:blip r:embed="rId2"/>
+          <a:stretch>
+            <a:fillRect/>
+          </a:stretch>
+        </p:blipFill>
+        <p:spPr>
+          <a:xfrm>
+            <a:off x="1032520" y="164174"/>
+            <a:ext cx="2662401" cy="1757184"/>
+          </a:xfrm>
+          <a:prstGeom prst="rect">
+            <a:avLst/>
+          </a:prstGeom>
+        </p:spPr>
+      </p:pic>
+      <p:sp>
+        <p:nvSpPr>
+          <p:cNvPr id="4" name="Arrow: Right 3">
+            <a:extLst>
+              <a:ext uri="{FF2B5EF4-FFF2-40B4-BE49-F238E27FC236}">
+                <a16:creationId xmlns:a16="http://schemas.microsoft.com/office/drawing/2014/main" id="{D438B38F-1820-F21A-236D-BC4A31CBDAAF}"/>
+              </a:ext>
+            </a:extLst>
+          </p:cNvPr>
+          <p:cNvSpPr/>
+          <p:nvPr/>
+        </p:nvSpPr>
+        <p:spPr>
+          <a:xfrm>
+            <a:off x="4337179" y="534248"/>
+            <a:ext cx="3517641" cy="1017037"/>
+          </a:xfrm>
+          <a:prstGeom prst="rightArrow">
+            <a:avLst/>
+          </a:prstGeom>
+        </p:spPr>
+        <p:style>
+          <a:lnRef idx="2">
+            <a:schemeClr val="accent1">
+              <a:shade val="15000"/>
+            </a:schemeClr>
+          </a:lnRef>
+          <a:fillRef idx="1">
+            <a:schemeClr val="accent1"/>
+          </a:fillRef>
+          <a:effectRef idx="0">
+            <a:schemeClr val="accent1"/>
+          </a:effectRef>
+          <a:fontRef idx="minor">
+            <a:schemeClr val="lt1"/>
+          </a:fontRef>
+        </p:style>
+        <p:txBody>
+          <a:bodyPr rtlCol="0" anchor="ctr"/>
+          <a:lstStyle/>
+          <a:p>
+            <a:pPr algn="ctr"/>
+            <a:r>
+              <a:rPr lang="en-US" dirty="0"/>
+              <a:t>Update score of Ram to 100</a:t>
+            </a:r>
+            <a:endParaRPr lang="en-IN" dirty="0"/>
+          </a:p>
+        </p:txBody>
+      </p:sp>
+      <p:pic>
+        <p:nvPicPr>
+          <p:cNvPr id="8" name="Picture 7">
+            <a:extLst>
+              <a:ext uri="{FF2B5EF4-FFF2-40B4-BE49-F238E27FC236}">
+                <a16:creationId xmlns:a16="http://schemas.microsoft.com/office/drawing/2014/main" id="{549308D5-5C91-D663-BC48-7BA4043E580C}"/>
+              </a:ext>
+            </a:extLst>
+          </p:cNvPr>
+          <p:cNvPicPr>
+            <a:picLocks noChangeAspect="1"/>
+          </p:cNvPicPr>
+          <p:nvPr/>
+        </p:nvPicPr>
+        <p:blipFill>
+          <a:blip r:embed="rId3"/>
+          <a:stretch>
+            <a:fillRect/>
+          </a:stretch>
+        </p:blipFill>
+        <p:spPr>
+          <a:xfrm>
+            <a:off x="8385889" y="164174"/>
+            <a:ext cx="2426196" cy="1754326"/>
+          </a:xfrm>
+          <a:prstGeom prst="rect">
+            <a:avLst/>
+          </a:prstGeom>
+        </p:spPr>
+      </p:pic>
+    </p:spTree>
+    <p:extLst>
+      <p:ext uri="{BB962C8B-B14F-4D97-AF65-F5344CB8AC3E}">
+        <p14:creationId xmlns:p14="http://schemas.microsoft.com/office/powerpoint/2010/main" val="1555591143"/>
+      </p:ext>
+    </p:extLst>
+  </p:cSld>
+  <p:clrMapOvr>
+    <a:masterClrMapping/>
+  </p:clrMapOvr>
+</p:sld>
+</file>
+
+<file path=ppt/slides/slide13.xml><?xml version="1.0" encoding="utf-8"?>
+<p:sld xmlns:a="http://schemas.openxmlformats.org/drawingml/2006/main" xmlns:r="http://schemas.openxmlformats.org/officeDocument/2006/relationships" xmlns:p="http://schemas.openxmlformats.org/presentationml/2006/main">
+  <p:cSld>
+    <p:spTree>
+      <p:nvGrpSpPr>
+        <p:cNvPr id="1" name=""/>
+        <p:cNvGrpSpPr/>
+        <p:nvPr/>
+      </p:nvGrpSpPr>
+      <p:grpSpPr>
+        <a:xfrm>
+          <a:off x="0" y="0"/>
+          <a:ext cx="0" cy="0"/>
+          <a:chOff x="0" y="0"/>
+          <a:chExt cx="0" cy="0"/>
+        </a:xfrm>
+      </p:grpSpPr>
+      <p:pic>
+        <p:nvPicPr>
           <p:cNvPr id="2" name="Picture 1">
             <a:extLst>
               <a:ext uri="{FF2B5EF4-FFF2-40B4-BE49-F238E27FC236}">
@@ -3879,7 +8687,7 @@
 </p:sld>
 </file>
 
-<file path=ppt/slides/slide11.xml><?xml version="1.0" encoding="utf-8"?>
+<file path=ppt/slides/slide14.xml><?xml version="1.0" encoding="utf-8"?>
 <p:sld xmlns:a="http://schemas.openxmlformats.org/drawingml/2006/main" xmlns:r="http://schemas.openxmlformats.org/officeDocument/2006/relationships" xmlns:p="http://schemas.openxmlformats.org/presentationml/2006/main">
   <p:cSld>
     <p:spTree>
@@ -4019,7 +8827,7 @@
 </p:sld>
 </file>
 
-<file path=ppt/slides/slide12.xml><?xml version="1.0" encoding="utf-8"?>
+<file path=ppt/slides/slide15.xml><?xml version="1.0" encoding="utf-8"?>
 <p:sld xmlns:a="http://schemas.openxmlformats.org/drawingml/2006/main" xmlns:r="http://schemas.openxmlformats.org/officeDocument/2006/relationships" xmlns:p="http://schemas.openxmlformats.org/presentationml/2006/main">
   <p:cSld>
     <p:spTree>
@@ -4212,7 +9020,7 @@
 </p:sld>
 </file>
 
-<file path=ppt/slides/slide13.xml><?xml version="1.0" encoding="utf-8"?>
+<file path=ppt/slides/slide16.xml><?xml version="1.0" encoding="utf-8"?>
 <p:sld xmlns:a="http://schemas.openxmlformats.org/drawingml/2006/main" xmlns:r="http://schemas.openxmlformats.org/officeDocument/2006/relationships" xmlns:p="http://schemas.openxmlformats.org/presentationml/2006/main">
   <p:cSld>
     <p:spTree>
@@ -4352,7 +9160,7 @@
 </p:sld>
 </file>
 
-<file path=ppt/slides/slide14.xml><?xml version="1.0" encoding="utf-8"?>
+<file path=ppt/slides/slide17.xml><?xml version="1.0" encoding="utf-8"?>
 <p:sld xmlns:a="http://schemas.openxmlformats.org/drawingml/2006/main" xmlns:r="http://schemas.openxmlformats.org/officeDocument/2006/relationships" xmlns:p="http://schemas.openxmlformats.org/presentationml/2006/main">
   <p:cSld>
     <p:spTree>
@@ -4545,7 +9353,7 @@
 </p:sld>
 </file>
 
-<file path=ppt/slides/slide15.xml><?xml version="1.0" encoding="utf-8"?>
+<file path=ppt/slides/slide18.xml><?xml version="1.0" encoding="utf-8"?>
 <p:sld xmlns:a="http://schemas.openxmlformats.org/drawingml/2006/main" xmlns:r="http://schemas.openxmlformats.org/officeDocument/2006/relationships" xmlns:p="http://schemas.openxmlformats.org/presentationml/2006/main">
   <p:cSld>
     <p:spTree>
@@ -4693,7 +9501,7 @@
 </p:sld>
 </file>
 
-<file path=ppt/slides/slide16.xml><?xml version="1.0" encoding="utf-8"?>
+<file path=ppt/slides/slide19.xml><?xml version="1.0" encoding="utf-8"?>
 <p:sld xmlns:a="http://schemas.openxmlformats.org/drawingml/2006/main" xmlns:r="http://schemas.openxmlformats.org/officeDocument/2006/relationships" xmlns:p="http://schemas.openxmlformats.org/presentationml/2006/main">
   <p:cSld>
     <p:spTree>
@@ -4889,262 +9697,12 @@
           </a:prstGeom>
         </p:spPr>
       </p:pic>
-    </p:spTree>
-    <p:extLst>
-      <p:ext uri="{BB962C8B-B14F-4D97-AF65-F5344CB8AC3E}">
-        <p14:creationId xmlns:p14="http://schemas.microsoft.com/office/powerpoint/2010/main" val="461122329"/>
-      </p:ext>
-    </p:extLst>
-  </p:cSld>
-  <p:clrMapOvr>
-    <a:masterClrMapping/>
-  </p:clrMapOvr>
-</p:sld>
-</file>
-
-<file path=ppt/slides/slide17.xml><?xml version="1.0" encoding="utf-8"?>
-<p:sld xmlns:a="http://schemas.openxmlformats.org/drawingml/2006/main" xmlns:r="http://schemas.openxmlformats.org/officeDocument/2006/relationships" xmlns:p="http://schemas.openxmlformats.org/presentationml/2006/main">
-  <p:cSld>
-    <p:spTree>
-      <p:nvGrpSpPr>
-        <p:cNvPr id="1" name=""/>
-        <p:cNvGrpSpPr/>
-        <p:nvPr/>
-      </p:nvGrpSpPr>
-      <p:grpSpPr>
-        <a:xfrm>
-          <a:off x="0" y="0"/>
-          <a:ext cx="0" cy="0"/>
-          <a:chOff x="0" y="0"/>
-          <a:chExt cx="0" cy="0"/>
-        </a:xfrm>
-      </p:grpSpPr>
-      <p:pic>
-        <p:nvPicPr>
-          <p:cNvPr id="4" name="Picture 3">
-            <a:extLst>
-              <a:ext uri="{FF2B5EF4-FFF2-40B4-BE49-F238E27FC236}">
-                <a16:creationId xmlns:a16="http://schemas.microsoft.com/office/drawing/2014/main" id="{CF87FC7A-9586-3578-FAD0-5C9D4792FD2C}"/>
-              </a:ext>
-            </a:extLst>
-          </p:cNvPr>
-          <p:cNvPicPr>
-            <a:picLocks noChangeAspect="1"/>
-          </p:cNvPicPr>
-          <p:nvPr/>
-        </p:nvPicPr>
-        <p:blipFill>
-          <a:blip r:embed="rId2"/>
-          <a:stretch>
-            <a:fillRect/>
-          </a:stretch>
-        </p:blipFill>
-        <p:spPr>
-          <a:xfrm>
-            <a:off x="436839" y="405386"/>
-            <a:ext cx="3744271" cy="1057207"/>
-          </a:xfrm>
-          <a:prstGeom prst="rect">
-            <a:avLst/>
-          </a:prstGeom>
-        </p:spPr>
-      </p:pic>
       <p:sp>
         <p:nvSpPr>
-          <p:cNvPr id="5" name="Arrow: Right 4">
-            <a:extLst>
-              <a:ext uri="{FF2B5EF4-FFF2-40B4-BE49-F238E27FC236}">
-                <a16:creationId xmlns:a16="http://schemas.microsoft.com/office/drawing/2014/main" id="{7F8763B8-F224-DCC1-03E2-CB7B0790BF64}"/>
-              </a:ext>
-            </a:extLst>
-          </p:cNvPr>
-          <p:cNvSpPr/>
-          <p:nvPr/>
-        </p:nvSpPr>
-        <p:spPr>
-          <a:xfrm>
-            <a:off x="4337179" y="376865"/>
-            <a:ext cx="3517641" cy="1017037"/>
-          </a:xfrm>
-          <a:prstGeom prst="rightArrow">
-            <a:avLst/>
-          </a:prstGeom>
-        </p:spPr>
-        <p:style>
-          <a:lnRef idx="2">
-            <a:schemeClr val="accent1">
-              <a:shade val="15000"/>
-            </a:schemeClr>
-          </a:lnRef>
-          <a:fillRef idx="1">
-            <a:schemeClr val="accent1"/>
-          </a:fillRef>
-          <a:effectRef idx="0">
-            <a:schemeClr val="accent1"/>
-          </a:effectRef>
-          <a:fontRef idx="minor">
-            <a:schemeClr val="lt1"/>
-          </a:fontRef>
-        </p:style>
-        <p:txBody>
-          <a:bodyPr rtlCol="0" anchor="ctr"/>
-          <a:lstStyle/>
-          <a:p>
-            <a:pPr algn="ctr"/>
-            <a:r>
-              <a:rPr lang="en-US" dirty="0"/>
-              <a:t>Remove college column</a:t>
-            </a:r>
-            <a:endParaRPr lang="en-IN" dirty="0"/>
-          </a:p>
-        </p:txBody>
-      </p:sp>
-      <p:pic>
-        <p:nvPicPr>
-          <p:cNvPr id="9" name="Picture 8">
-            <a:extLst>
-              <a:ext uri="{FF2B5EF4-FFF2-40B4-BE49-F238E27FC236}">
-                <a16:creationId xmlns:a16="http://schemas.microsoft.com/office/drawing/2014/main" id="{42824B8D-9A0E-AC89-B68E-22EF5A61D0D2}"/>
-              </a:ext>
-            </a:extLst>
-          </p:cNvPr>
-          <p:cNvPicPr>
-            <a:picLocks noChangeAspect="1"/>
-          </p:cNvPicPr>
-          <p:nvPr/>
-        </p:nvPicPr>
-        <p:blipFill>
-          <a:blip r:embed="rId3"/>
-          <a:stretch>
-            <a:fillRect/>
-          </a:stretch>
-        </p:blipFill>
-        <p:spPr>
-          <a:xfrm>
-            <a:off x="8178840" y="273398"/>
-            <a:ext cx="3055550" cy="1085728"/>
-          </a:xfrm>
-          <a:prstGeom prst="rect">
-            <a:avLst/>
-          </a:prstGeom>
-        </p:spPr>
-      </p:pic>
-    </p:spTree>
-    <p:extLst>
-      <p:ext uri="{BB962C8B-B14F-4D97-AF65-F5344CB8AC3E}">
-        <p14:creationId xmlns:p14="http://schemas.microsoft.com/office/powerpoint/2010/main" val="3892702315"/>
-      </p:ext>
-    </p:extLst>
-  </p:cSld>
-  <p:clrMapOvr>
-    <a:masterClrMapping/>
-  </p:clrMapOvr>
-</p:sld>
-</file>
-
-<file path=ppt/slides/slide18.xml><?xml version="1.0" encoding="utf-8"?>
-<p:sld xmlns:a="http://schemas.openxmlformats.org/drawingml/2006/main" xmlns:r="http://schemas.openxmlformats.org/officeDocument/2006/relationships" xmlns:p="http://schemas.openxmlformats.org/presentationml/2006/main">
-  <p:cSld>
-    <p:spTree>
-      <p:nvGrpSpPr>
-        <p:cNvPr id="1" name=""/>
-        <p:cNvGrpSpPr/>
-        <p:nvPr/>
-      </p:nvGrpSpPr>
-      <p:grpSpPr>
-        <a:xfrm>
-          <a:off x="0" y="0"/>
-          <a:ext cx="0" cy="0"/>
-          <a:chOff x="0" y="0"/>
-          <a:chExt cx="0" cy="0"/>
-        </a:xfrm>
-      </p:grpSpPr>
-      <p:pic>
-        <p:nvPicPr>
-          <p:cNvPr id="4" name="Picture 3">
-            <a:extLst>
-              <a:ext uri="{FF2B5EF4-FFF2-40B4-BE49-F238E27FC236}">
-                <a16:creationId xmlns:a16="http://schemas.microsoft.com/office/drawing/2014/main" id="{CF87FC7A-9586-3578-FAD0-5C9D4792FD2C}"/>
-              </a:ext>
-            </a:extLst>
-          </p:cNvPr>
-          <p:cNvPicPr>
-            <a:picLocks noChangeAspect="1"/>
-          </p:cNvPicPr>
-          <p:nvPr/>
-        </p:nvPicPr>
-        <p:blipFill>
-          <a:blip r:embed="rId2"/>
-          <a:stretch>
-            <a:fillRect/>
-          </a:stretch>
-        </p:blipFill>
-        <p:spPr>
-          <a:xfrm>
-            <a:off x="436839" y="405386"/>
-            <a:ext cx="3744271" cy="1057207"/>
-          </a:xfrm>
-          <a:prstGeom prst="rect">
-            <a:avLst/>
-          </a:prstGeom>
-        </p:spPr>
-      </p:pic>
-      <p:sp>
-        <p:nvSpPr>
-          <p:cNvPr id="5" name="Arrow: Right 4">
-            <a:extLst>
-              <a:ext uri="{FF2B5EF4-FFF2-40B4-BE49-F238E27FC236}">
-                <a16:creationId xmlns:a16="http://schemas.microsoft.com/office/drawing/2014/main" id="{7F8763B8-F224-DCC1-03E2-CB7B0790BF64}"/>
-              </a:ext>
-            </a:extLst>
-          </p:cNvPr>
-          <p:cNvSpPr/>
-          <p:nvPr/>
-        </p:nvSpPr>
-        <p:spPr>
-          <a:xfrm>
-            <a:off x="4337179" y="376865"/>
-            <a:ext cx="3517641" cy="1017037"/>
-          </a:xfrm>
-          <a:prstGeom prst="rightArrow">
-            <a:avLst/>
-          </a:prstGeom>
-        </p:spPr>
-        <p:style>
-          <a:lnRef idx="2">
-            <a:schemeClr val="accent1">
-              <a:shade val="15000"/>
-            </a:schemeClr>
-          </a:lnRef>
-          <a:fillRef idx="1">
-            <a:schemeClr val="accent1"/>
-          </a:fillRef>
-          <a:effectRef idx="0">
-            <a:schemeClr val="accent1"/>
-          </a:effectRef>
-          <a:fontRef idx="minor">
-            <a:schemeClr val="lt1"/>
-          </a:fontRef>
-        </p:style>
-        <p:txBody>
-          <a:bodyPr rtlCol="0" anchor="ctr"/>
-          <a:lstStyle/>
-          <a:p>
-            <a:pPr algn="ctr"/>
-            <a:r>
-              <a:rPr lang="en-US" dirty="0"/>
-              <a:t>Remove college column</a:t>
-            </a:r>
-            <a:endParaRPr lang="en-IN" dirty="0"/>
-          </a:p>
-        </p:txBody>
-      </p:sp>
-      <p:sp>
-        <p:nvSpPr>
-          <p:cNvPr id="7" name="TextBox 6">
-            <a:extLst>
-              <a:ext uri="{FF2B5EF4-FFF2-40B4-BE49-F238E27FC236}">
-                <a16:creationId xmlns:a16="http://schemas.microsoft.com/office/drawing/2014/main" id="{9D391225-285E-BBC1-B8CB-192A10387B2C}"/>
+          <p:cNvPr id="10" name="TextBox 9">
+            <a:extLst>
+              <a:ext uri="{FF2B5EF4-FFF2-40B4-BE49-F238E27FC236}">
+                <a16:creationId xmlns:a16="http://schemas.microsoft.com/office/drawing/2014/main" id="{25628BC3-A892-9282-1220-E19721ECB938}"/>
               </a:ext>
             </a:extLst>
           </p:cNvPr>
@@ -5153,8 +9711,8 @@
         </p:nvSpPr>
         <p:spPr>
           <a:xfrm>
-            <a:off x="8864083" y="1902186"/>
-            <a:ext cx="2202023" cy="1200329"/>
+            <a:off x="1363966" y="4751133"/>
+            <a:ext cx="2973213" cy="1200329"/>
           </a:xfrm>
           <a:prstGeom prst="rect">
             <a:avLst/>
@@ -5175,321 +9733,35 @@
           <a:p>
             <a:r>
               <a:rPr lang="en-IN" dirty="0"/>
-              <a:t>	student</a:t>
+              <a:t>	student </a:t>
             </a:r>
           </a:p>
           <a:p>
             <a:r>
               <a:rPr lang="en-IN" dirty="0"/>
-              <a:t>DROP COLUMN</a:t>
+              <a:t>RENAME COLUMN 	</a:t>
             </a:r>
           </a:p>
           <a:p>
             <a:r>
               <a:rPr lang="en-IN" dirty="0"/>
-              <a:t>	college;</a:t>
-            </a:r>
-          </a:p>
-        </p:txBody>
-      </p:sp>
-      <p:pic>
-        <p:nvPicPr>
-          <p:cNvPr id="9" name="Picture 8">
-            <a:extLst>
-              <a:ext uri="{FF2B5EF4-FFF2-40B4-BE49-F238E27FC236}">
-                <a16:creationId xmlns:a16="http://schemas.microsoft.com/office/drawing/2014/main" id="{42824B8D-9A0E-AC89-B68E-22EF5A61D0D2}"/>
-              </a:ext>
-            </a:extLst>
-          </p:cNvPr>
-          <p:cNvPicPr>
-            <a:picLocks noChangeAspect="1"/>
-          </p:cNvPicPr>
-          <p:nvPr/>
-        </p:nvPicPr>
-        <p:blipFill>
-          <a:blip r:embed="rId3"/>
-          <a:stretch>
-            <a:fillRect/>
-          </a:stretch>
-        </p:blipFill>
-        <p:spPr>
-          <a:xfrm>
-            <a:off x="8178840" y="273398"/>
-            <a:ext cx="3055550" cy="1085728"/>
-          </a:xfrm>
-          <a:prstGeom prst="rect">
-            <a:avLst/>
-          </a:prstGeom>
-        </p:spPr>
-      </p:pic>
-    </p:spTree>
-    <p:extLst>
-      <p:ext uri="{BB962C8B-B14F-4D97-AF65-F5344CB8AC3E}">
-        <p14:creationId xmlns:p14="http://schemas.microsoft.com/office/powerpoint/2010/main" val="2818565069"/>
-      </p:ext>
-    </p:extLst>
-  </p:cSld>
-  <p:clrMapOvr>
-    <a:masterClrMapping/>
-  </p:clrMapOvr>
-</p:sld>
-</file>
-
-<file path=ppt/slides/slide19.xml><?xml version="1.0" encoding="utf-8"?>
-<p:sld xmlns:a="http://schemas.openxmlformats.org/drawingml/2006/main" xmlns:r="http://schemas.openxmlformats.org/officeDocument/2006/relationships" xmlns:p="http://schemas.openxmlformats.org/presentationml/2006/main">
-  <p:cSld>
-    <p:spTree>
-      <p:nvGrpSpPr>
-        <p:cNvPr id="1" name=""/>
-        <p:cNvGrpSpPr/>
-        <p:nvPr/>
-      </p:nvGrpSpPr>
-      <p:grpSpPr>
-        <a:xfrm>
-          <a:off x="0" y="0"/>
-          <a:ext cx="0" cy="0"/>
-          <a:chOff x="0" y="0"/>
-          <a:chExt cx="0" cy="0"/>
-        </a:xfrm>
-      </p:grpSpPr>
-      <p:graphicFrame>
-        <p:nvGraphicFramePr>
-          <p:cNvPr id="5" name="Object 4">
-            <a:extLst>
-              <a:ext uri="{FF2B5EF4-FFF2-40B4-BE49-F238E27FC236}">
-                <a16:creationId xmlns:a16="http://schemas.microsoft.com/office/drawing/2014/main" id="{26F4EFED-926D-C649-8123-63B824132C47}"/>
-              </a:ext>
-            </a:extLst>
-          </p:cNvPr>
-          <p:cNvGraphicFramePr>
-            <a:graphicFrameLocks noChangeAspect="1"/>
-          </p:cNvGraphicFramePr>
-          <p:nvPr>
-            <p:extLst>
-              <p:ext uri="{D42A27DB-BD31-4B8C-83A1-F6EECF244321}">
-                <p14:modId xmlns:p14="http://schemas.microsoft.com/office/powerpoint/2010/main" val="3818934118"/>
-              </p:ext>
-            </p:extLst>
-          </p:nvPr>
-        </p:nvGraphicFramePr>
-        <p:xfrm>
-          <a:off x="537278" y="1734179"/>
-          <a:ext cx="11117443" cy="751828"/>
-        </p:xfrm>
-        <a:graphic>
-          <a:graphicData uri="http://schemas.openxmlformats.org/presentationml/2006/ole">
-            <mc:AlternateContent xmlns:mc="http://schemas.openxmlformats.org/markup-compatibility/2006">
-              <mc:Choice xmlns:v="urn:schemas-microsoft-com:vml" Requires="v">
-                <p:oleObj name="Worksheet" r:id="rId2" imgW="5517022" imgH="373301" progId="Excel.Sheet.12">
-                  <p:embed/>
-                </p:oleObj>
-              </mc:Choice>
-              <mc:Fallback>
-                <p:oleObj name="Worksheet" r:id="rId2" imgW="5517022" imgH="373301" progId="Excel.Sheet.12">
-                  <p:embed/>
-                  <p:pic>
-                    <p:nvPicPr>
-                      <p:cNvPr id="0" name=""/>
-                      <p:cNvPicPr/>
-                      <p:nvPr/>
-                    </p:nvPicPr>
-                    <p:blipFill>
-                      <a:blip r:embed="rId3"/>
-                      <a:stretch>
-                        <a:fillRect/>
-                      </a:stretch>
-                    </p:blipFill>
-                    <p:spPr>
-                      <a:xfrm>
-                        <a:off x="537278" y="1734179"/>
-                        <a:ext cx="11117443" cy="751828"/>
-                      </a:xfrm>
-                      <a:prstGeom prst="rect">
-                        <a:avLst/>
-                      </a:prstGeom>
-                    </p:spPr>
-                  </p:pic>
-                </p:oleObj>
-              </mc:Fallback>
-            </mc:AlternateContent>
-          </a:graphicData>
-        </a:graphic>
-      </p:graphicFrame>
-      <p:sp>
-        <p:nvSpPr>
-          <p:cNvPr id="7" name="TextBox 6">
-            <a:extLst>
-              <a:ext uri="{FF2B5EF4-FFF2-40B4-BE49-F238E27FC236}">
-                <a16:creationId xmlns:a16="http://schemas.microsoft.com/office/drawing/2014/main" id="{108085F6-D48B-C586-D6FB-10B43016340B}"/>
-              </a:ext>
-            </a:extLst>
-          </p:cNvPr>
-          <p:cNvSpPr txBox="1"/>
-          <p:nvPr/>
-        </p:nvSpPr>
-        <p:spPr>
-          <a:xfrm>
-            <a:off x="537278" y="419878"/>
-            <a:ext cx="1552028" cy="369332"/>
-          </a:xfrm>
-          <a:prstGeom prst="rect">
-            <a:avLst/>
-          </a:prstGeom>
-          <a:noFill/>
-        </p:spPr>
-        <p:txBody>
-          <a:bodyPr wrap="none" rtlCol="0">
-            <a:spAutoFit/>
-          </a:bodyPr>
-          <a:lstStyle/>
-          <a:p>
-            <a:r>
-              <a:rPr lang="en-US" dirty="0"/>
-              <a:t>Create Tables: </a:t>
-            </a:r>
-            <a:endParaRPr lang="en-IN" dirty="0"/>
-          </a:p>
-        </p:txBody>
-      </p:sp>
-      <p:graphicFrame>
-        <p:nvGraphicFramePr>
-          <p:cNvPr id="9" name="Object 8">
-            <a:extLst>
-              <a:ext uri="{FF2B5EF4-FFF2-40B4-BE49-F238E27FC236}">
-                <a16:creationId xmlns:a16="http://schemas.microsoft.com/office/drawing/2014/main" id="{C35118E1-12A7-389B-4A54-79A7A87D535E}"/>
-              </a:ext>
-            </a:extLst>
-          </p:cNvPr>
-          <p:cNvGraphicFramePr>
-            <a:graphicFrameLocks noChangeAspect="1"/>
-          </p:cNvGraphicFramePr>
-          <p:nvPr>
-            <p:extLst>
-              <p:ext uri="{D42A27DB-BD31-4B8C-83A1-F6EECF244321}">
-                <p14:modId xmlns:p14="http://schemas.microsoft.com/office/powerpoint/2010/main" val="2205794033"/>
-              </p:ext>
-            </p:extLst>
-          </p:nvPr>
-        </p:nvGraphicFramePr>
-        <p:xfrm>
-          <a:off x="537278" y="3430977"/>
-          <a:ext cx="9045261" cy="768767"/>
-        </p:xfrm>
-        <a:graphic>
-          <a:graphicData uri="http://schemas.openxmlformats.org/presentationml/2006/ole">
-            <mc:AlternateContent xmlns:mc="http://schemas.openxmlformats.org/markup-compatibility/2006">
-              <mc:Choice xmlns:v="urn:schemas-microsoft-com:vml" Requires="v">
-                <p:oleObj name="Worksheet" r:id="rId4" imgW="4389120" imgH="373301" progId="Excel.Sheet.12">
-                  <p:embed/>
-                </p:oleObj>
-              </mc:Choice>
-              <mc:Fallback>
-                <p:oleObj name="Worksheet" r:id="rId4" imgW="4389120" imgH="373301" progId="Excel.Sheet.12">
-                  <p:embed/>
-                  <p:pic>
-                    <p:nvPicPr>
-                      <p:cNvPr id="0" name=""/>
-                      <p:cNvPicPr/>
-                      <p:nvPr/>
-                    </p:nvPicPr>
-                    <p:blipFill>
-                      <a:blip r:embed="rId5"/>
-                      <a:stretch>
-                        <a:fillRect/>
-                      </a:stretch>
-                    </p:blipFill>
-                    <p:spPr>
-                      <a:xfrm>
-                        <a:off x="537278" y="3430977"/>
-                        <a:ext cx="9045261" cy="768767"/>
-                      </a:xfrm>
-                      <a:prstGeom prst="rect">
-                        <a:avLst/>
-                      </a:prstGeom>
-                    </p:spPr>
-                  </p:pic>
-                </p:oleObj>
-              </mc:Fallback>
-            </mc:AlternateContent>
-          </a:graphicData>
-        </a:graphic>
-      </p:graphicFrame>
-      <p:sp>
-        <p:nvSpPr>
-          <p:cNvPr id="10" name="TextBox 9">
-            <a:extLst>
-              <a:ext uri="{FF2B5EF4-FFF2-40B4-BE49-F238E27FC236}">
-                <a16:creationId xmlns:a16="http://schemas.microsoft.com/office/drawing/2014/main" id="{BA96A4D8-917F-6D1C-ACC2-5ABCC544F4C4}"/>
-              </a:ext>
-            </a:extLst>
-          </p:cNvPr>
-          <p:cNvSpPr txBox="1"/>
-          <p:nvPr/>
-        </p:nvSpPr>
-        <p:spPr>
-          <a:xfrm>
-            <a:off x="537278" y="1077028"/>
-            <a:ext cx="1102610" cy="369332"/>
-          </a:xfrm>
-          <a:prstGeom prst="rect">
-            <a:avLst/>
-          </a:prstGeom>
-          <a:noFill/>
-        </p:spPr>
-        <p:txBody>
-          <a:bodyPr wrap="none" rtlCol="0">
-            <a:spAutoFit/>
-          </a:bodyPr>
-          <a:lstStyle/>
-          <a:p>
-            <a:r>
-              <a:rPr lang="en-US" dirty="0"/>
-              <a:t>Personal: </a:t>
-            </a:r>
-            <a:endParaRPr lang="en-IN" dirty="0"/>
-          </a:p>
-        </p:txBody>
-      </p:sp>
-      <p:sp>
-        <p:nvSpPr>
-          <p:cNvPr id="11" name="TextBox 10">
-            <a:extLst>
-              <a:ext uri="{FF2B5EF4-FFF2-40B4-BE49-F238E27FC236}">
-                <a16:creationId xmlns:a16="http://schemas.microsoft.com/office/drawing/2014/main" id="{FF0335DB-4D4D-DC4D-0EED-E09C7440FE73}"/>
-              </a:ext>
-            </a:extLst>
-          </p:cNvPr>
-          <p:cNvSpPr txBox="1"/>
-          <p:nvPr/>
-        </p:nvSpPr>
-        <p:spPr>
-          <a:xfrm>
-            <a:off x="537278" y="2890277"/>
-            <a:ext cx="1035348" cy="369332"/>
-          </a:xfrm>
-          <a:prstGeom prst="rect">
-            <a:avLst/>
-          </a:prstGeom>
-          <a:noFill/>
-        </p:spPr>
-        <p:txBody>
-          <a:bodyPr wrap="none" rtlCol="0">
-            <a:spAutoFit/>
-          </a:bodyPr>
-          <a:lstStyle/>
-          <a:p>
-            <a:r>
-              <a:rPr lang="en-US" dirty="0"/>
-              <a:t>Product: </a:t>
-            </a:r>
-            <a:endParaRPr lang="en-IN" dirty="0"/>
+              <a:t>	score to  </a:t>
+            </a:r>
+            <a:r>
+              <a:rPr lang="en-IN" dirty="0" err="1"/>
+              <a:t>pscore</a:t>
+            </a:r>
+            <a:r>
+              <a:rPr lang="en-IN" dirty="0"/>
+              <a:t> int;</a:t>
+            </a:r>
           </a:p>
         </p:txBody>
       </p:sp>
     </p:spTree>
     <p:extLst>
       <p:ext uri="{BB962C8B-B14F-4D97-AF65-F5344CB8AC3E}">
-        <p14:creationId xmlns:p14="http://schemas.microsoft.com/office/powerpoint/2010/main" val="3955615776"/>
+        <p14:creationId xmlns:p14="http://schemas.microsoft.com/office/powerpoint/2010/main" val="461122329"/>
       </p:ext>
     </p:extLst>
   </p:cSld>
@@ -5528,16 +9800,10 @@
           <p:cNvGraphicFramePr>
             <a:graphicFrameLocks noGrp="1"/>
           </p:cNvGraphicFramePr>
-          <p:nvPr>
-            <p:extLst>
-              <p:ext uri="{D42A27DB-BD31-4B8C-83A1-F6EECF244321}">
-                <p14:modId xmlns:p14="http://schemas.microsoft.com/office/powerpoint/2010/main" val="553851483"/>
-              </p:ext>
-            </p:extLst>
-          </p:nvPr>
+          <p:nvPr/>
         </p:nvGraphicFramePr>
         <p:xfrm>
-          <a:off x="2032000" y="719666"/>
+          <a:off x="2032000" y="234474"/>
           <a:ext cx="8128000" cy="2204720"/>
         </p:xfrm>
         <a:graphic>
@@ -5700,7 +9966,7 @@
     </p:spTree>
     <p:extLst>
       <p:ext uri="{BB962C8B-B14F-4D97-AF65-F5344CB8AC3E}">
-        <p14:creationId xmlns:p14="http://schemas.microsoft.com/office/powerpoint/2010/main" val="1054027579"/>
+        <p14:creationId xmlns:p14="http://schemas.microsoft.com/office/powerpoint/2010/main" val="3069635524"/>
       </p:ext>
     </p:extLst>
   </p:cSld>
@@ -5727,75 +9993,232 @@
           <a:chExt cx="0" cy="0"/>
         </a:xfrm>
       </p:grpSpPr>
-      <p:graphicFrame>
-        <p:nvGraphicFramePr>
-          <p:cNvPr id="3" name="Object 2">
-            <a:extLst>
-              <a:ext uri="{FF2B5EF4-FFF2-40B4-BE49-F238E27FC236}">
-                <a16:creationId xmlns:a16="http://schemas.microsoft.com/office/drawing/2014/main" id="{D13048EE-42E7-7AAB-3F7C-A9F9D34F5F88}"/>
-              </a:ext>
-            </a:extLst>
-          </p:cNvPr>
-          <p:cNvGraphicFramePr>
-            <a:graphicFrameLocks noChangeAspect="1"/>
-          </p:cNvGraphicFramePr>
-          <p:nvPr>
-            <p:extLst>
-              <p:ext uri="{D42A27DB-BD31-4B8C-83A1-F6EECF244321}">
-                <p14:modId xmlns:p14="http://schemas.microsoft.com/office/powerpoint/2010/main" val="1219207143"/>
-              </p:ext>
-            </p:extLst>
-          </p:nvPr>
-        </p:nvGraphicFramePr>
-        <p:xfrm>
-          <a:off x="487687" y="1657314"/>
-          <a:ext cx="10927363" cy="2238212"/>
-        </p:xfrm>
-        <a:graphic>
-          <a:graphicData uri="http://schemas.openxmlformats.org/presentationml/2006/ole">
-            <mc:AlternateContent xmlns:mc="http://schemas.openxmlformats.org/markup-compatibility/2006">
-              <mc:Choice xmlns:v="urn:schemas-microsoft-com:vml" Requires="v">
-                <p:oleObj name="Worksheet" r:id="rId2" imgW="5394960" imgH="1105057" progId="Excel.Sheet.12">
-                  <p:embed/>
-                </p:oleObj>
-              </mc:Choice>
-              <mc:Fallback>
-                <p:oleObj name="Worksheet" r:id="rId2" imgW="5394960" imgH="1105057" progId="Excel.Sheet.12">
-                  <p:embed/>
-                  <p:pic>
-                    <p:nvPicPr>
-                      <p:cNvPr id="0" name=""/>
-                      <p:cNvPicPr/>
-                      <p:nvPr/>
-                    </p:nvPicPr>
-                    <p:blipFill>
-                      <a:blip r:embed="rId3"/>
-                      <a:stretch>
-                        <a:fillRect/>
-                      </a:stretch>
-                    </p:blipFill>
-                    <p:spPr>
-                      <a:xfrm>
-                        <a:off x="487687" y="1657314"/>
-                        <a:ext cx="10927363" cy="2238212"/>
-                      </a:xfrm>
-                      <a:prstGeom prst="rect">
-                        <a:avLst/>
-                      </a:prstGeom>
-                    </p:spPr>
-                  </p:pic>
-                </p:oleObj>
-              </mc:Fallback>
-            </mc:AlternateContent>
-          </a:graphicData>
-        </a:graphic>
-      </p:graphicFrame>
+      <p:pic>
+        <p:nvPicPr>
+          <p:cNvPr id="4" name="Picture 3">
+            <a:extLst>
+              <a:ext uri="{FF2B5EF4-FFF2-40B4-BE49-F238E27FC236}">
+                <a16:creationId xmlns:a16="http://schemas.microsoft.com/office/drawing/2014/main" id="{CF87FC7A-9586-3578-FAD0-5C9D4792FD2C}"/>
+              </a:ext>
+            </a:extLst>
+          </p:cNvPr>
+          <p:cNvPicPr>
+            <a:picLocks noChangeAspect="1"/>
+          </p:cNvPicPr>
+          <p:nvPr/>
+        </p:nvPicPr>
+        <p:blipFill>
+          <a:blip r:embed="rId2"/>
+          <a:stretch>
+            <a:fillRect/>
+          </a:stretch>
+        </p:blipFill>
+        <p:spPr>
+          <a:xfrm>
+            <a:off x="436839" y="405386"/>
+            <a:ext cx="3744271" cy="1057207"/>
+          </a:xfrm>
+          <a:prstGeom prst="rect">
+            <a:avLst/>
+          </a:prstGeom>
+        </p:spPr>
+      </p:pic>
       <p:sp>
         <p:nvSpPr>
-          <p:cNvPr id="4" name="TextBox 3">
-            <a:extLst>
-              <a:ext uri="{FF2B5EF4-FFF2-40B4-BE49-F238E27FC236}">
-                <a16:creationId xmlns:a16="http://schemas.microsoft.com/office/drawing/2014/main" id="{CC669AC3-1565-B379-16E7-85D60EA7E99F}"/>
+          <p:cNvPr id="5" name="Arrow: Right 4">
+            <a:extLst>
+              <a:ext uri="{FF2B5EF4-FFF2-40B4-BE49-F238E27FC236}">
+                <a16:creationId xmlns:a16="http://schemas.microsoft.com/office/drawing/2014/main" id="{7F8763B8-F224-DCC1-03E2-CB7B0790BF64}"/>
+              </a:ext>
+            </a:extLst>
+          </p:cNvPr>
+          <p:cNvSpPr/>
+          <p:nvPr/>
+        </p:nvSpPr>
+        <p:spPr>
+          <a:xfrm>
+            <a:off x="4337179" y="376865"/>
+            <a:ext cx="3517641" cy="1017037"/>
+          </a:xfrm>
+          <a:prstGeom prst="rightArrow">
+            <a:avLst/>
+          </a:prstGeom>
+        </p:spPr>
+        <p:style>
+          <a:lnRef idx="2">
+            <a:schemeClr val="accent1">
+              <a:shade val="15000"/>
+            </a:schemeClr>
+          </a:lnRef>
+          <a:fillRef idx="1">
+            <a:schemeClr val="accent1"/>
+          </a:fillRef>
+          <a:effectRef idx="0">
+            <a:schemeClr val="accent1"/>
+          </a:effectRef>
+          <a:fontRef idx="minor">
+            <a:schemeClr val="lt1"/>
+          </a:fontRef>
+        </p:style>
+        <p:txBody>
+          <a:bodyPr rtlCol="0" anchor="ctr"/>
+          <a:lstStyle/>
+          <a:p>
+            <a:pPr algn="ctr"/>
+            <a:r>
+              <a:rPr lang="en-US" dirty="0"/>
+              <a:t>Remove college column</a:t>
+            </a:r>
+            <a:endParaRPr lang="en-IN" dirty="0"/>
+          </a:p>
+        </p:txBody>
+      </p:sp>
+      <p:pic>
+        <p:nvPicPr>
+          <p:cNvPr id="9" name="Picture 8">
+            <a:extLst>
+              <a:ext uri="{FF2B5EF4-FFF2-40B4-BE49-F238E27FC236}">
+                <a16:creationId xmlns:a16="http://schemas.microsoft.com/office/drawing/2014/main" id="{42824B8D-9A0E-AC89-B68E-22EF5A61D0D2}"/>
+              </a:ext>
+            </a:extLst>
+          </p:cNvPr>
+          <p:cNvPicPr>
+            <a:picLocks noChangeAspect="1"/>
+          </p:cNvPicPr>
+          <p:nvPr/>
+        </p:nvPicPr>
+        <p:blipFill>
+          <a:blip r:embed="rId3"/>
+          <a:stretch>
+            <a:fillRect/>
+          </a:stretch>
+        </p:blipFill>
+        <p:spPr>
+          <a:xfrm>
+            <a:off x="8178840" y="273398"/>
+            <a:ext cx="3055550" cy="1085728"/>
+          </a:xfrm>
+          <a:prstGeom prst="rect">
+            <a:avLst/>
+          </a:prstGeom>
+        </p:spPr>
+      </p:pic>
+    </p:spTree>
+    <p:extLst>
+      <p:ext uri="{BB962C8B-B14F-4D97-AF65-F5344CB8AC3E}">
+        <p14:creationId xmlns:p14="http://schemas.microsoft.com/office/powerpoint/2010/main" val="3892702315"/>
+      </p:ext>
+    </p:extLst>
+  </p:cSld>
+  <p:clrMapOvr>
+    <a:masterClrMapping/>
+  </p:clrMapOvr>
+</p:sld>
+</file>
+
+<file path=ppt/slides/slide21.xml><?xml version="1.0" encoding="utf-8"?>
+<p:sld xmlns:a="http://schemas.openxmlformats.org/drawingml/2006/main" xmlns:r="http://schemas.openxmlformats.org/officeDocument/2006/relationships" xmlns:p="http://schemas.openxmlformats.org/presentationml/2006/main">
+  <p:cSld>
+    <p:spTree>
+      <p:nvGrpSpPr>
+        <p:cNvPr id="1" name=""/>
+        <p:cNvGrpSpPr/>
+        <p:nvPr/>
+      </p:nvGrpSpPr>
+      <p:grpSpPr>
+        <a:xfrm>
+          <a:off x="0" y="0"/>
+          <a:ext cx="0" cy="0"/>
+          <a:chOff x="0" y="0"/>
+          <a:chExt cx="0" cy="0"/>
+        </a:xfrm>
+      </p:grpSpPr>
+      <p:pic>
+        <p:nvPicPr>
+          <p:cNvPr id="4" name="Picture 3">
+            <a:extLst>
+              <a:ext uri="{FF2B5EF4-FFF2-40B4-BE49-F238E27FC236}">
+                <a16:creationId xmlns:a16="http://schemas.microsoft.com/office/drawing/2014/main" id="{CF87FC7A-9586-3578-FAD0-5C9D4792FD2C}"/>
+              </a:ext>
+            </a:extLst>
+          </p:cNvPr>
+          <p:cNvPicPr>
+            <a:picLocks noChangeAspect="1"/>
+          </p:cNvPicPr>
+          <p:nvPr/>
+        </p:nvPicPr>
+        <p:blipFill>
+          <a:blip r:embed="rId2"/>
+          <a:stretch>
+            <a:fillRect/>
+          </a:stretch>
+        </p:blipFill>
+        <p:spPr>
+          <a:xfrm>
+            <a:off x="436839" y="405386"/>
+            <a:ext cx="3744271" cy="1057207"/>
+          </a:xfrm>
+          <a:prstGeom prst="rect">
+            <a:avLst/>
+          </a:prstGeom>
+        </p:spPr>
+      </p:pic>
+      <p:sp>
+        <p:nvSpPr>
+          <p:cNvPr id="5" name="Arrow: Right 4">
+            <a:extLst>
+              <a:ext uri="{FF2B5EF4-FFF2-40B4-BE49-F238E27FC236}">
+                <a16:creationId xmlns:a16="http://schemas.microsoft.com/office/drawing/2014/main" id="{7F8763B8-F224-DCC1-03E2-CB7B0790BF64}"/>
+              </a:ext>
+            </a:extLst>
+          </p:cNvPr>
+          <p:cNvSpPr/>
+          <p:nvPr/>
+        </p:nvSpPr>
+        <p:spPr>
+          <a:xfrm>
+            <a:off x="4337179" y="376865"/>
+            <a:ext cx="3517641" cy="1017037"/>
+          </a:xfrm>
+          <a:prstGeom prst="rightArrow">
+            <a:avLst/>
+          </a:prstGeom>
+        </p:spPr>
+        <p:style>
+          <a:lnRef idx="2">
+            <a:schemeClr val="accent1">
+              <a:shade val="15000"/>
+            </a:schemeClr>
+          </a:lnRef>
+          <a:fillRef idx="1">
+            <a:schemeClr val="accent1"/>
+          </a:fillRef>
+          <a:effectRef idx="0">
+            <a:schemeClr val="accent1"/>
+          </a:effectRef>
+          <a:fontRef idx="minor">
+            <a:schemeClr val="lt1"/>
+          </a:fontRef>
+        </p:style>
+        <p:txBody>
+          <a:bodyPr rtlCol="0" anchor="ctr"/>
+          <a:lstStyle/>
+          <a:p>
+            <a:pPr algn="ctr"/>
+            <a:r>
+              <a:rPr lang="en-US" dirty="0"/>
+              <a:t>Remove college column</a:t>
+            </a:r>
+            <a:endParaRPr lang="en-IN" dirty="0"/>
+          </a:p>
+        </p:txBody>
+      </p:sp>
+      <p:sp>
+        <p:nvSpPr>
+          <p:cNvPr id="7" name="TextBox 6">
+            <a:extLst>
+              <a:ext uri="{FF2B5EF4-FFF2-40B4-BE49-F238E27FC236}">
+                <a16:creationId xmlns:a16="http://schemas.microsoft.com/office/drawing/2014/main" id="{9D391225-285E-BBC1-B8CB-192A10387B2C}"/>
               </a:ext>
             </a:extLst>
           </p:cNvPr>
@@ -5804,8 +10227,378 @@
         </p:nvSpPr>
         <p:spPr>
           <a:xfrm>
-            <a:off x="537278" y="419878"/>
-            <a:ext cx="4244175" cy="369332"/>
+            <a:off x="8864083" y="1902186"/>
+            <a:ext cx="2202023" cy="1200329"/>
+          </a:xfrm>
+          <a:prstGeom prst="rect">
+            <a:avLst/>
+          </a:prstGeom>
+          <a:noFill/>
+        </p:spPr>
+        <p:txBody>
+          <a:bodyPr wrap="square">
+            <a:spAutoFit/>
+          </a:bodyPr>
+          <a:lstStyle/>
+          <a:p>
+            <a:r>
+              <a:rPr lang="en-IN" dirty="0"/>
+              <a:t>ALTER TABLE 	</a:t>
+            </a:r>
+          </a:p>
+          <a:p>
+            <a:r>
+              <a:rPr lang="en-IN" dirty="0"/>
+              <a:t>	student</a:t>
+            </a:r>
+          </a:p>
+          <a:p>
+            <a:r>
+              <a:rPr lang="en-IN" dirty="0"/>
+              <a:t>DROP COLUMN</a:t>
+            </a:r>
+          </a:p>
+          <a:p>
+            <a:r>
+              <a:rPr lang="en-IN" dirty="0"/>
+              <a:t>	college;</a:t>
+            </a:r>
+          </a:p>
+        </p:txBody>
+      </p:sp>
+      <p:pic>
+        <p:nvPicPr>
+          <p:cNvPr id="9" name="Picture 8">
+            <a:extLst>
+              <a:ext uri="{FF2B5EF4-FFF2-40B4-BE49-F238E27FC236}">
+                <a16:creationId xmlns:a16="http://schemas.microsoft.com/office/drawing/2014/main" id="{42824B8D-9A0E-AC89-B68E-22EF5A61D0D2}"/>
+              </a:ext>
+            </a:extLst>
+          </p:cNvPr>
+          <p:cNvPicPr>
+            <a:picLocks noChangeAspect="1"/>
+          </p:cNvPicPr>
+          <p:nvPr/>
+        </p:nvPicPr>
+        <p:blipFill>
+          <a:blip r:embed="rId3"/>
+          <a:stretch>
+            <a:fillRect/>
+          </a:stretch>
+        </p:blipFill>
+        <p:spPr>
+          <a:xfrm>
+            <a:off x="8178840" y="273398"/>
+            <a:ext cx="3055550" cy="1085728"/>
+          </a:xfrm>
+          <a:prstGeom prst="rect">
+            <a:avLst/>
+          </a:prstGeom>
+        </p:spPr>
+      </p:pic>
+    </p:spTree>
+    <p:extLst>
+      <p:ext uri="{BB962C8B-B14F-4D97-AF65-F5344CB8AC3E}">
+        <p14:creationId xmlns:p14="http://schemas.microsoft.com/office/powerpoint/2010/main" val="2818565069"/>
+      </p:ext>
+    </p:extLst>
+  </p:cSld>
+  <p:clrMapOvr>
+    <a:masterClrMapping/>
+  </p:clrMapOvr>
+</p:sld>
+</file>
+
+<file path=ppt/slides/slide22.xml><?xml version="1.0" encoding="utf-8"?>
+<p:sld xmlns:a="http://schemas.openxmlformats.org/drawingml/2006/main" xmlns:r="http://schemas.openxmlformats.org/officeDocument/2006/relationships" xmlns:p="http://schemas.openxmlformats.org/presentationml/2006/main">
+  <p:cSld>
+    <p:spTree>
+      <p:nvGrpSpPr>
+        <p:cNvPr id="1" name=""/>
+        <p:cNvGrpSpPr/>
+        <p:nvPr/>
+      </p:nvGrpSpPr>
+      <p:grpSpPr>
+        <a:xfrm>
+          <a:off x="0" y="0"/>
+          <a:ext cx="0" cy="0"/>
+          <a:chOff x="0" y="0"/>
+          <a:chExt cx="0" cy="0"/>
+        </a:xfrm>
+      </p:grpSpPr>
+      <p:sp>
+        <p:nvSpPr>
+          <p:cNvPr id="3" name="TextBox 2">
+            <a:extLst>
+              <a:ext uri="{FF2B5EF4-FFF2-40B4-BE49-F238E27FC236}">
+                <a16:creationId xmlns:a16="http://schemas.microsoft.com/office/drawing/2014/main" id="{B33083CF-98B2-AFA1-05A7-011D114D7B91}"/>
+              </a:ext>
+            </a:extLst>
+          </p:cNvPr>
+          <p:cNvSpPr txBox="1"/>
+          <p:nvPr/>
+        </p:nvSpPr>
+        <p:spPr>
+          <a:xfrm>
+            <a:off x="286917" y="1029118"/>
+            <a:ext cx="2689549" cy="1600438"/>
+          </a:xfrm>
+          <a:prstGeom prst="rect">
+            <a:avLst/>
+          </a:prstGeom>
+          <a:solidFill>
+            <a:schemeClr val="accent3">
+              <a:lumMod val="20000"/>
+              <a:lumOff val="80000"/>
+            </a:schemeClr>
+          </a:solidFill>
+        </p:spPr>
+        <p:txBody>
+          <a:bodyPr wrap="square">
+            <a:spAutoFit/>
+          </a:bodyPr>
+          <a:lstStyle/>
+          <a:p>
+            <a:r>
+              <a:rPr lang="en-IN" sz="1400" dirty="0">
+                <a:latin typeface="Calibri" panose="020F0502020204030204" pitchFamily="34" charset="0"/>
+                <a:ea typeface="Calibri" panose="020F0502020204030204" pitchFamily="34" charset="0"/>
+                <a:cs typeface="Calibri" panose="020F0502020204030204" pitchFamily="34" charset="0"/>
+              </a:rPr>
+              <a:t>SELECT</a:t>
+            </a:r>
+          </a:p>
+          <a:p>
+            <a:r>
+              <a:rPr lang="en-IN" sz="1400" dirty="0">
+                <a:latin typeface="Calibri" panose="020F0502020204030204" pitchFamily="34" charset="0"/>
+                <a:ea typeface="Calibri" panose="020F0502020204030204" pitchFamily="34" charset="0"/>
+                <a:cs typeface="Calibri" panose="020F0502020204030204" pitchFamily="34" charset="0"/>
+              </a:rPr>
+              <a:t>	*</a:t>
+            </a:r>
+          </a:p>
+          <a:p>
+            <a:r>
+              <a:rPr lang="en-IN" sz="1400" dirty="0">
+                <a:latin typeface="Calibri" panose="020F0502020204030204" pitchFamily="34" charset="0"/>
+                <a:ea typeface="Calibri" panose="020F0502020204030204" pitchFamily="34" charset="0"/>
+                <a:cs typeface="Calibri" panose="020F0502020204030204" pitchFamily="34" charset="0"/>
+              </a:rPr>
+              <a:t>FROM </a:t>
+            </a:r>
+          </a:p>
+          <a:p>
+            <a:r>
+              <a:rPr lang="en-IN" sz="1400" dirty="0">
+                <a:latin typeface="Calibri" panose="020F0502020204030204" pitchFamily="34" charset="0"/>
+                <a:ea typeface="Calibri" panose="020F0502020204030204" pitchFamily="34" charset="0"/>
+                <a:cs typeface="Calibri" panose="020F0502020204030204" pitchFamily="34" charset="0"/>
+              </a:rPr>
+              <a:t>	product </a:t>
+            </a:r>
+          </a:p>
+          <a:p>
+            <a:r>
+              <a:rPr lang="en-IN" sz="1400" dirty="0">
+                <a:latin typeface="Calibri" panose="020F0502020204030204" pitchFamily="34" charset="0"/>
+                <a:ea typeface="Calibri" panose="020F0502020204030204" pitchFamily="34" charset="0"/>
+                <a:cs typeface="Calibri" panose="020F0502020204030204" pitchFamily="34" charset="0"/>
+              </a:rPr>
+              <a:t>WHERE</a:t>
+            </a:r>
+          </a:p>
+          <a:p>
+            <a:r>
+              <a:rPr lang="en-IN" sz="1400" dirty="0">
+                <a:latin typeface="Calibri" panose="020F0502020204030204" pitchFamily="34" charset="0"/>
+                <a:ea typeface="Calibri" panose="020F0502020204030204" pitchFamily="34" charset="0"/>
+                <a:cs typeface="Calibri" panose="020F0502020204030204" pitchFamily="34" charset="0"/>
+              </a:rPr>
+              <a:t>	category = "Clothing"</a:t>
+            </a:r>
+          </a:p>
+          <a:p>
+            <a:r>
+              <a:rPr lang="en-IN" sz="1400" dirty="0">
+                <a:latin typeface="Calibri" panose="020F0502020204030204" pitchFamily="34" charset="0"/>
+                <a:ea typeface="Calibri" panose="020F0502020204030204" pitchFamily="34" charset="0"/>
+                <a:cs typeface="Calibri" panose="020F0502020204030204" pitchFamily="34" charset="0"/>
+              </a:rPr>
+              <a:t>	AND price &lt;= 1000;</a:t>
+            </a:r>
+          </a:p>
+        </p:txBody>
+      </p:sp>
+      <p:sp>
+        <p:nvSpPr>
+          <p:cNvPr id="8" name="TextBox 7">
+            <a:extLst>
+              <a:ext uri="{FF2B5EF4-FFF2-40B4-BE49-F238E27FC236}">
+                <a16:creationId xmlns:a16="http://schemas.microsoft.com/office/drawing/2014/main" id="{E806913F-CD76-F39A-FC4D-7C8D6661AF19}"/>
+              </a:ext>
+            </a:extLst>
+          </p:cNvPr>
+          <p:cNvSpPr txBox="1"/>
+          <p:nvPr/>
+        </p:nvSpPr>
+        <p:spPr>
+          <a:xfrm>
+            <a:off x="3229168" y="1041198"/>
+            <a:ext cx="3096987" cy="1384995"/>
+          </a:xfrm>
+          <a:prstGeom prst="rect">
+            <a:avLst/>
+          </a:prstGeom>
+          <a:solidFill>
+            <a:schemeClr val="accent3">
+              <a:lumMod val="20000"/>
+              <a:lumOff val="80000"/>
+            </a:schemeClr>
+          </a:solidFill>
+        </p:spPr>
+        <p:txBody>
+          <a:bodyPr wrap="square">
+            <a:spAutoFit/>
+          </a:bodyPr>
+          <a:lstStyle/>
+          <a:p>
+            <a:r>
+              <a:rPr lang="en-US" sz="1400" dirty="0"/>
+              <a:t>SELECT</a:t>
+            </a:r>
+          </a:p>
+          <a:p>
+            <a:r>
+              <a:rPr lang="en-US" sz="1400" dirty="0"/>
+              <a:t>	*</a:t>
+            </a:r>
+          </a:p>
+          <a:p>
+            <a:r>
+              <a:rPr lang="en-US" sz="1400" dirty="0"/>
+              <a:t>FROM </a:t>
+            </a:r>
+          </a:p>
+          <a:p>
+            <a:r>
+              <a:rPr lang="en-US" sz="1400" dirty="0"/>
+              <a:t>	product </a:t>
+            </a:r>
+          </a:p>
+          <a:p>
+            <a:r>
+              <a:rPr lang="en-US" sz="1400" dirty="0"/>
+              <a:t>WHERE</a:t>
+            </a:r>
+          </a:p>
+          <a:p>
+            <a:r>
+              <a:rPr lang="en-US" sz="1400" dirty="0"/>
+              <a:t>	NOT name LIKE "%Cake%";</a:t>
+            </a:r>
+            <a:endParaRPr lang="en-IN" sz="1400" dirty="0"/>
+          </a:p>
+        </p:txBody>
+      </p:sp>
+      <p:sp>
+        <p:nvSpPr>
+          <p:cNvPr id="11" name="TextBox 10">
+            <a:extLst>
+              <a:ext uri="{FF2B5EF4-FFF2-40B4-BE49-F238E27FC236}">
+                <a16:creationId xmlns:a16="http://schemas.microsoft.com/office/drawing/2014/main" id="{0E4E1A08-6130-5DEA-526A-45DA65C06BED}"/>
+              </a:ext>
+            </a:extLst>
+          </p:cNvPr>
+          <p:cNvSpPr txBox="1"/>
+          <p:nvPr/>
+        </p:nvSpPr>
+        <p:spPr>
+          <a:xfrm>
+            <a:off x="6578857" y="1071940"/>
+            <a:ext cx="2879273" cy="1815882"/>
+          </a:xfrm>
+          <a:prstGeom prst="rect">
+            <a:avLst/>
+          </a:prstGeom>
+          <a:solidFill>
+            <a:schemeClr val="accent3">
+              <a:lumMod val="20000"/>
+              <a:lumOff val="80000"/>
+            </a:schemeClr>
+          </a:solidFill>
+        </p:spPr>
+        <p:txBody>
+          <a:bodyPr wrap="square">
+            <a:spAutoFit/>
+          </a:bodyPr>
+          <a:lstStyle/>
+          <a:p>
+            <a:r>
+              <a:rPr lang="en-IN" sz="1400" dirty="0"/>
+              <a:t>SELECT</a:t>
+            </a:r>
+          </a:p>
+          <a:p>
+            <a:r>
+              <a:rPr lang="en-IN" sz="1400" dirty="0"/>
+              <a:t>	*</a:t>
+            </a:r>
+          </a:p>
+          <a:p>
+            <a:r>
+              <a:rPr lang="en-IN" sz="1400" dirty="0"/>
+              <a:t>FROM </a:t>
+            </a:r>
+          </a:p>
+          <a:p>
+            <a:r>
+              <a:rPr lang="en-IN" sz="1400" dirty="0"/>
+              <a:t>	product</a:t>
+            </a:r>
+          </a:p>
+          <a:p>
+            <a:r>
+              <a:rPr lang="en-IN" sz="1400" dirty="0"/>
+              <a:t>WHERE</a:t>
+            </a:r>
+          </a:p>
+          <a:p>
+            <a:r>
+              <a:rPr lang="en-IN" sz="1400" dirty="0"/>
+              <a:t>	(brand = "Redmi"</a:t>
+            </a:r>
+          </a:p>
+          <a:p>
+            <a:r>
+              <a:rPr lang="en-IN" sz="1400" dirty="0"/>
+              <a:t>	AND rating &gt; 4)</a:t>
+            </a:r>
+          </a:p>
+          <a:p>
+            <a:r>
+              <a:rPr lang="en-IN" sz="1400" dirty="0"/>
+              <a:t>	OR brand = "OnePlus";</a:t>
+            </a:r>
+          </a:p>
+        </p:txBody>
+      </p:sp>
+      <p:sp>
+        <p:nvSpPr>
+          <p:cNvPr id="12" name="TextBox 11">
+            <a:extLst>
+              <a:ext uri="{FF2B5EF4-FFF2-40B4-BE49-F238E27FC236}">
+                <a16:creationId xmlns:a16="http://schemas.microsoft.com/office/drawing/2014/main" id="{161769D2-F4BF-E05C-4172-D1D4040E9824}"/>
+              </a:ext>
+            </a:extLst>
+          </p:cNvPr>
+          <p:cNvSpPr txBox="1"/>
+          <p:nvPr/>
+        </p:nvSpPr>
+        <p:spPr>
+          <a:xfrm>
+            <a:off x="286917" y="177282"/>
+            <a:ext cx="1929759" cy="369332"/>
           </a:xfrm>
           <a:prstGeom prst="rect">
             <a:avLst/>
@@ -5820,52 +10613,46 @@
           <a:p>
             <a:r>
               <a:rPr lang="en-US" dirty="0"/>
-              <a:t>Create Table and insert data into the table: </a:t>
+              <a:t>Logical Operators:-</a:t>
             </a:r>
             <a:endParaRPr lang="en-IN" dirty="0"/>
           </a:p>
         </p:txBody>
       </p:sp>
-      <p:sp>
-        <p:nvSpPr>
-          <p:cNvPr id="5" name="TextBox 4">
-            <a:extLst>
-              <a:ext uri="{FF2B5EF4-FFF2-40B4-BE49-F238E27FC236}">
-                <a16:creationId xmlns:a16="http://schemas.microsoft.com/office/drawing/2014/main" id="{BC95DB4C-370B-C87C-5BD1-6B22D88FFAF6}"/>
-              </a:ext>
-            </a:extLst>
-          </p:cNvPr>
-          <p:cNvSpPr txBox="1"/>
+      <p:pic>
+        <p:nvPicPr>
+          <p:cNvPr id="13" name="Picture 12">
+            <a:extLst>
+              <a:ext uri="{FF2B5EF4-FFF2-40B4-BE49-F238E27FC236}">
+                <a16:creationId xmlns:a16="http://schemas.microsoft.com/office/drawing/2014/main" id="{22DCFA90-7F88-CDB9-E312-830BB1CB5BB2}"/>
+              </a:ext>
+            </a:extLst>
+          </p:cNvPr>
+          <p:cNvPicPr>
+            <a:picLocks noChangeAspect="1"/>
+          </p:cNvPicPr>
           <p:nvPr/>
-        </p:nvSpPr>
+        </p:nvPicPr>
+        <p:blipFill>
+          <a:blip r:embed="rId2"/>
+          <a:stretch>
+            <a:fillRect/>
+          </a:stretch>
+        </p:blipFill>
         <p:spPr>
           <a:xfrm>
-            <a:off x="537278" y="1077028"/>
-            <a:ext cx="1102610" cy="369332"/>
+            <a:off x="286917" y="4097684"/>
+            <a:ext cx="5320781" cy="2183491"/>
           </a:xfrm>
           <a:prstGeom prst="rect">
             <a:avLst/>
           </a:prstGeom>
-          <a:noFill/>
         </p:spPr>
-        <p:txBody>
-          <a:bodyPr wrap="none" rtlCol="0">
-            <a:spAutoFit/>
-          </a:bodyPr>
-          <a:lstStyle/>
-          <a:p>
-            <a:r>
-              <a:rPr lang="en-US" dirty="0"/>
-              <a:t>Personal: </a:t>
-            </a:r>
-            <a:endParaRPr lang="en-IN" dirty="0"/>
-          </a:p>
-        </p:txBody>
-      </p:sp>
+      </p:pic>
     </p:spTree>
     <p:extLst>
       <p:ext uri="{BB962C8B-B14F-4D97-AF65-F5344CB8AC3E}">
-        <p14:creationId xmlns:p14="http://schemas.microsoft.com/office/powerpoint/2010/main" val="2739413902"/>
+        <p14:creationId xmlns:p14="http://schemas.microsoft.com/office/powerpoint/2010/main" val="185207483"/>
       </p:ext>
     </p:extLst>
   </p:cSld>
@@ -5876,6 +10663,244 @@
 </file>
 
 <file path=ppt/slides/slide3.xml><?xml version="1.0" encoding="utf-8"?>
+<p:sld xmlns:a="http://schemas.openxmlformats.org/drawingml/2006/main" xmlns:r="http://schemas.openxmlformats.org/officeDocument/2006/relationships" xmlns:p="http://schemas.openxmlformats.org/presentationml/2006/main">
+  <p:cSld>
+    <p:spTree>
+      <p:nvGrpSpPr>
+        <p:cNvPr id="1" name=""/>
+        <p:cNvGrpSpPr/>
+        <p:nvPr/>
+      </p:nvGrpSpPr>
+      <p:grpSpPr>
+        <a:xfrm>
+          <a:off x="0" y="0"/>
+          <a:ext cx="0" cy="0"/>
+          <a:chOff x="0" y="0"/>
+          <a:chExt cx="0" cy="0"/>
+        </a:xfrm>
+      </p:grpSpPr>
+      <p:graphicFrame>
+        <p:nvGraphicFramePr>
+          <p:cNvPr id="2" name="Diagram 1">
+            <a:extLst>
+              <a:ext uri="{FF2B5EF4-FFF2-40B4-BE49-F238E27FC236}">
+                <a16:creationId xmlns:a16="http://schemas.microsoft.com/office/drawing/2014/main" id="{13AB1CF3-A5ED-60AB-18A9-61CBC325F5D8}"/>
+              </a:ext>
+            </a:extLst>
+          </p:cNvPr>
+          <p:cNvGraphicFramePr/>
+          <p:nvPr>
+            <p:extLst>
+              <p:ext uri="{D42A27DB-BD31-4B8C-83A1-F6EECF244321}">
+                <p14:modId xmlns:p14="http://schemas.microsoft.com/office/powerpoint/2010/main" val="866262227"/>
+              </p:ext>
+            </p:extLst>
+          </p:nvPr>
+        </p:nvGraphicFramePr>
+        <p:xfrm>
+          <a:off x="2032000" y="158625"/>
+          <a:ext cx="8128000" cy="4374847"/>
+        </p:xfrm>
+        <a:graphic>
+          <a:graphicData uri="http://schemas.openxmlformats.org/drawingml/2006/diagram">
+            <dgm:relIds xmlns:dgm="http://schemas.openxmlformats.org/drawingml/2006/diagram" xmlns:r="http://schemas.openxmlformats.org/officeDocument/2006/relationships" r:dm="rId2" r:lo="rId3" r:qs="rId4" r:cs="rId5"/>
+          </a:graphicData>
+        </a:graphic>
+      </p:graphicFrame>
+    </p:spTree>
+    <p:extLst>
+      <p:ext uri="{BB962C8B-B14F-4D97-AF65-F5344CB8AC3E}">
+        <p14:creationId xmlns:p14="http://schemas.microsoft.com/office/powerpoint/2010/main" val="2502073615"/>
+      </p:ext>
+    </p:extLst>
+  </p:cSld>
+  <p:clrMapOvr>
+    <a:masterClrMapping/>
+  </p:clrMapOvr>
+</p:sld>
+</file>
+
+<file path=ppt/slides/slide4.xml><?xml version="1.0" encoding="utf-8"?>
+<p:sld xmlns:a="http://schemas.openxmlformats.org/drawingml/2006/main" xmlns:r="http://schemas.openxmlformats.org/officeDocument/2006/relationships" xmlns:p="http://schemas.openxmlformats.org/presentationml/2006/main">
+  <p:cSld>
+    <p:spTree>
+      <p:nvGrpSpPr>
+        <p:cNvPr id="1" name=""/>
+        <p:cNvGrpSpPr/>
+        <p:nvPr/>
+      </p:nvGrpSpPr>
+      <p:grpSpPr>
+        <a:xfrm>
+          <a:off x="0" y="0"/>
+          <a:ext cx="0" cy="0"/>
+          <a:chOff x="0" y="0"/>
+          <a:chExt cx="0" cy="0"/>
+        </a:xfrm>
+      </p:grpSpPr>
+      <p:pic>
+        <p:nvPicPr>
+          <p:cNvPr id="4" name="Picture 3">
+            <a:extLst>
+              <a:ext uri="{FF2B5EF4-FFF2-40B4-BE49-F238E27FC236}">
+                <a16:creationId xmlns:a16="http://schemas.microsoft.com/office/drawing/2014/main" id="{D6C11115-4E9C-D53D-9DFE-C41837F13ED7}"/>
+              </a:ext>
+            </a:extLst>
+          </p:cNvPr>
+          <p:cNvPicPr>
+            <a:picLocks noChangeAspect="1"/>
+          </p:cNvPicPr>
+          <p:nvPr/>
+        </p:nvPicPr>
+        <p:blipFill>
+          <a:blip r:embed="rId2"/>
+          <a:stretch>
+            <a:fillRect/>
+          </a:stretch>
+        </p:blipFill>
+        <p:spPr>
+          <a:xfrm>
+            <a:off x="426098" y="490527"/>
+            <a:ext cx="3166188" cy="2581661"/>
+          </a:xfrm>
+          <a:prstGeom prst="rect">
+            <a:avLst/>
+          </a:prstGeom>
+        </p:spPr>
+      </p:pic>
+      <p:pic>
+        <p:nvPicPr>
+          <p:cNvPr id="10" name="Picture 9">
+            <a:extLst>
+              <a:ext uri="{FF2B5EF4-FFF2-40B4-BE49-F238E27FC236}">
+                <a16:creationId xmlns:a16="http://schemas.microsoft.com/office/drawing/2014/main" id="{4448AE6B-1741-D461-1EE7-59C3C06A1B5C}"/>
+              </a:ext>
+            </a:extLst>
+          </p:cNvPr>
+          <p:cNvPicPr>
+            <a:picLocks noChangeAspect="1"/>
+          </p:cNvPicPr>
+          <p:nvPr/>
+        </p:nvPicPr>
+        <p:blipFill>
+          <a:blip r:embed="rId3"/>
+          <a:stretch>
+            <a:fillRect/>
+          </a:stretch>
+        </p:blipFill>
+        <p:spPr>
+          <a:xfrm>
+            <a:off x="5446133" y="490528"/>
+            <a:ext cx="6319769" cy="2593446"/>
+          </a:xfrm>
+          <a:prstGeom prst="rect">
+            <a:avLst/>
+          </a:prstGeom>
+        </p:spPr>
+      </p:pic>
+    </p:spTree>
+    <p:extLst>
+      <p:ext uri="{BB962C8B-B14F-4D97-AF65-F5344CB8AC3E}">
+        <p14:creationId xmlns:p14="http://schemas.microsoft.com/office/powerpoint/2010/main" val="1054027579"/>
+      </p:ext>
+    </p:extLst>
+  </p:cSld>
+  <p:clrMapOvr>
+    <a:masterClrMapping/>
+  </p:clrMapOvr>
+</p:sld>
+</file>
+
+<file path=ppt/slides/slide5.xml><?xml version="1.0" encoding="utf-8"?>
+<p:sld xmlns:a="http://schemas.openxmlformats.org/drawingml/2006/main" xmlns:r="http://schemas.openxmlformats.org/officeDocument/2006/relationships" xmlns:p="http://schemas.openxmlformats.org/presentationml/2006/main">
+  <p:cSld>
+    <p:spTree>
+      <p:nvGrpSpPr>
+        <p:cNvPr id="1" name=""/>
+        <p:cNvGrpSpPr/>
+        <p:nvPr/>
+      </p:nvGrpSpPr>
+      <p:grpSpPr>
+        <a:xfrm>
+          <a:off x="0" y="0"/>
+          <a:ext cx="0" cy="0"/>
+          <a:chOff x="0" y="0"/>
+          <a:chExt cx="0" cy="0"/>
+        </a:xfrm>
+      </p:grpSpPr>
+      <p:pic>
+        <p:nvPicPr>
+          <p:cNvPr id="6" name="Picture 5">
+            <a:extLst>
+              <a:ext uri="{FF2B5EF4-FFF2-40B4-BE49-F238E27FC236}">
+                <a16:creationId xmlns:a16="http://schemas.microsoft.com/office/drawing/2014/main" id="{73478F12-1E88-BE65-DABC-BC250FE314A2}"/>
+              </a:ext>
+            </a:extLst>
+          </p:cNvPr>
+          <p:cNvPicPr>
+            <a:picLocks noChangeAspect="1"/>
+          </p:cNvPicPr>
+          <p:nvPr/>
+        </p:nvPicPr>
+        <p:blipFill>
+          <a:blip r:embed="rId2"/>
+          <a:stretch>
+            <a:fillRect/>
+          </a:stretch>
+        </p:blipFill>
+        <p:spPr>
+          <a:xfrm>
+            <a:off x="181567" y="4627385"/>
+            <a:ext cx="5082980" cy="1242168"/>
+          </a:xfrm>
+          <a:prstGeom prst="rect">
+            <a:avLst/>
+          </a:prstGeom>
+        </p:spPr>
+      </p:pic>
+      <p:pic>
+        <p:nvPicPr>
+          <p:cNvPr id="8" name="Picture 7">
+            <a:extLst>
+              <a:ext uri="{FF2B5EF4-FFF2-40B4-BE49-F238E27FC236}">
+                <a16:creationId xmlns:a16="http://schemas.microsoft.com/office/drawing/2014/main" id="{10D14D9A-0971-438A-0399-4C87AE5A4D12}"/>
+              </a:ext>
+            </a:extLst>
+          </p:cNvPr>
+          <p:cNvPicPr>
+            <a:picLocks noChangeAspect="1"/>
+          </p:cNvPicPr>
+          <p:nvPr/>
+        </p:nvPicPr>
+        <p:blipFill>
+          <a:blip r:embed="rId3"/>
+          <a:stretch>
+            <a:fillRect/>
+          </a:stretch>
+        </p:blipFill>
+        <p:spPr>
+          <a:xfrm>
+            <a:off x="181567" y="240988"/>
+            <a:ext cx="6717249" cy="3873811"/>
+          </a:xfrm>
+          <a:prstGeom prst="rect">
+            <a:avLst/>
+          </a:prstGeom>
+        </p:spPr>
+      </p:pic>
+    </p:spTree>
+    <p:extLst>
+      <p:ext uri="{BB962C8B-B14F-4D97-AF65-F5344CB8AC3E}">
+        <p14:creationId xmlns:p14="http://schemas.microsoft.com/office/powerpoint/2010/main" val="3741215690"/>
+      </p:ext>
+    </p:extLst>
+  </p:cSld>
+  <p:clrMapOvr>
+    <a:masterClrMapping/>
+  </p:clrMapOvr>
+</p:sld>
+</file>
+
+<file path=ppt/slides/slide6.xml><?xml version="1.0" encoding="utf-8"?>
 <p:sld xmlns:a="http://schemas.openxmlformats.org/drawingml/2006/main" xmlns:r="http://schemas.openxmlformats.org/officeDocument/2006/relationships" xmlns:p="http://schemas.openxmlformats.org/presentationml/2006/main">
   <p:cSld>
     <p:spTree>
@@ -6047,7 +11072,7 @@
 </p:sld>
 </file>
 
-<file path=ppt/slides/slide4.xml><?xml version="1.0" encoding="utf-8"?>
+<file path=ppt/slides/slide7.xml><?xml version="1.0" encoding="utf-8"?>
 <p:sld xmlns:a="http://schemas.openxmlformats.org/drawingml/2006/main" xmlns:r="http://schemas.openxmlformats.org/officeDocument/2006/relationships" xmlns:p="http://schemas.openxmlformats.org/presentationml/2006/main">
   <p:cSld>
     <p:spTree>
@@ -6097,71 +11122,6 @@
               <a:t>Create a student table to store the following details</a:t>
             </a:r>
             <a:endParaRPr lang="en-IN" dirty="0"/>
-          </a:p>
-        </p:txBody>
-      </p:sp>
-      <p:sp>
-        <p:nvSpPr>
-          <p:cNvPr id="4" name="TextBox 3">
-            <a:extLst>
-              <a:ext uri="{FF2B5EF4-FFF2-40B4-BE49-F238E27FC236}">
-                <a16:creationId xmlns:a16="http://schemas.microsoft.com/office/drawing/2014/main" id="{25945B5F-24F5-1846-5AC3-DF58F03B94B3}"/>
-              </a:ext>
-            </a:extLst>
-          </p:cNvPr>
-          <p:cNvSpPr txBox="1"/>
-          <p:nvPr/>
-        </p:nvSpPr>
-        <p:spPr>
-          <a:xfrm>
-            <a:off x="7919358" y="2380880"/>
-            <a:ext cx="3949181" cy="1754326"/>
-          </a:xfrm>
-          <a:prstGeom prst="rect">
-            <a:avLst/>
-          </a:prstGeom>
-          <a:noFill/>
-        </p:spPr>
-        <p:txBody>
-          <a:bodyPr wrap="square">
-            <a:spAutoFit/>
-          </a:bodyPr>
-          <a:lstStyle/>
-          <a:p>
-            <a:r>
-              <a:rPr lang="en-IN" dirty="0"/>
-              <a:t>create table student</a:t>
-            </a:r>
-          </a:p>
-          <a:p>
-            <a:r>
-              <a:rPr lang="en-IN" dirty="0"/>
-              <a:t>(</a:t>
-            </a:r>
-          </a:p>
-          <a:p>
-            <a:r>
-              <a:rPr lang="en-IN" dirty="0"/>
-              <a:t>	name VARCHAR(200),	</a:t>
-            </a:r>
-          </a:p>
-          <a:p>
-            <a:r>
-              <a:rPr lang="en-IN" dirty="0"/>
-              <a:t>	age INT,	</a:t>
-            </a:r>
-          </a:p>
-          <a:p>
-            <a:r>
-              <a:rPr lang="en-IN" dirty="0"/>
-              <a:t>	score INT</a:t>
-            </a:r>
-          </a:p>
-          <a:p>
-            <a:r>
-              <a:rPr lang="en-IN" dirty="0"/>
-              <a:t>);</a:t>
-            </a:r>
           </a:p>
         </p:txBody>
       </p:sp>
@@ -6271,6 +11231,76 @@
           </a:p>
         </p:txBody>
       </p:sp>
+      <p:sp>
+        <p:nvSpPr>
+          <p:cNvPr id="3" name="TextBox 2">
+            <a:extLst>
+              <a:ext uri="{FF2B5EF4-FFF2-40B4-BE49-F238E27FC236}">
+                <a16:creationId xmlns:a16="http://schemas.microsoft.com/office/drawing/2014/main" id="{7385363A-2E9B-3322-C964-9777F3253367}"/>
+              </a:ext>
+            </a:extLst>
+          </p:cNvPr>
+          <p:cNvSpPr txBox="1"/>
+          <p:nvPr/>
+        </p:nvSpPr>
+        <p:spPr>
+          <a:xfrm>
+            <a:off x="8044794" y="2380880"/>
+            <a:ext cx="2689549" cy="1384995"/>
+          </a:xfrm>
+          <a:prstGeom prst="rect">
+            <a:avLst/>
+          </a:prstGeom>
+          <a:solidFill>
+            <a:schemeClr val="accent3">
+              <a:lumMod val="20000"/>
+              <a:lumOff val="80000"/>
+            </a:schemeClr>
+          </a:solidFill>
+        </p:spPr>
+        <p:txBody>
+          <a:bodyPr wrap="square">
+            <a:spAutoFit/>
+          </a:bodyPr>
+          <a:lstStyle/>
+          <a:p>
+            <a:r>
+              <a:rPr lang="en-IN" sz="1400" dirty="0"/>
+              <a:t>create table student</a:t>
+            </a:r>
+          </a:p>
+          <a:p>
+            <a:r>
+              <a:rPr lang="en-IN" sz="1400" dirty="0"/>
+              <a:t>(</a:t>
+            </a:r>
+          </a:p>
+          <a:p>
+            <a:r>
+              <a:rPr lang="en-IN" sz="1400" dirty="0"/>
+              <a:t>	name VARCHAR(200),</a:t>
+            </a:r>
+          </a:p>
+          <a:p>
+            <a:r>
+              <a:rPr lang="en-IN" sz="1400" dirty="0"/>
+              <a:t>	age INT,	</a:t>
+            </a:r>
+          </a:p>
+          <a:p>
+            <a:r>
+              <a:rPr lang="en-IN" sz="1400" dirty="0"/>
+              <a:t>	score INT</a:t>
+            </a:r>
+          </a:p>
+          <a:p>
+            <a:r>
+              <a:rPr lang="en-IN" sz="1400" dirty="0"/>
+              <a:t>);</a:t>
+            </a:r>
+          </a:p>
+        </p:txBody>
+      </p:sp>
     </p:spTree>
     <p:extLst>
       <p:ext uri="{BB962C8B-B14F-4D97-AF65-F5344CB8AC3E}">
@@ -6284,7 +11314,7 @@
 </p:sld>
 </file>
 
-<file path=ppt/slides/slide5.xml><?xml version="1.0" encoding="utf-8"?>
+<file path=ppt/slides/slide8.xml><?xml version="1.0" encoding="utf-8"?>
 <p:sld xmlns:a="http://schemas.openxmlformats.org/drawingml/2006/main" xmlns:r="http://schemas.openxmlformats.org/officeDocument/2006/relationships" xmlns:p="http://schemas.openxmlformats.org/presentationml/2006/main">
   <p:cSld>
     <p:spTree>
@@ -6424,7 +11454,7 @@
 </p:sld>
 </file>
 
-<file path=ppt/slides/slide6.xml><?xml version="1.0" encoding="utf-8"?>
+<file path=ppt/slides/slide9.xml><?xml version="1.0" encoding="utf-8"?>
 <p:sld xmlns:a="http://schemas.openxmlformats.org/drawingml/2006/main" xmlns:r="http://schemas.openxmlformats.org/officeDocument/2006/relationships" xmlns:p="http://schemas.openxmlformats.org/presentationml/2006/main">
   <p:cSld>
     <p:spTree>
@@ -6521,65 +11551,6 @@
           </a:p>
         </p:txBody>
       </p:sp>
-      <p:sp>
-        <p:nvSpPr>
-          <p:cNvPr id="10" name="TextBox 9">
-            <a:extLst>
-              <a:ext uri="{FF2B5EF4-FFF2-40B4-BE49-F238E27FC236}">
-                <a16:creationId xmlns:a16="http://schemas.microsoft.com/office/drawing/2014/main" id="{4BD658DA-CDCE-D726-B64D-8C3F7E0479D2}"/>
-              </a:ext>
-            </a:extLst>
-          </p:cNvPr>
-          <p:cNvSpPr txBox="1"/>
-          <p:nvPr/>
-        </p:nvSpPr>
-        <p:spPr>
-          <a:xfrm>
-            <a:off x="7921896" y="2368717"/>
-            <a:ext cx="3631940" cy="1477328"/>
-          </a:xfrm>
-          <a:prstGeom prst="rect">
-            <a:avLst/>
-          </a:prstGeom>
-          <a:noFill/>
-        </p:spPr>
-        <p:txBody>
-          <a:bodyPr wrap="square">
-            <a:spAutoFit/>
-          </a:bodyPr>
-          <a:lstStyle/>
-          <a:p>
-            <a:r>
-              <a:rPr lang="en-IN" dirty="0"/>
-              <a:t>INSERT INTO	</a:t>
-            </a:r>
-          </a:p>
-          <a:p>
-            <a:r>
-              <a:rPr lang="en-IN" dirty="0"/>
-              <a:t>	player (name, age, score)</a:t>
-            </a:r>
-          </a:p>
-          <a:p>
-            <a:r>
-              <a:rPr lang="en-IN" dirty="0"/>
-              <a:t>VALUES	</a:t>
-            </a:r>
-          </a:p>
-          <a:p>
-            <a:r>
-              <a:rPr lang="en-IN" dirty="0"/>
-              <a:t>	("Rakesh", 39, 35),	</a:t>
-            </a:r>
-          </a:p>
-          <a:p>
-            <a:r>
-              <a:rPr lang="en-IN" dirty="0"/>
-              <a:t>	("Sai", 47, 30);	</a:t>
-            </a:r>
-          </a:p>
-        </p:txBody>
-      </p:sp>
       <p:pic>
         <p:nvPicPr>
           <p:cNvPr id="12" name="Picture 11">
@@ -6610,228 +11581,12 @@
           </a:prstGeom>
         </p:spPr>
       </p:pic>
-    </p:spTree>
-    <p:extLst>
-      <p:ext uri="{BB962C8B-B14F-4D97-AF65-F5344CB8AC3E}">
-        <p14:creationId xmlns:p14="http://schemas.microsoft.com/office/powerpoint/2010/main" val="495228036"/>
-      </p:ext>
-    </p:extLst>
-  </p:cSld>
-  <p:clrMapOvr>
-    <a:masterClrMapping/>
-  </p:clrMapOvr>
-</p:sld>
-</file>
-
-<file path=ppt/slides/slide7.xml><?xml version="1.0" encoding="utf-8"?>
-<p:sld xmlns:a="http://schemas.openxmlformats.org/drawingml/2006/main" xmlns:r="http://schemas.openxmlformats.org/officeDocument/2006/relationships" xmlns:p="http://schemas.openxmlformats.org/presentationml/2006/main">
-  <p:cSld>
-    <p:spTree>
-      <p:nvGrpSpPr>
-        <p:cNvPr id="1" name=""/>
-        <p:cNvGrpSpPr/>
-        <p:nvPr/>
-      </p:nvGrpSpPr>
-      <p:grpSpPr>
-        <a:xfrm>
-          <a:off x="0" y="0"/>
-          <a:ext cx="0" cy="0"/>
-          <a:chOff x="0" y="0"/>
-          <a:chExt cx="0" cy="0"/>
-        </a:xfrm>
-      </p:grpSpPr>
-      <p:pic>
-        <p:nvPicPr>
-          <p:cNvPr id="3" name="Picture 2">
-            <a:extLst>
-              <a:ext uri="{FF2B5EF4-FFF2-40B4-BE49-F238E27FC236}">
-                <a16:creationId xmlns:a16="http://schemas.microsoft.com/office/drawing/2014/main" id="{23A9669B-9214-05C6-9AF7-E8BEE65E77D7}"/>
-              </a:ext>
-            </a:extLst>
-          </p:cNvPr>
-          <p:cNvPicPr>
-            <a:picLocks noChangeAspect="1"/>
-          </p:cNvPicPr>
-          <p:nvPr/>
-        </p:nvPicPr>
-        <p:blipFill>
-          <a:blip r:embed="rId2"/>
-          <a:stretch>
-            <a:fillRect/>
-          </a:stretch>
-        </p:blipFill>
-        <p:spPr>
-          <a:xfrm>
-            <a:off x="1032520" y="164174"/>
-            <a:ext cx="2662401" cy="1757184"/>
-          </a:xfrm>
-          <a:prstGeom prst="rect">
-            <a:avLst/>
-          </a:prstGeom>
-        </p:spPr>
-      </p:pic>
       <p:sp>
         <p:nvSpPr>
-          <p:cNvPr id="4" name="Arrow: Right 3">
-            <a:extLst>
-              <a:ext uri="{FF2B5EF4-FFF2-40B4-BE49-F238E27FC236}">
-                <a16:creationId xmlns:a16="http://schemas.microsoft.com/office/drawing/2014/main" id="{41A4789A-F467-3DFC-57D0-80B1751AEC4E}"/>
-              </a:ext>
-            </a:extLst>
-          </p:cNvPr>
-          <p:cNvSpPr/>
-          <p:nvPr/>
-        </p:nvSpPr>
-        <p:spPr>
-          <a:xfrm>
-            <a:off x="4337179" y="534248"/>
-            <a:ext cx="3517641" cy="1017037"/>
-          </a:xfrm>
-          <a:prstGeom prst="rightArrow">
-            <a:avLst/>
-          </a:prstGeom>
-        </p:spPr>
-        <p:style>
-          <a:lnRef idx="2">
-            <a:schemeClr val="accent1">
-              <a:shade val="15000"/>
-            </a:schemeClr>
-          </a:lnRef>
-          <a:fillRef idx="1">
-            <a:schemeClr val="accent1"/>
-          </a:fillRef>
-          <a:effectRef idx="0">
-            <a:schemeClr val="accent1"/>
-          </a:effectRef>
-          <a:fontRef idx="minor">
-            <a:schemeClr val="lt1"/>
-          </a:fontRef>
-        </p:style>
-        <p:txBody>
-          <a:bodyPr rtlCol="0" anchor="ctr"/>
-          <a:lstStyle/>
-          <a:p>
-            <a:pPr algn="ctr"/>
-            <a:r>
-              <a:rPr lang="en-US" dirty="0"/>
-              <a:t>Select only name and age</a:t>
-            </a:r>
-            <a:endParaRPr lang="en-IN" dirty="0"/>
-          </a:p>
-        </p:txBody>
-      </p:sp>
-      <p:pic>
-        <p:nvPicPr>
-          <p:cNvPr id="8" name="Picture 7">
-            <a:extLst>
-              <a:ext uri="{FF2B5EF4-FFF2-40B4-BE49-F238E27FC236}">
-                <a16:creationId xmlns:a16="http://schemas.microsoft.com/office/drawing/2014/main" id="{CF62EBB2-1A45-79BB-986E-0D48DF00A112}"/>
-              </a:ext>
-            </a:extLst>
-          </p:cNvPr>
-          <p:cNvPicPr>
-            <a:picLocks noChangeAspect="1"/>
-          </p:cNvPicPr>
-          <p:nvPr/>
-        </p:nvPicPr>
-        <p:blipFill>
-          <a:blip r:embed="rId3"/>
-          <a:stretch>
-            <a:fillRect/>
-          </a:stretch>
-        </p:blipFill>
-        <p:spPr>
-          <a:xfrm>
-            <a:off x="8282501" y="164174"/>
-            <a:ext cx="1943850" cy="1699259"/>
-          </a:xfrm>
-          <a:prstGeom prst="rect">
-            <a:avLst/>
-          </a:prstGeom>
-        </p:spPr>
-      </p:pic>
-      <p:pic>
-        <p:nvPicPr>
-          <p:cNvPr id="12" name="Picture 11">
-            <a:extLst>
-              <a:ext uri="{FF2B5EF4-FFF2-40B4-BE49-F238E27FC236}">
-                <a16:creationId xmlns:a16="http://schemas.microsoft.com/office/drawing/2014/main" id="{02E53C69-840B-FD4A-241F-50BC561D0334}"/>
-              </a:ext>
-            </a:extLst>
-          </p:cNvPr>
-          <p:cNvPicPr>
-            <a:picLocks noChangeAspect="1"/>
-          </p:cNvPicPr>
-          <p:nvPr/>
-        </p:nvPicPr>
-        <p:blipFill>
-          <a:blip r:embed="rId4"/>
-          <a:stretch>
-            <a:fillRect/>
-          </a:stretch>
-        </p:blipFill>
-        <p:spPr>
-          <a:xfrm>
-            <a:off x="1331195" y="5131430"/>
-            <a:ext cx="1794560" cy="606983"/>
-          </a:xfrm>
-          <a:prstGeom prst="rect">
-            <a:avLst/>
-          </a:prstGeom>
-        </p:spPr>
-      </p:pic>
-      <p:sp>
-        <p:nvSpPr>
-          <p:cNvPr id="13" name="Arrow: Down 12">
-            <a:extLst>
-              <a:ext uri="{FF2B5EF4-FFF2-40B4-BE49-F238E27FC236}">
-                <a16:creationId xmlns:a16="http://schemas.microsoft.com/office/drawing/2014/main" id="{1870D57E-59B7-C772-8380-522415114DB3}"/>
-              </a:ext>
-            </a:extLst>
-          </p:cNvPr>
-          <p:cNvSpPr/>
-          <p:nvPr/>
-        </p:nvSpPr>
-        <p:spPr>
-          <a:xfrm>
-            <a:off x="1761944" y="2798010"/>
-            <a:ext cx="933062" cy="1922106"/>
-          </a:xfrm>
-          <a:prstGeom prst="downArrow">
-            <a:avLst/>
-          </a:prstGeom>
-        </p:spPr>
-        <p:style>
-          <a:lnRef idx="2">
-            <a:schemeClr val="accent1">
-              <a:shade val="15000"/>
-            </a:schemeClr>
-          </a:lnRef>
-          <a:fillRef idx="1">
-            <a:schemeClr val="accent1"/>
-          </a:fillRef>
-          <a:effectRef idx="0">
-            <a:schemeClr val="accent1"/>
-          </a:effectRef>
-          <a:fontRef idx="minor">
-            <a:schemeClr val="lt1"/>
-          </a:fontRef>
-        </p:style>
-        <p:txBody>
-          <a:bodyPr rtlCol="0" anchor="ctr"/>
-          <a:lstStyle/>
-          <a:p>
-            <a:pPr algn="ctr"/>
-            <a:endParaRPr lang="en-IN" dirty="0"/>
-          </a:p>
-        </p:txBody>
-      </p:sp>
-      <p:sp>
-        <p:nvSpPr>
-          <p:cNvPr id="15" name="TextBox 14">
-            <a:extLst>
-              <a:ext uri="{FF2B5EF4-FFF2-40B4-BE49-F238E27FC236}">
-                <a16:creationId xmlns:a16="http://schemas.microsoft.com/office/drawing/2014/main" id="{E3812E9A-B41D-7449-60DF-FD3FB8EAEC6F}"/>
+          <p:cNvPr id="2" name="TextBox 1">
+            <a:extLst>
+              <a:ext uri="{FF2B5EF4-FFF2-40B4-BE49-F238E27FC236}">
+                <a16:creationId xmlns:a16="http://schemas.microsoft.com/office/drawing/2014/main" id="{B4ACB56C-2B0A-E592-5856-34A937A70BE1}"/>
               </a:ext>
             </a:extLst>
           </p:cNvPr>
@@ -6840,165 +11595,18 @@
         </p:nvSpPr>
         <p:spPr>
           <a:xfrm>
-            <a:off x="2538991" y="2781221"/>
-            <a:ext cx="2132113" cy="1200329"/>
+            <a:off x="7921896" y="2251691"/>
+            <a:ext cx="3164243" cy="1169551"/>
           </a:xfrm>
           <a:prstGeom prst="rect">
             <a:avLst/>
           </a:prstGeom>
-          <a:noFill/>
-        </p:spPr>
-        <p:txBody>
-          <a:bodyPr wrap="square" rtlCol="0">
-            <a:spAutoFit/>
-          </a:bodyPr>
-          <a:lstStyle/>
-          <a:p>
-            <a:r>
-              <a:rPr lang="en-US" dirty="0"/>
-              <a:t>Select name, age from </a:t>
-            </a:r>
-          </a:p>
-          <a:p>
-            <a:r>
-              <a:rPr lang="en-US" dirty="0"/>
-              <a:t>Player table whose name is “Sai”</a:t>
-            </a:r>
-            <a:endParaRPr lang="en-IN" dirty="0"/>
-          </a:p>
-        </p:txBody>
-      </p:sp>
-    </p:spTree>
-    <p:extLst>
-      <p:ext uri="{BB962C8B-B14F-4D97-AF65-F5344CB8AC3E}">
-        <p14:creationId xmlns:p14="http://schemas.microsoft.com/office/powerpoint/2010/main" val="2807531647"/>
-      </p:ext>
-    </p:extLst>
-  </p:cSld>
-  <p:clrMapOvr>
-    <a:masterClrMapping/>
-  </p:clrMapOvr>
-</p:sld>
-</file>
-
-<file path=ppt/slides/slide8.xml><?xml version="1.0" encoding="utf-8"?>
-<p:sld xmlns:a="http://schemas.openxmlformats.org/drawingml/2006/main" xmlns:r="http://schemas.openxmlformats.org/officeDocument/2006/relationships" xmlns:p="http://schemas.openxmlformats.org/presentationml/2006/main">
-  <p:cSld>
-    <p:spTree>
-      <p:nvGrpSpPr>
-        <p:cNvPr id="1" name=""/>
-        <p:cNvGrpSpPr/>
-        <p:nvPr/>
-      </p:nvGrpSpPr>
-      <p:grpSpPr>
-        <a:xfrm>
-          <a:off x="0" y="0"/>
-          <a:ext cx="0" cy="0"/>
-          <a:chOff x="0" y="0"/>
-          <a:chExt cx="0" cy="0"/>
-        </a:xfrm>
-      </p:grpSpPr>
-      <p:pic>
-        <p:nvPicPr>
-          <p:cNvPr id="3" name="Picture 2">
-            <a:extLst>
-              <a:ext uri="{FF2B5EF4-FFF2-40B4-BE49-F238E27FC236}">
-                <a16:creationId xmlns:a16="http://schemas.microsoft.com/office/drawing/2014/main" id="{23A9669B-9214-05C6-9AF7-E8BEE65E77D7}"/>
-              </a:ext>
-            </a:extLst>
-          </p:cNvPr>
-          <p:cNvPicPr>
-            <a:picLocks noChangeAspect="1"/>
-          </p:cNvPicPr>
-          <p:nvPr/>
-        </p:nvPicPr>
-        <p:blipFill>
-          <a:blip r:embed="rId2"/>
-          <a:stretch>
-            <a:fillRect/>
-          </a:stretch>
-        </p:blipFill>
-        <p:spPr>
-          <a:xfrm>
-            <a:off x="1032520" y="164174"/>
-            <a:ext cx="2662401" cy="1757184"/>
-          </a:xfrm>
-          <a:prstGeom prst="rect">
-            <a:avLst/>
-          </a:prstGeom>
-        </p:spPr>
-      </p:pic>
-      <p:sp>
-        <p:nvSpPr>
-          <p:cNvPr id="4" name="Arrow: Right 3">
-            <a:extLst>
-              <a:ext uri="{FF2B5EF4-FFF2-40B4-BE49-F238E27FC236}">
-                <a16:creationId xmlns:a16="http://schemas.microsoft.com/office/drawing/2014/main" id="{41A4789A-F467-3DFC-57D0-80B1751AEC4E}"/>
-              </a:ext>
-            </a:extLst>
-          </p:cNvPr>
-          <p:cNvSpPr/>
-          <p:nvPr/>
-        </p:nvSpPr>
-        <p:spPr>
-          <a:xfrm>
-            <a:off x="4337179" y="534248"/>
-            <a:ext cx="3517641" cy="1017037"/>
-          </a:xfrm>
-          <a:prstGeom prst="rightArrow">
-            <a:avLst/>
-          </a:prstGeom>
-        </p:spPr>
-        <p:style>
-          <a:lnRef idx="2">
-            <a:schemeClr val="accent1">
-              <a:shade val="15000"/>
+          <a:solidFill>
+            <a:schemeClr val="accent3">
+              <a:lumMod val="20000"/>
+              <a:lumOff val="80000"/>
             </a:schemeClr>
-          </a:lnRef>
-          <a:fillRef idx="1">
-            <a:schemeClr val="accent1"/>
-          </a:fillRef>
-          <a:effectRef idx="0">
-            <a:schemeClr val="accent1"/>
-          </a:effectRef>
-          <a:fontRef idx="minor">
-            <a:schemeClr val="lt1"/>
-          </a:fontRef>
-        </p:style>
-        <p:txBody>
-          <a:bodyPr rtlCol="0" anchor="ctr"/>
-          <a:lstStyle/>
-          <a:p>
-            <a:pPr algn="ctr"/>
-            <a:r>
-              <a:rPr lang="en-US" dirty="0"/>
-              <a:t>Select only name and age</a:t>
-            </a:r>
-            <a:endParaRPr lang="en-IN" dirty="0"/>
-          </a:p>
-        </p:txBody>
-      </p:sp>
-      <p:sp>
-        <p:nvSpPr>
-          <p:cNvPr id="6" name="TextBox 5">
-            <a:extLst>
-              <a:ext uri="{FF2B5EF4-FFF2-40B4-BE49-F238E27FC236}">
-                <a16:creationId xmlns:a16="http://schemas.microsoft.com/office/drawing/2014/main" id="{A4F2C872-E381-9453-48D8-ED0AF7476960}"/>
-              </a:ext>
-            </a:extLst>
-          </p:cNvPr>
-          <p:cNvSpPr txBox="1"/>
-          <p:nvPr/>
-        </p:nvSpPr>
-        <p:spPr>
-          <a:xfrm>
-            <a:off x="993642" y="2059346"/>
-            <a:ext cx="2132113" cy="369332"/>
-          </a:xfrm>
-          <a:prstGeom prst="rect">
-            <a:avLst/>
-          </a:prstGeom>
-          <a:noFill/>
+          </a:solidFill>
         </p:spPr>
         <p:txBody>
           <a:bodyPr wrap="square">
@@ -7007,280 +11615,32 @@
           <a:lstStyle/>
           <a:p>
             <a:r>
-              <a:rPr lang="en-IN" dirty="0"/>
-              <a:t>select * from player;</a:t>
-            </a:r>
-          </a:p>
-        </p:txBody>
-      </p:sp>
-      <p:pic>
-        <p:nvPicPr>
-          <p:cNvPr id="8" name="Picture 7">
-            <a:extLst>
-              <a:ext uri="{FF2B5EF4-FFF2-40B4-BE49-F238E27FC236}">
-                <a16:creationId xmlns:a16="http://schemas.microsoft.com/office/drawing/2014/main" id="{CF62EBB2-1A45-79BB-986E-0D48DF00A112}"/>
-              </a:ext>
-            </a:extLst>
-          </p:cNvPr>
-          <p:cNvPicPr>
-            <a:picLocks noChangeAspect="1"/>
-          </p:cNvPicPr>
-          <p:nvPr/>
-        </p:nvPicPr>
-        <p:blipFill>
-          <a:blip r:embed="rId3"/>
-          <a:stretch>
-            <a:fillRect/>
-          </a:stretch>
-        </p:blipFill>
-        <p:spPr>
-          <a:xfrm>
-            <a:off x="8282501" y="164174"/>
-            <a:ext cx="1943850" cy="1699259"/>
-          </a:xfrm>
-          <a:prstGeom prst="rect">
-            <a:avLst/>
-          </a:prstGeom>
-        </p:spPr>
-      </p:pic>
-      <p:sp>
-        <p:nvSpPr>
-          <p:cNvPr id="10" name="TextBox 9">
-            <a:extLst>
-              <a:ext uri="{FF2B5EF4-FFF2-40B4-BE49-F238E27FC236}">
-                <a16:creationId xmlns:a16="http://schemas.microsoft.com/office/drawing/2014/main" id="{89CBEDC9-1699-9925-4578-A072DE09B9B4}"/>
-              </a:ext>
-            </a:extLst>
-          </p:cNvPr>
-          <p:cNvSpPr txBox="1"/>
-          <p:nvPr/>
-        </p:nvSpPr>
-        <p:spPr>
-          <a:xfrm>
-            <a:off x="8348566" y="2059346"/>
-            <a:ext cx="1971091" cy="1477328"/>
-          </a:xfrm>
-          <a:prstGeom prst="rect">
-            <a:avLst/>
-          </a:prstGeom>
-          <a:noFill/>
-        </p:spPr>
-        <p:txBody>
-          <a:bodyPr wrap="square">
-            <a:spAutoFit/>
-          </a:bodyPr>
-          <a:lstStyle/>
-          <a:p>
-            <a:r>
-              <a:rPr lang="en-IN" dirty="0"/>
-              <a:t>select 	</a:t>
-            </a:r>
-          </a:p>
-          <a:p>
-            <a:r>
-              <a:rPr lang="en-IN" dirty="0"/>
-              <a:t>	name,    </a:t>
-            </a:r>
-          </a:p>
-          <a:p>
-            <a:r>
-              <a:rPr lang="en-IN" dirty="0"/>
-              <a:t>	age</a:t>
-            </a:r>
-          </a:p>
-          <a:p>
-            <a:r>
-              <a:rPr lang="en-IN" dirty="0"/>
-              <a:t>from 	</a:t>
-            </a:r>
-          </a:p>
-          <a:p>
-            <a:r>
-              <a:rPr lang="en-IN" dirty="0"/>
-              <a:t>	player;</a:t>
-            </a:r>
-          </a:p>
-        </p:txBody>
-      </p:sp>
-      <p:pic>
-        <p:nvPicPr>
-          <p:cNvPr id="12" name="Picture 11">
-            <a:extLst>
-              <a:ext uri="{FF2B5EF4-FFF2-40B4-BE49-F238E27FC236}">
-                <a16:creationId xmlns:a16="http://schemas.microsoft.com/office/drawing/2014/main" id="{02E53C69-840B-FD4A-241F-50BC561D0334}"/>
-              </a:ext>
-            </a:extLst>
-          </p:cNvPr>
-          <p:cNvPicPr>
-            <a:picLocks noChangeAspect="1"/>
-          </p:cNvPicPr>
-          <p:nvPr/>
-        </p:nvPicPr>
-        <p:blipFill>
-          <a:blip r:embed="rId4"/>
-          <a:stretch>
-            <a:fillRect/>
-          </a:stretch>
-        </p:blipFill>
-        <p:spPr>
-          <a:xfrm>
-            <a:off x="1331195" y="5131430"/>
-            <a:ext cx="1794560" cy="606983"/>
-          </a:xfrm>
-          <a:prstGeom prst="rect">
-            <a:avLst/>
-          </a:prstGeom>
-        </p:spPr>
-      </p:pic>
-      <p:sp>
-        <p:nvSpPr>
-          <p:cNvPr id="13" name="Arrow: Down 12">
-            <a:extLst>
-              <a:ext uri="{FF2B5EF4-FFF2-40B4-BE49-F238E27FC236}">
-                <a16:creationId xmlns:a16="http://schemas.microsoft.com/office/drawing/2014/main" id="{1870D57E-59B7-C772-8380-522415114DB3}"/>
-              </a:ext>
-            </a:extLst>
-          </p:cNvPr>
-          <p:cNvSpPr/>
-          <p:nvPr/>
-        </p:nvSpPr>
-        <p:spPr>
-          <a:xfrm>
-            <a:off x="1761944" y="2798010"/>
-            <a:ext cx="933062" cy="1922106"/>
-          </a:xfrm>
-          <a:prstGeom prst="downArrow">
-            <a:avLst/>
-          </a:prstGeom>
-        </p:spPr>
-        <p:style>
-          <a:lnRef idx="2">
-            <a:schemeClr val="accent1">
-              <a:shade val="15000"/>
-            </a:schemeClr>
-          </a:lnRef>
-          <a:fillRef idx="1">
-            <a:schemeClr val="accent1"/>
-          </a:fillRef>
-          <a:effectRef idx="0">
-            <a:schemeClr val="accent1"/>
-          </a:effectRef>
-          <a:fontRef idx="minor">
-            <a:schemeClr val="lt1"/>
-          </a:fontRef>
-        </p:style>
-        <p:txBody>
-          <a:bodyPr rtlCol="0" anchor="ctr"/>
-          <a:lstStyle/>
-          <a:p>
-            <a:pPr algn="ctr"/>
-            <a:endParaRPr lang="en-IN" dirty="0"/>
-          </a:p>
-        </p:txBody>
-      </p:sp>
-      <p:sp>
-        <p:nvSpPr>
-          <p:cNvPr id="15" name="TextBox 14">
-            <a:extLst>
-              <a:ext uri="{FF2B5EF4-FFF2-40B4-BE49-F238E27FC236}">
-                <a16:creationId xmlns:a16="http://schemas.microsoft.com/office/drawing/2014/main" id="{E3812E9A-B41D-7449-60DF-FD3FB8EAEC6F}"/>
-              </a:ext>
-            </a:extLst>
-          </p:cNvPr>
-          <p:cNvSpPr txBox="1"/>
-          <p:nvPr/>
-        </p:nvSpPr>
-        <p:spPr>
-          <a:xfrm>
-            <a:off x="2538991" y="2781221"/>
-            <a:ext cx="2132113" cy="1200329"/>
-          </a:xfrm>
-          <a:prstGeom prst="rect">
-            <a:avLst/>
-          </a:prstGeom>
-          <a:noFill/>
-        </p:spPr>
-        <p:txBody>
-          <a:bodyPr wrap="square" rtlCol="0">
-            <a:spAutoFit/>
-          </a:bodyPr>
-          <a:lstStyle/>
-          <a:p>
-            <a:r>
-              <a:rPr lang="en-US" dirty="0"/>
-              <a:t>Select name, age from </a:t>
-            </a:r>
-          </a:p>
-          <a:p>
-            <a:r>
-              <a:rPr lang="en-US" dirty="0"/>
-              <a:t>Player table whose name is “Sai”</a:t>
-            </a:r>
-            <a:endParaRPr lang="en-IN" dirty="0"/>
-          </a:p>
-        </p:txBody>
-      </p:sp>
-      <p:sp>
-        <p:nvSpPr>
-          <p:cNvPr id="17" name="TextBox 16">
-            <a:extLst>
-              <a:ext uri="{FF2B5EF4-FFF2-40B4-BE49-F238E27FC236}">
-                <a16:creationId xmlns:a16="http://schemas.microsoft.com/office/drawing/2014/main" id="{DE94B763-A763-F743-1C8C-5E604222FE1D}"/>
-              </a:ext>
-            </a:extLst>
-          </p:cNvPr>
-          <p:cNvSpPr txBox="1"/>
-          <p:nvPr/>
-        </p:nvSpPr>
-        <p:spPr>
-          <a:xfrm>
-            <a:off x="3236557" y="4841413"/>
-            <a:ext cx="6097554" cy="1754326"/>
-          </a:xfrm>
-          <a:prstGeom prst="rect">
-            <a:avLst/>
-          </a:prstGeom>
-          <a:noFill/>
-        </p:spPr>
-        <p:txBody>
-          <a:bodyPr wrap="square">
-            <a:spAutoFit/>
-          </a:bodyPr>
-          <a:lstStyle/>
-          <a:p>
-            <a:r>
-              <a:rPr lang="en-IN" dirty="0"/>
-              <a:t>select 	</a:t>
-            </a:r>
-          </a:p>
-          <a:p>
-            <a:r>
-              <a:rPr lang="en-IN" dirty="0"/>
-              <a:t>	name, age</a:t>
-            </a:r>
-          </a:p>
-          <a:p>
-            <a:r>
-              <a:rPr lang="en-IN" dirty="0"/>
-              <a:t>from 	</a:t>
-            </a:r>
-          </a:p>
-          <a:p>
-            <a:r>
-              <a:rPr lang="en-IN" dirty="0"/>
-              <a:t>	player</a:t>
-            </a:r>
-          </a:p>
-          <a:p>
-            <a:r>
-              <a:rPr lang="en-IN" dirty="0"/>
-              <a:t>where 	</a:t>
-            </a:r>
-          </a:p>
-          <a:p>
-            <a:r>
-              <a:rPr lang="en-IN" dirty="0"/>
-              <a:t>	name = “Sai"</a:t>
+              <a:rPr lang="en-IN" sz="1400" dirty="0"/>
+              <a:t>INSERT INTO	</a:t>
+            </a:r>
+          </a:p>
+          <a:p>
+            <a:r>
+              <a:rPr lang="en-IN" sz="1400" dirty="0"/>
+              <a:t>	player (name, age, score)</a:t>
+            </a:r>
+          </a:p>
+          <a:p>
+            <a:r>
+              <a:rPr lang="en-IN" sz="1400" dirty="0"/>
+              <a:t>VALUES	</a:t>
+            </a:r>
+          </a:p>
+          <a:p>
+            <a:r>
+              <a:rPr lang="en-IN" sz="1400" dirty="0"/>
+              <a:t>	("Rakesh", 39, 35),	</a:t>
+            </a:r>
+          </a:p>
+          <a:p>
+            <a:r>
+              <a:rPr lang="en-IN" sz="1400" dirty="0"/>
+              <a:t>	("Sai", 47, 30);	</a:t>
             </a:r>
           </a:p>
         </p:txBody>
@@ -7288,147 +11648,7 @@
     </p:spTree>
     <p:extLst>
       <p:ext uri="{BB962C8B-B14F-4D97-AF65-F5344CB8AC3E}">
-        <p14:creationId xmlns:p14="http://schemas.microsoft.com/office/powerpoint/2010/main" val="2171306974"/>
-      </p:ext>
-    </p:extLst>
-  </p:cSld>
-  <p:clrMapOvr>
-    <a:masterClrMapping/>
-  </p:clrMapOvr>
-</p:sld>
-</file>
-
-<file path=ppt/slides/slide9.xml><?xml version="1.0" encoding="utf-8"?>
-<p:sld xmlns:a="http://schemas.openxmlformats.org/drawingml/2006/main" xmlns:r="http://schemas.openxmlformats.org/officeDocument/2006/relationships" xmlns:p="http://schemas.openxmlformats.org/presentationml/2006/main">
-  <p:cSld>
-    <p:spTree>
-      <p:nvGrpSpPr>
-        <p:cNvPr id="1" name=""/>
-        <p:cNvGrpSpPr/>
-        <p:nvPr/>
-      </p:nvGrpSpPr>
-      <p:grpSpPr>
-        <a:xfrm>
-          <a:off x="0" y="0"/>
-          <a:ext cx="0" cy="0"/>
-          <a:chOff x="0" y="0"/>
-          <a:chExt cx="0" cy="0"/>
-        </a:xfrm>
-      </p:grpSpPr>
-      <p:pic>
-        <p:nvPicPr>
-          <p:cNvPr id="2" name="Picture 1">
-            <a:extLst>
-              <a:ext uri="{FF2B5EF4-FFF2-40B4-BE49-F238E27FC236}">
-                <a16:creationId xmlns:a16="http://schemas.microsoft.com/office/drawing/2014/main" id="{6EBB2198-A52D-7CFB-4C07-E6BFE9CFABBA}"/>
-              </a:ext>
-            </a:extLst>
-          </p:cNvPr>
-          <p:cNvPicPr>
-            <a:picLocks noChangeAspect="1"/>
-          </p:cNvPicPr>
-          <p:nvPr/>
-        </p:nvPicPr>
-        <p:blipFill>
-          <a:blip r:embed="rId2"/>
-          <a:stretch>
-            <a:fillRect/>
-          </a:stretch>
-        </p:blipFill>
-        <p:spPr>
-          <a:xfrm>
-            <a:off x="1032520" y="164174"/>
-            <a:ext cx="2662401" cy="1757184"/>
-          </a:xfrm>
-          <a:prstGeom prst="rect">
-            <a:avLst/>
-          </a:prstGeom>
-        </p:spPr>
-      </p:pic>
-      <p:sp>
-        <p:nvSpPr>
-          <p:cNvPr id="4" name="Arrow: Right 3">
-            <a:extLst>
-              <a:ext uri="{FF2B5EF4-FFF2-40B4-BE49-F238E27FC236}">
-                <a16:creationId xmlns:a16="http://schemas.microsoft.com/office/drawing/2014/main" id="{D438B38F-1820-F21A-236D-BC4A31CBDAAF}"/>
-              </a:ext>
-            </a:extLst>
-          </p:cNvPr>
-          <p:cNvSpPr/>
-          <p:nvPr/>
-        </p:nvSpPr>
-        <p:spPr>
-          <a:xfrm>
-            <a:off x="4337179" y="534248"/>
-            <a:ext cx="3517641" cy="1017037"/>
-          </a:xfrm>
-          <a:prstGeom prst="rightArrow">
-            <a:avLst/>
-          </a:prstGeom>
-        </p:spPr>
-        <p:style>
-          <a:lnRef idx="2">
-            <a:schemeClr val="accent1">
-              <a:shade val="15000"/>
-            </a:schemeClr>
-          </a:lnRef>
-          <a:fillRef idx="1">
-            <a:schemeClr val="accent1"/>
-          </a:fillRef>
-          <a:effectRef idx="0">
-            <a:schemeClr val="accent1"/>
-          </a:effectRef>
-          <a:fontRef idx="minor">
-            <a:schemeClr val="lt1"/>
-          </a:fontRef>
-        </p:style>
-        <p:txBody>
-          <a:bodyPr rtlCol="0" anchor="ctr"/>
-          <a:lstStyle/>
-          <a:p>
-            <a:pPr algn="ctr"/>
-            <a:r>
-              <a:rPr lang="en-US" dirty="0"/>
-              <a:t>Update score of Ram to 100</a:t>
-            </a:r>
-            <a:endParaRPr lang="en-IN" dirty="0"/>
-          </a:p>
-        </p:txBody>
-      </p:sp>
-      <p:pic>
-        <p:nvPicPr>
-          <p:cNvPr id="8" name="Picture 7">
-            <a:extLst>
-              <a:ext uri="{FF2B5EF4-FFF2-40B4-BE49-F238E27FC236}">
-                <a16:creationId xmlns:a16="http://schemas.microsoft.com/office/drawing/2014/main" id="{549308D5-5C91-D663-BC48-7BA4043E580C}"/>
-              </a:ext>
-            </a:extLst>
-          </p:cNvPr>
-          <p:cNvPicPr>
-            <a:picLocks noChangeAspect="1"/>
-          </p:cNvPicPr>
-          <p:nvPr/>
-        </p:nvPicPr>
-        <p:blipFill>
-          <a:blip r:embed="rId3"/>
-          <a:stretch>
-            <a:fillRect/>
-          </a:stretch>
-        </p:blipFill>
-        <p:spPr>
-          <a:xfrm>
-            <a:off x="8385889" y="164174"/>
-            <a:ext cx="2426196" cy="1754326"/>
-          </a:xfrm>
-          <a:prstGeom prst="rect">
-            <a:avLst/>
-          </a:prstGeom>
-        </p:spPr>
-      </p:pic>
-    </p:spTree>
-    <p:extLst>
-      <p:ext uri="{BB962C8B-B14F-4D97-AF65-F5344CB8AC3E}">
-        <p14:creationId xmlns:p14="http://schemas.microsoft.com/office/powerpoint/2010/main" val="1555591143"/>
+        <p14:creationId xmlns:p14="http://schemas.microsoft.com/office/powerpoint/2010/main" val="495228036"/>
       </p:ext>
     </p:extLst>
   </p:cSld>
